--- a/Etc/仕様書/siyousho.pptx
+++ b/Etc/仕様書/siyousho.pptx
@@ -9,9 +9,11 @@
     <p:sldId id="263" r:id="rId3"/>
     <p:sldId id="257" r:id="rId4"/>
     <p:sldId id="258" r:id="rId5"/>
-    <p:sldId id="259" r:id="rId6"/>
-    <p:sldId id="260" r:id="rId7"/>
-    <p:sldId id="261" r:id="rId8"/>
+    <p:sldId id="264" r:id="rId6"/>
+    <p:sldId id="259" r:id="rId7"/>
+    <p:sldId id="265" r:id="rId8"/>
+    <p:sldId id="260" r:id="rId9"/>
+    <p:sldId id="261" r:id="rId10"/>
   </p:sldIdLst>
   <p:sldSz cx="12192000" cy="6858000"/>
   <p:notesSz cx="6858000" cy="9144000"/>
@@ -3754,7 +3756,7 @@
           <a:p>
             <a:r>
               <a:rPr kumimoji="1" lang="ja-JP" altLang="en-US" sz="4000" b="1" dirty="0" smtClean="0"/>
-              <a:t>ホーム画面仕様</a:t>
+              <a:t>ホームシーン仕様</a:t>
             </a:r>
             <a:endParaRPr kumimoji="1" lang="ja-JP" altLang="en-US" sz="4000" b="1" dirty="0"/>
           </a:p>
@@ -4357,7 +4359,7 @@
         <p:spPr>
           <a:xfrm>
             <a:off x="839788" y="457200"/>
-            <a:ext cx="5502823" cy="1600200"/>
+            <a:ext cx="6193414" cy="1600200"/>
           </a:xfrm>
         </p:spPr>
         <p:txBody>
@@ -4368,7 +4370,7 @@
           <a:p>
             <a:r>
               <a:rPr kumimoji="1" lang="ja-JP" altLang="en-US" sz="4000" b="1" dirty="0" smtClean="0"/>
-              <a:t>アクション画面仕様</a:t>
+              <a:t>オプション画面</a:t>
             </a:r>
             <a:endParaRPr kumimoji="1" lang="ja-JP" altLang="en-US" sz="4000" b="1" dirty="0"/>
           </a:p>
@@ -4395,6 +4397,17 @@
             <a:normAutofit/>
           </a:bodyPr>
           <a:lstStyle/>
+          <a:p>
+            <a:r>
+              <a:rPr kumimoji="1" lang="en-US" altLang="ja-JP" sz="2000" dirty="0" smtClean="0"/>
+              <a:t>※</a:t>
+            </a:r>
+            <a:r>
+              <a:rPr kumimoji="1" lang="ja-JP" altLang="en-US" sz="2000" dirty="0" smtClean="0"/>
+              <a:t>赤線内</a:t>
+            </a:r>
+            <a:endParaRPr kumimoji="1" lang="en-US" altLang="ja-JP" sz="2000" dirty="0" smtClean="0"/>
+          </a:p>
           <a:p>
             <a:pPr marL="457200" indent="-457200">
               <a:buFont typeface="+mj-ea"/>
@@ -4402,7 +4415,15 @@
             </a:pPr>
             <a:r>
               <a:rPr kumimoji="1" lang="ja-JP" altLang="en-US" sz="2000" dirty="0" smtClean="0"/>
-              <a:t>タイムの表示、テキストで表示</a:t>
+              <a:t>オプションの</a:t>
+            </a:r>
+            <a:r>
+              <a:rPr kumimoji="1" lang="en-US" altLang="ja-JP" sz="2000" dirty="0" smtClean="0"/>
+              <a:t>text</a:t>
+            </a:r>
+            <a:r>
+              <a:rPr kumimoji="1" lang="ja-JP" altLang="en-US" sz="2000" dirty="0" smtClean="0"/>
+              <a:t>を表示</a:t>
             </a:r>
             <a:endParaRPr kumimoji="1" lang="en-US" altLang="ja-JP" sz="2000" dirty="0" smtClean="0"/>
           </a:p>
@@ -4412,30 +4433,76 @@
               <a:buAutoNum type="circleNumDbPlain"/>
             </a:pPr>
             <a:r>
+              <a:rPr kumimoji="1" lang="en-US" altLang="ja-JP" sz="2000" dirty="0" smtClean="0"/>
+              <a:t>BGM</a:t>
+            </a:r>
+            <a:r>
               <a:rPr kumimoji="1" lang="ja-JP" altLang="en-US" sz="2000" dirty="0" smtClean="0"/>
-              <a:t>ポーズ画面の表示</a:t>
-            </a:r>
-            <a:endParaRPr lang="en-US" altLang="ja-JP" sz="2000" dirty="0"/>
-          </a:p>
-          <a:p>
+              <a:t>の</a:t>
+            </a:r>
             <a:r>
               <a:rPr kumimoji="1" lang="en-US" altLang="ja-JP" sz="2000" dirty="0" smtClean="0"/>
-              <a:t>   </a:t>
+              <a:t>text</a:t>
             </a:r>
             <a:r>
               <a:rPr kumimoji="1" lang="ja-JP" altLang="en-US" sz="2000" dirty="0" smtClean="0"/>
-              <a:t>（ボタン、項目は再開、リスタート、音量設定、</a:t>
+              <a:t>と変更用のスライダー</a:t>
             </a:r>
             <a:endParaRPr kumimoji="1" lang="en-US" altLang="ja-JP" sz="2000" dirty="0" smtClean="0"/>
           </a:p>
           <a:p>
+            <a:pPr marL="457200" indent="-457200">
+              <a:buFont typeface="+mj-ea"/>
+              <a:buAutoNum type="circleNumDbPlain"/>
+            </a:pPr>
+            <a:r>
+              <a:rPr lang="en-US" altLang="ja-JP" sz="2000" dirty="0" smtClean="0"/>
+              <a:t>SE</a:t>
+            </a:r>
             <a:r>
               <a:rPr lang="ja-JP" altLang="en-US" sz="2000" dirty="0" smtClean="0"/>
-              <a:t>　　</a:t>
-            </a:r>
+              <a:t>の</a:t>
+            </a:r>
+            <a:r>
+              <a:rPr lang="en-US" altLang="ja-JP" sz="2000" dirty="0" smtClean="0"/>
+              <a:t>text</a:t>
+            </a:r>
+            <a:r>
+              <a:rPr lang="ja-JP" altLang="en-US" sz="2000" dirty="0" smtClean="0"/>
+              <a:t>と変更用のスライダー</a:t>
+            </a:r>
+            <a:endParaRPr lang="en-US" altLang="ja-JP" sz="2000" dirty="0" smtClean="0"/>
+          </a:p>
+          <a:p>
+            <a:pPr marL="457200" indent="-457200">
+              <a:buFont typeface="+mj-ea"/>
+              <a:buAutoNum type="circleNumDbPlain"/>
+            </a:pPr>
             <a:r>
               <a:rPr kumimoji="1" lang="ja-JP" altLang="en-US" sz="2000" dirty="0" smtClean="0"/>
-              <a:t>ホームへ戻る）</a:t>
+              <a:t>タイトルシーンへ遷移するボタン</a:t>
+            </a:r>
+            <a:endParaRPr kumimoji="1" lang="en-US" altLang="ja-JP" sz="2000" dirty="0" smtClean="0"/>
+          </a:p>
+          <a:p>
+            <a:pPr marL="457200" indent="-457200">
+              <a:buFont typeface="+mj-ea"/>
+              <a:buAutoNum type="circleNumDbPlain"/>
+            </a:pPr>
+            <a:r>
+              <a:rPr kumimoji="1" lang="ja-JP" altLang="en-US" sz="2000" dirty="0" smtClean="0"/>
+              <a:t>育成キャラの名前を付け直すボタン</a:t>
+            </a:r>
+            <a:endParaRPr kumimoji="1" lang="en-US" altLang="ja-JP" sz="2000" dirty="0" smtClean="0"/>
+          </a:p>
+          <a:p>
+            <a:pPr marL="457200" indent="-457200">
+              <a:buFont typeface="+mj-ea"/>
+              <a:buAutoNum type="circleNumDbPlain"/>
+            </a:pPr>
+            <a:r>
+              <a:rPr lang="ja-JP" altLang="en-US" sz="2000" dirty="0" smtClean="0"/>
+              <a:t>育成をリセットして初めからやり直すボタン</a:t>
             </a:r>
             <a:endParaRPr kumimoji="1" lang="ja-JP" altLang="en-US" sz="2000" dirty="0"/>
           </a:p>
@@ -4484,7 +4551,7 @@
         </p:nvSpPr>
         <p:spPr>
           <a:xfrm>
-            <a:off x="7672648" y="307571"/>
+            <a:off x="7033517" y="2454424"/>
             <a:ext cx="324196" cy="299258"/>
           </a:xfrm>
           <a:prstGeom prst="ellipse">
@@ -4548,7 +4615,7 @@
         </p:nvSpPr>
         <p:spPr>
           <a:xfrm>
-            <a:off x="6990569" y="5951916"/>
+            <a:off x="7033517" y="3139440"/>
             <a:ext cx="324196" cy="299258"/>
           </a:xfrm>
           <a:prstGeom prst="ellipse">
@@ -4604,10 +4671,266 @@
           </a:p>
         </p:txBody>
       </p:sp>
+      <p:sp>
+        <p:nvSpPr>
+          <p:cNvPr id="7" name="楕円 6"/>
+          <p:cNvSpPr/>
+          <p:nvPr/>
+        </p:nvSpPr>
+        <p:spPr>
+          <a:xfrm>
+            <a:off x="7033517" y="3607603"/>
+            <a:ext cx="324196" cy="299258"/>
+          </a:xfrm>
+          <a:prstGeom prst="ellipse">
+            <a:avLst/>
+          </a:prstGeom>
+          <a:solidFill>
+            <a:schemeClr val="bg1"/>
+          </a:solidFill>
+          <a:ln>
+            <a:solidFill>
+              <a:schemeClr val="tx1"/>
+            </a:solidFill>
+          </a:ln>
+        </p:spPr>
+        <p:style>
+          <a:lnRef idx="2">
+            <a:schemeClr val="accent1">
+              <a:shade val="50000"/>
+            </a:schemeClr>
+          </a:lnRef>
+          <a:fillRef idx="1">
+            <a:schemeClr val="accent1"/>
+          </a:fillRef>
+          <a:effectRef idx="0">
+            <a:schemeClr val="accent1"/>
+          </a:effectRef>
+          <a:fontRef idx="minor">
+            <a:schemeClr val="lt1"/>
+          </a:fontRef>
+        </p:style>
+        <p:txBody>
+          <a:bodyPr rtlCol="0" anchor="ctr"/>
+          <a:lstStyle/>
+          <a:p>
+            <a:pPr algn="ctr"/>
+            <a:r>
+              <a:rPr lang="en-US" altLang="ja-JP" dirty="0">
+                <a:ln w="0"/>
+                <a:solidFill>
+                  <a:schemeClr val="tx1"/>
+                </a:solidFill>
+                <a:effectLst>
+                  <a:outerShdw blurRad="38100" dist="19050" dir="2700000" algn="tl" rotWithShape="0">
+                    <a:schemeClr val="dk1">
+                      <a:alpha val="40000"/>
+                    </a:schemeClr>
+                  </a:outerShdw>
+                </a:effectLst>
+              </a:rPr>
+              <a:t>3</a:t>
+            </a:r>
+            <a:endParaRPr kumimoji="1" lang="ja-JP" altLang="en-US" dirty="0"/>
+          </a:p>
+        </p:txBody>
+      </p:sp>
+      <p:sp>
+        <p:nvSpPr>
+          <p:cNvPr id="8" name="楕円 7"/>
+          <p:cNvSpPr/>
+          <p:nvPr/>
+        </p:nvSpPr>
+        <p:spPr>
+          <a:xfrm>
+            <a:off x="7033202" y="4075766"/>
+            <a:ext cx="324196" cy="299258"/>
+          </a:xfrm>
+          <a:prstGeom prst="ellipse">
+            <a:avLst/>
+          </a:prstGeom>
+          <a:solidFill>
+            <a:schemeClr val="bg1"/>
+          </a:solidFill>
+          <a:ln>
+            <a:solidFill>
+              <a:schemeClr val="tx1"/>
+            </a:solidFill>
+          </a:ln>
+        </p:spPr>
+        <p:style>
+          <a:lnRef idx="2">
+            <a:schemeClr val="accent1">
+              <a:shade val="50000"/>
+            </a:schemeClr>
+          </a:lnRef>
+          <a:fillRef idx="1">
+            <a:schemeClr val="accent1"/>
+          </a:fillRef>
+          <a:effectRef idx="0">
+            <a:schemeClr val="accent1"/>
+          </a:effectRef>
+          <a:fontRef idx="minor">
+            <a:schemeClr val="lt1"/>
+          </a:fontRef>
+        </p:style>
+        <p:txBody>
+          <a:bodyPr rtlCol="0" anchor="ctr"/>
+          <a:lstStyle/>
+          <a:p>
+            <a:pPr algn="ctr"/>
+            <a:r>
+              <a:rPr lang="en-US" altLang="ja-JP" dirty="0">
+                <a:ln w="0"/>
+                <a:solidFill>
+                  <a:schemeClr val="tx1"/>
+                </a:solidFill>
+                <a:effectLst>
+                  <a:outerShdw blurRad="38100" dist="19050" dir="2700000" algn="tl" rotWithShape="0">
+                    <a:schemeClr val="dk1">
+                      <a:alpha val="40000"/>
+                    </a:schemeClr>
+                  </a:outerShdw>
+                </a:effectLst>
+              </a:rPr>
+              <a:t>4</a:t>
+            </a:r>
+            <a:endParaRPr kumimoji="1" lang="ja-JP" altLang="en-US" dirty="0"/>
+          </a:p>
+        </p:txBody>
+      </p:sp>
+      <p:sp>
+        <p:nvSpPr>
+          <p:cNvPr id="11" name="楕円 10"/>
+          <p:cNvSpPr/>
+          <p:nvPr/>
+        </p:nvSpPr>
+        <p:spPr>
+          <a:xfrm>
+            <a:off x="8093636" y="4075766"/>
+            <a:ext cx="324196" cy="299258"/>
+          </a:xfrm>
+          <a:prstGeom prst="ellipse">
+            <a:avLst/>
+          </a:prstGeom>
+          <a:solidFill>
+            <a:schemeClr val="bg1"/>
+          </a:solidFill>
+          <a:ln>
+            <a:solidFill>
+              <a:schemeClr val="tx1"/>
+            </a:solidFill>
+          </a:ln>
+        </p:spPr>
+        <p:style>
+          <a:lnRef idx="2">
+            <a:schemeClr val="accent1">
+              <a:shade val="50000"/>
+            </a:schemeClr>
+          </a:lnRef>
+          <a:fillRef idx="1">
+            <a:schemeClr val="accent1"/>
+          </a:fillRef>
+          <a:effectRef idx="0">
+            <a:schemeClr val="accent1"/>
+          </a:effectRef>
+          <a:fontRef idx="minor">
+            <a:schemeClr val="lt1"/>
+          </a:fontRef>
+        </p:style>
+        <p:txBody>
+          <a:bodyPr rtlCol="0" anchor="ctr"/>
+          <a:lstStyle/>
+          <a:p>
+            <a:pPr algn="ctr"/>
+            <a:r>
+              <a:rPr lang="en-US" altLang="ja-JP" dirty="0">
+                <a:ln w="0"/>
+                <a:solidFill>
+                  <a:schemeClr val="tx1"/>
+                </a:solidFill>
+                <a:effectLst>
+                  <a:outerShdw blurRad="38100" dist="19050" dir="2700000" algn="tl" rotWithShape="0">
+                    <a:schemeClr val="dk1">
+                      <a:alpha val="40000"/>
+                    </a:schemeClr>
+                  </a:outerShdw>
+                </a:effectLst>
+              </a:rPr>
+              <a:t>5</a:t>
+            </a:r>
+            <a:endParaRPr kumimoji="1" lang="ja-JP" altLang="en-US" dirty="0"/>
+          </a:p>
+        </p:txBody>
+      </p:sp>
+      <p:sp>
+        <p:nvSpPr>
+          <p:cNvPr id="14" name="楕円 13"/>
+          <p:cNvSpPr/>
+          <p:nvPr/>
+        </p:nvSpPr>
+        <p:spPr>
+          <a:xfrm>
+            <a:off x="9269061" y="4075766"/>
+            <a:ext cx="324196" cy="299258"/>
+          </a:xfrm>
+          <a:prstGeom prst="ellipse">
+            <a:avLst/>
+          </a:prstGeom>
+          <a:solidFill>
+            <a:schemeClr val="bg1"/>
+          </a:solidFill>
+          <a:ln>
+            <a:solidFill>
+              <a:schemeClr val="tx1"/>
+            </a:solidFill>
+          </a:ln>
+        </p:spPr>
+        <p:style>
+          <a:lnRef idx="2">
+            <a:schemeClr val="accent1">
+              <a:shade val="50000"/>
+            </a:schemeClr>
+          </a:lnRef>
+          <a:fillRef idx="1">
+            <a:schemeClr val="accent1"/>
+          </a:fillRef>
+          <a:effectRef idx="0">
+            <a:schemeClr val="accent1"/>
+          </a:effectRef>
+          <a:fontRef idx="minor">
+            <a:schemeClr val="lt1"/>
+          </a:fontRef>
+        </p:style>
+        <p:txBody>
+          <a:bodyPr rtlCol="0" anchor="ctr"/>
+          <a:lstStyle/>
+          <a:p>
+            <a:pPr algn="ctr"/>
+            <a:r>
+              <a:rPr lang="en-US" altLang="ja-JP" dirty="0">
+                <a:ln w="0"/>
+                <a:solidFill>
+                  <a:schemeClr val="tx1"/>
+                </a:solidFill>
+                <a:effectLst>
+                  <a:outerShdw blurRad="38100" dist="19050" dir="2700000" algn="tl" rotWithShape="0">
+                    <a:schemeClr val="dk1">
+                      <a:alpha val="40000"/>
+                    </a:schemeClr>
+                  </a:outerShdw>
+                </a:effectLst>
+              </a:rPr>
+              <a:t>6</a:t>
+            </a:r>
+            <a:endParaRPr kumimoji="1" lang="ja-JP" altLang="en-US" dirty="0"/>
+          </a:p>
+        </p:txBody>
+      </p:sp>
     </p:spTree>
     <p:extLst>
       <p:ext uri="{BB962C8B-B14F-4D97-AF65-F5344CB8AC3E}">
-        <p14:creationId xmlns:p14="http://schemas.microsoft.com/office/powerpoint/2010/main" val="3478298523"/>
+        <p14:creationId xmlns:p14="http://schemas.microsoft.com/office/powerpoint/2010/main" val="3518322755"/>
       </p:ext>
     </p:extLst>
   </p:cSld>
@@ -4657,12 +4980,8 @@
           <a:lstStyle/>
           <a:p>
             <a:r>
-              <a:rPr lang="ja-JP" altLang="en-US" sz="4000" b="1" dirty="0"/>
-              <a:t>育成</a:t>
-            </a:r>
-            <a:r>
               <a:rPr kumimoji="1" lang="ja-JP" altLang="en-US" sz="4000" b="1" dirty="0" smtClean="0"/>
-              <a:t>画面仕様</a:t>
+              <a:t>アクションシーン仕様</a:t>
             </a:r>
             <a:endParaRPr kumimoji="1" lang="ja-JP" altLang="en-US" sz="4000" b="1" dirty="0"/>
           </a:p>
@@ -4696,7 +5015,7 @@
             </a:pPr>
             <a:r>
               <a:rPr kumimoji="1" lang="ja-JP" altLang="en-US" sz="2000" dirty="0" smtClean="0"/>
-              <a:t>育成キャラクター名、テキストで表示</a:t>
+              <a:t>タイムの表示、テキストで表示</a:t>
             </a:r>
             <a:endParaRPr kumimoji="1" lang="en-US" altLang="ja-JP" sz="2000" dirty="0" smtClean="0"/>
           </a:p>
@@ -4707,84 +5026,31 @@
             </a:pPr>
             <a:r>
               <a:rPr kumimoji="1" lang="ja-JP" altLang="en-US" sz="2000" dirty="0" smtClean="0"/>
-              <a:t>各ステータスのゲージ</a:t>
-            </a:r>
+              <a:t>ポーズ画面の表示</a:t>
+            </a:r>
+            <a:endParaRPr lang="en-US" altLang="ja-JP" sz="2000" dirty="0"/>
+          </a:p>
+          <a:p>
+            <a:r>
+              <a:rPr kumimoji="1" lang="en-US" altLang="ja-JP" sz="2000" dirty="0" smtClean="0"/>
+              <a:t>   </a:t>
+            </a:r>
+            <a:r>
+              <a:rPr kumimoji="1" lang="ja-JP" altLang="en-US" sz="2000" dirty="0" smtClean="0"/>
+              <a:t>（ボタン、項目は再開、リスタート、音量設定、</a:t>
+            </a:r>
+            <a:endParaRPr kumimoji="1" lang="en-US" altLang="ja-JP" sz="2000" dirty="0" smtClean="0"/>
+          </a:p>
+          <a:p>
             <a:r>
               <a:rPr lang="ja-JP" altLang="en-US" sz="2000" dirty="0" smtClean="0"/>
-              <a:t>、</a:t>
-            </a:r>
-            <a:r>
-              <a:rPr lang="en-US" altLang="ja-JP" sz="2000" dirty="0" smtClean="0"/>
-              <a:t>Slider</a:t>
-            </a:r>
-            <a:r>
-              <a:rPr lang="ja-JP" altLang="en-US" sz="2000" dirty="0" smtClean="0"/>
-              <a:t>で表示</a:t>
-            </a:r>
-            <a:endParaRPr kumimoji="1" lang="en-US" altLang="ja-JP" sz="2000" dirty="0" smtClean="0"/>
-          </a:p>
-          <a:p>
-            <a:pPr marL="457200" indent="-457200">
-              <a:buFont typeface="+mj-ea"/>
-              <a:buAutoNum type="circleNumDbPlain"/>
-            </a:pPr>
-            <a:r>
-              <a:rPr lang="ja-JP" altLang="en-US" sz="2000" dirty="0" smtClean="0"/>
-              <a:t>アイテム使用のボタン、ボタンを押すと数字</a:t>
-            </a:r>
-            <a:endParaRPr lang="en-US" altLang="ja-JP" sz="2000" dirty="0"/>
-          </a:p>
-          <a:p>
-            <a:r>
-              <a:rPr lang="ja-JP" altLang="en-US" sz="2000" dirty="0" smtClean="0"/>
-              <a:t>　</a:t>
-            </a:r>
-            <a:r>
-              <a:rPr lang="ja-JP" altLang="en-US" sz="2000" dirty="0"/>
-              <a:t>　</a:t>
-            </a:r>
-            <a:r>
-              <a:rPr lang="ja-JP" altLang="en-US" sz="2000" dirty="0" smtClean="0"/>
-              <a:t>が減りゲージが増加する</a:t>
-            </a:r>
-            <a:endParaRPr lang="en-US" altLang="ja-JP" sz="2000" dirty="0" smtClean="0"/>
-          </a:p>
-          <a:p>
-            <a:pPr marL="457200" indent="-457200">
-              <a:buFont typeface="+mj-ea"/>
-              <a:buAutoNum type="circleNumDbPlain" startAt="4"/>
-            </a:pPr>
+              <a:t>　　</a:t>
+            </a:r>
             <a:r>
               <a:rPr kumimoji="1" lang="ja-JP" altLang="en-US" sz="2000" dirty="0" smtClean="0"/>
-              <a:t>ホームシーンへ移動（ボタン）</a:t>
-            </a:r>
-            <a:endParaRPr kumimoji="1" lang="en-US" altLang="ja-JP" sz="2000" dirty="0" smtClean="0"/>
-          </a:p>
-          <a:p>
-            <a:pPr marL="457200" indent="-457200">
-              <a:buFont typeface="+mj-ea"/>
-              <a:buAutoNum type="circleNumDbPlain" startAt="4"/>
-            </a:pPr>
-            <a:r>
-              <a:rPr kumimoji="1" lang="en-US" altLang="ja-JP" sz="2000" dirty="0" smtClean="0"/>
-              <a:t>SNS</a:t>
-            </a:r>
-            <a:r>
-              <a:rPr kumimoji="1" lang="ja-JP" altLang="en-US" sz="2000" dirty="0" smtClean="0"/>
-              <a:t>投稿画面の表示</a:t>
-            </a:r>
-            <a:r>
-              <a:rPr kumimoji="1" lang="en-US" altLang="ja-JP" sz="2000" dirty="0" smtClean="0"/>
-              <a:t/>
-            </a:r>
-            <a:br>
-              <a:rPr kumimoji="1" lang="en-US" altLang="ja-JP" sz="2000" dirty="0" smtClean="0"/>
-            </a:br>
-            <a:r>
-              <a:rPr kumimoji="1" lang="ja-JP" altLang="en-US" sz="2000" dirty="0" smtClean="0"/>
-              <a:t>（ボタン、シーン内に表示）</a:t>
-            </a:r>
-            <a:endParaRPr kumimoji="1" lang="en-US" altLang="ja-JP" sz="2000" dirty="0" smtClean="0"/>
+              <a:t>ホームへ戻る）</a:t>
+            </a:r>
+            <a:endParaRPr kumimoji="1" lang="ja-JP" altLang="en-US" sz="2000" dirty="0"/>
           </a:p>
         </p:txBody>
       </p:sp>
@@ -4831,7 +5097,7 @@
         </p:nvSpPr>
         <p:spPr>
           <a:xfrm>
-            <a:off x="7126998" y="207818"/>
+            <a:off x="7672648" y="307571"/>
             <a:ext cx="324196" cy="299258"/>
           </a:xfrm>
           <a:prstGeom prst="ellipse">
@@ -4895,7 +5161,7 @@
         </p:nvSpPr>
         <p:spPr>
           <a:xfrm>
-            <a:off x="6964900" y="606829"/>
+            <a:off x="6990569" y="5951916"/>
             <a:ext cx="324196" cy="299258"/>
           </a:xfrm>
           <a:prstGeom prst="ellipse">
@@ -4951,202 +5217,10 @@
           </a:p>
         </p:txBody>
       </p:sp>
-      <p:sp>
-        <p:nvSpPr>
-          <p:cNvPr id="7" name="楕円 6"/>
-          <p:cNvSpPr/>
-          <p:nvPr/>
-        </p:nvSpPr>
-        <p:spPr>
-          <a:xfrm>
-            <a:off x="8042473" y="5007033"/>
-            <a:ext cx="324196" cy="299258"/>
-          </a:xfrm>
-          <a:prstGeom prst="ellipse">
-            <a:avLst/>
-          </a:prstGeom>
-          <a:solidFill>
-            <a:schemeClr val="bg1"/>
-          </a:solidFill>
-          <a:ln>
-            <a:solidFill>
-              <a:schemeClr val="tx1"/>
-            </a:solidFill>
-          </a:ln>
-        </p:spPr>
-        <p:style>
-          <a:lnRef idx="2">
-            <a:schemeClr val="accent1">
-              <a:shade val="50000"/>
-            </a:schemeClr>
-          </a:lnRef>
-          <a:fillRef idx="1">
-            <a:schemeClr val="accent1"/>
-          </a:fillRef>
-          <a:effectRef idx="0">
-            <a:schemeClr val="accent1"/>
-          </a:effectRef>
-          <a:fontRef idx="minor">
-            <a:schemeClr val="lt1"/>
-          </a:fontRef>
-        </p:style>
-        <p:txBody>
-          <a:bodyPr rtlCol="0" anchor="ctr"/>
-          <a:lstStyle/>
-          <a:p>
-            <a:pPr algn="ctr"/>
-            <a:r>
-              <a:rPr lang="en-US" altLang="ja-JP" dirty="0">
-                <a:ln w="0"/>
-                <a:solidFill>
-                  <a:schemeClr val="tx1"/>
-                </a:solidFill>
-                <a:effectLst>
-                  <a:outerShdw blurRad="38100" dist="19050" dir="2700000" algn="tl" rotWithShape="0">
-                    <a:schemeClr val="dk1">
-                      <a:alpha val="40000"/>
-                    </a:schemeClr>
-                  </a:outerShdw>
-                </a:effectLst>
-              </a:rPr>
-              <a:t>3</a:t>
-            </a:r>
-            <a:endParaRPr kumimoji="1" lang="ja-JP" altLang="en-US" dirty="0"/>
-          </a:p>
-        </p:txBody>
-      </p:sp>
-      <p:sp>
-        <p:nvSpPr>
-          <p:cNvPr id="8" name="楕円 7"/>
-          <p:cNvSpPr/>
-          <p:nvPr/>
-        </p:nvSpPr>
-        <p:spPr>
-          <a:xfrm>
-            <a:off x="7076558" y="6253942"/>
-            <a:ext cx="324196" cy="299258"/>
-          </a:xfrm>
-          <a:prstGeom prst="ellipse">
-            <a:avLst/>
-          </a:prstGeom>
-          <a:solidFill>
-            <a:schemeClr val="bg1"/>
-          </a:solidFill>
-          <a:ln>
-            <a:solidFill>
-              <a:schemeClr val="tx1"/>
-            </a:solidFill>
-          </a:ln>
-        </p:spPr>
-        <p:style>
-          <a:lnRef idx="2">
-            <a:schemeClr val="accent1">
-              <a:shade val="50000"/>
-            </a:schemeClr>
-          </a:lnRef>
-          <a:fillRef idx="1">
-            <a:schemeClr val="accent1"/>
-          </a:fillRef>
-          <a:effectRef idx="0">
-            <a:schemeClr val="accent1"/>
-          </a:effectRef>
-          <a:fontRef idx="minor">
-            <a:schemeClr val="lt1"/>
-          </a:fontRef>
-        </p:style>
-        <p:txBody>
-          <a:bodyPr rtlCol="0" anchor="ctr"/>
-          <a:lstStyle/>
-          <a:p>
-            <a:pPr algn="ctr"/>
-            <a:r>
-              <a:rPr lang="en-US" altLang="ja-JP" dirty="0">
-                <a:ln w="0"/>
-                <a:solidFill>
-                  <a:schemeClr val="tx1"/>
-                </a:solidFill>
-                <a:effectLst>
-                  <a:outerShdw blurRad="38100" dist="19050" dir="2700000" algn="tl" rotWithShape="0">
-                    <a:schemeClr val="dk1">
-                      <a:alpha val="40000"/>
-                    </a:schemeClr>
-                  </a:outerShdw>
-                </a:effectLst>
-              </a:rPr>
-              <a:t>4</a:t>
-            </a:r>
-            <a:endParaRPr kumimoji="1" lang="ja-JP" altLang="en-US" dirty="0"/>
-          </a:p>
-        </p:txBody>
-      </p:sp>
-      <p:sp>
-        <p:nvSpPr>
-          <p:cNvPr id="11" name="楕円 10"/>
-          <p:cNvSpPr/>
-          <p:nvPr/>
-        </p:nvSpPr>
-        <p:spPr>
-          <a:xfrm>
-            <a:off x="9073688" y="6267796"/>
-            <a:ext cx="324196" cy="299258"/>
-          </a:xfrm>
-          <a:prstGeom prst="ellipse">
-            <a:avLst/>
-          </a:prstGeom>
-          <a:solidFill>
-            <a:schemeClr val="bg1"/>
-          </a:solidFill>
-          <a:ln>
-            <a:solidFill>
-              <a:schemeClr val="tx1"/>
-            </a:solidFill>
-          </a:ln>
-        </p:spPr>
-        <p:style>
-          <a:lnRef idx="2">
-            <a:schemeClr val="accent1">
-              <a:shade val="50000"/>
-            </a:schemeClr>
-          </a:lnRef>
-          <a:fillRef idx="1">
-            <a:schemeClr val="accent1"/>
-          </a:fillRef>
-          <a:effectRef idx="0">
-            <a:schemeClr val="accent1"/>
-          </a:effectRef>
-          <a:fontRef idx="minor">
-            <a:schemeClr val="lt1"/>
-          </a:fontRef>
-        </p:style>
-        <p:txBody>
-          <a:bodyPr rtlCol="0" anchor="ctr"/>
-          <a:lstStyle/>
-          <a:p>
-            <a:pPr algn="ctr"/>
-            <a:r>
-              <a:rPr lang="en-US" altLang="ja-JP" dirty="0">
-                <a:ln w="0"/>
-                <a:solidFill>
-                  <a:schemeClr val="tx1"/>
-                </a:solidFill>
-                <a:effectLst>
-                  <a:outerShdw blurRad="38100" dist="19050" dir="2700000" algn="tl" rotWithShape="0">
-                    <a:schemeClr val="dk1">
-                      <a:alpha val="40000"/>
-                    </a:schemeClr>
-                  </a:outerShdw>
-                </a:effectLst>
-              </a:rPr>
-              <a:t>5</a:t>
-            </a:r>
-            <a:endParaRPr kumimoji="1" lang="ja-JP" altLang="en-US" dirty="0"/>
-          </a:p>
-        </p:txBody>
-      </p:sp>
     </p:spTree>
     <p:extLst>
       <p:ext uri="{BB962C8B-B14F-4D97-AF65-F5344CB8AC3E}">
-        <p14:creationId xmlns:p14="http://schemas.microsoft.com/office/powerpoint/2010/main" val="3428412679"/>
+        <p14:creationId xmlns:p14="http://schemas.microsoft.com/office/powerpoint/2010/main" val="3478298523"/>
       </p:ext>
     </p:extLst>
   </p:cSld>
@@ -5196,12 +5270,8 @@
           <a:lstStyle/>
           <a:p>
             <a:r>
-              <a:rPr lang="ja-JP" altLang="en-US" sz="4000" b="1" dirty="0"/>
-              <a:t>アルバム</a:t>
-            </a:r>
-            <a:r>
               <a:rPr kumimoji="1" lang="ja-JP" altLang="en-US" sz="4000" b="1" dirty="0" smtClean="0"/>
-              <a:t>画面仕様</a:t>
+              <a:t>ポーズ画面仕様</a:t>
             </a:r>
             <a:endParaRPr kumimoji="1" lang="ja-JP" altLang="en-US" sz="4000" b="1" dirty="0"/>
           </a:p>
@@ -5220,7 +5290,7 @@
         <p:spPr>
           <a:xfrm>
             <a:off x="839788" y="2057400"/>
-            <a:ext cx="5502823" cy="3811588"/>
+            <a:ext cx="5768830" cy="3811588"/>
           </a:xfrm>
         </p:spPr>
         <p:txBody>
@@ -5235,19 +5305,15 @@
             </a:pPr>
             <a:r>
               <a:rPr kumimoji="1" lang="ja-JP" altLang="en-US" sz="2000" dirty="0" smtClean="0"/>
-              <a:t>「アルバム」の</a:t>
-            </a:r>
-            <a:r>
-              <a:rPr lang="ja-JP" altLang="en-US" sz="2000" dirty="0" smtClean="0"/>
-              <a:t>テキスト</a:t>
-            </a:r>
-            <a:r>
-              <a:rPr lang="ja-JP" altLang="en-US" sz="2000" dirty="0"/>
-              <a:t>で</a:t>
+              <a:t>ポーズの</a:t>
+            </a:r>
+            <a:r>
+              <a:rPr kumimoji="1" lang="en-US" altLang="ja-JP" sz="2000" dirty="0" smtClean="0"/>
+              <a:t>text</a:t>
             </a:r>
             <a:r>
               <a:rPr kumimoji="1" lang="ja-JP" altLang="en-US" sz="2000" dirty="0" smtClean="0"/>
-              <a:t>表示</a:t>
+              <a:t>を表示</a:t>
             </a:r>
             <a:endParaRPr kumimoji="1" lang="en-US" altLang="ja-JP" sz="2000" dirty="0" smtClean="0"/>
           </a:p>
@@ -5257,6 +5323,1168 @@
               <a:buAutoNum type="circleNumDbPlain"/>
             </a:pPr>
             <a:r>
+              <a:rPr lang="en-US" altLang="ja-JP" sz="2000" dirty="0"/>
+              <a:t>BGM</a:t>
+            </a:r>
+            <a:r>
+              <a:rPr lang="ja-JP" altLang="en-US" sz="2000" dirty="0"/>
+              <a:t>の</a:t>
+            </a:r>
+            <a:r>
+              <a:rPr lang="en-US" altLang="ja-JP" sz="2000" dirty="0"/>
+              <a:t>text</a:t>
+            </a:r>
+            <a:r>
+              <a:rPr lang="ja-JP" altLang="en-US" sz="2000" dirty="0"/>
+              <a:t>と変更用のスライダー</a:t>
+            </a:r>
+            <a:endParaRPr lang="en-US" altLang="ja-JP" sz="2000" dirty="0"/>
+          </a:p>
+          <a:p>
+            <a:pPr marL="457200" indent="-457200">
+              <a:buFont typeface="+mj-ea"/>
+              <a:buAutoNum type="circleNumDbPlain"/>
+            </a:pPr>
+            <a:r>
+              <a:rPr lang="en-US" altLang="ja-JP" sz="2000" dirty="0"/>
+              <a:t>SE</a:t>
+            </a:r>
+            <a:r>
+              <a:rPr lang="ja-JP" altLang="en-US" sz="2000" dirty="0"/>
+              <a:t>の</a:t>
+            </a:r>
+            <a:r>
+              <a:rPr lang="en-US" altLang="ja-JP" sz="2000" dirty="0"/>
+              <a:t>text</a:t>
+            </a:r>
+            <a:r>
+              <a:rPr lang="ja-JP" altLang="en-US" sz="2000" dirty="0"/>
+              <a:t>と変更用のスライダー</a:t>
+            </a:r>
+            <a:endParaRPr lang="en-US" altLang="ja-JP" sz="2000" dirty="0"/>
+          </a:p>
+          <a:p>
+            <a:pPr marL="457200" indent="-457200">
+              <a:buFont typeface="+mj-ea"/>
+              <a:buAutoNum type="circleNumDbPlain"/>
+            </a:pPr>
+            <a:r>
+              <a:rPr lang="ja-JP" altLang="en-US" sz="2000" dirty="0" smtClean="0"/>
+              <a:t>再開する</a:t>
+            </a:r>
+            <a:r>
+              <a:rPr lang="ja-JP" altLang="en-US" sz="2000" dirty="0"/>
+              <a:t>ボタン</a:t>
+            </a:r>
+            <a:endParaRPr lang="en-US" altLang="ja-JP" sz="2000" dirty="0"/>
+          </a:p>
+          <a:p>
+            <a:pPr marL="457200" indent="-457200">
+              <a:buFont typeface="+mj-ea"/>
+              <a:buAutoNum type="circleNumDbPlain"/>
+            </a:pPr>
+            <a:r>
+              <a:rPr lang="ja-JP" altLang="en-US" sz="2000" dirty="0" smtClean="0"/>
+              <a:t>シーンをリセットしてやり直すボタン</a:t>
+            </a:r>
+            <a:endParaRPr lang="en-US" altLang="ja-JP" sz="2000" dirty="0" smtClean="0"/>
+          </a:p>
+          <a:p>
+            <a:pPr marL="457200" indent="-457200">
+              <a:buFont typeface="+mj-ea"/>
+              <a:buAutoNum type="circleNumDbPlain"/>
+            </a:pPr>
+            <a:r>
+              <a:rPr lang="ja-JP" altLang="en-US" sz="2000" dirty="0" smtClean="0"/>
+              <a:t>ホーム画面へ遷移するボタン</a:t>
+            </a:r>
+            <a:endParaRPr lang="ja-JP" altLang="en-US" sz="2000" dirty="0"/>
+          </a:p>
+          <a:p>
+            <a:pPr marL="457200" indent="-457200">
+              <a:buFont typeface="+mj-ea"/>
+              <a:buAutoNum type="circleNumDbPlain"/>
+            </a:pPr>
+            <a:endParaRPr kumimoji="1" lang="ja-JP" altLang="en-US" sz="2000" dirty="0"/>
+          </a:p>
+        </p:txBody>
+      </p:sp>
+      <p:pic>
+        <p:nvPicPr>
+          <p:cNvPr id="9" name="図 8"/>
+          <p:cNvPicPr>
+            <a:picLocks noChangeAspect="1"/>
+          </p:cNvPicPr>
+          <p:nvPr/>
+        </p:nvPicPr>
+        <p:blipFill>
+          <a:blip r:embed="rId2" cstate="print">
+            <a:extLst>
+              <a:ext uri="{28A0092B-C50C-407E-A947-70E740481C1C}">
+                <a14:useLocalDpi xmlns:a14="http://schemas.microsoft.com/office/drawing/2010/main" val="0"/>
+              </a:ext>
+            </a:extLst>
+          </a:blip>
+          <a:stretch>
+            <a:fillRect/>
+          </a:stretch>
+        </p:blipFill>
+        <p:spPr>
+          <a:xfrm>
+            <a:off x="6929608" y="174567"/>
+            <a:ext cx="3722022" cy="6616929"/>
+          </a:xfrm>
+          <a:prstGeom prst="rect">
+            <a:avLst/>
+          </a:prstGeom>
+          <a:ln w="12700">
+            <a:solidFill>
+              <a:schemeClr val="tx1"/>
+            </a:solidFill>
+          </a:ln>
+        </p:spPr>
+      </p:pic>
+      <p:sp>
+        <p:nvSpPr>
+          <p:cNvPr id="10" name="楕円 9"/>
+          <p:cNvSpPr/>
+          <p:nvPr/>
+        </p:nvSpPr>
+        <p:spPr>
+          <a:xfrm>
+            <a:off x="6990569" y="1563877"/>
+            <a:ext cx="324196" cy="299258"/>
+          </a:xfrm>
+          <a:prstGeom prst="ellipse">
+            <a:avLst/>
+          </a:prstGeom>
+          <a:solidFill>
+            <a:schemeClr val="bg1"/>
+          </a:solidFill>
+          <a:ln>
+            <a:solidFill>
+              <a:schemeClr val="tx1"/>
+            </a:solidFill>
+          </a:ln>
+        </p:spPr>
+        <p:style>
+          <a:lnRef idx="2">
+            <a:schemeClr val="accent1">
+              <a:shade val="50000"/>
+            </a:schemeClr>
+          </a:lnRef>
+          <a:fillRef idx="1">
+            <a:schemeClr val="accent1"/>
+          </a:fillRef>
+          <a:effectRef idx="0">
+            <a:schemeClr val="accent1"/>
+          </a:effectRef>
+          <a:fontRef idx="minor">
+            <a:schemeClr val="lt1"/>
+          </a:fontRef>
+        </p:style>
+        <p:txBody>
+          <a:bodyPr rtlCol="0" anchor="ctr"/>
+          <a:lstStyle/>
+          <a:p>
+            <a:pPr algn="ctr"/>
+            <a:r>
+              <a:rPr lang="en-US" altLang="ja-JP" dirty="0" smtClean="0">
+                <a:ln w="0"/>
+                <a:solidFill>
+                  <a:schemeClr val="tx1"/>
+                </a:solidFill>
+                <a:effectLst>
+                  <a:outerShdw blurRad="38100" dist="19050" dir="2700000" algn="tl" rotWithShape="0">
+                    <a:schemeClr val="dk1">
+                      <a:alpha val="40000"/>
+                    </a:schemeClr>
+                  </a:outerShdw>
+                </a:effectLst>
+              </a:rPr>
+              <a:t>1</a:t>
+            </a:r>
+            <a:endParaRPr kumimoji="1" lang="ja-JP" altLang="en-US" dirty="0"/>
+          </a:p>
+        </p:txBody>
+      </p:sp>
+      <p:sp>
+        <p:nvSpPr>
+          <p:cNvPr id="6" name="楕円 5"/>
+          <p:cNvSpPr/>
+          <p:nvPr/>
+        </p:nvSpPr>
+        <p:spPr>
+          <a:xfrm>
+            <a:off x="7033517" y="2238657"/>
+            <a:ext cx="324196" cy="299258"/>
+          </a:xfrm>
+          <a:prstGeom prst="ellipse">
+            <a:avLst/>
+          </a:prstGeom>
+          <a:solidFill>
+            <a:schemeClr val="bg1"/>
+          </a:solidFill>
+          <a:ln>
+            <a:solidFill>
+              <a:schemeClr val="tx1"/>
+            </a:solidFill>
+          </a:ln>
+        </p:spPr>
+        <p:style>
+          <a:lnRef idx="2">
+            <a:schemeClr val="accent1">
+              <a:shade val="50000"/>
+            </a:schemeClr>
+          </a:lnRef>
+          <a:fillRef idx="1">
+            <a:schemeClr val="accent1"/>
+          </a:fillRef>
+          <a:effectRef idx="0">
+            <a:schemeClr val="accent1"/>
+          </a:effectRef>
+          <a:fontRef idx="minor">
+            <a:schemeClr val="lt1"/>
+          </a:fontRef>
+        </p:style>
+        <p:txBody>
+          <a:bodyPr rtlCol="0" anchor="ctr"/>
+          <a:lstStyle/>
+          <a:p>
+            <a:pPr algn="ctr"/>
+            <a:r>
+              <a:rPr lang="en-US" altLang="ja-JP" dirty="0">
+                <a:ln w="0"/>
+                <a:solidFill>
+                  <a:schemeClr val="tx1"/>
+                </a:solidFill>
+                <a:effectLst>
+                  <a:outerShdw blurRad="38100" dist="19050" dir="2700000" algn="tl" rotWithShape="0">
+                    <a:schemeClr val="dk1">
+                      <a:alpha val="40000"/>
+                    </a:schemeClr>
+                  </a:outerShdw>
+                </a:effectLst>
+              </a:rPr>
+              <a:t>2</a:t>
+            </a:r>
+            <a:endParaRPr kumimoji="1" lang="ja-JP" altLang="en-US" dirty="0"/>
+          </a:p>
+        </p:txBody>
+      </p:sp>
+      <p:sp>
+        <p:nvSpPr>
+          <p:cNvPr id="7" name="楕円 6"/>
+          <p:cNvSpPr/>
+          <p:nvPr/>
+        </p:nvSpPr>
+        <p:spPr>
+          <a:xfrm>
+            <a:off x="7033517" y="2685255"/>
+            <a:ext cx="324196" cy="299258"/>
+          </a:xfrm>
+          <a:prstGeom prst="ellipse">
+            <a:avLst/>
+          </a:prstGeom>
+          <a:solidFill>
+            <a:schemeClr val="bg1"/>
+          </a:solidFill>
+          <a:ln>
+            <a:solidFill>
+              <a:schemeClr val="tx1"/>
+            </a:solidFill>
+          </a:ln>
+        </p:spPr>
+        <p:style>
+          <a:lnRef idx="2">
+            <a:schemeClr val="accent1">
+              <a:shade val="50000"/>
+            </a:schemeClr>
+          </a:lnRef>
+          <a:fillRef idx="1">
+            <a:schemeClr val="accent1"/>
+          </a:fillRef>
+          <a:effectRef idx="0">
+            <a:schemeClr val="accent1"/>
+          </a:effectRef>
+          <a:fontRef idx="minor">
+            <a:schemeClr val="lt1"/>
+          </a:fontRef>
+        </p:style>
+        <p:txBody>
+          <a:bodyPr rtlCol="0" anchor="ctr"/>
+          <a:lstStyle/>
+          <a:p>
+            <a:pPr algn="ctr"/>
+            <a:r>
+              <a:rPr lang="en-US" altLang="ja-JP" dirty="0">
+                <a:ln w="0"/>
+                <a:solidFill>
+                  <a:schemeClr val="tx1"/>
+                </a:solidFill>
+                <a:effectLst>
+                  <a:outerShdw blurRad="38100" dist="19050" dir="2700000" algn="tl" rotWithShape="0">
+                    <a:schemeClr val="dk1">
+                      <a:alpha val="40000"/>
+                    </a:schemeClr>
+                  </a:outerShdw>
+                </a:effectLst>
+              </a:rPr>
+              <a:t>3</a:t>
+            </a:r>
+            <a:endParaRPr kumimoji="1" lang="ja-JP" altLang="en-US" dirty="0"/>
+          </a:p>
+        </p:txBody>
+      </p:sp>
+      <p:sp>
+        <p:nvSpPr>
+          <p:cNvPr id="8" name="楕円 7"/>
+          <p:cNvSpPr/>
+          <p:nvPr/>
+        </p:nvSpPr>
+        <p:spPr>
+          <a:xfrm>
+            <a:off x="7176219" y="3330759"/>
+            <a:ext cx="324196" cy="299258"/>
+          </a:xfrm>
+          <a:prstGeom prst="ellipse">
+            <a:avLst/>
+          </a:prstGeom>
+          <a:solidFill>
+            <a:schemeClr val="bg1"/>
+          </a:solidFill>
+          <a:ln>
+            <a:solidFill>
+              <a:schemeClr val="tx1"/>
+            </a:solidFill>
+          </a:ln>
+        </p:spPr>
+        <p:style>
+          <a:lnRef idx="2">
+            <a:schemeClr val="accent1">
+              <a:shade val="50000"/>
+            </a:schemeClr>
+          </a:lnRef>
+          <a:fillRef idx="1">
+            <a:schemeClr val="accent1"/>
+          </a:fillRef>
+          <a:effectRef idx="0">
+            <a:schemeClr val="accent1"/>
+          </a:effectRef>
+          <a:fontRef idx="minor">
+            <a:schemeClr val="lt1"/>
+          </a:fontRef>
+        </p:style>
+        <p:txBody>
+          <a:bodyPr rtlCol="0" anchor="ctr"/>
+          <a:lstStyle/>
+          <a:p>
+            <a:pPr algn="ctr"/>
+            <a:r>
+              <a:rPr lang="en-US" altLang="ja-JP" dirty="0" smtClean="0">
+                <a:ln w="0"/>
+                <a:solidFill>
+                  <a:schemeClr val="tx1"/>
+                </a:solidFill>
+                <a:effectLst>
+                  <a:outerShdw blurRad="38100" dist="19050" dir="2700000" algn="tl" rotWithShape="0">
+                    <a:schemeClr val="dk1">
+                      <a:alpha val="40000"/>
+                    </a:schemeClr>
+                  </a:outerShdw>
+                </a:effectLst>
+              </a:rPr>
+              <a:t>4</a:t>
+            </a:r>
+            <a:endParaRPr kumimoji="1" lang="ja-JP" altLang="en-US" dirty="0"/>
+          </a:p>
+        </p:txBody>
+      </p:sp>
+      <p:sp>
+        <p:nvSpPr>
+          <p:cNvPr id="11" name="楕円 10"/>
+          <p:cNvSpPr/>
+          <p:nvPr/>
+        </p:nvSpPr>
+        <p:spPr>
+          <a:xfrm>
+            <a:off x="8253275" y="3330759"/>
+            <a:ext cx="324196" cy="299258"/>
+          </a:xfrm>
+          <a:prstGeom prst="ellipse">
+            <a:avLst/>
+          </a:prstGeom>
+          <a:solidFill>
+            <a:schemeClr val="bg1"/>
+          </a:solidFill>
+          <a:ln>
+            <a:solidFill>
+              <a:schemeClr val="tx1"/>
+            </a:solidFill>
+          </a:ln>
+        </p:spPr>
+        <p:style>
+          <a:lnRef idx="2">
+            <a:schemeClr val="accent1">
+              <a:shade val="50000"/>
+            </a:schemeClr>
+          </a:lnRef>
+          <a:fillRef idx="1">
+            <a:schemeClr val="accent1"/>
+          </a:fillRef>
+          <a:effectRef idx="0">
+            <a:schemeClr val="accent1"/>
+          </a:effectRef>
+          <a:fontRef idx="minor">
+            <a:schemeClr val="lt1"/>
+          </a:fontRef>
+        </p:style>
+        <p:txBody>
+          <a:bodyPr rtlCol="0" anchor="ctr"/>
+          <a:lstStyle/>
+          <a:p>
+            <a:pPr algn="ctr"/>
+            <a:r>
+              <a:rPr lang="en-US" altLang="ja-JP" dirty="0" smtClean="0">
+                <a:ln w="0"/>
+                <a:solidFill>
+                  <a:schemeClr val="tx1"/>
+                </a:solidFill>
+                <a:effectLst>
+                  <a:outerShdw blurRad="38100" dist="19050" dir="2700000" algn="tl" rotWithShape="0">
+                    <a:schemeClr val="dk1">
+                      <a:alpha val="40000"/>
+                    </a:schemeClr>
+                  </a:outerShdw>
+                </a:effectLst>
+              </a:rPr>
+              <a:t>5</a:t>
+            </a:r>
+            <a:endParaRPr kumimoji="1" lang="ja-JP" altLang="en-US" dirty="0"/>
+          </a:p>
+        </p:txBody>
+      </p:sp>
+      <p:sp>
+        <p:nvSpPr>
+          <p:cNvPr id="12" name="楕円 11"/>
+          <p:cNvSpPr/>
+          <p:nvPr/>
+        </p:nvSpPr>
+        <p:spPr>
+          <a:xfrm>
+            <a:off x="9224101" y="3330759"/>
+            <a:ext cx="324196" cy="299258"/>
+          </a:xfrm>
+          <a:prstGeom prst="ellipse">
+            <a:avLst/>
+          </a:prstGeom>
+          <a:solidFill>
+            <a:schemeClr val="bg1"/>
+          </a:solidFill>
+          <a:ln>
+            <a:solidFill>
+              <a:schemeClr val="tx1"/>
+            </a:solidFill>
+          </a:ln>
+        </p:spPr>
+        <p:style>
+          <a:lnRef idx="2">
+            <a:schemeClr val="accent1">
+              <a:shade val="50000"/>
+            </a:schemeClr>
+          </a:lnRef>
+          <a:fillRef idx="1">
+            <a:schemeClr val="accent1"/>
+          </a:fillRef>
+          <a:effectRef idx="0">
+            <a:schemeClr val="accent1"/>
+          </a:effectRef>
+          <a:fontRef idx="minor">
+            <a:schemeClr val="lt1"/>
+          </a:fontRef>
+        </p:style>
+        <p:txBody>
+          <a:bodyPr rtlCol="0" anchor="ctr"/>
+          <a:lstStyle/>
+          <a:p>
+            <a:pPr algn="ctr"/>
+            <a:r>
+              <a:rPr lang="en-US" altLang="ja-JP" dirty="0" smtClean="0">
+                <a:ln w="0"/>
+                <a:solidFill>
+                  <a:schemeClr val="tx1"/>
+                </a:solidFill>
+                <a:effectLst>
+                  <a:outerShdw blurRad="38100" dist="19050" dir="2700000" algn="tl" rotWithShape="0">
+                    <a:schemeClr val="dk1">
+                      <a:alpha val="40000"/>
+                    </a:schemeClr>
+                  </a:outerShdw>
+                </a:effectLst>
+              </a:rPr>
+              <a:t>6</a:t>
+            </a:r>
+            <a:endParaRPr kumimoji="1" lang="ja-JP" altLang="en-US" dirty="0"/>
+          </a:p>
+        </p:txBody>
+      </p:sp>
+    </p:spTree>
+    <p:extLst>
+      <p:ext uri="{BB962C8B-B14F-4D97-AF65-F5344CB8AC3E}">
+        <p14:creationId xmlns:p14="http://schemas.microsoft.com/office/powerpoint/2010/main" val="3675169282"/>
+      </p:ext>
+    </p:extLst>
+  </p:cSld>
+  <p:clrMapOvr>
+    <a:masterClrMapping/>
+  </p:clrMapOvr>
+</p:sld>
+</file>
+
+<file path=ppt/slides/slide8.xml><?xml version="1.0" encoding="utf-8"?>
+<p:sld xmlns:a="http://schemas.openxmlformats.org/drawingml/2006/main" xmlns:r="http://schemas.openxmlformats.org/officeDocument/2006/relationships" xmlns:p="http://schemas.openxmlformats.org/presentationml/2006/main">
+  <p:cSld>
+    <p:spTree>
+      <p:nvGrpSpPr>
+        <p:cNvPr id="1" name=""/>
+        <p:cNvGrpSpPr/>
+        <p:nvPr/>
+      </p:nvGrpSpPr>
+      <p:grpSpPr>
+        <a:xfrm>
+          <a:off x="0" y="0"/>
+          <a:ext cx="0" cy="0"/>
+          <a:chOff x="0" y="0"/>
+          <a:chExt cx="0" cy="0"/>
+        </a:xfrm>
+      </p:grpSpPr>
+      <p:sp>
+        <p:nvSpPr>
+          <p:cNvPr id="2" name="タイトル 1"/>
+          <p:cNvSpPr>
+            <a:spLocks noGrp="1"/>
+          </p:cNvSpPr>
+          <p:nvPr>
+            <p:ph type="title"/>
+          </p:nvPr>
+        </p:nvSpPr>
+        <p:spPr>
+          <a:xfrm>
+            <a:off x="839788" y="457200"/>
+            <a:ext cx="5502823" cy="1600200"/>
+          </a:xfrm>
+        </p:spPr>
+        <p:txBody>
+          <a:bodyPr>
+            <a:normAutofit/>
+          </a:bodyPr>
+          <a:lstStyle/>
+          <a:p>
+            <a:r>
+              <a:rPr lang="ja-JP" altLang="en-US" sz="4000" b="1" dirty="0" smtClean="0"/>
+              <a:t>育成</a:t>
+            </a:r>
+            <a:r>
+              <a:rPr kumimoji="1" lang="ja-JP" altLang="en-US" sz="4000" b="1" dirty="0" smtClean="0"/>
+              <a:t>シーン仕様</a:t>
+            </a:r>
+            <a:endParaRPr kumimoji="1" lang="ja-JP" altLang="en-US" sz="4000" b="1" dirty="0"/>
+          </a:p>
+        </p:txBody>
+      </p:sp>
+      <p:sp>
+        <p:nvSpPr>
+          <p:cNvPr id="4" name="テキスト プレースホルダー 3"/>
+          <p:cNvSpPr>
+            <a:spLocks noGrp="1"/>
+          </p:cNvSpPr>
+          <p:nvPr>
+            <p:ph type="body" sz="half" idx="2"/>
+          </p:nvPr>
+        </p:nvSpPr>
+        <p:spPr>
+          <a:xfrm>
+            <a:off x="839788" y="2057400"/>
+            <a:ext cx="5768830" cy="3811588"/>
+          </a:xfrm>
+        </p:spPr>
+        <p:txBody>
+          <a:bodyPr>
+            <a:normAutofit/>
+          </a:bodyPr>
+          <a:lstStyle/>
+          <a:p>
+            <a:pPr marL="457200" indent="-457200">
+              <a:buFont typeface="+mj-ea"/>
+              <a:buAutoNum type="circleNumDbPlain"/>
+            </a:pPr>
+            <a:r>
+              <a:rPr kumimoji="1" lang="ja-JP" altLang="en-US" sz="2000" dirty="0" smtClean="0"/>
+              <a:t>育成キャラクター名、テキストで表示</a:t>
+            </a:r>
+            <a:endParaRPr kumimoji="1" lang="en-US" altLang="ja-JP" sz="2000" dirty="0" smtClean="0"/>
+          </a:p>
+          <a:p>
+            <a:pPr marL="457200" indent="-457200">
+              <a:buFont typeface="+mj-ea"/>
+              <a:buAutoNum type="circleNumDbPlain"/>
+            </a:pPr>
+            <a:r>
+              <a:rPr kumimoji="1" lang="ja-JP" altLang="en-US" sz="2000" dirty="0" smtClean="0"/>
+              <a:t>各ステータスのゲージ</a:t>
+            </a:r>
+            <a:r>
+              <a:rPr lang="ja-JP" altLang="en-US" sz="2000" dirty="0" smtClean="0"/>
+              <a:t>、</a:t>
+            </a:r>
+            <a:r>
+              <a:rPr lang="en-US" altLang="ja-JP" sz="2000" dirty="0" smtClean="0"/>
+              <a:t>Slider</a:t>
+            </a:r>
+            <a:r>
+              <a:rPr lang="ja-JP" altLang="en-US" sz="2000" dirty="0" smtClean="0"/>
+              <a:t>で表示</a:t>
+            </a:r>
+            <a:endParaRPr kumimoji="1" lang="en-US" altLang="ja-JP" sz="2000" dirty="0" smtClean="0"/>
+          </a:p>
+          <a:p>
+            <a:pPr marL="457200" indent="-457200">
+              <a:buFont typeface="+mj-ea"/>
+              <a:buAutoNum type="circleNumDbPlain"/>
+            </a:pPr>
+            <a:r>
+              <a:rPr lang="ja-JP" altLang="en-US" sz="2000" dirty="0" smtClean="0"/>
+              <a:t>アイテム使用のボタン、ボタンを押すと数字</a:t>
+            </a:r>
+            <a:endParaRPr lang="en-US" altLang="ja-JP" sz="2000" dirty="0"/>
+          </a:p>
+          <a:p>
+            <a:r>
+              <a:rPr lang="ja-JP" altLang="en-US" sz="2000" dirty="0" smtClean="0"/>
+              <a:t>　</a:t>
+            </a:r>
+            <a:r>
+              <a:rPr lang="ja-JP" altLang="en-US" sz="2000" dirty="0"/>
+              <a:t>　</a:t>
+            </a:r>
+            <a:r>
+              <a:rPr lang="ja-JP" altLang="en-US" sz="2000" dirty="0" smtClean="0"/>
+              <a:t>が減りゲージが増加する</a:t>
+            </a:r>
+            <a:endParaRPr lang="en-US" altLang="ja-JP" sz="2000" dirty="0" smtClean="0"/>
+          </a:p>
+          <a:p>
+            <a:pPr marL="457200" indent="-457200">
+              <a:buFont typeface="+mj-ea"/>
+              <a:buAutoNum type="circleNumDbPlain" startAt="4"/>
+            </a:pPr>
+            <a:r>
+              <a:rPr kumimoji="1" lang="ja-JP" altLang="en-US" sz="2000" dirty="0" smtClean="0"/>
+              <a:t>ホームシーン</a:t>
+            </a:r>
+            <a:r>
+              <a:rPr kumimoji="1" lang="ja-JP" altLang="en-US" sz="2000" dirty="0" smtClean="0"/>
+              <a:t>へ遷移するボタン</a:t>
+            </a:r>
+            <a:endParaRPr kumimoji="1" lang="en-US" altLang="ja-JP" sz="2000" dirty="0" smtClean="0"/>
+          </a:p>
+          <a:p>
+            <a:pPr marL="457200" indent="-457200">
+              <a:buFont typeface="+mj-ea"/>
+              <a:buAutoNum type="circleNumDbPlain" startAt="4"/>
+            </a:pPr>
+            <a:r>
+              <a:rPr kumimoji="1" lang="en-US" altLang="ja-JP" sz="2000" dirty="0" smtClean="0"/>
+              <a:t>SNS</a:t>
+            </a:r>
+            <a:r>
+              <a:rPr kumimoji="1" lang="ja-JP" altLang="en-US" sz="2000" dirty="0" smtClean="0"/>
+              <a:t>投稿画面の表示</a:t>
+            </a:r>
+            <a:r>
+              <a:rPr kumimoji="1" lang="en-US" altLang="ja-JP" sz="2000" dirty="0" smtClean="0"/>
+              <a:t/>
+            </a:r>
+            <a:br>
+              <a:rPr kumimoji="1" lang="en-US" altLang="ja-JP" sz="2000" dirty="0" smtClean="0"/>
+            </a:br>
+            <a:r>
+              <a:rPr kumimoji="1" lang="ja-JP" altLang="en-US" sz="2000" dirty="0" smtClean="0"/>
+              <a:t>（ボタン、シーン内に表示）</a:t>
+            </a:r>
+            <a:endParaRPr kumimoji="1" lang="en-US" altLang="ja-JP" sz="2000" dirty="0" smtClean="0"/>
+          </a:p>
+        </p:txBody>
+      </p:sp>
+      <p:pic>
+        <p:nvPicPr>
+          <p:cNvPr id="9" name="図 8"/>
+          <p:cNvPicPr>
+            <a:picLocks noChangeAspect="1"/>
+          </p:cNvPicPr>
+          <p:nvPr/>
+        </p:nvPicPr>
+        <p:blipFill>
+          <a:blip r:embed="rId2" cstate="print">
+            <a:extLst>
+              <a:ext uri="{28A0092B-C50C-407E-A947-70E740481C1C}">
+                <a14:useLocalDpi xmlns:a14="http://schemas.microsoft.com/office/drawing/2010/main" val="0"/>
+              </a:ext>
+            </a:extLst>
+          </a:blip>
+          <a:stretch>
+            <a:fillRect/>
+          </a:stretch>
+        </p:blipFill>
+        <p:spPr>
+          <a:xfrm>
+            <a:off x="6929608" y="174567"/>
+            <a:ext cx="3722023" cy="6616929"/>
+          </a:xfrm>
+          <a:prstGeom prst="rect">
+            <a:avLst/>
+          </a:prstGeom>
+          <a:ln w="12700">
+            <a:solidFill>
+              <a:schemeClr val="tx1"/>
+            </a:solidFill>
+          </a:ln>
+        </p:spPr>
+      </p:pic>
+      <p:sp>
+        <p:nvSpPr>
+          <p:cNvPr id="10" name="楕円 9"/>
+          <p:cNvSpPr/>
+          <p:nvPr/>
+        </p:nvSpPr>
+        <p:spPr>
+          <a:xfrm>
+            <a:off x="7126998" y="207818"/>
+            <a:ext cx="324196" cy="299258"/>
+          </a:xfrm>
+          <a:prstGeom prst="ellipse">
+            <a:avLst/>
+          </a:prstGeom>
+          <a:solidFill>
+            <a:schemeClr val="bg1"/>
+          </a:solidFill>
+          <a:ln>
+            <a:solidFill>
+              <a:schemeClr val="tx1"/>
+            </a:solidFill>
+          </a:ln>
+        </p:spPr>
+        <p:style>
+          <a:lnRef idx="2">
+            <a:schemeClr val="accent1">
+              <a:shade val="50000"/>
+            </a:schemeClr>
+          </a:lnRef>
+          <a:fillRef idx="1">
+            <a:schemeClr val="accent1"/>
+          </a:fillRef>
+          <a:effectRef idx="0">
+            <a:schemeClr val="accent1"/>
+          </a:effectRef>
+          <a:fontRef idx="minor">
+            <a:schemeClr val="lt1"/>
+          </a:fontRef>
+        </p:style>
+        <p:txBody>
+          <a:bodyPr rtlCol="0" anchor="ctr"/>
+          <a:lstStyle/>
+          <a:p>
+            <a:pPr algn="ctr"/>
+            <a:r>
+              <a:rPr lang="en-US" altLang="ja-JP" dirty="0" smtClean="0">
+                <a:ln w="0"/>
+                <a:solidFill>
+                  <a:schemeClr val="tx1"/>
+                </a:solidFill>
+                <a:effectLst>
+                  <a:outerShdw blurRad="38100" dist="19050" dir="2700000" algn="tl" rotWithShape="0">
+                    <a:schemeClr val="dk1">
+                      <a:alpha val="40000"/>
+                    </a:schemeClr>
+                  </a:outerShdw>
+                </a:effectLst>
+              </a:rPr>
+              <a:t>1</a:t>
+            </a:r>
+            <a:endParaRPr kumimoji="1" lang="ja-JP" altLang="en-US" dirty="0"/>
+          </a:p>
+        </p:txBody>
+      </p:sp>
+      <p:sp>
+        <p:nvSpPr>
+          <p:cNvPr id="6" name="楕円 5"/>
+          <p:cNvSpPr/>
+          <p:nvPr/>
+        </p:nvSpPr>
+        <p:spPr>
+          <a:xfrm>
+            <a:off x="6964900" y="606829"/>
+            <a:ext cx="324196" cy="299258"/>
+          </a:xfrm>
+          <a:prstGeom prst="ellipse">
+            <a:avLst/>
+          </a:prstGeom>
+          <a:solidFill>
+            <a:schemeClr val="bg1"/>
+          </a:solidFill>
+          <a:ln>
+            <a:solidFill>
+              <a:schemeClr val="tx1"/>
+            </a:solidFill>
+          </a:ln>
+        </p:spPr>
+        <p:style>
+          <a:lnRef idx="2">
+            <a:schemeClr val="accent1">
+              <a:shade val="50000"/>
+            </a:schemeClr>
+          </a:lnRef>
+          <a:fillRef idx="1">
+            <a:schemeClr val="accent1"/>
+          </a:fillRef>
+          <a:effectRef idx="0">
+            <a:schemeClr val="accent1"/>
+          </a:effectRef>
+          <a:fontRef idx="minor">
+            <a:schemeClr val="lt1"/>
+          </a:fontRef>
+        </p:style>
+        <p:txBody>
+          <a:bodyPr rtlCol="0" anchor="ctr"/>
+          <a:lstStyle/>
+          <a:p>
+            <a:pPr algn="ctr"/>
+            <a:r>
+              <a:rPr lang="en-US" altLang="ja-JP" dirty="0">
+                <a:ln w="0"/>
+                <a:solidFill>
+                  <a:schemeClr val="tx1"/>
+                </a:solidFill>
+                <a:effectLst>
+                  <a:outerShdw blurRad="38100" dist="19050" dir="2700000" algn="tl" rotWithShape="0">
+                    <a:schemeClr val="dk1">
+                      <a:alpha val="40000"/>
+                    </a:schemeClr>
+                  </a:outerShdw>
+                </a:effectLst>
+              </a:rPr>
+              <a:t>2</a:t>
+            </a:r>
+            <a:endParaRPr kumimoji="1" lang="ja-JP" altLang="en-US" dirty="0"/>
+          </a:p>
+        </p:txBody>
+      </p:sp>
+      <p:sp>
+        <p:nvSpPr>
+          <p:cNvPr id="7" name="楕円 6"/>
+          <p:cNvSpPr/>
+          <p:nvPr/>
+        </p:nvSpPr>
+        <p:spPr>
+          <a:xfrm>
+            <a:off x="8042473" y="5007033"/>
+            <a:ext cx="324196" cy="299258"/>
+          </a:xfrm>
+          <a:prstGeom prst="ellipse">
+            <a:avLst/>
+          </a:prstGeom>
+          <a:solidFill>
+            <a:schemeClr val="bg1"/>
+          </a:solidFill>
+          <a:ln>
+            <a:solidFill>
+              <a:schemeClr val="tx1"/>
+            </a:solidFill>
+          </a:ln>
+        </p:spPr>
+        <p:style>
+          <a:lnRef idx="2">
+            <a:schemeClr val="accent1">
+              <a:shade val="50000"/>
+            </a:schemeClr>
+          </a:lnRef>
+          <a:fillRef idx="1">
+            <a:schemeClr val="accent1"/>
+          </a:fillRef>
+          <a:effectRef idx="0">
+            <a:schemeClr val="accent1"/>
+          </a:effectRef>
+          <a:fontRef idx="minor">
+            <a:schemeClr val="lt1"/>
+          </a:fontRef>
+        </p:style>
+        <p:txBody>
+          <a:bodyPr rtlCol="0" anchor="ctr"/>
+          <a:lstStyle/>
+          <a:p>
+            <a:pPr algn="ctr"/>
+            <a:r>
+              <a:rPr lang="en-US" altLang="ja-JP" dirty="0">
+                <a:ln w="0"/>
+                <a:solidFill>
+                  <a:schemeClr val="tx1"/>
+                </a:solidFill>
+                <a:effectLst>
+                  <a:outerShdw blurRad="38100" dist="19050" dir="2700000" algn="tl" rotWithShape="0">
+                    <a:schemeClr val="dk1">
+                      <a:alpha val="40000"/>
+                    </a:schemeClr>
+                  </a:outerShdw>
+                </a:effectLst>
+              </a:rPr>
+              <a:t>3</a:t>
+            </a:r>
+            <a:endParaRPr kumimoji="1" lang="ja-JP" altLang="en-US" dirty="0"/>
+          </a:p>
+        </p:txBody>
+      </p:sp>
+      <p:sp>
+        <p:nvSpPr>
+          <p:cNvPr id="8" name="楕円 7"/>
+          <p:cNvSpPr/>
+          <p:nvPr/>
+        </p:nvSpPr>
+        <p:spPr>
+          <a:xfrm>
+            <a:off x="7076558" y="6253942"/>
+            <a:ext cx="324196" cy="299258"/>
+          </a:xfrm>
+          <a:prstGeom prst="ellipse">
+            <a:avLst/>
+          </a:prstGeom>
+          <a:solidFill>
+            <a:schemeClr val="bg1"/>
+          </a:solidFill>
+          <a:ln>
+            <a:solidFill>
+              <a:schemeClr val="tx1"/>
+            </a:solidFill>
+          </a:ln>
+        </p:spPr>
+        <p:style>
+          <a:lnRef idx="2">
+            <a:schemeClr val="accent1">
+              <a:shade val="50000"/>
+            </a:schemeClr>
+          </a:lnRef>
+          <a:fillRef idx="1">
+            <a:schemeClr val="accent1"/>
+          </a:fillRef>
+          <a:effectRef idx="0">
+            <a:schemeClr val="accent1"/>
+          </a:effectRef>
+          <a:fontRef idx="minor">
+            <a:schemeClr val="lt1"/>
+          </a:fontRef>
+        </p:style>
+        <p:txBody>
+          <a:bodyPr rtlCol="0" anchor="ctr"/>
+          <a:lstStyle/>
+          <a:p>
+            <a:pPr algn="ctr"/>
+            <a:r>
+              <a:rPr lang="en-US" altLang="ja-JP" dirty="0">
+                <a:ln w="0"/>
+                <a:solidFill>
+                  <a:schemeClr val="tx1"/>
+                </a:solidFill>
+                <a:effectLst>
+                  <a:outerShdw blurRad="38100" dist="19050" dir="2700000" algn="tl" rotWithShape="0">
+                    <a:schemeClr val="dk1">
+                      <a:alpha val="40000"/>
+                    </a:schemeClr>
+                  </a:outerShdw>
+                </a:effectLst>
+              </a:rPr>
+              <a:t>4</a:t>
+            </a:r>
+            <a:endParaRPr kumimoji="1" lang="ja-JP" altLang="en-US" dirty="0"/>
+          </a:p>
+        </p:txBody>
+      </p:sp>
+      <p:sp>
+        <p:nvSpPr>
+          <p:cNvPr id="11" name="楕円 10"/>
+          <p:cNvSpPr/>
+          <p:nvPr/>
+        </p:nvSpPr>
+        <p:spPr>
+          <a:xfrm>
+            <a:off x="9073688" y="6267796"/>
+            <a:ext cx="324196" cy="299258"/>
+          </a:xfrm>
+          <a:prstGeom prst="ellipse">
+            <a:avLst/>
+          </a:prstGeom>
+          <a:solidFill>
+            <a:schemeClr val="bg1"/>
+          </a:solidFill>
+          <a:ln>
+            <a:solidFill>
+              <a:schemeClr val="tx1"/>
+            </a:solidFill>
+          </a:ln>
+        </p:spPr>
+        <p:style>
+          <a:lnRef idx="2">
+            <a:schemeClr val="accent1">
+              <a:shade val="50000"/>
+            </a:schemeClr>
+          </a:lnRef>
+          <a:fillRef idx="1">
+            <a:schemeClr val="accent1"/>
+          </a:fillRef>
+          <a:effectRef idx="0">
+            <a:schemeClr val="accent1"/>
+          </a:effectRef>
+          <a:fontRef idx="minor">
+            <a:schemeClr val="lt1"/>
+          </a:fontRef>
+        </p:style>
+        <p:txBody>
+          <a:bodyPr rtlCol="0" anchor="ctr"/>
+          <a:lstStyle/>
+          <a:p>
+            <a:pPr algn="ctr"/>
+            <a:r>
+              <a:rPr lang="en-US" altLang="ja-JP" dirty="0">
+                <a:ln w="0"/>
+                <a:solidFill>
+                  <a:schemeClr val="tx1"/>
+                </a:solidFill>
+                <a:effectLst>
+                  <a:outerShdw blurRad="38100" dist="19050" dir="2700000" algn="tl" rotWithShape="0">
+                    <a:schemeClr val="dk1">
+                      <a:alpha val="40000"/>
+                    </a:schemeClr>
+                  </a:outerShdw>
+                </a:effectLst>
+              </a:rPr>
+              <a:t>5</a:t>
+            </a:r>
+            <a:endParaRPr kumimoji="1" lang="ja-JP" altLang="en-US" dirty="0"/>
+          </a:p>
+        </p:txBody>
+      </p:sp>
+    </p:spTree>
+    <p:extLst>
+      <p:ext uri="{BB962C8B-B14F-4D97-AF65-F5344CB8AC3E}">
+        <p14:creationId xmlns:p14="http://schemas.microsoft.com/office/powerpoint/2010/main" val="3428412679"/>
+      </p:ext>
+    </p:extLst>
+  </p:cSld>
+  <p:clrMapOvr>
+    <a:masterClrMapping/>
+  </p:clrMapOvr>
+</p:sld>
+</file>
+
+<file path=ppt/slides/slide9.xml><?xml version="1.0" encoding="utf-8"?>
+<p:sld xmlns:a="http://schemas.openxmlformats.org/drawingml/2006/main" xmlns:r="http://schemas.openxmlformats.org/officeDocument/2006/relationships" xmlns:p="http://schemas.openxmlformats.org/presentationml/2006/main">
+  <p:cSld>
+    <p:spTree>
+      <p:nvGrpSpPr>
+        <p:cNvPr id="1" name=""/>
+        <p:cNvGrpSpPr/>
+        <p:nvPr/>
+      </p:nvGrpSpPr>
+      <p:grpSpPr>
+        <a:xfrm>
+          <a:off x="0" y="0"/>
+          <a:ext cx="0" cy="0"/>
+          <a:chOff x="0" y="0"/>
+          <a:chExt cx="0" cy="0"/>
+        </a:xfrm>
+      </p:grpSpPr>
+      <p:sp>
+        <p:nvSpPr>
+          <p:cNvPr id="2" name="タイトル 1"/>
+          <p:cNvSpPr>
+            <a:spLocks noGrp="1"/>
+          </p:cNvSpPr>
+          <p:nvPr>
+            <p:ph type="title"/>
+          </p:nvPr>
+        </p:nvSpPr>
+        <p:spPr>
+          <a:xfrm>
+            <a:off x="839788" y="457200"/>
+            <a:ext cx="5502823" cy="1600200"/>
+          </a:xfrm>
+        </p:spPr>
+        <p:txBody>
+          <a:bodyPr>
+            <a:normAutofit/>
+          </a:bodyPr>
+          <a:lstStyle/>
+          <a:p>
+            <a:r>
+              <a:rPr lang="ja-JP" altLang="en-US" sz="4000" b="1" dirty="0" smtClean="0"/>
+              <a:t>アルバム</a:t>
+            </a:r>
+            <a:r>
+              <a:rPr kumimoji="1" lang="ja-JP" altLang="en-US" sz="4000" b="1" dirty="0" smtClean="0"/>
+              <a:t>シーン仕様</a:t>
+            </a:r>
+            <a:endParaRPr kumimoji="1" lang="ja-JP" altLang="en-US" sz="4000" b="1" dirty="0"/>
+          </a:p>
+        </p:txBody>
+      </p:sp>
+      <p:sp>
+        <p:nvSpPr>
+          <p:cNvPr id="4" name="テキスト プレースホルダー 3"/>
+          <p:cNvSpPr>
+            <a:spLocks noGrp="1"/>
+          </p:cNvSpPr>
+          <p:nvPr>
+            <p:ph type="body" sz="half" idx="2"/>
+          </p:nvPr>
+        </p:nvSpPr>
+        <p:spPr>
+          <a:xfrm>
+            <a:off x="839788" y="2057400"/>
+            <a:ext cx="5502823" cy="3811588"/>
+          </a:xfrm>
+        </p:spPr>
+        <p:txBody>
+          <a:bodyPr>
+            <a:normAutofit/>
+          </a:bodyPr>
+          <a:lstStyle/>
+          <a:p>
+            <a:pPr marL="457200" indent="-457200">
+              <a:buFont typeface="+mj-ea"/>
+              <a:buAutoNum type="circleNumDbPlain"/>
+            </a:pPr>
+            <a:r>
+              <a:rPr kumimoji="1" lang="ja-JP" altLang="en-US" sz="2000" dirty="0" smtClean="0"/>
+              <a:t>「アルバム」の</a:t>
+            </a:r>
+            <a:r>
+              <a:rPr lang="ja-JP" altLang="en-US" sz="2000" dirty="0" smtClean="0"/>
+              <a:t>テキスト</a:t>
+            </a:r>
+            <a:r>
+              <a:rPr lang="ja-JP" altLang="en-US" sz="2000" dirty="0"/>
+              <a:t>で</a:t>
+            </a:r>
+            <a:r>
+              <a:rPr kumimoji="1" lang="ja-JP" altLang="en-US" sz="2000" dirty="0" smtClean="0"/>
+              <a:t>表示</a:t>
+            </a:r>
+            <a:endParaRPr kumimoji="1" lang="en-US" altLang="ja-JP" sz="2000" dirty="0" smtClean="0"/>
+          </a:p>
+          <a:p>
+            <a:pPr marL="457200" indent="-457200">
+              <a:buFont typeface="+mj-ea"/>
+              <a:buAutoNum type="circleNumDbPlain"/>
+            </a:pPr>
+            <a:r>
               <a:rPr lang="ja-JP" altLang="en-US" sz="2000" dirty="0" smtClean="0"/>
               <a:t>育成が終了したキャラクターの画像を表示</a:t>
             </a:r>
@@ -5284,19 +6512,12 @@
             </a:pPr>
             <a:r>
               <a:rPr lang="ja-JP" altLang="en-US" sz="2000" dirty="0"/>
-              <a:t>ホームシーンへ</a:t>
+              <a:t>ホームシーン</a:t>
             </a:r>
             <a:r>
               <a:rPr lang="ja-JP" altLang="en-US" sz="2000" dirty="0" smtClean="0"/>
-              <a:t>移動（ボタン）</a:t>
-            </a:r>
-            <a:endParaRPr lang="en-US" altLang="ja-JP" sz="2000" dirty="0" smtClean="0"/>
-          </a:p>
-          <a:p>
-            <a:pPr marL="457200" indent="-457200">
-              <a:buFont typeface="+mj-ea"/>
-              <a:buAutoNum type="circleNumDbPlain" startAt="3"/>
-            </a:pPr>
+              <a:t>へ遷移するボタン</a:t>
+            </a:r>
             <a:endParaRPr kumimoji="1" lang="ja-JP" altLang="en-US" sz="2000" dirty="0"/>
           </a:p>
         </p:txBody>

--- a/Etc/仕様書/siyousho.pptx
+++ b/Etc/仕様書/siyousho.pptx
@@ -7,13 +7,17 @@
   <p:sldIdLst>
     <p:sldId id="256" r:id="rId2"/>
     <p:sldId id="263" r:id="rId3"/>
-    <p:sldId id="257" r:id="rId4"/>
-    <p:sldId id="258" r:id="rId5"/>
-    <p:sldId id="264" r:id="rId6"/>
-    <p:sldId id="259" r:id="rId7"/>
-    <p:sldId id="265" r:id="rId8"/>
-    <p:sldId id="260" r:id="rId9"/>
-    <p:sldId id="261" r:id="rId10"/>
+    <p:sldId id="268" r:id="rId4"/>
+    <p:sldId id="257" r:id="rId5"/>
+    <p:sldId id="258" r:id="rId6"/>
+    <p:sldId id="264" r:id="rId7"/>
+    <p:sldId id="269" r:id="rId8"/>
+    <p:sldId id="259" r:id="rId9"/>
+    <p:sldId id="265" r:id="rId10"/>
+    <p:sldId id="266" r:id="rId11"/>
+    <p:sldId id="267" r:id="rId12"/>
+    <p:sldId id="260" r:id="rId13"/>
+    <p:sldId id="261" r:id="rId14"/>
   </p:sldIdLst>
   <p:sldSz cx="12192000" cy="6858000"/>
   <p:notesSz cx="6858000" cy="9144000"/>
@@ -251,7 +255,7 @@
           <a:p>
             <a:fld id="{ABC0C50C-D3D9-4406-9172-E3E35DFBA9D5}" type="datetimeFigureOut">
               <a:rPr kumimoji="1" lang="ja-JP" altLang="en-US" smtClean="0"/>
-              <a:t>2023/7/11</a:t>
+              <a:t>2023/7/12</a:t>
             </a:fld>
             <a:endParaRPr kumimoji="1" lang="ja-JP" altLang="en-US"/>
           </a:p>
@@ -453,7 +457,7 @@
           <a:p>
             <a:fld id="{ABC0C50C-D3D9-4406-9172-E3E35DFBA9D5}" type="datetimeFigureOut">
               <a:rPr kumimoji="1" lang="ja-JP" altLang="en-US" smtClean="0"/>
-              <a:t>2023/7/11</a:t>
+              <a:t>2023/7/12</a:t>
             </a:fld>
             <a:endParaRPr kumimoji="1" lang="ja-JP" altLang="en-US"/>
           </a:p>
@@ -665,7 +669,7 @@
           <a:p>
             <a:fld id="{ABC0C50C-D3D9-4406-9172-E3E35DFBA9D5}" type="datetimeFigureOut">
               <a:rPr kumimoji="1" lang="ja-JP" altLang="en-US" smtClean="0"/>
-              <a:t>2023/7/11</a:t>
+              <a:t>2023/7/12</a:t>
             </a:fld>
             <a:endParaRPr kumimoji="1" lang="ja-JP" altLang="en-US"/>
           </a:p>
@@ -867,7 +871,7 @@
           <a:p>
             <a:fld id="{ABC0C50C-D3D9-4406-9172-E3E35DFBA9D5}" type="datetimeFigureOut">
               <a:rPr kumimoji="1" lang="ja-JP" altLang="en-US" smtClean="0"/>
-              <a:t>2023/7/11</a:t>
+              <a:t>2023/7/12</a:t>
             </a:fld>
             <a:endParaRPr kumimoji="1" lang="ja-JP" altLang="en-US"/>
           </a:p>
@@ -1113,7 +1117,7 @@
           <a:p>
             <a:fld id="{ABC0C50C-D3D9-4406-9172-E3E35DFBA9D5}" type="datetimeFigureOut">
               <a:rPr kumimoji="1" lang="ja-JP" altLang="en-US" smtClean="0"/>
-              <a:t>2023/7/11</a:t>
+              <a:t>2023/7/12</a:t>
             </a:fld>
             <a:endParaRPr kumimoji="1" lang="ja-JP" altLang="en-US"/>
           </a:p>
@@ -1409,7 +1413,7 @@
           <a:p>
             <a:fld id="{ABC0C50C-D3D9-4406-9172-E3E35DFBA9D5}" type="datetimeFigureOut">
               <a:rPr kumimoji="1" lang="ja-JP" altLang="en-US" smtClean="0"/>
-              <a:t>2023/7/11</a:t>
+              <a:t>2023/7/12</a:t>
             </a:fld>
             <a:endParaRPr kumimoji="1" lang="ja-JP" altLang="en-US"/>
           </a:p>
@@ -1840,7 +1844,7 @@
           <a:p>
             <a:fld id="{ABC0C50C-D3D9-4406-9172-E3E35DFBA9D5}" type="datetimeFigureOut">
               <a:rPr kumimoji="1" lang="ja-JP" altLang="en-US" smtClean="0"/>
-              <a:t>2023/7/11</a:t>
+              <a:t>2023/7/12</a:t>
             </a:fld>
             <a:endParaRPr kumimoji="1" lang="ja-JP" altLang="en-US"/>
           </a:p>
@@ -1958,7 +1962,7 @@
           <a:p>
             <a:fld id="{ABC0C50C-D3D9-4406-9172-E3E35DFBA9D5}" type="datetimeFigureOut">
               <a:rPr kumimoji="1" lang="ja-JP" altLang="en-US" smtClean="0"/>
-              <a:t>2023/7/11</a:t>
+              <a:t>2023/7/12</a:t>
             </a:fld>
             <a:endParaRPr kumimoji="1" lang="ja-JP" altLang="en-US"/>
           </a:p>
@@ -2053,7 +2057,7 @@
           <a:p>
             <a:fld id="{ABC0C50C-D3D9-4406-9172-E3E35DFBA9D5}" type="datetimeFigureOut">
               <a:rPr kumimoji="1" lang="ja-JP" altLang="en-US" smtClean="0"/>
-              <a:t>2023/7/11</a:t>
+              <a:t>2023/7/12</a:t>
             </a:fld>
             <a:endParaRPr kumimoji="1" lang="ja-JP" altLang="en-US"/>
           </a:p>
@@ -2362,7 +2366,7 @@
           <a:p>
             <a:fld id="{ABC0C50C-D3D9-4406-9172-E3E35DFBA9D5}" type="datetimeFigureOut">
               <a:rPr kumimoji="1" lang="ja-JP" altLang="en-US" smtClean="0"/>
-              <a:t>2023/7/11</a:t>
+              <a:t>2023/7/12</a:t>
             </a:fld>
             <a:endParaRPr kumimoji="1" lang="ja-JP" altLang="en-US"/>
           </a:p>
@@ -2615,7 +2619,7 @@
           <a:p>
             <a:fld id="{ABC0C50C-D3D9-4406-9172-E3E35DFBA9D5}" type="datetimeFigureOut">
               <a:rPr kumimoji="1" lang="ja-JP" altLang="en-US" smtClean="0"/>
-              <a:t>2023/7/11</a:t>
+              <a:t>2023/7/12</a:t>
             </a:fld>
             <a:endParaRPr kumimoji="1" lang="ja-JP" altLang="en-US"/>
           </a:p>
@@ -2860,7 +2864,7 @@
           <a:p>
             <a:fld id="{ABC0C50C-D3D9-4406-9172-E3E35DFBA9D5}" type="datetimeFigureOut">
               <a:rPr kumimoji="1" lang="ja-JP" altLang="en-US" smtClean="0"/>
-              <a:t>2023/7/11</a:t>
+              <a:t>2023/7/12</a:t>
             </a:fld>
             <a:endParaRPr kumimoji="1" lang="ja-JP" altLang="en-US"/>
           </a:p>
@@ -3328,6 +3332,1975 @@
 </p:sld>
 </file>
 
+<file path=ppt/slides/slide10.xml><?xml version="1.0" encoding="utf-8"?>
+<p:sld xmlns:a="http://schemas.openxmlformats.org/drawingml/2006/main" xmlns:r="http://schemas.openxmlformats.org/officeDocument/2006/relationships" xmlns:p="http://schemas.openxmlformats.org/presentationml/2006/main">
+  <p:cSld>
+    <p:spTree>
+      <p:nvGrpSpPr>
+        <p:cNvPr id="1" name=""/>
+        <p:cNvGrpSpPr/>
+        <p:nvPr/>
+      </p:nvGrpSpPr>
+      <p:grpSpPr>
+        <a:xfrm>
+          <a:off x="0" y="0"/>
+          <a:ext cx="0" cy="0"/>
+          <a:chOff x="0" y="0"/>
+          <a:chExt cx="0" cy="0"/>
+        </a:xfrm>
+      </p:grpSpPr>
+      <p:sp>
+        <p:nvSpPr>
+          <p:cNvPr id="2" name="タイトル 1"/>
+          <p:cNvSpPr>
+            <a:spLocks noGrp="1"/>
+          </p:cNvSpPr>
+          <p:nvPr>
+            <p:ph type="title"/>
+          </p:nvPr>
+        </p:nvSpPr>
+        <p:spPr>
+          <a:xfrm>
+            <a:off x="839788" y="457200"/>
+            <a:ext cx="5502823" cy="1600200"/>
+          </a:xfrm>
+        </p:spPr>
+        <p:txBody>
+          <a:bodyPr>
+            <a:normAutofit/>
+          </a:bodyPr>
+          <a:lstStyle/>
+          <a:p>
+            <a:r>
+              <a:rPr lang="ja-JP" altLang="en-US" sz="4000" b="1" dirty="0"/>
+              <a:t>リザルト画面</a:t>
+            </a:r>
+            <a:r>
+              <a:rPr kumimoji="1" lang="ja-JP" altLang="en-US" sz="4000" b="1" dirty="0" smtClean="0"/>
+              <a:t>仕様</a:t>
+            </a:r>
+            <a:endParaRPr kumimoji="1" lang="ja-JP" altLang="en-US" sz="4000" b="1" dirty="0"/>
+          </a:p>
+        </p:txBody>
+      </p:sp>
+      <p:sp>
+        <p:nvSpPr>
+          <p:cNvPr id="4" name="テキスト プレースホルダー 3"/>
+          <p:cNvSpPr>
+            <a:spLocks noGrp="1"/>
+          </p:cNvSpPr>
+          <p:nvPr>
+            <p:ph type="body" sz="half" idx="2"/>
+          </p:nvPr>
+        </p:nvSpPr>
+        <p:spPr>
+          <a:xfrm>
+            <a:off x="839788" y="2057400"/>
+            <a:ext cx="5768830" cy="3811588"/>
+          </a:xfrm>
+        </p:spPr>
+        <p:txBody>
+          <a:bodyPr>
+            <a:normAutofit/>
+          </a:bodyPr>
+          <a:lstStyle/>
+          <a:p>
+            <a:r>
+              <a:rPr lang="en-US" altLang="ja-JP" sz="2000" dirty="0"/>
+              <a:t>※</a:t>
+            </a:r>
+            <a:r>
+              <a:rPr lang="ja-JP" altLang="en-US" sz="2000" dirty="0" smtClean="0"/>
+              <a:t>赤線内</a:t>
+            </a:r>
+            <a:endParaRPr kumimoji="1" lang="en-US" altLang="ja-JP" sz="2000" dirty="0" smtClean="0"/>
+          </a:p>
+          <a:p>
+            <a:pPr marL="457200" indent="-457200">
+              <a:buFont typeface="+mj-ea"/>
+              <a:buAutoNum type="circleNumDbPlain"/>
+            </a:pPr>
+            <a:r>
+              <a:rPr kumimoji="1" lang="en-US" altLang="ja-JP" sz="2000" dirty="0" smtClean="0"/>
+              <a:t>Time Up</a:t>
+            </a:r>
+            <a:r>
+              <a:rPr kumimoji="1" lang="ja-JP" altLang="en-US" sz="2000" dirty="0" smtClean="0"/>
+              <a:t>の</a:t>
+            </a:r>
+            <a:r>
+              <a:rPr kumimoji="1" lang="en-US" altLang="ja-JP" sz="2000" dirty="0" smtClean="0"/>
+              <a:t>text</a:t>
+            </a:r>
+            <a:r>
+              <a:rPr kumimoji="1" lang="ja-JP" altLang="en-US" sz="2000" dirty="0" smtClean="0"/>
+              <a:t>を表示</a:t>
+            </a:r>
+            <a:endParaRPr kumimoji="1" lang="en-US" altLang="ja-JP" sz="2000" dirty="0" smtClean="0"/>
+          </a:p>
+          <a:p>
+            <a:pPr marL="457200" indent="-457200">
+              <a:buFont typeface="+mj-ea"/>
+              <a:buAutoNum type="circleNumDbPlain"/>
+            </a:pPr>
+            <a:r>
+              <a:rPr lang="ja-JP" altLang="en-US" sz="2000" dirty="0"/>
+              <a:t>今回</a:t>
+            </a:r>
+            <a:r>
+              <a:rPr lang="ja-JP" altLang="en-US" sz="2000" dirty="0" smtClean="0"/>
+              <a:t>の到達高度を</a:t>
+            </a:r>
+            <a:r>
+              <a:rPr lang="en-US" altLang="ja-JP" sz="2000" dirty="0" smtClean="0"/>
+              <a:t>text</a:t>
+            </a:r>
+            <a:r>
+              <a:rPr lang="ja-JP" altLang="en-US" sz="2000" dirty="0" smtClean="0"/>
+              <a:t>で表示　　　　　　（記録を更新したら</a:t>
+            </a:r>
+            <a:r>
+              <a:rPr lang="en-US" altLang="ja-JP" sz="2000" dirty="0" smtClean="0"/>
+              <a:t>New Record</a:t>
+            </a:r>
+            <a:r>
+              <a:rPr lang="ja-JP" altLang="en-US" sz="2000" dirty="0" smtClean="0"/>
+              <a:t>を表示）</a:t>
+            </a:r>
+            <a:endParaRPr lang="en-US" altLang="ja-JP" sz="2000" dirty="0" smtClean="0"/>
+          </a:p>
+          <a:p>
+            <a:pPr marL="457200" indent="-457200">
+              <a:buFont typeface="+mj-ea"/>
+              <a:buAutoNum type="circleNumDbPlain"/>
+            </a:pPr>
+            <a:r>
+              <a:rPr lang="ja-JP" altLang="en-US" sz="2000" dirty="0"/>
+              <a:t>今まで</a:t>
+            </a:r>
+            <a:r>
+              <a:rPr lang="ja-JP" altLang="en-US" sz="2000" dirty="0" smtClean="0"/>
+              <a:t>の最高高度を</a:t>
+            </a:r>
+            <a:r>
+              <a:rPr lang="en-US" altLang="ja-JP" sz="2000" dirty="0" smtClean="0"/>
+              <a:t>text</a:t>
+            </a:r>
+            <a:r>
+              <a:rPr lang="ja-JP" altLang="en-US" sz="2000" dirty="0" smtClean="0"/>
+              <a:t>で表示</a:t>
+            </a:r>
+            <a:endParaRPr lang="en-US" altLang="ja-JP" sz="2000" dirty="0" smtClean="0"/>
+          </a:p>
+          <a:p>
+            <a:pPr marL="457200" indent="-457200">
+              <a:buFont typeface="+mj-ea"/>
+              <a:buAutoNum type="circleNumDbPlain"/>
+            </a:pPr>
+            <a:r>
+              <a:rPr lang="en-US" altLang="ja-JP" sz="2000" dirty="0" smtClean="0"/>
+              <a:t>Item</a:t>
+            </a:r>
+            <a:r>
+              <a:rPr lang="ja-JP" altLang="en-US" sz="2000" dirty="0" smtClean="0"/>
+              <a:t>の</a:t>
+            </a:r>
+            <a:r>
+              <a:rPr lang="en-US" altLang="ja-JP" sz="2000" dirty="0" smtClean="0"/>
+              <a:t>text</a:t>
+            </a:r>
+            <a:r>
+              <a:rPr lang="ja-JP" altLang="en-US" sz="2000" dirty="0" smtClean="0"/>
+              <a:t>を表示</a:t>
+            </a:r>
+            <a:endParaRPr lang="en-US" altLang="ja-JP" sz="2000" dirty="0" smtClean="0"/>
+          </a:p>
+          <a:p>
+            <a:pPr marL="457200" indent="-457200">
+              <a:buFont typeface="+mj-ea"/>
+              <a:buAutoNum type="circleNumDbPlain"/>
+            </a:pPr>
+            <a:r>
+              <a:rPr lang="ja-JP" altLang="en-US" sz="2000" dirty="0"/>
+              <a:t>アイテムごとの</a:t>
+            </a:r>
+            <a:r>
+              <a:rPr lang="ja-JP" altLang="en-US" sz="2000" dirty="0" smtClean="0"/>
+              <a:t>個数</a:t>
+            </a:r>
+            <a:r>
+              <a:rPr lang="ja-JP" altLang="en-US" sz="2000" dirty="0"/>
+              <a:t>の</a:t>
+            </a:r>
+            <a:r>
+              <a:rPr lang="en-US" altLang="ja-JP" sz="2000" dirty="0" smtClean="0"/>
+              <a:t>text</a:t>
+            </a:r>
+            <a:r>
+              <a:rPr lang="ja-JP" altLang="en-US" sz="2000" dirty="0"/>
+              <a:t>を</a:t>
+            </a:r>
+            <a:r>
+              <a:rPr lang="ja-JP" altLang="en-US" sz="2000" dirty="0" smtClean="0"/>
+              <a:t>表示</a:t>
+            </a:r>
+            <a:endParaRPr lang="en-US" altLang="ja-JP" sz="2000" dirty="0" smtClean="0"/>
+          </a:p>
+          <a:p>
+            <a:pPr marL="457200" indent="-457200">
+              <a:buFont typeface="+mj-ea"/>
+              <a:buAutoNum type="circleNumDbPlain"/>
+            </a:pPr>
+            <a:r>
+              <a:rPr lang="en-US" altLang="ja-JP" sz="2000" dirty="0" smtClean="0"/>
+              <a:t>SNS</a:t>
+            </a:r>
+            <a:r>
+              <a:rPr lang="ja-JP" altLang="en-US" sz="2000" dirty="0" smtClean="0"/>
+              <a:t>画面への表示</a:t>
+            </a:r>
+            <a:endParaRPr lang="en-US" altLang="ja-JP" sz="2000" dirty="0" smtClean="0"/>
+          </a:p>
+          <a:p>
+            <a:pPr marL="457200" indent="-457200">
+              <a:buFont typeface="+mj-ea"/>
+              <a:buAutoNum type="circleNumDbPlain"/>
+            </a:pPr>
+            <a:r>
+              <a:rPr lang="ja-JP" altLang="en-US" sz="2000" dirty="0" smtClean="0"/>
+              <a:t>遷移画面へ移動</a:t>
+            </a:r>
+            <a:endParaRPr lang="en-US" altLang="ja-JP" sz="2000" dirty="0" smtClean="0"/>
+          </a:p>
+          <a:p>
+            <a:pPr marL="457200" indent="-457200">
+              <a:buFont typeface="+mj-ea"/>
+              <a:buAutoNum type="circleNumDbPlain"/>
+            </a:pPr>
+            <a:endParaRPr kumimoji="1" lang="ja-JP" altLang="en-US" sz="2000" dirty="0"/>
+          </a:p>
+        </p:txBody>
+      </p:sp>
+      <p:pic>
+        <p:nvPicPr>
+          <p:cNvPr id="9" name="図 8"/>
+          <p:cNvPicPr>
+            <a:picLocks noChangeAspect="1"/>
+          </p:cNvPicPr>
+          <p:nvPr/>
+        </p:nvPicPr>
+        <p:blipFill>
+          <a:blip r:embed="rId2" cstate="print">
+            <a:extLst>
+              <a:ext uri="{28A0092B-C50C-407E-A947-70E740481C1C}">
+                <a14:useLocalDpi xmlns:a14="http://schemas.microsoft.com/office/drawing/2010/main" val="0"/>
+              </a:ext>
+            </a:extLst>
+          </a:blip>
+          <a:stretch>
+            <a:fillRect/>
+          </a:stretch>
+        </p:blipFill>
+        <p:spPr>
+          <a:xfrm>
+            <a:off x="6929608" y="174567"/>
+            <a:ext cx="3722022" cy="6616928"/>
+          </a:xfrm>
+          <a:prstGeom prst="rect">
+            <a:avLst/>
+          </a:prstGeom>
+          <a:ln w="12700">
+            <a:solidFill>
+              <a:schemeClr val="tx1"/>
+            </a:solidFill>
+          </a:ln>
+        </p:spPr>
+      </p:pic>
+      <p:sp>
+        <p:nvSpPr>
+          <p:cNvPr id="10" name="楕円 9"/>
+          <p:cNvSpPr/>
+          <p:nvPr/>
+        </p:nvSpPr>
+        <p:spPr>
+          <a:xfrm>
+            <a:off x="7929079" y="1380997"/>
+            <a:ext cx="324196" cy="299258"/>
+          </a:xfrm>
+          <a:prstGeom prst="ellipse">
+            <a:avLst/>
+          </a:prstGeom>
+          <a:solidFill>
+            <a:schemeClr val="bg1"/>
+          </a:solidFill>
+          <a:ln>
+            <a:solidFill>
+              <a:schemeClr val="tx1"/>
+            </a:solidFill>
+          </a:ln>
+        </p:spPr>
+        <p:style>
+          <a:lnRef idx="2">
+            <a:schemeClr val="accent1">
+              <a:shade val="50000"/>
+            </a:schemeClr>
+          </a:lnRef>
+          <a:fillRef idx="1">
+            <a:schemeClr val="accent1"/>
+          </a:fillRef>
+          <a:effectRef idx="0">
+            <a:schemeClr val="accent1"/>
+          </a:effectRef>
+          <a:fontRef idx="minor">
+            <a:schemeClr val="lt1"/>
+          </a:fontRef>
+        </p:style>
+        <p:txBody>
+          <a:bodyPr rtlCol="0" anchor="ctr"/>
+          <a:lstStyle/>
+          <a:p>
+            <a:pPr algn="ctr"/>
+            <a:r>
+              <a:rPr lang="en-US" altLang="ja-JP" dirty="0" smtClean="0">
+                <a:ln w="0"/>
+                <a:solidFill>
+                  <a:schemeClr val="tx1"/>
+                </a:solidFill>
+                <a:effectLst>
+                  <a:outerShdw blurRad="38100" dist="19050" dir="2700000" algn="tl" rotWithShape="0">
+                    <a:schemeClr val="dk1">
+                      <a:alpha val="40000"/>
+                    </a:schemeClr>
+                  </a:outerShdw>
+                </a:effectLst>
+              </a:rPr>
+              <a:t>1</a:t>
+            </a:r>
+            <a:endParaRPr kumimoji="1" lang="ja-JP" altLang="en-US" dirty="0"/>
+          </a:p>
+        </p:txBody>
+      </p:sp>
+      <p:sp>
+        <p:nvSpPr>
+          <p:cNvPr id="6" name="楕円 5"/>
+          <p:cNvSpPr/>
+          <p:nvPr/>
+        </p:nvSpPr>
+        <p:spPr>
+          <a:xfrm>
+            <a:off x="7596195" y="2151193"/>
+            <a:ext cx="324196" cy="299258"/>
+          </a:xfrm>
+          <a:prstGeom prst="ellipse">
+            <a:avLst/>
+          </a:prstGeom>
+          <a:solidFill>
+            <a:schemeClr val="bg1"/>
+          </a:solidFill>
+          <a:ln>
+            <a:solidFill>
+              <a:schemeClr val="tx1"/>
+            </a:solidFill>
+          </a:ln>
+        </p:spPr>
+        <p:style>
+          <a:lnRef idx="2">
+            <a:schemeClr val="accent1">
+              <a:shade val="50000"/>
+            </a:schemeClr>
+          </a:lnRef>
+          <a:fillRef idx="1">
+            <a:schemeClr val="accent1"/>
+          </a:fillRef>
+          <a:effectRef idx="0">
+            <a:schemeClr val="accent1"/>
+          </a:effectRef>
+          <a:fontRef idx="minor">
+            <a:schemeClr val="lt1"/>
+          </a:fontRef>
+        </p:style>
+        <p:txBody>
+          <a:bodyPr rtlCol="0" anchor="ctr"/>
+          <a:lstStyle/>
+          <a:p>
+            <a:pPr algn="ctr"/>
+            <a:r>
+              <a:rPr lang="en-US" altLang="ja-JP" dirty="0">
+                <a:ln w="0"/>
+                <a:solidFill>
+                  <a:schemeClr val="tx1"/>
+                </a:solidFill>
+                <a:effectLst>
+                  <a:outerShdw blurRad="38100" dist="19050" dir="2700000" algn="tl" rotWithShape="0">
+                    <a:schemeClr val="dk1">
+                      <a:alpha val="40000"/>
+                    </a:schemeClr>
+                  </a:outerShdw>
+                </a:effectLst>
+              </a:rPr>
+              <a:t>2</a:t>
+            </a:r>
+            <a:endParaRPr kumimoji="1" lang="ja-JP" altLang="en-US" dirty="0"/>
+          </a:p>
+        </p:txBody>
+      </p:sp>
+      <p:sp>
+        <p:nvSpPr>
+          <p:cNvPr id="7" name="楕円 6"/>
+          <p:cNvSpPr/>
+          <p:nvPr/>
+        </p:nvSpPr>
+        <p:spPr>
+          <a:xfrm>
+            <a:off x="7033517" y="2685255"/>
+            <a:ext cx="324196" cy="299258"/>
+          </a:xfrm>
+          <a:prstGeom prst="ellipse">
+            <a:avLst/>
+          </a:prstGeom>
+          <a:solidFill>
+            <a:schemeClr val="bg1"/>
+          </a:solidFill>
+          <a:ln>
+            <a:solidFill>
+              <a:schemeClr val="tx1"/>
+            </a:solidFill>
+          </a:ln>
+        </p:spPr>
+        <p:style>
+          <a:lnRef idx="2">
+            <a:schemeClr val="accent1">
+              <a:shade val="50000"/>
+            </a:schemeClr>
+          </a:lnRef>
+          <a:fillRef idx="1">
+            <a:schemeClr val="accent1"/>
+          </a:fillRef>
+          <a:effectRef idx="0">
+            <a:schemeClr val="accent1"/>
+          </a:effectRef>
+          <a:fontRef idx="minor">
+            <a:schemeClr val="lt1"/>
+          </a:fontRef>
+        </p:style>
+        <p:txBody>
+          <a:bodyPr rtlCol="0" anchor="ctr"/>
+          <a:lstStyle/>
+          <a:p>
+            <a:pPr algn="ctr"/>
+            <a:r>
+              <a:rPr lang="en-US" altLang="ja-JP" dirty="0">
+                <a:ln w="0"/>
+                <a:solidFill>
+                  <a:schemeClr val="tx1"/>
+                </a:solidFill>
+                <a:effectLst>
+                  <a:outerShdw blurRad="38100" dist="19050" dir="2700000" algn="tl" rotWithShape="0">
+                    <a:schemeClr val="dk1">
+                      <a:alpha val="40000"/>
+                    </a:schemeClr>
+                  </a:outerShdw>
+                </a:effectLst>
+              </a:rPr>
+              <a:t>3</a:t>
+            </a:r>
+            <a:endParaRPr kumimoji="1" lang="ja-JP" altLang="en-US" dirty="0"/>
+          </a:p>
+        </p:txBody>
+      </p:sp>
+      <p:sp>
+        <p:nvSpPr>
+          <p:cNvPr id="8" name="楕円 7"/>
+          <p:cNvSpPr/>
+          <p:nvPr/>
+        </p:nvSpPr>
+        <p:spPr>
+          <a:xfrm>
+            <a:off x="7033517" y="3330759"/>
+            <a:ext cx="324196" cy="299258"/>
+          </a:xfrm>
+          <a:prstGeom prst="ellipse">
+            <a:avLst/>
+          </a:prstGeom>
+          <a:solidFill>
+            <a:schemeClr val="bg1"/>
+          </a:solidFill>
+          <a:ln>
+            <a:solidFill>
+              <a:schemeClr val="tx1"/>
+            </a:solidFill>
+          </a:ln>
+        </p:spPr>
+        <p:style>
+          <a:lnRef idx="2">
+            <a:schemeClr val="accent1">
+              <a:shade val="50000"/>
+            </a:schemeClr>
+          </a:lnRef>
+          <a:fillRef idx="1">
+            <a:schemeClr val="accent1"/>
+          </a:fillRef>
+          <a:effectRef idx="0">
+            <a:schemeClr val="accent1"/>
+          </a:effectRef>
+          <a:fontRef idx="minor">
+            <a:schemeClr val="lt1"/>
+          </a:fontRef>
+        </p:style>
+        <p:txBody>
+          <a:bodyPr rtlCol="0" anchor="ctr"/>
+          <a:lstStyle/>
+          <a:p>
+            <a:pPr algn="ctr"/>
+            <a:r>
+              <a:rPr lang="en-US" altLang="ja-JP" dirty="0" smtClean="0">
+                <a:ln w="0"/>
+                <a:solidFill>
+                  <a:schemeClr val="tx1"/>
+                </a:solidFill>
+                <a:effectLst>
+                  <a:outerShdw blurRad="38100" dist="19050" dir="2700000" algn="tl" rotWithShape="0">
+                    <a:schemeClr val="dk1">
+                      <a:alpha val="40000"/>
+                    </a:schemeClr>
+                  </a:outerShdw>
+                </a:effectLst>
+              </a:rPr>
+              <a:t>4</a:t>
+            </a:r>
+            <a:endParaRPr kumimoji="1" lang="ja-JP" altLang="en-US" dirty="0"/>
+          </a:p>
+        </p:txBody>
+      </p:sp>
+      <p:sp>
+        <p:nvSpPr>
+          <p:cNvPr id="11" name="楕円 10"/>
+          <p:cNvSpPr/>
+          <p:nvPr/>
+        </p:nvSpPr>
+        <p:spPr>
+          <a:xfrm>
+            <a:off x="7195615" y="3813565"/>
+            <a:ext cx="324196" cy="299258"/>
+          </a:xfrm>
+          <a:prstGeom prst="ellipse">
+            <a:avLst/>
+          </a:prstGeom>
+          <a:solidFill>
+            <a:schemeClr val="bg1"/>
+          </a:solidFill>
+          <a:ln>
+            <a:solidFill>
+              <a:schemeClr val="tx1"/>
+            </a:solidFill>
+          </a:ln>
+        </p:spPr>
+        <p:style>
+          <a:lnRef idx="2">
+            <a:schemeClr val="accent1">
+              <a:shade val="50000"/>
+            </a:schemeClr>
+          </a:lnRef>
+          <a:fillRef idx="1">
+            <a:schemeClr val="accent1"/>
+          </a:fillRef>
+          <a:effectRef idx="0">
+            <a:schemeClr val="accent1"/>
+          </a:effectRef>
+          <a:fontRef idx="minor">
+            <a:schemeClr val="lt1"/>
+          </a:fontRef>
+        </p:style>
+        <p:txBody>
+          <a:bodyPr rtlCol="0" anchor="ctr"/>
+          <a:lstStyle/>
+          <a:p>
+            <a:pPr algn="ctr"/>
+            <a:r>
+              <a:rPr lang="en-US" altLang="ja-JP" dirty="0" smtClean="0">
+                <a:ln w="0"/>
+                <a:solidFill>
+                  <a:schemeClr val="tx1"/>
+                </a:solidFill>
+                <a:effectLst>
+                  <a:outerShdw blurRad="38100" dist="19050" dir="2700000" algn="tl" rotWithShape="0">
+                    <a:schemeClr val="dk1">
+                      <a:alpha val="40000"/>
+                    </a:schemeClr>
+                  </a:outerShdw>
+                </a:effectLst>
+              </a:rPr>
+              <a:t>5</a:t>
+            </a:r>
+            <a:endParaRPr kumimoji="1" lang="ja-JP" altLang="en-US" dirty="0"/>
+          </a:p>
+        </p:txBody>
+      </p:sp>
+      <p:sp>
+        <p:nvSpPr>
+          <p:cNvPr id="12" name="楕円 11"/>
+          <p:cNvSpPr/>
+          <p:nvPr/>
+        </p:nvSpPr>
+        <p:spPr>
+          <a:xfrm>
+            <a:off x="6871419" y="4415623"/>
+            <a:ext cx="324196" cy="299258"/>
+          </a:xfrm>
+          <a:prstGeom prst="ellipse">
+            <a:avLst/>
+          </a:prstGeom>
+          <a:solidFill>
+            <a:schemeClr val="bg1"/>
+          </a:solidFill>
+          <a:ln>
+            <a:solidFill>
+              <a:schemeClr val="tx1"/>
+            </a:solidFill>
+          </a:ln>
+        </p:spPr>
+        <p:style>
+          <a:lnRef idx="2">
+            <a:schemeClr val="accent1">
+              <a:shade val="50000"/>
+            </a:schemeClr>
+          </a:lnRef>
+          <a:fillRef idx="1">
+            <a:schemeClr val="accent1"/>
+          </a:fillRef>
+          <a:effectRef idx="0">
+            <a:schemeClr val="accent1"/>
+          </a:effectRef>
+          <a:fontRef idx="minor">
+            <a:schemeClr val="lt1"/>
+          </a:fontRef>
+        </p:style>
+        <p:txBody>
+          <a:bodyPr rtlCol="0" anchor="ctr"/>
+          <a:lstStyle/>
+          <a:p>
+            <a:pPr algn="ctr"/>
+            <a:r>
+              <a:rPr lang="en-US" altLang="ja-JP" dirty="0" smtClean="0">
+                <a:ln w="0"/>
+                <a:solidFill>
+                  <a:schemeClr val="tx1"/>
+                </a:solidFill>
+                <a:effectLst>
+                  <a:outerShdw blurRad="38100" dist="19050" dir="2700000" algn="tl" rotWithShape="0">
+                    <a:schemeClr val="dk1">
+                      <a:alpha val="40000"/>
+                    </a:schemeClr>
+                  </a:outerShdw>
+                </a:effectLst>
+              </a:rPr>
+              <a:t>6</a:t>
+            </a:r>
+            <a:endParaRPr kumimoji="1" lang="ja-JP" altLang="en-US" dirty="0"/>
+          </a:p>
+        </p:txBody>
+      </p:sp>
+      <p:sp>
+        <p:nvSpPr>
+          <p:cNvPr id="13" name="楕円 12"/>
+          <p:cNvSpPr/>
+          <p:nvPr/>
+        </p:nvSpPr>
+        <p:spPr>
+          <a:xfrm>
+            <a:off x="9178622" y="4415623"/>
+            <a:ext cx="324196" cy="299258"/>
+          </a:xfrm>
+          <a:prstGeom prst="ellipse">
+            <a:avLst/>
+          </a:prstGeom>
+          <a:solidFill>
+            <a:schemeClr val="bg1"/>
+          </a:solidFill>
+          <a:ln>
+            <a:solidFill>
+              <a:schemeClr val="tx1"/>
+            </a:solidFill>
+          </a:ln>
+        </p:spPr>
+        <p:style>
+          <a:lnRef idx="2">
+            <a:schemeClr val="accent1">
+              <a:shade val="50000"/>
+            </a:schemeClr>
+          </a:lnRef>
+          <a:fillRef idx="1">
+            <a:schemeClr val="accent1"/>
+          </a:fillRef>
+          <a:effectRef idx="0">
+            <a:schemeClr val="accent1"/>
+          </a:effectRef>
+          <a:fontRef idx="minor">
+            <a:schemeClr val="lt1"/>
+          </a:fontRef>
+        </p:style>
+        <p:txBody>
+          <a:bodyPr rtlCol="0" anchor="ctr"/>
+          <a:lstStyle/>
+          <a:p>
+            <a:pPr algn="ctr"/>
+            <a:r>
+              <a:rPr lang="en-US" altLang="ja-JP" dirty="0">
+                <a:ln w="0"/>
+                <a:solidFill>
+                  <a:schemeClr val="tx1"/>
+                </a:solidFill>
+                <a:effectLst>
+                  <a:outerShdw blurRad="38100" dist="19050" dir="2700000" algn="tl" rotWithShape="0">
+                    <a:schemeClr val="dk1">
+                      <a:alpha val="40000"/>
+                    </a:schemeClr>
+                  </a:outerShdw>
+                </a:effectLst>
+              </a:rPr>
+              <a:t>7</a:t>
+            </a:r>
+            <a:endParaRPr kumimoji="1" lang="ja-JP" altLang="en-US" dirty="0"/>
+          </a:p>
+        </p:txBody>
+      </p:sp>
+    </p:spTree>
+    <p:extLst>
+      <p:ext uri="{BB962C8B-B14F-4D97-AF65-F5344CB8AC3E}">
+        <p14:creationId xmlns:p14="http://schemas.microsoft.com/office/powerpoint/2010/main" val="1942466068"/>
+      </p:ext>
+    </p:extLst>
+  </p:cSld>
+  <p:clrMapOvr>
+    <a:masterClrMapping/>
+  </p:clrMapOvr>
+</p:sld>
+</file>
+
+<file path=ppt/slides/slide11.xml><?xml version="1.0" encoding="utf-8"?>
+<p:sld xmlns:a="http://schemas.openxmlformats.org/drawingml/2006/main" xmlns:r="http://schemas.openxmlformats.org/officeDocument/2006/relationships" xmlns:p="http://schemas.openxmlformats.org/presentationml/2006/main">
+  <p:cSld>
+    <p:spTree>
+      <p:nvGrpSpPr>
+        <p:cNvPr id="1" name=""/>
+        <p:cNvGrpSpPr/>
+        <p:nvPr/>
+      </p:nvGrpSpPr>
+      <p:grpSpPr>
+        <a:xfrm>
+          <a:off x="0" y="0"/>
+          <a:ext cx="0" cy="0"/>
+          <a:chOff x="0" y="0"/>
+          <a:chExt cx="0" cy="0"/>
+        </a:xfrm>
+      </p:grpSpPr>
+      <p:sp>
+        <p:nvSpPr>
+          <p:cNvPr id="2" name="タイトル 1"/>
+          <p:cNvSpPr>
+            <a:spLocks noGrp="1"/>
+          </p:cNvSpPr>
+          <p:nvPr>
+            <p:ph type="title"/>
+          </p:nvPr>
+        </p:nvSpPr>
+        <p:spPr>
+          <a:xfrm>
+            <a:off x="839788" y="457200"/>
+            <a:ext cx="5502823" cy="1600200"/>
+          </a:xfrm>
+        </p:spPr>
+        <p:txBody>
+          <a:bodyPr>
+            <a:normAutofit/>
+          </a:bodyPr>
+          <a:lstStyle/>
+          <a:p>
+            <a:r>
+              <a:rPr lang="ja-JP" altLang="en-US" sz="4000" b="1" dirty="0"/>
+              <a:t>遷移</a:t>
+            </a:r>
+            <a:r>
+              <a:rPr lang="ja-JP" altLang="en-US" sz="4000" b="1" dirty="0" smtClean="0"/>
+              <a:t>画面</a:t>
+            </a:r>
+            <a:r>
+              <a:rPr kumimoji="1" lang="ja-JP" altLang="en-US" sz="4000" b="1" dirty="0" smtClean="0"/>
+              <a:t>仕様</a:t>
+            </a:r>
+            <a:endParaRPr kumimoji="1" lang="ja-JP" altLang="en-US" sz="4000" b="1" dirty="0"/>
+          </a:p>
+        </p:txBody>
+      </p:sp>
+      <p:sp>
+        <p:nvSpPr>
+          <p:cNvPr id="4" name="テキスト プレースホルダー 3"/>
+          <p:cNvSpPr>
+            <a:spLocks noGrp="1"/>
+          </p:cNvSpPr>
+          <p:nvPr>
+            <p:ph type="body" sz="half" idx="2"/>
+          </p:nvPr>
+        </p:nvSpPr>
+        <p:spPr>
+          <a:xfrm>
+            <a:off x="839788" y="2057400"/>
+            <a:ext cx="5768830" cy="3811588"/>
+          </a:xfrm>
+        </p:spPr>
+        <p:txBody>
+          <a:bodyPr>
+            <a:normAutofit/>
+          </a:bodyPr>
+          <a:lstStyle/>
+          <a:p>
+            <a:r>
+              <a:rPr lang="en-US" altLang="ja-JP" sz="2000" dirty="0"/>
+              <a:t>※</a:t>
+            </a:r>
+            <a:r>
+              <a:rPr lang="ja-JP" altLang="en-US" sz="2000" dirty="0" smtClean="0"/>
+              <a:t>赤線内</a:t>
+            </a:r>
+            <a:endParaRPr kumimoji="1" lang="en-US" altLang="ja-JP" sz="2000" dirty="0" smtClean="0"/>
+          </a:p>
+          <a:p>
+            <a:pPr marL="457200" indent="-457200">
+              <a:buFont typeface="+mj-ea"/>
+              <a:buAutoNum type="circleNumDbPlain"/>
+            </a:pPr>
+            <a:r>
+              <a:rPr kumimoji="1" lang="ja-JP" altLang="en-US" sz="2000" dirty="0" smtClean="0"/>
+              <a:t>育成シーンへ遷移するボタン</a:t>
+            </a:r>
+            <a:endParaRPr kumimoji="1" lang="en-US" altLang="ja-JP" sz="2000" dirty="0" smtClean="0"/>
+          </a:p>
+          <a:p>
+            <a:pPr marL="457200" indent="-457200">
+              <a:buFont typeface="+mj-ea"/>
+              <a:buAutoNum type="circleNumDbPlain"/>
+            </a:pPr>
+            <a:r>
+              <a:rPr kumimoji="1" lang="ja-JP" altLang="en-US" sz="2000" dirty="0" smtClean="0"/>
+              <a:t>ホームシーン</a:t>
+            </a:r>
+            <a:r>
+              <a:rPr kumimoji="1" lang="ja-JP" altLang="en-US" sz="2000" dirty="0"/>
+              <a:t>へ遷移するボタン</a:t>
+            </a:r>
+            <a:endParaRPr kumimoji="1" lang="en-US" altLang="ja-JP" sz="2000" dirty="0" smtClean="0"/>
+          </a:p>
+        </p:txBody>
+      </p:sp>
+      <p:pic>
+        <p:nvPicPr>
+          <p:cNvPr id="9" name="図 8"/>
+          <p:cNvPicPr>
+            <a:picLocks noChangeAspect="1"/>
+          </p:cNvPicPr>
+          <p:nvPr/>
+        </p:nvPicPr>
+        <p:blipFill>
+          <a:blip r:embed="rId2" cstate="print">
+            <a:extLst>
+              <a:ext uri="{28A0092B-C50C-407E-A947-70E740481C1C}">
+                <a14:useLocalDpi xmlns:a14="http://schemas.microsoft.com/office/drawing/2010/main" val="0"/>
+              </a:ext>
+            </a:extLst>
+          </a:blip>
+          <a:stretch>
+            <a:fillRect/>
+          </a:stretch>
+        </p:blipFill>
+        <p:spPr>
+          <a:xfrm>
+            <a:off x="6929608" y="174567"/>
+            <a:ext cx="3722021" cy="6616928"/>
+          </a:xfrm>
+          <a:prstGeom prst="rect">
+            <a:avLst/>
+          </a:prstGeom>
+          <a:ln w="12700">
+            <a:solidFill>
+              <a:schemeClr val="tx1"/>
+            </a:solidFill>
+          </a:ln>
+        </p:spPr>
+      </p:pic>
+      <p:sp>
+        <p:nvSpPr>
+          <p:cNvPr id="10" name="楕円 9"/>
+          <p:cNvSpPr/>
+          <p:nvPr/>
+        </p:nvSpPr>
+        <p:spPr>
+          <a:xfrm>
+            <a:off x="7620514" y="2535626"/>
+            <a:ext cx="324196" cy="299258"/>
+          </a:xfrm>
+          <a:prstGeom prst="ellipse">
+            <a:avLst/>
+          </a:prstGeom>
+          <a:solidFill>
+            <a:schemeClr val="bg1"/>
+          </a:solidFill>
+          <a:ln>
+            <a:solidFill>
+              <a:schemeClr val="tx1"/>
+            </a:solidFill>
+          </a:ln>
+        </p:spPr>
+        <p:style>
+          <a:lnRef idx="2">
+            <a:schemeClr val="accent1">
+              <a:shade val="50000"/>
+            </a:schemeClr>
+          </a:lnRef>
+          <a:fillRef idx="1">
+            <a:schemeClr val="accent1"/>
+          </a:fillRef>
+          <a:effectRef idx="0">
+            <a:schemeClr val="accent1"/>
+          </a:effectRef>
+          <a:fontRef idx="minor">
+            <a:schemeClr val="lt1"/>
+          </a:fontRef>
+        </p:style>
+        <p:txBody>
+          <a:bodyPr rtlCol="0" anchor="ctr"/>
+          <a:lstStyle/>
+          <a:p>
+            <a:pPr algn="ctr"/>
+            <a:r>
+              <a:rPr lang="en-US" altLang="ja-JP" dirty="0" smtClean="0">
+                <a:ln w="0"/>
+                <a:solidFill>
+                  <a:schemeClr val="tx1"/>
+                </a:solidFill>
+                <a:effectLst>
+                  <a:outerShdw blurRad="38100" dist="19050" dir="2700000" algn="tl" rotWithShape="0">
+                    <a:schemeClr val="dk1">
+                      <a:alpha val="40000"/>
+                    </a:schemeClr>
+                  </a:outerShdw>
+                </a:effectLst>
+              </a:rPr>
+              <a:t>1</a:t>
+            </a:r>
+            <a:endParaRPr kumimoji="1" lang="ja-JP" altLang="en-US" dirty="0"/>
+          </a:p>
+        </p:txBody>
+      </p:sp>
+      <p:sp>
+        <p:nvSpPr>
+          <p:cNvPr id="6" name="楕円 5"/>
+          <p:cNvSpPr/>
+          <p:nvPr/>
+        </p:nvSpPr>
+        <p:spPr>
+          <a:xfrm>
+            <a:off x="7620514" y="3357508"/>
+            <a:ext cx="324196" cy="299258"/>
+          </a:xfrm>
+          <a:prstGeom prst="ellipse">
+            <a:avLst/>
+          </a:prstGeom>
+          <a:solidFill>
+            <a:schemeClr val="bg1"/>
+          </a:solidFill>
+          <a:ln>
+            <a:solidFill>
+              <a:schemeClr val="tx1"/>
+            </a:solidFill>
+          </a:ln>
+        </p:spPr>
+        <p:style>
+          <a:lnRef idx="2">
+            <a:schemeClr val="accent1">
+              <a:shade val="50000"/>
+            </a:schemeClr>
+          </a:lnRef>
+          <a:fillRef idx="1">
+            <a:schemeClr val="accent1"/>
+          </a:fillRef>
+          <a:effectRef idx="0">
+            <a:schemeClr val="accent1"/>
+          </a:effectRef>
+          <a:fontRef idx="minor">
+            <a:schemeClr val="lt1"/>
+          </a:fontRef>
+        </p:style>
+        <p:txBody>
+          <a:bodyPr rtlCol="0" anchor="ctr"/>
+          <a:lstStyle/>
+          <a:p>
+            <a:pPr algn="ctr"/>
+            <a:r>
+              <a:rPr lang="en-US" altLang="ja-JP" dirty="0">
+                <a:ln w="0"/>
+                <a:solidFill>
+                  <a:schemeClr val="tx1"/>
+                </a:solidFill>
+                <a:effectLst>
+                  <a:outerShdw blurRad="38100" dist="19050" dir="2700000" algn="tl" rotWithShape="0">
+                    <a:schemeClr val="dk1">
+                      <a:alpha val="40000"/>
+                    </a:schemeClr>
+                  </a:outerShdw>
+                </a:effectLst>
+              </a:rPr>
+              <a:t>2</a:t>
+            </a:r>
+            <a:endParaRPr kumimoji="1" lang="ja-JP" altLang="en-US" dirty="0"/>
+          </a:p>
+        </p:txBody>
+      </p:sp>
+    </p:spTree>
+    <p:extLst>
+      <p:ext uri="{BB962C8B-B14F-4D97-AF65-F5344CB8AC3E}">
+        <p14:creationId xmlns:p14="http://schemas.microsoft.com/office/powerpoint/2010/main" val="2213272135"/>
+      </p:ext>
+    </p:extLst>
+  </p:cSld>
+  <p:clrMapOvr>
+    <a:masterClrMapping/>
+  </p:clrMapOvr>
+</p:sld>
+</file>
+
+<file path=ppt/slides/slide12.xml><?xml version="1.0" encoding="utf-8"?>
+<p:sld xmlns:a="http://schemas.openxmlformats.org/drawingml/2006/main" xmlns:r="http://schemas.openxmlformats.org/officeDocument/2006/relationships" xmlns:p="http://schemas.openxmlformats.org/presentationml/2006/main">
+  <p:cSld>
+    <p:spTree>
+      <p:nvGrpSpPr>
+        <p:cNvPr id="1" name=""/>
+        <p:cNvGrpSpPr/>
+        <p:nvPr/>
+      </p:nvGrpSpPr>
+      <p:grpSpPr>
+        <a:xfrm>
+          <a:off x="0" y="0"/>
+          <a:ext cx="0" cy="0"/>
+          <a:chOff x="0" y="0"/>
+          <a:chExt cx="0" cy="0"/>
+        </a:xfrm>
+      </p:grpSpPr>
+      <p:sp>
+        <p:nvSpPr>
+          <p:cNvPr id="2" name="タイトル 1"/>
+          <p:cNvSpPr>
+            <a:spLocks noGrp="1"/>
+          </p:cNvSpPr>
+          <p:nvPr>
+            <p:ph type="title"/>
+          </p:nvPr>
+        </p:nvSpPr>
+        <p:spPr>
+          <a:xfrm>
+            <a:off x="839788" y="457200"/>
+            <a:ext cx="5502823" cy="1600200"/>
+          </a:xfrm>
+        </p:spPr>
+        <p:txBody>
+          <a:bodyPr>
+            <a:normAutofit/>
+          </a:bodyPr>
+          <a:lstStyle/>
+          <a:p>
+            <a:r>
+              <a:rPr lang="ja-JP" altLang="en-US" sz="4000" b="1" dirty="0" smtClean="0"/>
+              <a:t>育成</a:t>
+            </a:r>
+            <a:r>
+              <a:rPr kumimoji="1" lang="ja-JP" altLang="en-US" sz="4000" b="1" dirty="0" smtClean="0"/>
+              <a:t>シーン仕様</a:t>
+            </a:r>
+            <a:endParaRPr kumimoji="1" lang="ja-JP" altLang="en-US" sz="4000" b="1" dirty="0"/>
+          </a:p>
+        </p:txBody>
+      </p:sp>
+      <p:sp>
+        <p:nvSpPr>
+          <p:cNvPr id="4" name="テキスト プレースホルダー 3"/>
+          <p:cNvSpPr>
+            <a:spLocks noGrp="1"/>
+          </p:cNvSpPr>
+          <p:nvPr>
+            <p:ph type="body" sz="half" idx="2"/>
+          </p:nvPr>
+        </p:nvSpPr>
+        <p:spPr>
+          <a:xfrm>
+            <a:off x="839788" y="2057400"/>
+            <a:ext cx="5768830" cy="3811588"/>
+          </a:xfrm>
+        </p:spPr>
+        <p:txBody>
+          <a:bodyPr>
+            <a:normAutofit/>
+          </a:bodyPr>
+          <a:lstStyle/>
+          <a:p>
+            <a:pPr marL="457200" indent="-457200">
+              <a:buFont typeface="+mj-ea"/>
+              <a:buAutoNum type="circleNumDbPlain"/>
+            </a:pPr>
+            <a:r>
+              <a:rPr kumimoji="1" lang="ja-JP" altLang="en-US" sz="2000" dirty="0" smtClean="0"/>
+              <a:t>育成キャラクター名</a:t>
+            </a:r>
+            <a:r>
+              <a:rPr lang="ja-JP" altLang="en-US" sz="2000" dirty="0" smtClean="0"/>
+              <a:t>の</a:t>
+            </a:r>
+            <a:r>
+              <a:rPr lang="en-US" altLang="ja-JP" sz="2000" dirty="0" smtClean="0"/>
+              <a:t>text</a:t>
+            </a:r>
+            <a:r>
+              <a:rPr lang="ja-JP" altLang="en-US" sz="2000" dirty="0" smtClean="0"/>
+              <a:t>を</a:t>
+            </a:r>
+            <a:r>
+              <a:rPr kumimoji="1" lang="ja-JP" altLang="en-US" sz="2000" dirty="0" smtClean="0"/>
+              <a:t>表示</a:t>
+            </a:r>
+            <a:endParaRPr kumimoji="1" lang="en-US" altLang="ja-JP" sz="2000" dirty="0" smtClean="0"/>
+          </a:p>
+          <a:p>
+            <a:pPr marL="457200" indent="-457200">
+              <a:buFont typeface="+mj-ea"/>
+              <a:buAutoNum type="circleNumDbPlain"/>
+            </a:pPr>
+            <a:r>
+              <a:rPr kumimoji="1" lang="ja-JP" altLang="en-US" sz="2000" dirty="0" smtClean="0"/>
+              <a:t>各ステータスのゲージ</a:t>
+            </a:r>
+            <a:r>
+              <a:rPr lang="ja-JP" altLang="en-US" sz="2000" dirty="0" smtClean="0"/>
+              <a:t>、</a:t>
+            </a:r>
+            <a:r>
+              <a:rPr lang="en-US" altLang="ja-JP" sz="2000" dirty="0" smtClean="0"/>
+              <a:t>Slider</a:t>
+            </a:r>
+            <a:r>
+              <a:rPr lang="ja-JP" altLang="en-US" sz="2000" dirty="0" smtClean="0"/>
+              <a:t>で表示</a:t>
+            </a:r>
+            <a:endParaRPr kumimoji="1" lang="en-US" altLang="ja-JP" sz="2000" dirty="0" smtClean="0"/>
+          </a:p>
+          <a:p>
+            <a:pPr marL="457200" indent="-457200">
+              <a:buFont typeface="+mj-ea"/>
+              <a:buAutoNum type="circleNumDbPlain"/>
+            </a:pPr>
+            <a:r>
+              <a:rPr lang="ja-JP" altLang="en-US" sz="2000" dirty="0" smtClean="0"/>
+              <a:t>アイテム使用のボタン、ボタンを押すと数字</a:t>
+            </a:r>
+            <a:endParaRPr lang="en-US" altLang="ja-JP" sz="2000" dirty="0"/>
+          </a:p>
+          <a:p>
+            <a:r>
+              <a:rPr lang="ja-JP" altLang="en-US" sz="2000" dirty="0" smtClean="0"/>
+              <a:t>　</a:t>
+            </a:r>
+            <a:r>
+              <a:rPr lang="ja-JP" altLang="en-US" sz="2000" dirty="0"/>
+              <a:t>　</a:t>
+            </a:r>
+            <a:r>
+              <a:rPr lang="ja-JP" altLang="en-US" sz="2000" dirty="0" smtClean="0"/>
+              <a:t>が減りゲージが増加する</a:t>
+            </a:r>
+            <a:endParaRPr lang="en-US" altLang="ja-JP" sz="2000" dirty="0" smtClean="0"/>
+          </a:p>
+          <a:p>
+            <a:pPr marL="457200" indent="-457200">
+              <a:buFont typeface="+mj-ea"/>
+              <a:buAutoNum type="circleNumDbPlain" startAt="4"/>
+            </a:pPr>
+            <a:r>
+              <a:rPr kumimoji="1" lang="ja-JP" altLang="en-US" sz="2000" dirty="0" smtClean="0"/>
+              <a:t>ホームシーンへ遷移するボタン</a:t>
+            </a:r>
+            <a:endParaRPr kumimoji="1" lang="en-US" altLang="ja-JP" sz="2000" dirty="0" smtClean="0"/>
+          </a:p>
+          <a:p>
+            <a:pPr marL="457200" indent="-457200">
+              <a:buFont typeface="+mj-ea"/>
+              <a:buAutoNum type="circleNumDbPlain" startAt="4"/>
+            </a:pPr>
+            <a:r>
+              <a:rPr kumimoji="1" lang="en-US" altLang="ja-JP" sz="2000" dirty="0" smtClean="0"/>
+              <a:t>SNS</a:t>
+            </a:r>
+            <a:r>
+              <a:rPr kumimoji="1" lang="ja-JP" altLang="en-US" sz="2000" dirty="0" smtClean="0"/>
+              <a:t>投稿画面の表示</a:t>
+            </a:r>
+            <a:r>
+              <a:rPr kumimoji="1" lang="en-US" altLang="ja-JP" sz="2000" dirty="0" smtClean="0"/>
+              <a:t/>
+            </a:r>
+            <a:br>
+              <a:rPr kumimoji="1" lang="en-US" altLang="ja-JP" sz="2000" dirty="0" smtClean="0"/>
+            </a:br>
+            <a:r>
+              <a:rPr kumimoji="1" lang="ja-JP" altLang="en-US" sz="2000" dirty="0" smtClean="0"/>
+              <a:t>（ボタン、シーン内に表示）</a:t>
+            </a:r>
+            <a:endParaRPr kumimoji="1" lang="en-US" altLang="ja-JP" sz="2000" dirty="0" smtClean="0"/>
+          </a:p>
+        </p:txBody>
+      </p:sp>
+      <p:pic>
+        <p:nvPicPr>
+          <p:cNvPr id="9" name="図 8"/>
+          <p:cNvPicPr>
+            <a:picLocks noChangeAspect="1"/>
+          </p:cNvPicPr>
+          <p:nvPr/>
+        </p:nvPicPr>
+        <p:blipFill>
+          <a:blip r:embed="rId2" cstate="print">
+            <a:extLst>
+              <a:ext uri="{28A0092B-C50C-407E-A947-70E740481C1C}">
+                <a14:useLocalDpi xmlns:a14="http://schemas.microsoft.com/office/drawing/2010/main" val="0"/>
+              </a:ext>
+            </a:extLst>
+          </a:blip>
+          <a:stretch>
+            <a:fillRect/>
+          </a:stretch>
+        </p:blipFill>
+        <p:spPr>
+          <a:xfrm>
+            <a:off x="6929608" y="174567"/>
+            <a:ext cx="3722023" cy="6616929"/>
+          </a:xfrm>
+          <a:prstGeom prst="rect">
+            <a:avLst/>
+          </a:prstGeom>
+          <a:ln w="12700">
+            <a:solidFill>
+              <a:schemeClr val="tx1"/>
+            </a:solidFill>
+          </a:ln>
+        </p:spPr>
+      </p:pic>
+      <p:sp>
+        <p:nvSpPr>
+          <p:cNvPr id="10" name="楕円 9"/>
+          <p:cNvSpPr/>
+          <p:nvPr/>
+        </p:nvSpPr>
+        <p:spPr>
+          <a:xfrm>
+            <a:off x="7126998" y="207818"/>
+            <a:ext cx="324196" cy="299258"/>
+          </a:xfrm>
+          <a:prstGeom prst="ellipse">
+            <a:avLst/>
+          </a:prstGeom>
+          <a:solidFill>
+            <a:schemeClr val="bg1"/>
+          </a:solidFill>
+          <a:ln>
+            <a:solidFill>
+              <a:schemeClr val="tx1"/>
+            </a:solidFill>
+          </a:ln>
+        </p:spPr>
+        <p:style>
+          <a:lnRef idx="2">
+            <a:schemeClr val="accent1">
+              <a:shade val="50000"/>
+            </a:schemeClr>
+          </a:lnRef>
+          <a:fillRef idx="1">
+            <a:schemeClr val="accent1"/>
+          </a:fillRef>
+          <a:effectRef idx="0">
+            <a:schemeClr val="accent1"/>
+          </a:effectRef>
+          <a:fontRef idx="minor">
+            <a:schemeClr val="lt1"/>
+          </a:fontRef>
+        </p:style>
+        <p:txBody>
+          <a:bodyPr rtlCol="0" anchor="ctr"/>
+          <a:lstStyle/>
+          <a:p>
+            <a:pPr algn="ctr"/>
+            <a:r>
+              <a:rPr lang="en-US" altLang="ja-JP" dirty="0" smtClean="0">
+                <a:ln w="0"/>
+                <a:solidFill>
+                  <a:schemeClr val="tx1"/>
+                </a:solidFill>
+                <a:effectLst>
+                  <a:outerShdw blurRad="38100" dist="19050" dir="2700000" algn="tl" rotWithShape="0">
+                    <a:schemeClr val="dk1">
+                      <a:alpha val="40000"/>
+                    </a:schemeClr>
+                  </a:outerShdw>
+                </a:effectLst>
+              </a:rPr>
+              <a:t>1</a:t>
+            </a:r>
+            <a:endParaRPr kumimoji="1" lang="ja-JP" altLang="en-US" dirty="0"/>
+          </a:p>
+        </p:txBody>
+      </p:sp>
+      <p:sp>
+        <p:nvSpPr>
+          <p:cNvPr id="6" name="楕円 5"/>
+          <p:cNvSpPr/>
+          <p:nvPr/>
+        </p:nvSpPr>
+        <p:spPr>
+          <a:xfrm>
+            <a:off x="6964900" y="606829"/>
+            <a:ext cx="324196" cy="299258"/>
+          </a:xfrm>
+          <a:prstGeom prst="ellipse">
+            <a:avLst/>
+          </a:prstGeom>
+          <a:solidFill>
+            <a:schemeClr val="bg1"/>
+          </a:solidFill>
+          <a:ln>
+            <a:solidFill>
+              <a:schemeClr val="tx1"/>
+            </a:solidFill>
+          </a:ln>
+        </p:spPr>
+        <p:style>
+          <a:lnRef idx="2">
+            <a:schemeClr val="accent1">
+              <a:shade val="50000"/>
+            </a:schemeClr>
+          </a:lnRef>
+          <a:fillRef idx="1">
+            <a:schemeClr val="accent1"/>
+          </a:fillRef>
+          <a:effectRef idx="0">
+            <a:schemeClr val="accent1"/>
+          </a:effectRef>
+          <a:fontRef idx="minor">
+            <a:schemeClr val="lt1"/>
+          </a:fontRef>
+        </p:style>
+        <p:txBody>
+          <a:bodyPr rtlCol="0" anchor="ctr"/>
+          <a:lstStyle/>
+          <a:p>
+            <a:pPr algn="ctr"/>
+            <a:r>
+              <a:rPr lang="en-US" altLang="ja-JP" dirty="0">
+                <a:ln w="0"/>
+                <a:solidFill>
+                  <a:schemeClr val="tx1"/>
+                </a:solidFill>
+                <a:effectLst>
+                  <a:outerShdw blurRad="38100" dist="19050" dir="2700000" algn="tl" rotWithShape="0">
+                    <a:schemeClr val="dk1">
+                      <a:alpha val="40000"/>
+                    </a:schemeClr>
+                  </a:outerShdw>
+                </a:effectLst>
+              </a:rPr>
+              <a:t>2</a:t>
+            </a:r>
+            <a:endParaRPr kumimoji="1" lang="ja-JP" altLang="en-US" dirty="0"/>
+          </a:p>
+        </p:txBody>
+      </p:sp>
+      <p:sp>
+        <p:nvSpPr>
+          <p:cNvPr id="7" name="楕円 6"/>
+          <p:cNvSpPr/>
+          <p:nvPr/>
+        </p:nvSpPr>
+        <p:spPr>
+          <a:xfrm>
+            <a:off x="8042473" y="5007033"/>
+            <a:ext cx="324196" cy="299258"/>
+          </a:xfrm>
+          <a:prstGeom prst="ellipse">
+            <a:avLst/>
+          </a:prstGeom>
+          <a:solidFill>
+            <a:schemeClr val="bg1"/>
+          </a:solidFill>
+          <a:ln>
+            <a:solidFill>
+              <a:schemeClr val="tx1"/>
+            </a:solidFill>
+          </a:ln>
+        </p:spPr>
+        <p:style>
+          <a:lnRef idx="2">
+            <a:schemeClr val="accent1">
+              <a:shade val="50000"/>
+            </a:schemeClr>
+          </a:lnRef>
+          <a:fillRef idx="1">
+            <a:schemeClr val="accent1"/>
+          </a:fillRef>
+          <a:effectRef idx="0">
+            <a:schemeClr val="accent1"/>
+          </a:effectRef>
+          <a:fontRef idx="minor">
+            <a:schemeClr val="lt1"/>
+          </a:fontRef>
+        </p:style>
+        <p:txBody>
+          <a:bodyPr rtlCol="0" anchor="ctr"/>
+          <a:lstStyle/>
+          <a:p>
+            <a:pPr algn="ctr"/>
+            <a:r>
+              <a:rPr lang="en-US" altLang="ja-JP" dirty="0">
+                <a:ln w="0"/>
+                <a:solidFill>
+                  <a:schemeClr val="tx1"/>
+                </a:solidFill>
+                <a:effectLst>
+                  <a:outerShdw blurRad="38100" dist="19050" dir="2700000" algn="tl" rotWithShape="0">
+                    <a:schemeClr val="dk1">
+                      <a:alpha val="40000"/>
+                    </a:schemeClr>
+                  </a:outerShdw>
+                </a:effectLst>
+              </a:rPr>
+              <a:t>3</a:t>
+            </a:r>
+            <a:endParaRPr kumimoji="1" lang="ja-JP" altLang="en-US" dirty="0"/>
+          </a:p>
+        </p:txBody>
+      </p:sp>
+      <p:sp>
+        <p:nvSpPr>
+          <p:cNvPr id="8" name="楕円 7"/>
+          <p:cNvSpPr/>
+          <p:nvPr/>
+        </p:nvSpPr>
+        <p:spPr>
+          <a:xfrm>
+            <a:off x="7076558" y="6253942"/>
+            <a:ext cx="324196" cy="299258"/>
+          </a:xfrm>
+          <a:prstGeom prst="ellipse">
+            <a:avLst/>
+          </a:prstGeom>
+          <a:solidFill>
+            <a:schemeClr val="bg1"/>
+          </a:solidFill>
+          <a:ln>
+            <a:solidFill>
+              <a:schemeClr val="tx1"/>
+            </a:solidFill>
+          </a:ln>
+        </p:spPr>
+        <p:style>
+          <a:lnRef idx="2">
+            <a:schemeClr val="accent1">
+              <a:shade val="50000"/>
+            </a:schemeClr>
+          </a:lnRef>
+          <a:fillRef idx="1">
+            <a:schemeClr val="accent1"/>
+          </a:fillRef>
+          <a:effectRef idx="0">
+            <a:schemeClr val="accent1"/>
+          </a:effectRef>
+          <a:fontRef idx="minor">
+            <a:schemeClr val="lt1"/>
+          </a:fontRef>
+        </p:style>
+        <p:txBody>
+          <a:bodyPr rtlCol="0" anchor="ctr"/>
+          <a:lstStyle/>
+          <a:p>
+            <a:pPr algn="ctr"/>
+            <a:r>
+              <a:rPr lang="en-US" altLang="ja-JP" dirty="0">
+                <a:ln w="0"/>
+                <a:solidFill>
+                  <a:schemeClr val="tx1"/>
+                </a:solidFill>
+                <a:effectLst>
+                  <a:outerShdw blurRad="38100" dist="19050" dir="2700000" algn="tl" rotWithShape="0">
+                    <a:schemeClr val="dk1">
+                      <a:alpha val="40000"/>
+                    </a:schemeClr>
+                  </a:outerShdw>
+                </a:effectLst>
+              </a:rPr>
+              <a:t>4</a:t>
+            </a:r>
+            <a:endParaRPr kumimoji="1" lang="ja-JP" altLang="en-US" dirty="0"/>
+          </a:p>
+        </p:txBody>
+      </p:sp>
+      <p:sp>
+        <p:nvSpPr>
+          <p:cNvPr id="11" name="楕円 10"/>
+          <p:cNvSpPr/>
+          <p:nvPr/>
+        </p:nvSpPr>
+        <p:spPr>
+          <a:xfrm>
+            <a:off x="9073688" y="6267796"/>
+            <a:ext cx="324196" cy="299258"/>
+          </a:xfrm>
+          <a:prstGeom prst="ellipse">
+            <a:avLst/>
+          </a:prstGeom>
+          <a:solidFill>
+            <a:schemeClr val="bg1"/>
+          </a:solidFill>
+          <a:ln>
+            <a:solidFill>
+              <a:schemeClr val="tx1"/>
+            </a:solidFill>
+          </a:ln>
+        </p:spPr>
+        <p:style>
+          <a:lnRef idx="2">
+            <a:schemeClr val="accent1">
+              <a:shade val="50000"/>
+            </a:schemeClr>
+          </a:lnRef>
+          <a:fillRef idx="1">
+            <a:schemeClr val="accent1"/>
+          </a:fillRef>
+          <a:effectRef idx="0">
+            <a:schemeClr val="accent1"/>
+          </a:effectRef>
+          <a:fontRef idx="minor">
+            <a:schemeClr val="lt1"/>
+          </a:fontRef>
+        </p:style>
+        <p:txBody>
+          <a:bodyPr rtlCol="0" anchor="ctr"/>
+          <a:lstStyle/>
+          <a:p>
+            <a:pPr algn="ctr"/>
+            <a:r>
+              <a:rPr lang="en-US" altLang="ja-JP" dirty="0">
+                <a:ln w="0"/>
+                <a:solidFill>
+                  <a:schemeClr val="tx1"/>
+                </a:solidFill>
+                <a:effectLst>
+                  <a:outerShdw blurRad="38100" dist="19050" dir="2700000" algn="tl" rotWithShape="0">
+                    <a:schemeClr val="dk1">
+                      <a:alpha val="40000"/>
+                    </a:schemeClr>
+                  </a:outerShdw>
+                </a:effectLst>
+              </a:rPr>
+              <a:t>5</a:t>
+            </a:r>
+            <a:endParaRPr kumimoji="1" lang="ja-JP" altLang="en-US" dirty="0"/>
+          </a:p>
+        </p:txBody>
+      </p:sp>
+    </p:spTree>
+    <p:extLst>
+      <p:ext uri="{BB962C8B-B14F-4D97-AF65-F5344CB8AC3E}">
+        <p14:creationId xmlns:p14="http://schemas.microsoft.com/office/powerpoint/2010/main" val="3428412679"/>
+      </p:ext>
+    </p:extLst>
+  </p:cSld>
+  <p:clrMapOvr>
+    <a:masterClrMapping/>
+  </p:clrMapOvr>
+</p:sld>
+</file>
+
+<file path=ppt/slides/slide13.xml><?xml version="1.0" encoding="utf-8"?>
+<p:sld xmlns:a="http://schemas.openxmlformats.org/drawingml/2006/main" xmlns:r="http://schemas.openxmlformats.org/officeDocument/2006/relationships" xmlns:p="http://schemas.openxmlformats.org/presentationml/2006/main">
+  <p:cSld>
+    <p:spTree>
+      <p:nvGrpSpPr>
+        <p:cNvPr id="1" name=""/>
+        <p:cNvGrpSpPr/>
+        <p:nvPr/>
+      </p:nvGrpSpPr>
+      <p:grpSpPr>
+        <a:xfrm>
+          <a:off x="0" y="0"/>
+          <a:ext cx="0" cy="0"/>
+          <a:chOff x="0" y="0"/>
+          <a:chExt cx="0" cy="0"/>
+        </a:xfrm>
+      </p:grpSpPr>
+      <p:sp>
+        <p:nvSpPr>
+          <p:cNvPr id="2" name="タイトル 1"/>
+          <p:cNvSpPr>
+            <a:spLocks noGrp="1"/>
+          </p:cNvSpPr>
+          <p:nvPr>
+            <p:ph type="title"/>
+          </p:nvPr>
+        </p:nvSpPr>
+        <p:spPr>
+          <a:xfrm>
+            <a:off x="839788" y="457200"/>
+            <a:ext cx="5502823" cy="1600200"/>
+          </a:xfrm>
+        </p:spPr>
+        <p:txBody>
+          <a:bodyPr>
+            <a:normAutofit/>
+          </a:bodyPr>
+          <a:lstStyle/>
+          <a:p>
+            <a:r>
+              <a:rPr lang="ja-JP" altLang="en-US" sz="4000" b="1" dirty="0" smtClean="0"/>
+              <a:t>アルバム</a:t>
+            </a:r>
+            <a:r>
+              <a:rPr kumimoji="1" lang="ja-JP" altLang="en-US" sz="4000" b="1" dirty="0" smtClean="0"/>
+              <a:t>シーン仕様</a:t>
+            </a:r>
+            <a:endParaRPr kumimoji="1" lang="ja-JP" altLang="en-US" sz="4000" b="1" dirty="0"/>
+          </a:p>
+        </p:txBody>
+      </p:sp>
+      <p:sp>
+        <p:nvSpPr>
+          <p:cNvPr id="4" name="テキスト プレースホルダー 3"/>
+          <p:cNvSpPr>
+            <a:spLocks noGrp="1"/>
+          </p:cNvSpPr>
+          <p:nvPr>
+            <p:ph type="body" sz="half" idx="2"/>
+          </p:nvPr>
+        </p:nvSpPr>
+        <p:spPr>
+          <a:xfrm>
+            <a:off x="839788" y="2057400"/>
+            <a:ext cx="5502823" cy="3811588"/>
+          </a:xfrm>
+        </p:spPr>
+        <p:txBody>
+          <a:bodyPr>
+            <a:normAutofit/>
+          </a:bodyPr>
+          <a:lstStyle/>
+          <a:p>
+            <a:pPr marL="457200" indent="-457200">
+              <a:buFont typeface="+mj-ea"/>
+              <a:buAutoNum type="circleNumDbPlain"/>
+            </a:pPr>
+            <a:r>
+              <a:rPr kumimoji="1" lang="ja-JP" altLang="en-US" sz="2000" dirty="0" smtClean="0"/>
+              <a:t>「アルバム」の</a:t>
+            </a:r>
+            <a:r>
+              <a:rPr lang="en-US" altLang="ja-JP" sz="2000" dirty="0"/>
+              <a:t>text</a:t>
+            </a:r>
+            <a:r>
+              <a:rPr lang="ja-JP" altLang="en-US" sz="2000" dirty="0" smtClean="0"/>
+              <a:t>を</a:t>
+            </a:r>
+            <a:r>
+              <a:rPr kumimoji="1" lang="ja-JP" altLang="en-US" sz="2000" dirty="0" smtClean="0"/>
+              <a:t>表示</a:t>
+            </a:r>
+            <a:endParaRPr kumimoji="1" lang="en-US" altLang="ja-JP" sz="2000" dirty="0" smtClean="0"/>
+          </a:p>
+          <a:p>
+            <a:pPr marL="457200" indent="-457200">
+              <a:buFont typeface="+mj-ea"/>
+              <a:buAutoNum type="circleNumDbPlain"/>
+            </a:pPr>
+            <a:r>
+              <a:rPr lang="ja-JP" altLang="en-US" sz="2000" dirty="0" smtClean="0"/>
+              <a:t>育成が終了したキャラクターの画像を表示</a:t>
+            </a:r>
+            <a:endParaRPr lang="en-US" altLang="ja-JP" sz="2000" dirty="0" smtClean="0"/>
+          </a:p>
+          <a:p>
+            <a:r>
+              <a:rPr lang="ja-JP" altLang="en-US" sz="2000" dirty="0" smtClean="0"/>
+              <a:t>　（</a:t>
+            </a:r>
+            <a:r>
+              <a:rPr lang="ja-JP" altLang="en-US" sz="2000" dirty="0"/>
+              <a:t>画像を</a:t>
+            </a:r>
+            <a:r>
+              <a:rPr lang="ja-JP" altLang="en-US" sz="2000" dirty="0" smtClean="0"/>
+              <a:t>タップすると詳細が見れるボタン形式で）</a:t>
+            </a:r>
+            <a:endParaRPr lang="en-US" altLang="ja-JP" sz="2000" dirty="0" smtClean="0"/>
+          </a:p>
+          <a:p>
+            <a:pPr marL="457200" indent="-457200">
+              <a:buFont typeface="+mj-ea"/>
+              <a:buAutoNum type="circleNumDbPlain" startAt="3"/>
+            </a:pPr>
+            <a:r>
+              <a:rPr lang="ja-JP" altLang="en-US" sz="2000" dirty="0"/>
+              <a:t>ホームシーン</a:t>
+            </a:r>
+            <a:r>
+              <a:rPr lang="ja-JP" altLang="en-US" sz="2000" dirty="0" smtClean="0"/>
+              <a:t>へ遷移するボタン</a:t>
+            </a:r>
+            <a:endParaRPr kumimoji="1" lang="ja-JP" altLang="en-US" sz="2000" dirty="0"/>
+          </a:p>
+        </p:txBody>
+      </p:sp>
+      <p:pic>
+        <p:nvPicPr>
+          <p:cNvPr id="9" name="図 8"/>
+          <p:cNvPicPr>
+            <a:picLocks noChangeAspect="1"/>
+          </p:cNvPicPr>
+          <p:nvPr/>
+        </p:nvPicPr>
+        <p:blipFill>
+          <a:blip r:embed="rId2" cstate="print">
+            <a:extLst>
+              <a:ext uri="{28A0092B-C50C-407E-A947-70E740481C1C}">
+                <a14:useLocalDpi xmlns:a14="http://schemas.microsoft.com/office/drawing/2010/main" val="0"/>
+              </a:ext>
+            </a:extLst>
+          </a:blip>
+          <a:stretch>
+            <a:fillRect/>
+          </a:stretch>
+        </p:blipFill>
+        <p:spPr>
+          <a:xfrm>
+            <a:off x="6929608" y="174566"/>
+            <a:ext cx="3722023" cy="6616931"/>
+          </a:xfrm>
+          <a:prstGeom prst="rect">
+            <a:avLst/>
+          </a:prstGeom>
+          <a:ln w="12700">
+            <a:solidFill>
+              <a:schemeClr val="tx1"/>
+            </a:solidFill>
+          </a:ln>
+        </p:spPr>
+      </p:pic>
+      <p:sp>
+        <p:nvSpPr>
+          <p:cNvPr id="10" name="楕円 9"/>
+          <p:cNvSpPr/>
+          <p:nvPr/>
+        </p:nvSpPr>
+        <p:spPr>
+          <a:xfrm>
+            <a:off x="7248698" y="249382"/>
+            <a:ext cx="324196" cy="299258"/>
+          </a:xfrm>
+          <a:prstGeom prst="ellipse">
+            <a:avLst/>
+          </a:prstGeom>
+          <a:solidFill>
+            <a:schemeClr val="bg1"/>
+          </a:solidFill>
+          <a:ln>
+            <a:solidFill>
+              <a:schemeClr val="tx1"/>
+            </a:solidFill>
+          </a:ln>
+        </p:spPr>
+        <p:style>
+          <a:lnRef idx="2">
+            <a:schemeClr val="accent1">
+              <a:shade val="50000"/>
+            </a:schemeClr>
+          </a:lnRef>
+          <a:fillRef idx="1">
+            <a:schemeClr val="accent1"/>
+          </a:fillRef>
+          <a:effectRef idx="0">
+            <a:schemeClr val="accent1"/>
+          </a:effectRef>
+          <a:fontRef idx="minor">
+            <a:schemeClr val="lt1"/>
+          </a:fontRef>
+        </p:style>
+        <p:txBody>
+          <a:bodyPr rtlCol="0" anchor="ctr"/>
+          <a:lstStyle/>
+          <a:p>
+            <a:pPr algn="ctr"/>
+            <a:r>
+              <a:rPr lang="en-US" altLang="ja-JP" dirty="0" smtClean="0">
+                <a:ln w="0"/>
+                <a:solidFill>
+                  <a:schemeClr val="tx1"/>
+                </a:solidFill>
+                <a:effectLst>
+                  <a:outerShdw blurRad="38100" dist="19050" dir="2700000" algn="tl" rotWithShape="0">
+                    <a:schemeClr val="dk1">
+                      <a:alpha val="40000"/>
+                    </a:schemeClr>
+                  </a:outerShdw>
+                </a:effectLst>
+              </a:rPr>
+              <a:t>1</a:t>
+            </a:r>
+            <a:endParaRPr kumimoji="1" lang="ja-JP" altLang="en-US" dirty="0"/>
+          </a:p>
+        </p:txBody>
+      </p:sp>
+      <p:sp>
+        <p:nvSpPr>
+          <p:cNvPr id="6" name="楕円 5"/>
+          <p:cNvSpPr/>
+          <p:nvPr/>
+        </p:nvSpPr>
+        <p:spPr>
+          <a:xfrm>
+            <a:off x="7002087" y="709353"/>
+            <a:ext cx="324196" cy="299258"/>
+          </a:xfrm>
+          <a:prstGeom prst="ellipse">
+            <a:avLst/>
+          </a:prstGeom>
+          <a:solidFill>
+            <a:schemeClr val="bg1"/>
+          </a:solidFill>
+          <a:ln>
+            <a:solidFill>
+              <a:schemeClr val="tx1"/>
+            </a:solidFill>
+          </a:ln>
+        </p:spPr>
+        <p:style>
+          <a:lnRef idx="2">
+            <a:schemeClr val="accent1">
+              <a:shade val="50000"/>
+            </a:schemeClr>
+          </a:lnRef>
+          <a:fillRef idx="1">
+            <a:schemeClr val="accent1"/>
+          </a:fillRef>
+          <a:effectRef idx="0">
+            <a:schemeClr val="accent1"/>
+          </a:effectRef>
+          <a:fontRef idx="minor">
+            <a:schemeClr val="lt1"/>
+          </a:fontRef>
+        </p:style>
+        <p:txBody>
+          <a:bodyPr rtlCol="0" anchor="ctr"/>
+          <a:lstStyle/>
+          <a:p>
+            <a:pPr algn="ctr"/>
+            <a:r>
+              <a:rPr lang="en-US" altLang="ja-JP" dirty="0">
+                <a:ln w="0"/>
+                <a:solidFill>
+                  <a:schemeClr val="tx1"/>
+                </a:solidFill>
+                <a:effectLst>
+                  <a:outerShdw blurRad="38100" dist="19050" dir="2700000" algn="tl" rotWithShape="0">
+                    <a:schemeClr val="dk1">
+                      <a:alpha val="40000"/>
+                    </a:schemeClr>
+                  </a:outerShdw>
+                </a:effectLst>
+              </a:rPr>
+              <a:t>2</a:t>
+            </a:r>
+            <a:endParaRPr kumimoji="1" lang="ja-JP" altLang="en-US" dirty="0"/>
+          </a:p>
+        </p:txBody>
+      </p:sp>
+      <p:sp>
+        <p:nvSpPr>
+          <p:cNvPr id="7" name="楕円 6"/>
+          <p:cNvSpPr/>
+          <p:nvPr/>
+        </p:nvSpPr>
+        <p:spPr>
+          <a:xfrm>
+            <a:off x="7002087" y="5987935"/>
+            <a:ext cx="324196" cy="299258"/>
+          </a:xfrm>
+          <a:prstGeom prst="ellipse">
+            <a:avLst/>
+          </a:prstGeom>
+          <a:solidFill>
+            <a:schemeClr val="bg1"/>
+          </a:solidFill>
+          <a:ln>
+            <a:solidFill>
+              <a:schemeClr val="tx1"/>
+            </a:solidFill>
+          </a:ln>
+        </p:spPr>
+        <p:style>
+          <a:lnRef idx="2">
+            <a:schemeClr val="accent1">
+              <a:shade val="50000"/>
+            </a:schemeClr>
+          </a:lnRef>
+          <a:fillRef idx="1">
+            <a:schemeClr val="accent1"/>
+          </a:fillRef>
+          <a:effectRef idx="0">
+            <a:schemeClr val="accent1"/>
+          </a:effectRef>
+          <a:fontRef idx="minor">
+            <a:schemeClr val="lt1"/>
+          </a:fontRef>
+        </p:style>
+        <p:txBody>
+          <a:bodyPr rtlCol="0" anchor="ctr"/>
+          <a:lstStyle/>
+          <a:p>
+            <a:pPr algn="ctr"/>
+            <a:r>
+              <a:rPr lang="en-US" altLang="ja-JP" dirty="0">
+                <a:ln w="0"/>
+                <a:solidFill>
+                  <a:schemeClr val="tx1"/>
+                </a:solidFill>
+                <a:effectLst>
+                  <a:outerShdw blurRad="38100" dist="19050" dir="2700000" algn="tl" rotWithShape="0">
+                    <a:schemeClr val="dk1">
+                      <a:alpha val="40000"/>
+                    </a:schemeClr>
+                  </a:outerShdw>
+                </a:effectLst>
+              </a:rPr>
+              <a:t>3</a:t>
+            </a:r>
+            <a:endParaRPr kumimoji="1" lang="ja-JP" altLang="en-US" dirty="0"/>
+          </a:p>
+        </p:txBody>
+      </p:sp>
+    </p:spTree>
+    <p:extLst>
+      <p:ext uri="{BB962C8B-B14F-4D97-AF65-F5344CB8AC3E}">
+        <p14:creationId xmlns:p14="http://schemas.microsoft.com/office/powerpoint/2010/main" val="3783962368"/>
+      </p:ext>
+    </p:extLst>
+  </p:cSld>
+  <p:clrMapOvr>
+    <a:masterClrMapping/>
+  </p:clrMapOvr>
+</p:sld>
+</file>
+
 <file path=ppt/slides/slide2.xml><?xml version="1.0" encoding="utf-8"?>
 <p:sld xmlns:a="http://schemas.openxmlformats.org/drawingml/2006/main" xmlns:r="http://schemas.openxmlformats.org/officeDocument/2006/relationships" xmlns:p="http://schemas.openxmlformats.org/presentationml/2006/main">
   <p:cSld>
@@ -3526,93 +5499,29 @@
             <p:ph type="title"/>
           </p:nvPr>
         </p:nvSpPr>
-        <p:spPr>
-          <a:xfrm>
-            <a:off x="839788" y="457200"/>
-            <a:ext cx="5502823" cy="1600200"/>
-          </a:xfrm>
-        </p:spPr>
-        <p:txBody>
-          <a:bodyPr>
-            <a:normAutofit/>
-          </a:bodyPr>
-          <a:lstStyle/>
-          <a:p>
-            <a:r>
-              <a:rPr kumimoji="1" lang="ja-JP" altLang="en-US" sz="4000" b="1" dirty="0" smtClean="0"/>
-              <a:t>タイトル画面仕様</a:t>
-            </a:r>
-            <a:endParaRPr kumimoji="1" lang="ja-JP" altLang="en-US" sz="4000" b="1" dirty="0"/>
-          </a:p>
-        </p:txBody>
-      </p:sp>
-      <p:sp>
-        <p:nvSpPr>
-          <p:cNvPr id="4" name="テキスト プレースホルダー 3"/>
-          <p:cNvSpPr>
-            <a:spLocks noGrp="1"/>
-          </p:cNvSpPr>
-          <p:nvPr>
-            <p:ph type="body" sz="half" idx="2"/>
-          </p:nvPr>
-        </p:nvSpPr>
-        <p:spPr>
-          <a:xfrm>
-            <a:off x="839788" y="2057400"/>
-            <a:ext cx="5502823" cy="3811588"/>
-          </a:xfrm>
-        </p:spPr>
-        <p:txBody>
-          <a:bodyPr>
-            <a:normAutofit/>
-          </a:bodyPr>
-          <a:lstStyle/>
-          <a:p>
-            <a:pPr marL="457200" indent="-457200">
-              <a:buFont typeface="+mj-ea"/>
-              <a:buAutoNum type="circleNumDbPlain"/>
-            </a:pPr>
-            <a:r>
-              <a:rPr kumimoji="1" lang="ja-JP" altLang="en-US" sz="2000" dirty="0" smtClean="0"/>
-              <a:t>テキストを配置、画面のどこをタップしてもホームへ移動できる。</a:t>
-            </a:r>
-            <a:endParaRPr kumimoji="1" lang="en-US" altLang="ja-JP" sz="2000" dirty="0" smtClean="0"/>
-          </a:p>
-          <a:p>
-            <a:r>
-              <a:rPr lang="ja-JP" altLang="en-US" sz="2000" dirty="0" smtClean="0"/>
-              <a:t>　</a:t>
-            </a:r>
-            <a:r>
-              <a:rPr kumimoji="1" lang="ja-JP" altLang="en-US" sz="2000" dirty="0" smtClean="0"/>
-              <a:t>（</a:t>
-            </a:r>
-            <a:r>
-              <a:rPr lang="ja-JP" altLang="en-US" sz="2000" dirty="0"/>
-              <a:t>テキスト</a:t>
-            </a:r>
-            <a:r>
-              <a:rPr lang="ja-JP" altLang="en-US" sz="2000" dirty="0" smtClean="0"/>
-              <a:t>は英語</a:t>
-            </a:r>
-            <a:r>
-              <a:rPr kumimoji="1" lang="ja-JP" altLang="en-US" sz="2000" dirty="0" smtClean="0"/>
-              <a:t>）</a:t>
-            </a:r>
-            <a:endParaRPr kumimoji="1" lang="ja-JP" altLang="en-US" sz="2000" dirty="0"/>
+        <p:spPr/>
+        <p:txBody>
+          <a:bodyPr/>
+          <a:lstStyle/>
+          <a:p>
+            <a:r>
+              <a:rPr kumimoji="1" lang="ja-JP" altLang="en-US" b="1" dirty="0" smtClean="0"/>
+              <a:t>画面遷移図</a:t>
+            </a:r>
+            <a:endParaRPr kumimoji="1" lang="ja-JP" altLang="en-US" b="1" dirty="0"/>
           </a:p>
         </p:txBody>
       </p:sp>
       <p:pic>
         <p:nvPicPr>
-          <p:cNvPr id="9" name="図 8"/>
+          <p:cNvPr id="3" name="図 2"/>
           <p:cNvPicPr>
             <a:picLocks noChangeAspect="1"/>
           </p:cNvPicPr>
           <p:nvPr/>
         </p:nvPicPr>
         <p:blipFill>
-          <a:blip r:embed="rId2" cstate="print">
+          <a:blip r:embed="rId2">
             <a:extLst>
               <a:ext uri="{28A0092B-C50C-407E-A947-70E740481C1C}">
                 <a14:useLocalDpi xmlns:a14="http://schemas.microsoft.com/office/drawing/2010/main" val="0"/>
@@ -3625,87 +5534,23 @@
         </p:blipFill>
         <p:spPr>
           <a:xfrm>
-            <a:off x="6929608" y="174566"/>
-            <a:ext cx="3722024" cy="6616931"/>
+            <a:off x="149478" y="2449219"/>
+            <a:ext cx="11893043" cy="2587211"/>
           </a:xfrm>
           <a:prstGeom prst="rect">
             <a:avLst/>
           </a:prstGeom>
-          <a:ln w="12700">
-            <a:solidFill>
-              <a:schemeClr val="tx1"/>
-            </a:solidFill>
-          </a:ln>
-        </p:spPr>
-      </p:pic>
-      <p:sp>
-        <p:nvSpPr>
-          <p:cNvPr id="10" name="楕円 9"/>
-          <p:cNvSpPr/>
-          <p:nvPr/>
-        </p:nvSpPr>
-        <p:spPr>
-          <a:xfrm>
-            <a:off x="7323513" y="4854633"/>
-            <a:ext cx="324196" cy="299258"/>
-          </a:xfrm>
-          <a:prstGeom prst="ellipse">
-            <a:avLst/>
-          </a:prstGeom>
-          <a:solidFill>
-            <a:schemeClr val="bg1"/>
-          </a:solidFill>
           <a:ln>
             <a:solidFill>
               <a:schemeClr val="tx1"/>
             </a:solidFill>
           </a:ln>
         </p:spPr>
-        <p:style>
-          <a:lnRef idx="2">
-            <a:schemeClr val="accent1">
-              <a:shade val="50000"/>
-            </a:schemeClr>
-          </a:lnRef>
-          <a:fillRef idx="1">
-            <a:schemeClr val="accent1"/>
-          </a:fillRef>
-          <a:effectRef idx="0">
-            <a:schemeClr val="accent1"/>
-          </a:effectRef>
-          <a:fontRef idx="minor">
-            <a:schemeClr val="lt1"/>
-          </a:fontRef>
-        </p:style>
-        <p:txBody>
-          <a:bodyPr rtlCol="0" anchor="ctr"/>
-          <a:lstStyle/>
-          <a:p>
-            <a:pPr algn="ctr"/>
-            <a:r>
-              <a:rPr lang="en-US" altLang="ja-JP" dirty="0" smtClean="0">
-                <a:ln w="0"/>
-                <a:solidFill>
-                  <a:schemeClr val="tx1"/>
-                </a:solidFill>
-                <a:effectLst>
-                  <a:outerShdw blurRad="38100" dist="19050" dir="2700000" algn="tl" rotWithShape="0">
-                    <a:schemeClr val="dk1">
-                      <a:alpha val="40000"/>
-                    </a:schemeClr>
-                  </a:outerShdw>
-                </a:effectLst>
-              </a:rPr>
-              <a:t>1</a:t>
-            </a:r>
-            <a:endParaRPr kumimoji="1" lang="ja-JP" altLang="en-US" dirty="0"/>
-          </a:p>
-        </p:txBody>
-      </p:sp>
+      </p:pic>
     </p:spTree>
     <p:extLst>
       <p:ext uri="{BB962C8B-B14F-4D97-AF65-F5344CB8AC3E}">
-        <p14:creationId xmlns:p14="http://schemas.microsoft.com/office/powerpoint/2010/main" val="2570379171"/>
+        <p14:creationId xmlns:p14="http://schemas.microsoft.com/office/powerpoint/2010/main" val="2489881582"/>
       </p:ext>
     </p:extLst>
   </p:cSld>
@@ -3756,7 +5601,7 @@
           <a:p>
             <a:r>
               <a:rPr kumimoji="1" lang="ja-JP" altLang="en-US" sz="4000" b="1" dirty="0" smtClean="0"/>
-              <a:t>ホームシーン仕様</a:t>
+              <a:t>タイトル画面仕様</a:t>
             </a:r>
             <a:endParaRPr kumimoji="1" lang="ja-JP" altLang="en-US" sz="4000" b="1" dirty="0"/>
           </a:p>
@@ -3775,7 +5620,7 @@
         <p:spPr>
           <a:xfrm>
             <a:off x="839788" y="2057400"/>
-            <a:ext cx="5768830" cy="3811588"/>
+            <a:ext cx="5502823" cy="3811588"/>
           </a:xfrm>
         </p:spPr>
         <p:txBody>
@@ -3790,108 +5635,30 @@
             </a:pPr>
             <a:r>
               <a:rPr kumimoji="1" lang="ja-JP" altLang="en-US" sz="2000" dirty="0" smtClean="0"/>
-              <a:t>育成キャラクター名、テキストで表示</a:t>
+              <a:t>テキストを配置、画面のどこをタップしてもホームへ移動できる。</a:t>
             </a:r>
             <a:endParaRPr kumimoji="1" lang="en-US" altLang="ja-JP" sz="2000" dirty="0" smtClean="0"/>
           </a:p>
           <a:p>
-            <a:pPr marL="457200" indent="-457200">
-              <a:buFont typeface="+mj-ea"/>
-              <a:buAutoNum type="circleNumDbPlain"/>
-            </a:pPr>
+            <a:r>
+              <a:rPr lang="ja-JP" altLang="en-US" sz="2000" dirty="0" smtClean="0"/>
+              <a:t>　</a:t>
+            </a:r>
             <a:r>
               <a:rPr kumimoji="1" lang="ja-JP" altLang="en-US" sz="2000" dirty="0" smtClean="0"/>
-              <a:t>アクションステージ選択の表示（ボタン）</a:t>
+              <a:t>（</a:t>
             </a:r>
             <a:r>
               <a:rPr lang="ja-JP" altLang="en-US" sz="2000" dirty="0"/>
-              <a:t>　</a:t>
+              <a:t>テキスト</a:t>
             </a:r>
             <a:r>
               <a:rPr lang="ja-JP" altLang="en-US" sz="2000" dirty="0" smtClean="0"/>
-              <a:t>（シーン内でステージ選択画面を表示）</a:t>
-            </a:r>
-            <a:endParaRPr kumimoji="1" lang="en-US" altLang="ja-JP" sz="2000" dirty="0" smtClean="0"/>
-          </a:p>
-          <a:p>
-            <a:pPr marL="457200" indent="-457200">
-              <a:buFont typeface="+mj-ea"/>
-              <a:buAutoNum type="circleNumDbPlain" startAt="3"/>
-            </a:pPr>
-            <a:r>
-              <a:rPr lang="ja-JP" altLang="en-US" sz="2000" dirty="0" smtClean="0"/>
-              <a:t>育成シーンへの移動（ボタン）</a:t>
-            </a:r>
-            <a:endParaRPr lang="en-US" altLang="ja-JP" sz="2000" dirty="0" smtClean="0"/>
-          </a:p>
-          <a:p>
-            <a:pPr marL="457200" indent="-457200">
-              <a:buFont typeface="+mj-ea"/>
-              <a:buAutoNum type="circleNumDbPlain" startAt="3"/>
-            </a:pPr>
-            <a:r>
-              <a:rPr kumimoji="1" lang="ja-JP" altLang="en-US" sz="2000" dirty="0" smtClean="0"/>
-              <a:t>アルバムシーンへの移動（ボタン）</a:t>
-            </a:r>
-            <a:endParaRPr kumimoji="1" lang="en-US" altLang="ja-JP" sz="2000" dirty="0" smtClean="0"/>
-          </a:p>
-          <a:p>
-            <a:pPr marL="457200" indent="-457200">
-              <a:buFont typeface="+mj-ea"/>
-              <a:buAutoNum type="circleNumDbPlain" startAt="3"/>
-            </a:pPr>
-            <a:r>
-              <a:rPr kumimoji="1" lang="ja-JP" altLang="en-US" sz="2000" dirty="0" smtClean="0"/>
-              <a:t>設定画面の表示</a:t>
-            </a:r>
-            <a:r>
-              <a:rPr kumimoji="1" lang="en-US" altLang="ja-JP" sz="2000" dirty="0" smtClean="0"/>
-              <a:t/>
-            </a:r>
-            <a:br>
-              <a:rPr kumimoji="1" lang="en-US" altLang="ja-JP" sz="2000" dirty="0" smtClean="0"/>
-            </a:br>
-            <a:r>
-              <a:rPr kumimoji="1" lang="ja-JP" altLang="en-US" sz="2000" dirty="0" smtClean="0"/>
-              <a:t>（ボタン、項目は音量、タイトル</a:t>
-            </a:r>
-            <a:r>
-              <a:rPr lang="ja-JP" altLang="en-US" sz="2000" dirty="0"/>
-              <a:t>へ</a:t>
-            </a:r>
-            <a:r>
-              <a:rPr lang="ja-JP" altLang="en-US" sz="2000" dirty="0" smtClean="0"/>
-              <a:t>戻る、キャラの名前変更、育成リセット</a:t>
+              <a:t>は英語</a:t>
             </a:r>
             <a:r>
               <a:rPr kumimoji="1" lang="ja-JP" altLang="en-US" sz="2000" dirty="0" smtClean="0"/>
               <a:t>）</a:t>
-            </a:r>
-            <a:endParaRPr kumimoji="1" lang="en-US" altLang="ja-JP" sz="2000" dirty="0" smtClean="0"/>
-          </a:p>
-          <a:p>
-            <a:pPr marL="457200" indent="-457200">
-              <a:buFont typeface="+mj-ea"/>
-              <a:buAutoNum type="circleNumDbPlain" startAt="3"/>
-            </a:pPr>
-            <a:r>
-              <a:rPr lang="en-US" altLang="ja-JP" sz="2000" dirty="0" smtClean="0"/>
-              <a:t>SNS</a:t>
-            </a:r>
-            <a:r>
-              <a:rPr lang="ja-JP" altLang="en-US" sz="2000" dirty="0" smtClean="0"/>
-              <a:t>投稿画面の表示</a:t>
-            </a:r>
-            <a:r>
-              <a:rPr lang="en-US" altLang="ja-JP" sz="2000" dirty="0" smtClean="0"/>
-              <a:t/>
-            </a:r>
-            <a:br>
-              <a:rPr lang="en-US" altLang="ja-JP" sz="2000" dirty="0" smtClean="0"/>
-            </a:br>
-            <a:r>
-              <a:rPr lang="ja-JP" altLang="en-US" sz="2000" dirty="0" smtClean="0"/>
-              <a:t>（ボタンシーン内に表示）</a:t>
             </a:r>
             <a:endParaRPr kumimoji="1" lang="ja-JP" altLang="en-US" sz="2000" dirty="0"/>
           </a:p>
@@ -3920,7 +5687,7 @@
         <p:spPr>
           <a:xfrm>
             <a:off x="6929608" y="174566"/>
-            <a:ext cx="3722023" cy="6616931"/>
+            <a:ext cx="3722024" cy="6616931"/>
           </a:xfrm>
           <a:prstGeom prst="rect">
             <a:avLst/>
@@ -3940,7 +5707,7 @@
         </p:nvSpPr>
         <p:spPr>
           <a:xfrm>
-            <a:off x="7148946" y="307571"/>
+            <a:off x="7323513" y="4854633"/>
             <a:ext cx="324196" cy="299258"/>
           </a:xfrm>
           <a:prstGeom prst="ellipse">
@@ -3996,330 +5763,10 @@
           </a:p>
         </p:txBody>
       </p:sp>
-      <p:sp>
-        <p:nvSpPr>
-          <p:cNvPr id="6" name="楕円 5"/>
-          <p:cNvSpPr/>
-          <p:nvPr/>
-        </p:nvSpPr>
-        <p:spPr>
-          <a:xfrm>
-            <a:off x="7243157" y="4824153"/>
-            <a:ext cx="324196" cy="299258"/>
-          </a:xfrm>
-          <a:prstGeom prst="ellipse">
-            <a:avLst/>
-          </a:prstGeom>
-          <a:solidFill>
-            <a:schemeClr val="bg1"/>
-          </a:solidFill>
-          <a:ln>
-            <a:solidFill>
-              <a:schemeClr val="tx1"/>
-            </a:solidFill>
-          </a:ln>
-        </p:spPr>
-        <p:style>
-          <a:lnRef idx="2">
-            <a:schemeClr val="accent1">
-              <a:shade val="50000"/>
-            </a:schemeClr>
-          </a:lnRef>
-          <a:fillRef idx="1">
-            <a:schemeClr val="accent1"/>
-          </a:fillRef>
-          <a:effectRef idx="0">
-            <a:schemeClr val="accent1"/>
-          </a:effectRef>
-          <a:fontRef idx="minor">
-            <a:schemeClr val="lt1"/>
-          </a:fontRef>
-        </p:style>
-        <p:txBody>
-          <a:bodyPr rtlCol="0" anchor="ctr"/>
-          <a:lstStyle/>
-          <a:p>
-            <a:pPr algn="ctr"/>
-            <a:r>
-              <a:rPr lang="en-US" altLang="ja-JP" dirty="0">
-                <a:ln w="0"/>
-                <a:solidFill>
-                  <a:schemeClr val="tx1"/>
-                </a:solidFill>
-                <a:effectLst>
-                  <a:outerShdw blurRad="38100" dist="19050" dir="2700000" algn="tl" rotWithShape="0">
-                    <a:schemeClr val="dk1">
-                      <a:alpha val="40000"/>
-                    </a:schemeClr>
-                  </a:outerShdw>
-                </a:effectLst>
-              </a:rPr>
-              <a:t>2</a:t>
-            </a:r>
-            <a:endParaRPr kumimoji="1" lang="ja-JP" altLang="en-US" dirty="0"/>
-          </a:p>
-        </p:txBody>
-      </p:sp>
-      <p:sp>
-        <p:nvSpPr>
-          <p:cNvPr id="7" name="楕円 6"/>
-          <p:cNvSpPr/>
-          <p:nvPr/>
-        </p:nvSpPr>
-        <p:spPr>
-          <a:xfrm>
-            <a:off x="8790619" y="4824153"/>
-            <a:ext cx="324196" cy="299258"/>
-          </a:xfrm>
-          <a:prstGeom prst="ellipse">
-            <a:avLst/>
-          </a:prstGeom>
-          <a:solidFill>
-            <a:schemeClr val="bg1"/>
-          </a:solidFill>
-          <a:ln>
-            <a:solidFill>
-              <a:schemeClr val="tx1"/>
-            </a:solidFill>
-          </a:ln>
-        </p:spPr>
-        <p:style>
-          <a:lnRef idx="2">
-            <a:schemeClr val="accent1">
-              <a:shade val="50000"/>
-            </a:schemeClr>
-          </a:lnRef>
-          <a:fillRef idx="1">
-            <a:schemeClr val="accent1"/>
-          </a:fillRef>
-          <a:effectRef idx="0">
-            <a:schemeClr val="accent1"/>
-          </a:effectRef>
-          <a:fontRef idx="minor">
-            <a:schemeClr val="lt1"/>
-          </a:fontRef>
-        </p:style>
-        <p:txBody>
-          <a:bodyPr rtlCol="0" anchor="ctr"/>
-          <a:lstStyle/>
-          <a:p>
-            <a:pPr algn="ctr"/>
-            <a:r>
-              <a:rPr lang="en-US" altLang="ja-JP" dirty="0">
-                <a:ln w="0"/>
-                <a:solidFill>
-                  <a:schemeClr val="tx1"/>
-                </a:solidFill>
-                <a:effectLst>
-                  <a:outerShdw blurRad="38100" dist="19050" dir="2700000" algn="tl" rotWithShape="0">
-                    <a:schemeClr val="dk1">
-                      <a:alpha val="40000"/>
-                    </a:schemeClr>
-                  </a:outerShdw>
-                </a:effectLst>
-              </a:rPr>
-              <a:t>3</a:t>
-            </a:r>
-            <a:endParaRPr kumimoji="1" lang="ja-JP" altLang="en-US" dirty="0"/>
-          </a:p>
-        </p:txBody>
-      </p:sp>
-      <p:sp>
-        <p:nvSpPr>
-          <p:cNvPr id="8" name="楕円 7"/>
-          <p:cNvSpPr/>
-          <p:nvPr/>
-        </p:nvSpPr>
-        <p:spPr>
-          <a:xfrm>
-            <a:off x="6918961" y="6403571"/>
-            <a:ext cx="324196" cy="299258"/>
-          </a:xfrm>
-          <a:prstGeom prst="ellipse">
-            <a:avLst/>
-          </a:prstGeom>
-          <a:solidFill>
-            <a:schemeClr val="bg1"/>
-          </a:solidFill>
-          <a:ln>
-            <a:solidFill>
-              <a:schemeClr val="tx1"/>
-            </a:solidFill>
-          </a:ln>
-        </p:spPr>
-        <p:style>
-          <a:lnRef idx="2">
-            <a:schemeClr val="accent1">
-              <a:shade val="50000"/>
-            </a:schemeClr>
-          </a:lnRef>
-          <a:fillRef idx="1">
-            <a:schemeClr val="accent1"/>
-          </a:fillRef>
-          <a:effectRef idx="0">
-            <a:schemeClr val="accent1"/>
-          </a:effectRef>
-          <a:fontRef idx="minor">
-            <a:schemeClr val="lt1"/>
-          </a:fontRef>
-        </p:style>
-        <p:txBody>
-          <a:bodyPr rtlCol="0" anchor="ctr"/>
-          <a:lstStyle/>
-          <a:p>
-            <a:pPr algn="ctr"/>
-            <a:r>
-              <a:rPr lang="en-US" altLang="ja-JP" dirty="0">
-                <a:ln w="0"/>
-                <a:solidFill>
-                  <a:schemeClr val="tx1"/>
-                </a:solidFill>
-                <a:effectLst>
-                  <a:outerShdw blurRad="38100" dist="19050" dir="2700000" algn="tl" rotWithShape="0">
-                    <a:schemeClr val="dk1">
-                      <a:alpha val="40000"/>
-                    </a:schemeClr>
-                  </a:outerShdw>
-                </a:effectLst>
-              </a:rPr>
-              <a:t>4</a:t>
-            </a:r>
-            <a:endParaRPr kumimoji="1" lang="ja-JP" altLang="en-US" dirty="0"/>
-          </a:p>
-        </p:txBody>
-      </p:sp>
-      <p:sp>
-        <p:nvSpPr>
-          <p:cNvPr id="11" name="楕円 10"/>
-          <p:cNvSpPr/>
-          <p:nvPr/>
-        </p:nvSpPr>
-        <p:spPr>
-          <a:xfrm>
-            <a:off x="8140932" y="6403571"/>
-            <a:ext cx="324196" cy="299258"/>
-          </a:xfrm>
-          <a:prstGeom prst="ellipse">
-            <a:avLst/>
-          </a:prstGeom>
-          <a:solidFill>
-            <a:schemeClr val="bg1"/>
-          </a:solidFill>
-          <a:ln>
-            <a:solidFill>
-              <a:schemeClr val="tx1"/>
-            </a:solidFill>
-          </a:ln>
-        </p:spPr>
-        <p:style>
-          <a:lnRef idx="2">
-            <a:schemeClr val="accent1">
-              <a:shade val="50000"/>
-            </a:schemeClr>
-          </a:lnRef>
-          <a:fillRef idx="1">
-            <a:schemeClr val="accent1"/>
-          </a:fillRef>
-          <a:effectRef idx="0">
-            <a:schemeClr val="accent1"/>
-          </a:effectRef>
-          <a:fontRef idx="minor">
-            <a:schemeClr val="lt1"/>
-          </a:fontRef>
-        </p:style>
-        <p:txBody>
-          <a:bodyPr rtlCol="0" anchor="ctr"/>
-          <a:lstStyle/>
-          <a:p>
-            <a:pPr algn="ctr"/>
-            <a:r>
-              <a:rPr lang="en-US" altLang="ja-JP" dirty="0">
-                <a:ln w="0"/>
-                <a:solidFill>
-                  <a:schemeClr val="tx1"/>
-                </a:solidFill>
-                <a:effectLst>
-                  <a:outerShdw blurRad="38100" dist="19050" dir="2700000" algn="tl" rotWithShape="0">
-                    <a:schemeClr val="dk1">
-                      <a:alpha val="40000"/>
-                    </a:schemeClr>
-                  </a:outerShdw>
-                </a:effectLst>
-              </a:rPr>
-              <a:t>5</a:t>
-            </a:r>
-            <a:endParaRPr kumimoji="1" lang="ja-JP" altLang="en-US" dirty="0"/>
-          </a:p>
-        </p:txBody>
-      </p:sp>
-      <p:sp>
-        <p:nvSpPr>
-          <p:cNvPr id="14" name="楕円 13"/>
-          <p:cNvSpPr/>
-          <p:nvPr/>
-        </p:nvSpPr>
-        <p:spPr>
-          <a:xfrm>
-            <a:off x="9396281" y="6403571"/>
-            <a:ext cx="324196" cy="299258"/>
-          </a:xfrm>
-          <a:prstGeom prst="ellipse">
-            <a:avLst/>
-          </a:prstGeom>
-          <a:solidFill>
-            <a:schemeClr val="bg1"/>
-          </a:solidFill>
-          <a:ln>
-            <a:solidFill>
-              <a:schemeClr val="tx1"/>
-            </a:solidFill>
-          </a:ln>
-        </p:spPr>
-        <p:style>
-          <a:lnRef idx="2">
-            <a:schemeClr val="accent1">
-              <a:shade val="50000"/>
-            </a:schemeClr>
-          </a:lnRef>
-          <a:fillRef idx="1">
-            <a:schemeClr val="accent1"/>
-          </a:fillRef>
-          <a:effectRef idx="0">
-            <a:schemeClr val="accent1"/>
-          </a:effectRef>
-          <a:fontRef idx="minor">
-            <a:schemeClr val="lt1"/>
-          </a:fontRef>
-        </p:style>
-        <p:txBody>
-          <a:bodyPr rtlCol="0" anchor="ctr"/>
-          <a:lstStyle/>
-          <a:p>
-            <a:pPr algn="ctr"/>
-            <a:r>
-              <a:rPr lang="en-US" altLang="ja-JP" dirty="0">
-                <a:ln w="0"/>
-                <a:solidFill>
-                  <a:schemeClr val="tx1"/>
-                </a:solidFill>
-                <a:effectLst>
-                  <a:outerShdw blurRad="38100" dist="19050" dir="2700000" algn="tl" rotWithShape="0">
-                    <a:schemeClr val="dk1">
-                      <a:alpha val="40000"/>
-                    </a:schemeClr>
-                  </a:outerShdw>
-                </a:effectLst>
-              </a:rPr>
-              <a:t>6</a:t>
-            </a:r>
-            <a:endParaRPr kumimoji="1" lang="ja-JP" altLang="en-US" dirty="0"/>
-          </a:p>
-        </p:txBody>
-      </p:sp>
     </p:spTree>
     <p:extLst>
       <p:ext uri="{BB962C8B-B14F-4D97-AF65-F5344CB8AC3E}">
-        <p14:creationId xmlns:p14="http://schemas.microsoft.com/office/powerpoint/2010/main" val="1744950505"/>
+        <p14:creationId xmlns:p14="http://schemas.microsoft.com/office/powerpoint/2010/main" val="2570379171"/>
       </p:ext>
     </p:extLst>
   </p:cSld>
@@ -4359,7 +5806,7 @@
         <p:spPr>
           <a:xfrm>
             <a:off x="839788" y="457200"/>
-            <a:ext cx="6193414" cy="1600200"/>
+            <a:ext cx="5502823" cy="1600200"/>
           </a:xfrm>
         </p:spPr>
         <p:txBody>
@@ -4370,7 +5817,7 @@
           <a:p>
             <a:r>
               <a:rPr kumimoji="1" lang="ja-JP" altLang="en-US" sz="4000" b="1" dirty="0" smtClean="0"/>
-              <a:t>オプション画面</a:t>
+              <a:t>ホームシーン仕様</a:t>
             </a:r>
             <a:endParaRPr kumimoji="1" lang="ja-JP" altLang="en-US" sz="4000" b="1" dirty="0"/>
           </a:p>
@@ -4397,17 +5844,6 @@
             <a:normAutofit/>
           </a:bodyPr>
           <a:lstStyle/>
-          <a:p>
-            <a:r>
-              <a:rPr kumimoji="1" lang="en-US" altLang="ja-JP" sz="2000" dirty="0" smtClean="0"/>
-              <a:t>※</a:t>
-            </a:r>
-            <a:r>
-              <a:rPr kumimoji="1" lang="ja-JP" altLang="en-US" sz="2000" dirty="0" smtClean="0"/>
-              <a:t>赤線内</a:t>
-            </a:r>
-            <a:endParaRPr kumimoji="1" lang="en-US" altLang="ja-JP" sz="2000" dirty="0" smtClean="0"/>
-          </a:p>
           <a:p>
             <a:pPr marL="457200" indent="-457200">
               <a:buFont typeface="+mj-ea"/>
@@ -4415,15 +5851,23 @@
             </a:pPr>
             <a:r>
               <a:rPr kumimoji="1" lang="ja-JP" altLang="en-US" sz="2000" dirty="0" smtClean="0"/>
-              <a:t>オプションの</a:t>
-            </a:r>
-            <a:r>
-              <a:rPr kumimoji="1" lang="en-US" altLang="ja-JP" sz="2000" dirty="0" smtClean="0"/>
+              <a:t>育成キャラクター名</a:t>
+            </a:r>
+            <a:r>
+              <a:rPr lang="ja-JP" altLang="en-US" sz="2000" dirty="0" smtClean="0"/>
+              <a:t>の</a:t>
+            </a:r>
+            <a:r>
+              <a:rPr lang="en-US" altLang="ja-JP" sz="2000" dirty="0" smtClean="0"/>
               <a:t>text</a:t>
             </a:r>
             <a:r>
+              <a:rPr lang="ja-JP" altLang="en-US" sz="2000" dirty="0" smtClean="0"/>
+              <a:t>を</a:t>
+            </a:r>
+            <a:r>
               <a:rPr kumimoji="1" lang="ja-JP" altLang="en-US" sz="2000" dirty="0" smtClean="0"/>
-              <a:t>を表示</a:t>
+              <a:t>表示</a:t>
             </a:r>
             <a:endParaRPr kumimoji="1" lang="en-US" altLang="ja-JP" sz="2000" dirty="0" smtClean="0"/>
           </a:p>
@@ -4433,78 +5877,74 @@
               <a:buAutoNum type="circleNumDbPlain"/>
             </a:pPr>
             <a:r>
-              <a:rPr kumimoji="1" lang="en-US" altLang="ja-JP" sz="2000" dirty="0" smtClean="0"/>
-              <a:t>BGM</a:t>
-            </a:r>
-            <a:r>
               <a:rPr kumimoji="1" lang="ja-JP" altLang="en-US" sz="2000" dirty="0" smtClean="0"/>
-              <a:t>の</a:t>
-            </a:r>
-            <a:r>
-              <a:rPr kumimoji="1" lang="en-US" altLang="ja-JP" sz="2000" dirty="0" smtClean="0"/>
-              <a:t>text</a:t>
-            </a:r>
-            <a:r>
-              <a:rPr kumimoji="1" lang="ja-JP" altLang="en-US" sz="2000" dirty="0" smtClean="0"/>
-              <a:t>と変更用のスライダー</a:t>
+              <a:t>アクションステージ選択の表示（ボタン）</a:t>
+            </a:r>
+            <a:r>
+              <a:rPr lang="ja-JP" altLang="en-US" sz="2000" dirty="0"/>
+              <a:t>　</a:t>
+            </a:r>
+            <a:r>
+              <a:rPr lang="ja-JP" altLang="en-US" sz="2000" dirty="0" smtClean="0"/>
+              <a:t>（シーン内でステージ選択画面を表示）</a:t>
             </a:r>
             <a:endParaRPr kumimoji="1" lang="en-US" altLang="ja-JP" sz="2000" dirty="0" smtClean="0"/>
           </a:p>
           <a:p>
             <a:pPr marL="457200" indent="-457200">
               <a:buFont typeface="+mj-ea"/>
-              <a:buAutoNum type="circleNumDbPlain"/>
+              <a:buAutoNum type="circleNumDbPlain" startAt="3"/>
             </a:pPr>
             <a:r>
-              <a:rPr lang="en-US" altLang="ja-JP" sz="2000" dirty="0" smtClean="0"/>
-              <a:t>SE</a:t>
-            </a:r>
-            <a:r>
               <a:rPr lang="ja-JP" altLang="en-US" sz="2000" dirty="0" smtClean="0"/>
-              <a:t>の</a:t>
-            </a:r>
-            <a:r>
-              <a:rPr lang="en-US" altLang="ja-JP" sz="2000" dirty="0" smtClean="0"/>
-              <a:t>text</a:t>
-            </a:r>
-            <a:r>
-              <a:rPr lang="ja-JP" altLang="en-US" sz="2000" dirty="0" smtClean="0"/>
-              <a:t>と変更用のスライダー</a:t>
+              <a:t>育成シーンへの移動（ボタン）</a:t>
             </a:r>
             <a:endParaRPr lang="en-US" altLang="ja-JP" sz="2000" dirty="0" smtClean="0"/>
           </a:p>
           <a:p>
             <a:pPr marL="457200" indent="-457200">
               <a:buFont typeface="+mj-ea"/>
-              <a:buAutoNum type="circleNumDbPlain"/>
+              <a:buAutoNum type="circleNumDbPlain" startAt="3"/>
             </a:pPr>
             <a:r>
               <a:rPr kumimoji="1" lang="ja-JP" altLang="en-US" sz="2000" dirty="0" smtClean="0"/>
-              <a:t>タイトルシーンへ遷移するボタン</a:t>
+              <a:t>アルバムシーンへの移動（ボタン）</a:t>
             </a:r>
             <a:endParaRPr kumimoji="1" lang="en-US" altLang="ja-JP" sz="2000" dirty="0" smtClean="0"/>
           </a:p>
           <a:p>
             <a:pPr marL="457200" indent="-457200">
               <a:buFont typeface="+mj-ea"/>
-              <a:buAutoNum type="circleNumDbPlain"/>
+              <a:buAutoNum type="circleNumDbPlain" startAt="3"/>
             </a:pPr>
             <a:r>
               <a:rPr kumimoji="1" lang="ja-JP" altLang="en-US" sz="2000" dirty="0" smtClean="0"/>
-              <a:t>育成キャラの名前を付け直すボタン</a:t>
+              <a:t>設定画面の表示</a:t>
+            </a:r>
+            <a:r>
+              <a:rPr kumimoji="1" lang="en-US" altLang="ja-JP" sz="2000" dirty="0" smtClean="0"/>
+              <a:t/>
+            </a:r>
+            <a:br>
+              <a:rPr kumimoji="1" lang="en-US" altLang="ja-JP" sz="2000" dirty="0" smtClean="0"/>
+            </a:br>
+            <a:r>
+              <a:rPr kumimoji="1" lang="ja-JP" altLang="en-US" sz="2000" dirty="0" smtClean="0"/>
+              <a:t>（ボタン、項目は音量、タイトル</a:t>
+            </a:r>
+            <a:r>
+              <a:rPr lang="ja-JP" altLang="en-US" sz="2000" dirty="0"/>
+              <a:t>へ</a:t>
+            </a:r>
+            <a:r>
+              <a:rPr lang="ja-JP" altLang="en-US" sz="2000" dirty="0" smtClean="0"/>
+              <a:t>戻る、キャラの名前変更、育成リセット</a:t>
+            </a:r>
+            <a:r>
+              <a:rPr kumimoji="1" lang="ja-JP" altLang="en-US" sz="2000" dirty="0" smtClean="0"/>
+              <a:t>）</a:t>
             </a:r>
             <a:endParaRPr kumimoji="1" lang="en-US" altLang="ja-JP" sz="2000" dirty="0" smtClean="0"/>
-          </a:p>
-          <a:p>
-            <a:pPr marL="457200" indent="-457200">
-              <a:buFont typeface="+mj-ea"/>
-              <a:buAutoNum type="circleNumDbPlain"/>
-            </a:pPr>
-            <a:r>
-              <a:rPr lang="ja-JP" altLang="en-US" sz="2000" dirty="0" smtClean="0"/>
-              <a:t>育成をリセットして初めからやり直すボタン</a:t>
-            </a:r>
-            <a:endParaRPr kumimoji="1" lang="ja-JP" altLang="en-US" sz="2000" dirty="0"/>
           </a:p>
         </p:txBody>
       </p:sp>
@@ -4551,7 +5991,7 @@
         </p:nvSpPr>
         <p:spPr>
           <a:xfrm>
-            <a:off x="7033517" y="2454424"/>
+            <a:off x="7148946" y="307571"/>
             <a:ext cx="324196" cy="299258"/>
           </a:xfrm>
           <a:prstGeom prst="ellipse">
@@ -4615,7 +6055,7 @@
         </p:nvSpPr>
         <p:spPr>
           <a:xfrm>
-            <a:off x="7033517" y="3139440"/>
+            <a:off x="7243157" y="4824153"/>
             <a:ext cx="324196" cy="299258"/>
           </a:xfrm>
           <a:prstGeom prst="ellipse">
@@ -4679,7 +6119,7 @@
         </p:nvSpPr>
         <p:spPr>
           <a:xfrm>
-            <a:off x="7033517" y="3607603"/>
+            <a:off x="8790619" y="4824153"/>
             <a:ext cx="324196" cy="299258"/>
           </a:xfrm>
           <a:prstGeom prst="ellipse">
@@ -4743,7 +6183,7 @@
         </p:nvSpPr>
         <p:spPr>
           <a:xfrm>
-            <a:off x="7033202" y="4075766"/>
+            <a:off x="6918961" y="6403571"/>
             <a:ext cx="324196" cy="299258"/>
           </a:xfrm>
           <a:prstGeom prst="ellipse">
@@ -4807,7 +6247,7 @@
         </p:nvSpPr>
         <p:spPr>
           <a:xfrm>
-            <a:off x="8093636" y="4075766"/>
+            <a:off x="9514987" y="6403571"/>
             <a:ext cx="324196" cy="299258"/>
           </a:xfrm>
           <a:prstGeom prst="ellipse">
@@ -4863,74 +6303,10 @@
           </a:p>
         </p:txBody>
       </p:sp>
-      <p:sp>
-        <p:nvSpPr>
-          <p:cNvPr id="14" name="楕円 13"/>
-          <p:cNvSpPr/>
-          <p:nvPr/>
-        </p:nvSpPr>
-        <p:spPr>
-          <a:xfrm>
-            <a:off x="9269061" y="4075766"/>
-            <a:ext cx="324196" cy="299258"/>
-          </a:xfrm>
-          <a:prstGeom prst="ellipse">
-            <a:avLst/>
-          </a:prstGeom>
-          <a:solidFill>
-            <a:schemeClr val="bg1"/>
-          </a:solidFill>
-          <a:ln>
-            <a:solidFill>
-              <a:schemeClr val="tx1"/>
-            </a:solidFill>
-          </a:ln>
-        </p:spPr>
-        <p:style>
-          <a:lnRef idx="2">
-            <a:schemeClr val="accent1">
-              <a:shade val="50000"/>
-            </a:schemeClr>
-          </a:lnRef>
-          <a:fillRef idx="1">
-            <a:schemeClr val="accent1"/>
-          </a:fillRef>
-          <a:effectRef idx="0">
-            <a:schemeClr val="accent1"/>
-          </a:effectRef>
-          <a:fontRef idx="minor">
-            <a:schemeClr val="lt1"/>
-          </a:fontRef>
-        </p:style>
-        <p:txBody>
-          <a:bodyPr rtlCol="0" anchor="ctr"/>
-          <a:lstStyle/>
-          <a:p>
-            <a:pPr algn="ctr"/>
-            <a:r>
-              <a:rPr lang="en-US" altLang="ja-JP" dirty="0">
-                <a:ln w="0"/>
-                <a:solidFill>
-                  <a:schemeClr val="tx1"/>
-                </a:solidFill>
-                <a:effectLst>
-                  <a:outerShdw blurRad="38100" dist="19050" dir="2700000" algn="tl" rotWithShape="0">
-                    <a:schemeClr val="dk1">
-                      <a:alpha val="40000"/>
-                    </a:schemeClr>
-                  </a:outerShdw>
-                </a:effectLst>
-              </a:rPr>
-              <a:t>6</a:t>
-            </a:r>
-            <a:endParaRPr kumimoji="1" lang="ja-JP" altLang="en-US" dirty="0"/>
-          </a:p>
-        </p:txBody>
-      </p:sp>
     </p:spTree>
     <p:extLst>
       <p:ext uri="{BB962C8B-B14F-4D97-AF65-F5344CB8AC3E}">
-        <p14:creationId xmlns:p14="http://schemas.microsoft.com/office/powerpoint/2010/main" val="3518322755"/>
+        <p14:creationId xmlns:p14="http://schemas.microsoft.com/office/powerpoint/2010/main" val="1744950505"/>
       </p:ext>
     </p:extLst>
   </p:cSld>
@@ -4970,7 +6346,7 @@
         <p:spPr>
           <a:xfrm>
             <a:off x="839788" y="457200"/>
-            <a:ext cx="5502823" cy="1600200"/>
+            <a:ext cx="6193414" cy="1600200"/>
           </a:xfrm>
         </p:spPr>
         <p:txBody>
@@ -4981,7 +6357,7 @@
           <a:p>
             <a:r>
               <a:rPr kumimoji="1" lang="ja-JP" altLang="en-US" sz="4000" b="1" dirty="0" smtClean="0"/>
-              <a:t>アクションシーン仕様</a:t>
+              <a:t>オプション画面</a:t>
             </a:r>
             <a:endParaRPr kumimoji="1" lang="ja-JP" altLang="en-US" sz="4000" b="1" dirty="0"/>
           </a:p>
@@ -5008,6 +6384,17 @@
             <a:normAutofit/>
           </a:bodyPr>
           <a:lstStyle/>
+          <a:p>
+            <a:r>
+              <a:rPr kumimoji="1" lang="en-US" altLang="ja-JP" sz="2000" dirty="0" smtClean="0"/>
+              <a:t>※</a:t>
+            </a:r>
+            <a:r>
+              <a:rPr kumimoji="1" lang="ja-JP" altLang="en-US" sz="2000" dirty="0" smtClean="0"/>
+              <a:t>赤線内</a:t>
+            </a:r>
+            <a:endParaRPr kumimoji="1" lang="en-US" altLang="ja-JP" sz="2000" dirty="0" smtClean="0"/>
+          </a:p>
           <a:p>
             <a:pPr marL="457200" indent="-457200">
               <a:buFont typeface="+mj-ea"/>
@@ -5015,7 +6402,15 @@
             </a:pPr>
             <a:r>
               <a:rPr kumimoji="1" lang="ja-JP" altLang="en-US" sz="2000" dirty="0" smtClean="0"/>
-              <a:t>タイムの表示、テキストで表示</a:t>
+              <a:t>オプションの</a:t>
+            </a:r>
+            <a:r>
+              <a:rPr kumimoji="1" lang="en-US" altLang="ja-JP" sz="2000" dirty="0" smtClean="0"/>
+              <a:t>text</a:t>
+            </a:r>
+            <a:r>
+              <a:rPr kumimoji="1" lang="ja-JP" altLang="en-US" sz="2000" dirty="0" smtClean="0"/>
+              <a:t>を表示</a:t>
             </a:r>
             <a:endParaRPr kumimoji="1" lang="en-US" altLang="ja-JP" sz="2000" dirty="0" smtClean="0"/>
           </a:p>
@@ -5025,30 +6420,91 @@
               <a:buAutoNum type="circleNumDbPlain"/>
             </a:pPr>
             <a:r>
+              <a:rPr kumimoji="1" lang="en-US" altLang="ja-JP" sz="2000" dirty="0" smtClean="0"/>
+              <a:t>BGM</a:t>
+            </a:r>
+            <a:r>
               <a:rPr kumimoji="1" lang="ja-JP" altLang="en-US" sz="2000" dirty="0" smtClean="0"/>
-              <a:t>ポーズ画面の表示</a:t>
-            </a:r>
-            <a:endParaRPr lang="en-US" altLang="ja-JP" sz="2000" dirty="0"/>
-          </a:p>
-          <a:p>
+              <a:t>の</a:t>
+            </a:r>
             <a:r>
               <a:rPr kumimoji="1" lang="en-US" altLang="ja-JP" sz="2000" dirty="0" smtClean="0"/>
-              <a:t>   </a:t>
+              <a:t>text</a:t>
             </a:r>
             <a:r>
               <a:rPr kumimoji="1" lang="ja-JP" altLang="en-US" sz="2000" dirty="0" smtClean="0"/>
-              <a:t>（ボタン、項目は再開、リスタート、音量設定、</a:t>
+              <a:t>と変更用のスライダー</a:t>
             </a:r>
             <a:endParaRPr kumimoji="1" lang="en-US" altLang="ja-JP" sz="2000" dirty="0" smtClean="0"/>
           </a:p>
           <a:p>
+            <a:pPr marL="457200" indent="-457200">
+              <a:buFont typeface="+mj-ea"/>
+              <a:buAutoNum type="circleNumDbPlain"/>
+            </a:pPr>
+            <a:r>
+              <a:rPr lang="en-US" altLang="ja-JP" sz="2000" dirty="0" smtClean="0"/>
+              <a:t>SE</a:t>
+            </a:r>
             <a:r>
               <a:rPr lang="ja-JP" altLang="en-US" sz="2000" dirty="0" smtClean="0"/>
-              <a:t>　　</a:t>
-            </a:r>
+              <a:t>の</a:t>
+            </a:r>
+            <a:r>
+              <a:rPr lang="en-US" altLang="ja-JP" sz="2000" dirty="0" smtClean="0"/>
+              <a:t>text</a:t>
+            </a:r>
+            <a:r>
+              <a:rPr lang="ja-JP" altLang="en-US" sz="2000" dirty="0" smtClean="0"/>
+              <a:t>と変更用のスライダー</a:t>
+            </a:r>
+            <a:endParaRPr lang="en-US" altLang="ja-JP" sz="2000" dirty="0" smtClean="0"/>
+          </a:p>
+          <a:p>
+            <a:pPr marL="457200" indent="-457200">
+              <a:buFont typeface="+mj-ea"/>
+              <a:buAutoNum type="circleNumDbPlain"/>
+            </a:pPr>
             <a:r>
               <a:rPr kumimoji="1" lang="ja-JP" altLang="en-US" sz="2000" dirty="0" smtClean="0"/>
-              <a:t>ホームへ戻る）</a:t>
+              <a:t>タイトルシーンへ遷移するボタン</a:t>
+            </a:r>
+            <a:endParaRPr kumimoji="1" lang="en-US" altLang="ja-JP" sz="2000" dirty="0" smtClean="0"/>
+          </a:p>
+          <a:p>
+            <a:pPr marL="457200" indent="-457200">
+              <a:buFont typeface="+mj-ea"/>
+              <a:buAutoNum type="circleNumDbPlain"/>
+            </a:pPr>
+            <a:r>
+              <a:rPr kumimoji="1" lang="ja-JP" altLang="en-US" sz="2000" dirty="0" smtClean="0"/>
+              <a:t>育成キャラの名前を付け直すボタン</a:t>
+            </a:r>
+            <a:endParaRPr kumimoji="1" lang="en-US" altLang="ja-JP" sz="2000" dirty="0" smtClean="0"/>
+          </a:p>
+          <a:p>
+            <a:pPr marL="457200" indent="-457200">
+              <a:buFont typeface="+mj-ea"/>
+              <a:buAutoNum type="circleNumDbPlain"/>
+            </a:pPr>
+            <a:r>
+              <a:rPr lang="ja-JP" altLang="en-US" sz="2000" dirty="0" smtClean="0"/>
+              <a:t>育成をリセットして初めからやり直す</a:t>
+            </a:r>
+            <a:r>
+              <a:rPr lang="ja-JP" altLang="en-US" sz="2000" dirty="0" smtClean="0"/>
+              <a:t>ボタン</a:t>
+            </a:r>
+            <a:endParaRPr lang="en-US" altLang="ja-JP" sz="2000" dirty="0" smtClean="0"/>
+          </a:p>
+          <a:p>
+            <a:pPr marL="457200" indent="-457200">
+              <a:buFont typeface="+mj-ea"/>
+              <a:buAutoNum type="circleNumDbPlain"/>
+            </a:pPr>
+            <a:r>
+              <a:rPr kumimoji="1" lang="ja-JP" altLang="en-US" sz="2000" dirty="0"/>
+              <a:t>オプション画面を閉じるボタン</a:t>
             </a:r>
             <a:endParaRPr kumimoji="1" lang="ja-JP" altLang="en-US" sz="2000" dirty="0"/>
           </a:p>
@@ -5077,7 +6533,7 @@
         <p:spPr>
           <a:xfrm>
             <a:off x="6929608" y="174567"/>
-            <a:ext cx="3722023" cy="6616929"/>
+            <a:ext cx="3722022" cy="6616929"/>
           </a:xfrm>
           <a:prstGeom prst="rect">
             <a:avLst/>
@@ -5097,7 +6553,7 @@
         </p:nvSpPr>
         <p:spPr>
           <a:xfrm>
-            <a:off x="7672648" y="307571"/>
+            <a:off x="6929608" y="2076676"/>
             <a:ext cx="324196" cy="299258"/>
           </a:xfrm>
           <a:prstGeom prst="ellipse">
@@ -5161,7 +6617,7 @@
         </p:nvSpPr>
         <p:spPr>
           <a:xfrm>
-            <a:off x="6990569" y="5951916"/>
+            <a:off x="6979757" y="2757687"/>
             <a:ext cx="324196" cy="299258"/>
           </a:xfrm>
           <a:prstGeom prst="ellipse">
@@ -5217,10 +6673,330 @@
           </a:p>
         </p:txBody>
       </p:sp>
+      <p:sp>
+        <p:nvSpPr>
+          <p:cNvPr id="7" name="楕円 6"/>
+          <p:cNvSpPr/>
+          <p:nvPr/>
+        </p:nvSpPr>
+        <p:spPr>
+          <a:xfrm>
+            <a:off x="6979757" y="3183773"/>
+            <a:ext cx="324196" cy="299258"/>
+          </a:xfrm>
+          <a:prstGeom prst="ellipse">
+            <a:avLst/>
+          </a:prstGeom>
+          <a:solidFill>
+            <a:schemeClr val="bg1"/>
+          </a:solidFill>
+          <a:ln>
+            <a:solidFill>
+              <a:schemeClr val="tx1"/>
+            </a:solidFill>
+          </a:ln>
+        </p:spPr>
+        <p:style>
+          <a:lnRef idx="2">
+            <a:schemeClr val="accent1">
+              <a:shade val="50000"/>
+            </a:schemeClr>
+          </a:lnRef>
+          <a:fillRef idx="1">
+            <a:schemeClr val="accent1"/>
+          </a:fillRef>
+          <a:effectRef idx="0">
+            <a:schemeClr val="accent1"/>
+          </a:effectRef>
+          <a:fontRef idx="minor">
+            <a:schemeClr val="lt1"/>
+          </a:fontRef>
+        </p:style>
+        <p:txBody>
+          <a:bodyPr rtlCol="0" anchor="ctr"/>
+          <a:lstStyle/>
+          <a:p>
+            <a:pPr algn="ctr"/>
+            <a:r>
+              <a:rPr lang="en-US" altLang="ja-JP" dirty="0">
+                <a:ln w="0"/>
+                <a:solidFill>
+                  <a:schemeClr val="tx1"/>
+                </a:solidFill>
+                <a:effectLst>
+                  <a:outerShdw blurRad="38100" dist="19050" dir="2700000" algn="tl" rotWithShape="0">
+                    <a:schemeClr val="dk1">
+                      <a:alpha val="40000"/>
+                    </a:schemeClr>
+                  </a:outerShdw>
+                </a:effectLst>
+              </a:rPr>
+              <a:t>3</a:t>
+            </a:r>
+            <a:endParaRPr kumimoji="1" lang="ja-JP" altLang="en-US" dirty="0"/>
+          </a:p>
+        </p:txBody>
+      </p:sp>
+      <p:sp>
+        <p:nvSpPr>
+          <p:cNvPr id="8" name="楕円 7"/>
+          <p:cNvSpPr/>
+          <p:nvPr/>
+        </p:nvSpPr>
+        <p:spPr>
+          <a:xfrm>
+            <a:off x="6979757" y="3730908"/>
+            <a:ext cx="324196" cy="299258"/>
+          </a:xfrm>
+          <a:prstGeom prst="ellipse">
+            <a:avLst/>
+          </a:prstGeom>
+          <a:solidFill>
+            <a:schemeClr val="bg1"/>
+          </a:solidFill>
+          <a:ln>
+            <a:solidFill>
+              <a:schemeClr val="tx1"/>
+            </a:solidFill>
+          </a:ln>
+        </p:spPr>
+        <p:style>
+          <a:lnRef idx="2">
+            <a:schemeClr val="accent1">
+              <a:shade val="50000"/>
+            </a:schemeClr>
+          </a:lnRef>
+          <a:fillRef idx="1">
+            <a:schemeClr val="accent1"/>
+          </a:fillRef>
+          <a:effectRef idx="0">
+            <a:schemeClr val="accent1"/>
+          </a:effectRef>
+          <a:fontRef idx="minor">
+            <a:schemeClr val="lt1"/>
+          </a:fontRef>
+        </p:style>
+        <p:txBody>
+          <a:bodyPr rtlCol="0" anchor="ctr"/>
+          <a:lstStyle/>
+          <a:p>
+            <a:pPr algn="ctr"/>
+            <a:r>
+              <a:rPr lang="en-US" altLang="ja-JP" dirty="0">
+                <a:ln w="0"/>
+                <a:solidFill>
+                  <a:schemeClr val="tx1"/>
+                </a:solidFill>
+                <a:effectLst>
+                  <a:outerShdw blurRad="38100" dist="19050" dir="2700000" algn="tl" rotWithShape="0">
+                    <a:schemeClr val="dk1">
+                      <a:alpha val="40000"/>
+                    </a:schemeClr>
+                  </a:outerShdw>
+                </a:effectLst>
+              </a:rPr>
+              <a:t>4</a:t>
+            </a:r>
+            <a:endParaRPr kumimoji="1" lang="ja-JP" altLang="en-US" dirty="0"/>
+          </a:p>
+        </p:txBody>
+      </p:sp>
+      <p:sp>
+        <p:nvSpPr>
+          <p:cNvPr id="11" name="楕円 10"/>
+          <p:cNvSpPr/>
+          <p:nvPr/>
+        </p:nvSpPr>
+        <p:spPr>
+          <a:xfrm>
+            <a:off x="8061831" y="3730908"/>
+            <a:ext cx="324196" cy="299258"/>
+          </a:xfrm>
+          <a:prstGeom prst="ellipse">
+            <a:avLst/>
+          </a:prstGeom>
+          <a:solidFill>
+            <a:schemeClr val="bg1"/>
+          </a:solidFill>
+          <a:ln>
+            <a:solidFill>
+              <a:schemeClr val="tx1"/>
+            </a:solidFill>
+          </a:ln>
+        </p:spPr>
+        <p:style>
+          <a:lnRef idx="2">
+            <a:schemeClr val="accent1">
+              <a:shade val="50000"/>
+            </a:schemeClr>
+          </a:lnRef>
+          <a:fillRef idx="1">
+            <a:schemeClr val="accent1"/>
+          </a:fillRef>
+          <a:effectRef idx="0">
+            <a:schemeClr val="accent1"/>
+          </a:effectRef>
+          <a:fontRef idx="minor">
+            <a:schemeClr val="lt1"/>
+          </a:fontRef>
+        </p:style>
+        <p:txBody>
+          <a:bodyPr rtlCol="0" anchor="ctr"/>
+          <a:lstStyle/>
+          <a:p>
+            <a:pPr algn="ctr"/>
+            <a:r>
+              <a:rPr lang="en-US" altLang="ja-JP" dirty="0">
+                <a:ln w="0"/>
+                <a:solidFill>
+                  <a:schemeClr val="tx1"/>
+                </a:solidFill>
+                <a:effectLst>
+                  <a:outerShdw blurRad="38100" dist="19050" dir="2700000" algn="tl" rotWithShape="0">
+                    <a:schemeClr val="dk1">
+                      <a:alpha val="40000"/>
+                    </a:schemeClr>
+                  </a:outerShdw>
+                </a:effectLst>
+              </a:rPr>
+              <a:t>5</a:t>
+            </a:r>
+            <a:endParaRPr kumimoji="1" lang="ja-JP" altLang="en-US" dirty="0"/>
+          </a:p>
+        </p:txBody>
+      </p:sp>
+      <p:sp>
+        <p:nvSpPr>
+          <p:cNvPr id="14" name="楕円 13"/>
+          <p:cNvSpPr/>
+          <p:nvPr/>
+        </p:nvSpPr>
+        <p:spPr>
+          <a:xfrm>
+            <a:off x="9194632" y="3730908"/>
+            <a:ext cx="324196" cy="299258"/>
+          </a:xfrm>
+          <a:prstGeom prst="ellipse">
+            <a:avLst/>
+          </a:prstGeom>
+          <a:solidFill>
+            <a:schemeClr val="bg1"/>
+          </a:solidFill>
+          <a:ln>
+            <a:solidFill>
+              <a:schemeClr val="tx1"/>
+            </a:solidFill>
+          </a:ln>
+        </p:spPr>
+        <p:style>
+          <a:lnRef idx="2">
+            <a:schemeClr val="accent1">
+              <a:shade val="50000"/>
+            </a:schemeClr>
+          </a:lnRef>
+          <a:fillRef idx="1">
+            <a:schemeClr val="accent1"/>
+          </a:fillRef>
+          <a:effectRef idx="0">
+            <a:schemeClr val="accent1"/>
+          </a:effectRef>
+          <a:fontRef idx="minor">
+            <a:schemeClr val="lt1"/>
+          </a:fontRef>
+        </p:style>
+        <p:txBody>
+          <a:bodyPr rtlCol="0" anchor="ctr"/>
+          <a:lstStyle/>
+          <a:p>
+            <a:pPr algn="ctr"/>
+            <a:r>
+              <a:rPr lang="en-US" altLang="ja-JP" dirty="0">
+                <a:ln w="0"/>
+                <a:solidFill>
+                  <a:schemeClr val="tx1"/>
+                </a:solidFill>
+                <a:effectLst>
+                  <a:outerShdw blurRad="38100" dist="19050" dir="2700000" algn="tl" rotWithShape="0">
+                    <a:schemeClr val="dk1">
+                      <a:alpha val="40000"/>
+                    </a:schemeClr>
+                  </a:outerShdw>
+                </a:effectLst>
+              </a:rPr>
+              <a:t>6</a:t>
+            </a:r>
+            <a:endParaRPr kumimoji="1" lang="ja-JP" altLang="en-US" dirty="0"/>
+          </a:p>
+        </p:txBody>
+      </p:sp>
+      <p:sp>
+        <p:nvSpPr>
+          <p:cNvPr id="12" name="楕円 11"/>
+          <p:cNvSpPr/>
+          <p:nvPr/>
+        </p:nvSpPr>
+        <p:spPr>
+          <a:xfrm>
+            <a:off x="9194632" y="4344484"/>
+            <a:ext cx="324196" cy="299258"/>
+          </a:xfrm>
+          <a:prstGeom prst="ellipse">
+            <a:avLst/>
+          </a:prstGeom>
+          <a:solidFill>
+            <a:schemeClr val="bg1"/>
+          </a:solidFill>
+          <a:ln>
+            <a:solidFill>
+              <a:schemeClr val="tx1"/>
+            </a:solidFill>
+          </a:ln>
+        </p:spPr>
+        <p:style>
+          <a:lnRef idx="2">
+            <a:schemeClr val="accent1">
+              <a:shade val="50000"/>
+            </a:schemeClr>
+          </a:lnRef>
+          <a:fillRef idx="1">
+            <a:schemeClr val="accent1"/>
+          </a:fillRef>
+          <a:effectRef idx="0">
+            <a:schemeClr val="accent1"/>
+          </a:effectRef>
+          <a:fontRef idx="minor">
+            <a:schemeClr val="lt1"/>
+          </a:fontRef>
+        </p:style>
+        <p:txBody>
+          <a:bodyPr rtlCol="0" anchor="ctr"/>
+          <a:lstStyle/>
+          <a:p>
+            <a:pPr algn="ctr"/>
+            <a:r>
+              <a:rPr lang="en-US" altLang="ja-JP" dirty="0">
+                <a:ln w="0"/>
+                <a:solidFill>
+                  <a:schemeClr val="tx1"/>
+                </a:solidFill>
+                <a:effectLst>
+                  <a:outerShdw blurRad="38100" dist="19050" dir="2700000" algn="tl" rotWithShape="0">
+                    <a:schemeClr val="dk1">
+                      <a:alpha val="40000"/>
+                    </a:schemeClr>
+                  </a:outerShdw>
+                </a:effectLst>
+              </a:rPr>
+              <a:t>7</a:t>
+            </a:r>
+            <a:endParaRPr kumimoji="1" lang="ja-JP" altLang="en-US" dirty="0"/>
+          </a:p>
+        </p:txBody>
+      </p:sp>
     </p:spTree>
     <p:extLst>
       <p:ext uri="{BB962C8B-B14F-4D97-AF65-F5344CB8AC3E}">
-        <p14:creationId xmlns:p14="http://schemas.microsoft.com/office/powerpoint/2010/main" val="3478298523"/>
+        <p14:creationId xmlns:p14="http://schemas.microsoft.com/office/powerpoint/2010/main" val="3518322755"/>
       </p:ext>
     </p:extLst>
   </p:cSld>
@@ -5270,8 +7046,16 @@
           <a:lstStyle/>
           <a:p>
             <a:r>
+              <a:rPr lang="ja-JP" altLang="en-US" sz="4000" b="1" dirty="0"/>
+              <a:t>ステージ</a:t>
+            </a:r>
+            <a:r>
+              <a:rPr lang="ja-JP" altLang="en-US" sz="4000" b="1" dirty="0" smtClean="0"/>
+              <a:t>選択画面</a:t>
+            </a:r>
+            <a:r>
               <a:rPr kumimoji="1" lang="ja-JP" altLang="en-US" sz="4000" b="1" dirty="0" smtClean="0"/>
-              <a:t>ポーズ画面仕様</a:t>
+              <a:t>仕様</a:t>
             </a:r>
             <a:endParaRPr kumimoji="1" lang="ja-JP" altLang="en-US" sz="4000" b="1" dirty="0"/>
           </a:p>
@@ -5290,7 +7074,7 @@
         <p:spPr>
           <a:xfrm>
             <a:off x="839788" y="2057400"/>
-            <a:ext cx="5768830" cy="3811588"/>
+            <a:ext cx="5990382" cy="3811588"/>
           </a:xfrm>
         </p:spPr>
         <p:txBody>
@@ -5298,14 +7082,29 @@
             <a:normAutofit/>
           </a:bodyPr>
           <a:lstStyle/>
+          <a:p>
+            <a:r>
+              <a:rPr lang="en-US" altLang="ja-JP" sz="2000" dirty="0"/>
+              <a:t>※</a:t>
+            </a:r>
+            <a:r>
+              <a:rPr lang="ja-JP" altLang="en-US" sz="2000" dirty="0" smtClean="0"/>
+              <a:t>赤線内</a:t>
+            </a:r>
+            <a:endParaRPr kumimoji="1" lang="en-US" altLang="ja-JP" sz="2000" dirty="0" smtClean="0"/>
+          </a:p>
           <a:p>
             <a:pPr marL="457200" indent="-457200">
               <a:buFont typeface="+mj-ea"/>
               <a:buAutoNum type="circleNumDbPlain"/>
             </a:pPr>
             <a:r>
+              <a:rPr kumimoji="1" lang="en-US" altLang="ja-JP" sz="2000" dirty="0" smtClean="0"/>
+              <a:t>Stage Select</a:t>
+            </a:r>
+            <a:r>
               <a:rPr kumimoji="1" lang="ja-JP" altLang="en-US" sz="2000" dirty="0" smtClean="0"/>
-              <a:t>ポーズの</a:t>
+              <a:t>の</a:t>
             </a:r>
             <a:r>
               <a:rPr kumimoji="1" lang="en-US" altLang="ja-JP" sz="2000" dirty="0" smtClean="0"/>
@@ -5323,22 +7122,10 @@
               <a:buAutoNum type="circleNumDbPlain"/>
             </a:pPr>
             <a:r>
-              <a:rPr lang="en-US" altLang="ja-JP" sz="2000" dirty="0"/>
-              <a:t>BGM</a:t>
-            </a:r>
-            <a:r>
-              <a:rPr lang="ja-JP" altLang="en-US" sz="2000" dirty="0"/>
-              <a:t>の</a:t>
-            </a:r>
-            <a:r>
-              <a:rPr lang="en-US" altLang="ja-JP" sz="2000" dirty="0"/>
-              <a:t>text</a:t>
-            </a:r>
-            <a:r>
-              <a:rPr lang="ja-JP" altLang="en-US" sz="2000" dirty="0"/>
-              <a:t>と変更用のスライダー</a:t>
-            </a:r>
-            <a:endParaRPr lang="en-US" altLang="ja-JP" sz="2000" dirty="0"/>
+              <a:rPr kumimoji="1" lang="ja-JP" altLang="en-US" sz="2000" dirty="0" smtClean="0"/>
+              <a:t>各アクションシーンへ遷移するボタン　　　（きらめきの量に応じてステージ開放）</a:t>
+            </a:r>
+            <a:endParaRPr kumimoji="1" lang="en-US" altLang="ja-JP" sz="2000" dirty="0" smtClean="0"/>
           </a:p>
           <a:p>
             <a:pPr marL="457200" indent="-457200">
@@ -5346,66 +7133,14 @@
               <a:buAutoNum type="circleNumDbPlain"/>
             </a:pPr>
             <a:r>
-              <a:rPr lang="en-US" altLang="ja-JP" sz="2000" dirty="0"/>
-              <a:t>SE</a:t>
-            </a:r>
-            <a:r>
               <a:rPr lang="ja-JP" altLang="en-US" sz="2000" dirty="0"/>
-              <a:t>の</a:t>
-            </a:r>
-            <a:r>
-              <a:rPr lang="en-US" altLang="ja-JP" sz="2000" dirty="0"/>
-              <a:t>text</a:t>
-            </a:r>
-            <a:r>
-              <a:rPr lang="ja-JP" altLang="en-US" sz="2000" dirty="0"/>
-              <a:t>と変更用のスライダー</a:t>
-            </a:r>
-            <a:endParaRPr lang="en-US" altLang="ja-JP" sz="2000" dirty="0"/>
-          </a:p>
-          <a:p>
-            <a:pPr marL="457200" indent="-457200">
-              <a:buFont typeface="+mj-ea"/>
-              <a:buAutoNum type="circleNumDbPlain"/>
-            </a:pPr>
+              <a:t>ステージ選択画面</a:t>
+            </a:r>
             <a:r>
               <a:rPr lang="ja-JP" altLang="en-US" sz="2000" dirty="0" smtClean="0"/>
-              <a:t>再開する</a:t>
-            </a:r>
-            <a:r>
-              <a:rPr lang="ja-JP" altLang="en-US" sz="2000" dirty="0"/>
-              <a:t>ボタン</a:t>
-            </a:r>
-            <a:endParaRPr lang="en-US" altLang="ja-JP" sz="2000" dirty="0"/>
-          </a:p>
-          <a:p>
-            <a:pPr marL="457200" indent="-457200">
-              <a:buFont typeface="+mj-ea"/>
-              <a:buAutoNum type="circleNumDbPlain"/>
-            </a:pPr>
-            <a:r>
-              <a:rPr lang="ja-JP" altLang="en-US" sz="2000" dirty="0" smtClean="0"/>
-              <a:t>シーンをリセットしてやり直すボタン</a:t>
-            </a:r>
-            <a:endParaRPr lang="en-US" altLang="ja-JP" sz="2000" dirty="0" smtClean="0"/>
-          </a:p>
-          <a:p>
-            <a:pPr marL="457200" indent="-457200">
-              <a:buFont typeface="+mj-ea"/>
-              <a:buAutoNum type="circleNumDbPlain"/>
-            </a:pPr>
-            <a:r>
-              <a:rPr lang="ja-JP" altLang="en-US" sz="2000" dirty="0" smtClean="0"/>
-              <a:t>ホーム画面へ遷移するボタン</a:t>
-            </a:r>
-            <a:endParaRPr lang="ja-JP" altLang="en-US" sz="2000" dirty="0"/>
-          </a:p>
-          <a:p>
-            <a:pPr marL="457200" indent="-457200">
-              <a:buFont typeface="+mj-ea"/>
-              <a:buAutoNum type="circleNumDbPlain"/>
-            </a:pPr>
-            <a:endParaRPr kumimoji="1" lang="ja-JP" altLang="en-US" sz="2000" dirty="0"/>
+              <a:t>を閉じるボタン</a:t>
+            </a:r>
+            <a:endParaRPr kumimoji="1" lang="en-US" altLang="ja-JP" sz="2000" dirty="0" smtClean="0"/>
           </a:p>
         </p:txBody>
       </p:sp>
@@ -5452,7 +7187,7 @@
         </p:nvSpPr>
         <p:spPr>
           <a:xfrm>
-            <a:off x="6990569" y="1563877"/>
+            <a:off x="7047131" y="1412803"/>
             <a:ext cx="324196" cy="299258"/>
           </a:xfrm>
           <a:prstGeom prst="ellipse">
@@ -5516,7 +7251,7 @@
         </p:nvSpPr>
         <p:spPr>
           <a:xfrm>
-            <a:off x="7033517" y="2238657"/>
+            <a:off x="7047131" y="2077519"/>
             <a:ext cx="324196" cy="299258"/>
           </a:xfrm>
           <a:prstGeom prst="ellipse">
@@ -5574,13 +7309,13 @@
       </p:sp>
       <p:sp>
         <p:nvSpPr>
-          <p:cNvPr id="7" name="楕円 6"/>
+          <p:cNvPr id="12" name="楕円 11"/>
           <p:cNvSpPr/>
           <p:nvPr/>
         </p:nvSpPr>
         <p:spPr>
           <a:xfrm>
-            <a:off x="7033517" y="2685255"/>
+            <a:off x="9028331" y="4249550"/>
             <a:ext cx="324196" cy="299258"/>
           </a:xfrm>
           <a:prstGeom prst="ellipse">
@@ -5636,202 +7371,10 @@
           </a:p>
         </p:txBody>
       </p:sp>
-      <p:sp>
-        <p:nvSpPr>
-          <p:cNvPr id="8" name="楕円 7"/>
-          <p:cNvSpPr/>
-          <p:nvPr/>
-        </p:nvSpPr>
-        <p:spPr>
-          <a:xfrm>
-            <a:off x="7176219" y="3330759"/>
-            <a:ext cx="324196" cy="299258"/>
-          </a:xfrm>
-          <a:prstGeom prst="ellipse">
-            <a:avLst/>
-          </a:prstGeom>
-          <a:solidFill>
-            <a:schemeClr val="bg1"/>
-          </a:solidFill>
-          <a:ln>
-            <a:solidFill>
-              <a:schemeClr val="tx1"/>
-            </a:solidFill>
-          </a:ln>
-        </p:spPr>
-        <p:style>
-          <a:lnRef idx="2">
-            <a:schemeClr val="accent1">
-              <a:shade val="50000"/>
-            </a:schemeClr>
-          </a:lnRef>
-          <a:fillRef idx="1">
-            <a:schemeClr val="accent1"/>
-          </a:fillRef>
-          <a:effectRef idx="0">
-            <a:schemeClr val="accent1"/>
-          </a:effectRef>
-          <a:fontRef idx="minor">
-            <a:schemeClr val="lt1"/>
-          </a:fontRef>
-        </p:style>
-        <p:txBody>
-          <a:bodyPr rtlCol="0" anchor="ctr"/>
-          <a:lstStyle/>
-          <a:p>
-            <a:pPr algn="ctr"/>
-            <a:r>
-              <a:rPr lang="en-US" altLang="ja-JP" dirty="0" smtClean="0">
-                <a:ln w="0"/>
-                <a:solidFill>
-                  <a:schemeClr val="tx1"/>
-                </a:solidFill>
-                <a:effectLst>
-                  <a:outerShdw blurRad="38100" dist="19050" dir="2700000" algn="tl" rotWithShape="0">
-                    <a:schemeClr val="dk1">
-                      <a:alpha val="40000"/>
-                    </a:schemeClr>
-                  </a:outerShdw>
-                </a:effectLst>
-              </a:rPr>
-              <a:t>4</a:t>
-            </a:r>
-            <a:endParaRPr kumimoji="1" lang="ja-JP" altLang="en-US" dirty="0"/>
-          </a:p>
-        </p:txBody>
-      </p:sp>
-      <p:sp>
-        <p:nvSpPr>
-          <p:cNvPr id="11" name="楕円 10"/>
-          <p:cNvSpPr/>
-          <p:nvPr/>
-        </p:nvSpPr>
-        <p:spPr>
-          <a:xfrm>
-            <a:off x="8253275" y="3330759"/>
-            <a:ext cx="324196" cy="299258"/>
-          </a:xfrm>
-          <a:prstGeom prst="ellipse">
-            <a:avLst/>
-          </a:prstGeom>
-          <a:solidFill>
-            <a:schemeClr val="bg1"/>
-          </a:solidFill>
-          <a:ln>
-            <a:solidFill>
-              <a:schemeClr val="tx1"/>
-            </a:solidFill>
-          </a:ln>
-        </p:spPr>
-        <p:style>
-          <a:lnRef idx="2">
-            <a:schemeClr val="accent1">
-              <a:shade val="50000"/>
-            </a:schemeClr>
-          </a:lnRef>
-          <a:fillRef idx="1">
-            <a:schemeClr val="accent1"/>
-          </a:fillRef>
-          <a:effectRef idx="0">
-            <a:schemeClr val="accent1"/>
-          </a:effectRef>
-          <a:fontRef idx="minor">
-            <a:schemeClr val="lt1"/>
-          </a:fontRef>
-        </p:style>
-        <p:txBody>
-          <a:bodyPr rtlCol="0" anchor="ctr"/>
-          <a:lstStyle/>
-          <a:p>
-            <a:pPr algn="ctr"/>
-            <a:r>
-              <a:rPr lang="en-US" altLang="ja-JP" dirty="0" smtClean="0">
-                <a:ln w="0"/>
-                <a:solidFill>
-                  <a:schemeClr val="tx1"/>
-                </a:solidFill>
-                <a:effectLst>
-                  <a:outerShdw blurRad="38100" dist="19050" dir="2700000" algn="tl" rotWithShape="0">
-                    <a:schemeClr val="dk1">
-                      <a:alpha val="40000"/>
-                    </a:schemeClr>
-                  </a:outerShdw>
-                </a:effectLst>
-              </a:rPr>
-              <a:t>5</a:t>
-            </a:r>
-            <a:endParaRPr kumimoji="1" lang="ja-JP" altLang="en-US" dirty="0"/>
-          </a:p>
-        </p:txBody>
-      </p:sp>
-      <p:sp>
-        <p:nvSpPr>
-          <p:cNvPr id="12" name="楕円 11"/>
-          <p:cNvSpPr/>
-          <p:nvPr/>
-        </p:nvSpPr>
-        <p:spPr>
-          <a:xfrm>
-            <a:off x="9224101" y="3330759"/>
-            <a:ext cx="324196" cy="299258"/>
-          </a:xfrm>
-          <a:prstGeom prst="ellipse">
-            <a:avLst/>
-          </a:prstGeom>
-          <a:solidFill>
-            <a:schemeClr val="bg1"/>
-          </a:solidFill>
-          <a:ln>
-            <a:solidFill>
-              <a:schemeClr val="tx1"/>
-            </a:solidFill>
-          </a:ln>
-        </p:spPr>
-        <p:style>
-          <a:lnRef idx="2">
-            <a:schemeClr val="accent1">
-              <a:shade val="50000"/>
-            </a:schemeClr>
-          </a:lnRef>
-          <a:fillRef idx="1">
-            <a:schemeClr val="accent1"/>
-          </a:fillRef>
-          <a:effectRef idx="0">
-            <a:schemeClr val="accent1"/>
-          </a:effectRef>
-          <a:fontRef idx="minor">
-            <a:schemeClr val="lt1"/>
-          </a:fontRef>
-        </p:style>
-        <p:txBody>
-          <a:bodyPr rtlCol="0" anchor="ctr"/>
-          <a:lstStyle/>
-          <a:p>
-            <a:pPr algn="ctr"/>
-            <a:r>
-              <a:rPr lang="en-US" altLang="ja-JP" dirty="0" smtClean="0">
-                <a:ln w="0"/>
-                <a:solidFill>
-                  <a:schemeClr val="tx1"/>
-                </a:solidFill>
-                <a:effectLst>
-                  <a:outerShdw blurRad="38100" dist="19050" dir="2700000" algn="tl" rotWithShape="0">
-                    <a:schemeClr val="dk1">
-                      <a:alpha val="40000"/>
-                    </a:schemeClr>
-                  </a:outerShdw>
-                </a:effectLst>
-              </a:rPr>
-              <a:t>6</a:t>
-            </a:r>
-            <a:endParaRPr kumimoji="1" lang="ja-JP" altLang="en-US" dirty="0"/>
-          </a:p>
-        </p:txBody>
-      </p:sp>
     </p:spTree>
     <p:extLst>
       <p:ext uri="{BB962C8B-B14F-4D97-AF65-F5344CB8AC3E}">
-        <p14:creationId xmlns:p14="http://schemas.microsoft.com/office/powerpoint/2010/main" val="3675169282"/>
+        <p14:creationId xmlns:p14="http://schemas.microsoft.com/office/powerpoint/2010/main" val="4061209449"/>
       </p:ext>
     </p:extLst>
   </p:cSld>
@@ -5881,12 +7424,8 @@
           <a:lstStyle/>
           <a:p>
             <a:r>
-              <a:rPr lang="ja-JP" altLang="en-US" sz="4000" b="1" dirty="0" smtClean="0"/>
-              <a:t>育成</a:t>
-            </a:r>
-            <a:r>
               <a:rPr kumimoji="1" lang="ja-JP" altLang="en-US" sz="4000" b="1" dirty="0" smtClean="0"/>
-              <a:t>シーン仕様</a:t>
+              <a:t>アクションシーン仕様</a:t>
             </a:r>
             <a:endParaRPr kumimoji="1" lang="ja-JP" altLang="en-US" sz="4000" b="1" dirty="0"/>
           </a:p>
@@ -5920,7 +7459,15 @@
             </a:pPr>
             <a:r>
               <a:rPr kumimoji="1" lang="ja-JP" altLang="en-US" sz="2000" dirty="0" smtClean="0"/>
-              <a:t>育成キャラクター名、テキストで表示</a:t>
+              <a:t>タイムの表示の</a:t>
+            </a:r>
+            <a:r>
+              <a:rPr kumimoji="1" lang="en-US" altLang="ja-JP" sz="2000" dirty="0" smtClean="0"/>
+              <a:t>text</a:t>
+            </a:r>
+            <a:r>
+              <a:rPr kumimoji="1" lang="ja-JP" altLang="en-US" sz="2000" dirty="0" smtClean="0"/>
+              <a:t>を表示</a:t>
             </a:r>
             <a:endParaRPr kumimoji="1" lang="en-US" altLang="ja-JP" sz="2000" dirty="0" smtClean="0"/>
           </a:p>
@@ -5931,88 +7478,31 @@
             </a:pPr>
             <a:r>
               <a:rPr kumimoji="1" lang="ja-JP" altLang="en-US" sz="2000" dirty="0" smtClean="0"/>
-              <a:t>各ステータスのゲージ</a:t>
-            </a:r>
+              <a:t>ポーズ画面の表示</a:t>
+            </a:r>
+            <a:endParaRPr lang="en-US" altLang="ja-JP" sz="2000" dirty="0"/>
+          </a:p>
+          <a:p>
+            <a:r>
+              <a:rPr kumimoji="1" lang="en-US" altLang="ja-JP" sz="2000" dirty="0" smtClean="0"/>
+              <a:t>   </a:t>
+            </a:r>
+            <a:r>
+              <a:rPr kumimoji="1" lang="ja-JP" altLang="en-US" sz="2000" dirty="0" smtClean="0"/>
+              <a:t>（ボタン、項目は再開、リスタート、音量設定、</a:t>
+            </a:r>
+            <a:endParaRPr kumimoji="1" lang="en-US" altLang="ja-JP" sz="2000" dirty="0" smtClean="0"/>
+          </a:p>
+          <a:p>
             <a:r>
               <a:rPr lang="ja-JP" altLang="en-US" sz="2000" dirty="0" smtClean="0"/>
-              <a:t>、</a:t>
-            </a:r>
-            <a:r>
-              <a:rPr lang="en-US" altLang="ja-JP" sz="2000" dirty="0" smtClean="0"/>
-              <a:t>Slider</a:t>
-            </a:r>
-            <a:r>
-              <a:rPr lang="ja-JP" altLang="en-US" sz="2000" dirty="0" smtClean="0"/>
-              <a:t>で表示</a:t>
-            </a:r>
-            <a:endParaRPr kumimoji="1" lang="en-US" altLang="ja-JP" sz="2000" dirty="0" smtClean="0"/>
-          </a:p>
-          <a:p>
-            <a:pPr marL="457200" indent="-457200">
-              <a:buFont typeface="+mj-ea"/>
-              <a:buAutoNum type="circleNumDbPlain"/>
-            </a:pPr>
-            <a:r>
-              <a:rPr lang="ja-JP" altLang="en-US" sz="2000" dirty="0" smtClean="0"/>
-              <a:t>アイテム使用のボタン、ボタンを押すと数字</a:t>
-            </a:r>
-            <a:endParaRPr lang="en-US" altLang="ja-JP" sz="2000" dirty="0"/>
-          </a:p>
-          <a:p>
-            <a:r>
-              <a:rPr lang="ja-JP" altLang="en-US" sz="2000" dirty="0" smtClean="0"/>
-              <a:t>　</a:t>
-            </a:r>
-            <a:r>
-              <a:rPr lang="ja-JP" altLang="en-US" sz="2000" dirty="0"/>
-              <a:t>　</a:t>
-            </a:r>
-            <a:r>
-              <a:rPr lang="ja-JP" altLang="en-US" sz="2000" dirty="0" smtClean="0"/>
-              <a:t>が減りゲージが増加する</a:t>
-            </a:r>
-            <a:endParaRPr lang="en-US" altLang="ja-JP" sz="2000" dirty="0" smtClean="0"/>
-          </a:p>
-          <a:p>
-            <a:pPr marL="457200" indent="-457200">
-              <a:buFont typeface="+mj-ea"/>
-              <a:buAutoNum type="circleNumDbPlain" startAt="4"/>
-            </a:pPr>
+              <a:t>　　</a:t>
+            </a:r>
             <a:r>
               <a:rPr kumimoji="1" lang="ja-JP" altLang="en-US" sz="2000" dirty="0" smtClean="0"/>
-              <a:t>ホームシーン</a:t>
-            </a:r>
-            <a:r>
-              <a:rPr kumimoji="1" lang="ja-JP" altLang="en-US" sz="2000" dirty="0" smtClean="0"/>
-              <a:t>へ遷移するボタン</a:t>
-            </a:r>
-            <a:endParaRPr kumimoji="1" lang="en-US" altLang="ja-JP" sz="2000" dirty="0" smtClean="0"/>
-          </a:p>
-          <a:p>
-            <a:pPr marL="457200" indent="-457200">
-              <a:buFont typeface="+mj-ea"/>
-              <a:buAutoNum type="circleNumDbPlain" startAt="4"/>
-            </a:pPr>
-            <a:r>
-              <a:rPr kumimoji="1" lang="en-US" altLang="ja-JP" sz="2000" dirty="0" smtClean="0"/>
-              <a:t>SNS</a:t>
-            </a:r>
-            <a:r>
-              <a:rPr kumimoji="1" lang="ja-JP" altLang="en-US" sz="2000" dirty="0" smtClean="0"/>
-              <a:t>投稿画面の表示</a:t>
-            </a:r>
-            <a:r>
-              <a:rPr kumimoji="1" lang="en-US" altLang="ja-JP" sz="2000" dirty="0" smtClean="0"/>
-              <a:t/>
-            </a:r>
-            <a:br>
-              <a:rPr kumimoji="1" lang="en-US" altLang="ja-JP" sz="2000" dirty="0" smtClean="0"/>
-            </a:br>
-            <a:r>
-              <a:rPr kumimoji="1" lang="ja-JP" altLang="en-US" sz="2000" dirty="0" smtClean="0"/>
-              <a:t>（ボタン、シーン内に表示）</a:t>
-            </a:r>
-            <a:endParaRPr kumimoji="1" lang="en-US" altLang="ja-JP" sz="2000" dirty="0" smtClean="0"/>
+              <a:t>ホームへ戻る）</a:t>
+            </a:r>
+            <a:endParaRPr kumimoji="1" lang="ja-JP" altLang="en-US" sz="2000" dirty="0"/>
           </a:p>
         </p:txBody>
       </p:sp>
@@ -6059,7 +7549,7 @@
         </p:nvSpPr>
         <p:spPr>
           <a:xfrm>
-            <a:off x="7126998" y="207818"/>
+            <a:off x="7672648" y="307571"/>
             <a:ext cx="324196" cy="299258"/>
           </a:xfrm>
           <a:prstGeom prst="ellipse">
@@ -6123,7 +7613,7 @@
         </p:nvSpPr>
         <p:spPr>
           <a:xfrm>
-            <a:off x="6964900" y="606829"/>
+            <a:off x="6990569" y="5951916"/>
             <a:ext cx="324196" cy="299258"/>
           </a:xfrm>
           <a:prstGeom prst="ellipse">
@@ -6179,202 +7669,10 @@
           </a:p>
         </p:txBody>
       </p:sp>
-      <p:sp>
-        <p:nvSpPr>
-          <p:cNvPr id="7" name="楕円 6"/>
-          <p:cNvSpPr/>
-          <p:nvPr/>
-        </p:nvSpPr>
-        <p:spPr>
-          <a:xfrm>
-            <a:off x="8042473" y="5007033"/>
-            <a:ext cx="324196" cy="299258"/>
-          </a:xfrm>
-          <a:prstGeom prst="ellipse">
-            <a:avLst/>
-          </a:prstGeom>
-          <a:solidFill>
-            <a:schemeClr val="bg1"/>
-          </a:solidFill>
-          <a:ln>
-            <a:solidFill>
-              <a:schemeClr val="tx1"/>
-            </a:solidFill>
-          </a:ln>
-        </p:spPr>
-        <p:style>
-          <a:lnRef idx="2">
-            <a:schemeClr val="accent1">
-              <a:shade val="50000"/>
-            </a:schemeClr>
-          </a:lnRef>
-          <a:fillRef idx="1">
-            <a:schemeClr val="accent1"/>
-          </a:fillRef>
-          <a:effectRef idx="0">
-            <a:schemeClr val="accent1"/>
-          </a:effectRef>
-          <a:fontRef idx="minor">
-            <a:schemeClr val="lt1"/>
-          </a:fontRef>
-        </p:style>
-        <p:txBody>
-          <a:bodyPr rtlCol="0" anchor="ctr"/>
-          <a:lstStyle/>
-          <a:p>
-            <a:pPr algn="ctr"/>
-            <a:r>
-              <a:rPr lang="en-US" altLang="ja-JP" dirty="0">
-                <a:ln w="0"/>
-                <a:solidFill>
-                  <a:schemeClr val="tx1"/>
-                </a:solidFill>
-                <a:effectLst>
-                  <a:outerShdw blurRad="38100" dist="19050" dir="2700000" algn="tl" rotWithShape="0">
-                    <a:schemeClr val="dk1">
-                      <a:alpha val="40000"/>
-                    </a:schemeClr>
-                  </a:outerShdw>
-                </a:effectLst>
-              </a:rPr>
-              <a:t>3</a:t>
-            </a:r>
-            <a:endParaRPr kumimoji="1" lang="ja-JP" altLang="en-US" dirty="0"/>
-          </a:p>
-        </p:txBody>
-      </p:sp>
-      <p:sp>
-        <p:nvSpPr>
-          <p:cNvPr id="8" name="楕円 7"/>
-          <p:cNvSpPr/>
-          <p:nvPr/>
-        </p:nvSpPr>
-        <p:spPr>
-          <a:xfrm>
-            <a:off x="7076558" y="6253942"/>
-            <a:ext cx="324196" cy="299258"/>
-          </a:xfrm>
-          <a:prstGeom prst="ellipse">
-            <a:avLst/>
-          </a:prstGeom>
-          <a:solidFill>
-            <a:schemeClr val="bg1"/>
-          </a:solidFill>
-          <a:ln>
-            <a:solidFill>
-              <a:schemeClr val="tx1"/>
-            </a:solidFill>
-          </a:ln>
-        </p:spPr>
-        <p:style>
-          <a:lnRef idx="2">
-            <a:schemeClr val="accent1">
-              <a:shade val="50000"/>
-            </a:schemeClr>
-          </a:lnRef>
-          <a:fillRef idx="1">
-            <a:schemeClr val="accent1"/>
-          </a:fillRef>
-          <a:effectRef idx="0">
-            <a:schemeClr val="accent1"/>
-          </a:effectRef>
-          <a:fontRef idx="minor">
-            <a:schemeClr val="lt1"/>
-          </a:fontRef>
-        </p:style>
-        <p:txBody>
-          <a:bodyPr rtlCol="0" anchor="ctr"/>
-          <a:lstStyle/>
-          <a:p>
-            <a:pPr algn="ctr"/>
-            <a:r>
-              <a:rPr lang="en-US" altLang="ja-JP" dirty="0">
-                <a:ln w="0"/>
-                <a:solidFill>
-                  <a:schemeClr val="tx1"/>
-                </a:solidFill>
-                <a:effectLst>
-                  <a:outerShdw blurRad="38100" dist="19050" dir="2700000" algn="tl" rotWithShape="0">
-                    <a:schemeClr val="dk1">
-                      <a:alpha val="40000"/>
-                    </a:schemeClr>
-                  </a:outerShdw>
-                </a:effectLst>
-              </a:rPr>
-              <a:t>4</a:t>
-            </a:r>
-            <a:endParaRPr kumimoji="1" lang="ja-JP" altLang="en-US" dirty="0"/>
-          </a:p>
-        </p:txBody>
-      </p:sp>
-      <p:sp>
-        <p:nvSpPr>
-          <p:cNvPr id="11" name="楕円 10"/>
-          <p:cNvSpPr/>
-          <p:nvPr/>
-        </p:nvSpPr>
-        <p:spPr>
-          <a:xfrm>
-            <a:off x="9073688" y="6267796"/>
-            <a:ext cx="324196" cy="299258"/>
-          </a:xfrm>
-          <a:prstGeom prst="ellipse">
-            <a:avLst/>
-          </a:prstGeom>
-          <a:solidFill>
-            <a:schemeClr val="bg1"/>
-          </a:solidFill>
-          <a:ln>
-            <a:solidFill>
-              <a:schemeClr val="tx1"/>
-            </a:solidFill>
-          </a:ln>
-        </p:spPr>
-        <p:style>
-          <a:lnRef idx="2">
-            <a:schemeClr val="accent1">
-              <a:shade val="50000"/>
-            </a:schemeClr>
-          </a:lnRef>
-          <a:fillRef idx="1">
-            <a:schemeClr val="accent1"/>
-          </a:fillRef>
-          <a:effectRef idx="0">
-            <a:schemeClr val="accent1"/>
-          </a:effectRef>
-          <a:fontRef idx="minor">
-            <a:schemeClr val="lt1"/>
-          </a:fontRef>
-        </p:style>
-        <p:txBody>
-          <a:bodyPr rtlCol="0" anchor="ctr"/>
-          <a:lstStyle/>
-          <a:p>
-            <a:pPr algn="ctr"/>
-            <a:r>
-              <a:rPr lang="en-US" altLang="ja-JP" dirty="0">
-                <a:ln w="0"/>
-                <a:solidFill>
-                  <a:schemeClr val="tx1"/>
-                </a:solidFill>
-                <a:effectLst>
-                  <a:outerShdw blurRad="38100" dist="19050" dir="2700000" algn="tl" rotWithShape="0">
-                    <a:schemeClr val="dk1">
-                      <a:alpha val="40000"/>
-                    </a:schemeClr>
-                  </a:outerShdw>
-                </a:effectLst>
-              </a:rPr>
-              <a:t>5</a:t>
-            </a:r>
-            <a:endParaRPr kumimoji="1" lang="ja-JP" altLang="en-US" dirty="0"/>
-          </a:p>
-        </p:txBody>
-      </p:sp>
     </p:spTree>
     <p:extLst>
       <p:ext uri="{BB962C8B-B14F-4D97-AF65-F5344CB8AC3E}">
-        <p14:creationId xmlns:p14="http://schemas.microsoft.com/office/powerpoint/2010/main" val="3428412679"/>
+        <p14:creationId xmlns:p14="http://schemas.microsoft.com/office/powerpoint/2010/main" val="3478298523"/>
       </p:ext>
     </p:extLst>
   </p:cSld>
@@ -6424,12 +7722,8 @@
           <a:lstStyle/>
           <a:p>
             <a:r>
-              <a:rPr lang="ja-JP" altLang="en-US" sz="4000" b="1" dirty="0" smtClean="0"/>
-              <a:t>アルバム</a:t>
-            </a:r>
-            <a:r>
               <a:rPr kumimoji="1" lang="ja-JP" altLang="en-US" sz="4000" b="1" dirty="0" smtClean="0"/>
-              <a:t>シーン仕様</a:t>
+              <a:t>ポーズ画面仕様</a:t>
             </a:r>
             <a:endParaRPr kumimoji="1" lang="ja-JP" altLang="en-US" sz="4000" b="1" dirty="0"/>
           </a:p>
@@ -6456,6 +7750,17 @@
             <a:normAutofit/>
           </a:bodyPr>
           <a:lstStyle/>
+          <a:p>
+            <a:r>
+              <a:rPr lang="en-US" altLang="ja-JP" sz="2000" dirty="0"/>
+              <a:t>※</a:t>
+            </a:r>
+            <a:r>
+              <a:rPr lang="ja-JP" altLang="en-US" sz="2000" dirty="0" smtClean="0"/>
+              <a:t>赤線内</a:t>
+            </a:r>
+            <a:endParaRPr kumimoji="1" lang="en-US" altLang="ja-JP" sz="2000" dirty="0" smtClean="0"/>
+          </a:p>
           <a:p>
             <a:pPr marL="457200" indent="-457200">
               <a:buFont typeface="+mj-ea"/>
@@ -6463,19 +7768,19 @@
             </a:pPr>
             <a:r>
               <a:rPr kumimoji="1" lang="ja-JP" altLang="en-US" sz="2000" dirty="0" smtClean="0"/>
-              <a:t>「アルバム」の</a:t>
-            </a:r>
-            <a:r>
-              <a:rPr lang="ja-JP" altLang="en-US" sz="2000" dirty="0" smtClean="0"/>
-              <a:t>テキスト</a:t>
-            </a:r>
-            <a:r>
-              <a:rPr lang="ja-JP" altLang="en-US" sz="2000" dirty="0"/>
-              <a:t>で</a:t>
+              <a:t>ポーズ</a:t>
             </a:r>
             <a:r>
               <a:rPr kumimoji="1" lang="ja-JP" altLang="en-US" sz="2000" dirty="0" smtClean="0"/>
-              <a:t>表示</a:t>
+              <a:t>の</a:t>
+            </a:r>
+            <a:r>
+              <a:rPr kumimoji="1" lang="en-US" altLang="ja-JP" sz="2000" dirty="0" smtClean="0"/>
+              <a:t>text</a:t>
+            </a:r>
+            <a:r>
+              <a:rPr kumimoji="1" lang="ja-JP" altLang="en-US" sz="2000" dirty="0" smtClean="0"/>
+              <a:t>を表示</a:t>
             </a:r>
             <a:endParaRPr kumimoji="1" lang="en-US" altLang="ja-JP" sz="2000" dirty="0" smtClean="0"/>
           </a:p>
@@ -6485,39 +7790,96 @@
               <a:buAutoNum type="circleNumDbPlain"/>
             </a:pPr>
             <a:r>
-              <a:rPr lang="ja-JP" altLang="en-US" sz="2000" dirty="0" smtClean="0"/>
-              <a:t>育成が終了したキャラクターの画像を表示</a:t>
-            </a:r>
-            <a:endParaRPr lang="en-US" altLang="ja-JP" sz="2000" dirty="0" smtClean="0"/>
-          </a:p>
-          <a:p>
-            <a:r>
-              <a:rPr lang="ja-JP" altLang="en-US" sz="2000" dirty="0" smtClean="0"/>
-              <a:t>　（</a:t>
+              <a:rPr lang="en-US" altLang="ja-JP" sz="2000" dirty="0"/>
+              <a:t>BGM</a:t>
             </a:r>
             <a:r>
               <a:rPr lang="ja-JP" altLang="en-US" sz="2000" dirty="0"/>
-              <a:t>画像を</a:t>
-            </a:r>
-            <a:r>
-              <a:rPr lang="ja-JP" altLang="en-US" sz="2000" dirty="0" smtClean="0"/>
-              <a:t>タップすると詳細が見れるボタン形式で）</a:t>
-            </a:r>
-            <a:endParaRPr lang="en-US" altLang="ja-JP" sz="2000" dirty="0" smtClean="0"/>
+              <a:t>の</a:t>
+            </a:r>
+            <a:r>
+              <a:rPr lang="en-US" altLang="ja-JP" sz="2000" dirty="0"/>
+              <a:t>text</a:t>
+            </a:r>
+            <a:r>
+              <a:rPr lang="ja-JP" altLang="en-US" sz="2000" dirty="0"/>
+              <a:t>と変更用のスライダー</a:t>
+            </a:r>
+            <a:endParaRPr lang="en-US" altLang="ja-JP" sz="2000" dirty="0"/>
           </a:p>
           <a:p>
             <a:pPr marL="457200" indent="-457200">
               <a:buFont typeface="+mj-ea"/>
-              <a:buAutoNum type="circleNumDbPlain" startAt="3"/>
+              <a:buAutoNum type="circleNumDbPlain"/>
             </a:pPr>
             <a:r>
+              <a:rPr lang="en-US" altLang="ja-JP" sz="2000" dirty="0"/>
+              <a:t>SE</a:t>
+            </a:r>
+            <a:r>
               <a:rPr lang="ja-JP" altLang="en-US" sz="2000" dirty="0"/>
-              <a:t>ホームシーン</a:t>
-            </a:r>
+              <a:t>の</a:t>
+            </a:r>
+            <a:r>
+              <a:rPr lang="en-US" altLang="ja-JP" sz="2000" dirty="0"/>
+              <a:t>text</a:t>
+            </a:r>
+            <a:r>
+              <a:rPr lang="ja-JP" altLang="en-US" sz="2000" dirty="0"/>
+              <a:t>と変更用のスライダー</a:t>
+            </a:r>
+            <a:endParaRPr lang="en-US" altLang="ja-JP" sz="2000" dirty="0"/>
+          </a:p>
+          <a:p>
+            <a:pPr marL="457200" indent="-457200">
+              <a:buFont typeface="+mj-ea"/>
+              <a:buAutoNum type="circleNumDbPlain"/>
+            </a:pPr>
             <a:r>
               <a:rPr lang="ja-JP" altLang="en-US" sz="2000" dirty="0" smtClean="0"/>
-              <a:t>へ遷移するボタン</a:t>
-            </a:r>
+              <a:t>再開する</a:t>
+            </a:r>
+            <a:r>
+              <a:rPr lang="ja-JP" altLang="en-US" sz="2000" dirty="0"/>
+              <a:t>ボタン</a:t>
+            </a:r>
+            <a:endParaRPr lang="en-US" altLang="ja-JP" sz="2000" dirty="0"/>
+          </a:p>
+          <a:p>
+            <a:pPr marL="457200" indent="-457200">
+              <a:buFont typeface="+mj-ea"/>
+              <a:buAutoNum type="circleNumDbPlain"/>
+            </a:pPr>
+            <a:r>
+              <a:rPr lang="ja-JP" altLang="en-US" sz="2000" dirty="0" smtClean="0"/>
+              <a:t>アクションシーン</a:t>
+            </a:r>
+            <a:r>
+              <a:rPr lang="ja-JP" altLang="en-US" sz="2000" dirty="0" smtClean="0"/>
+              <a:t>をリセットしてやり直すボタン</a:t>
+            </a:r>
+            <a:endParaRPr lang="en-US" altLang="ja-JP" sz="2000" dirty="0" smtClean="0"/>
+          </a:p>
+          <a:p>
+            <a:pPr marL="457200" indent="-457200">
+              <a:buFont typeface="+mj-ea"/>
+              <a:buAutoNum type="circleNumDbPlain"/>
+            </a:pPr>
+            <a:r>
+              <a:rPr lang="ja-JP" altLang="en-US" sz="2000" dirty="0" smtClean="0"/>
+              <a:t>ホームシーンへ</a:t>
+            </a:r>
+            <a:r>
+              <a:rPr lang="ja-JP" altLang="en-US" sz="2000" dirty="0" smtClean="0"/>
+              <a:t>遷移するボタン</a:t>
+            </a:r>
+            <a:endParaRPr lang="ja-JP" altLang="en-US" sz="2000" dirty="0"/>
+          </a:p>
+          <a:p>
+            <a:pPr marL="457200" indent="-457200">
+              <a:buFont typeface="+mj-ea"/>
+              <a:buAutoNum type="circleNumDbPlain"/>
+            </a:pPr>
             <a:endParaRPr kumimoji="1" lang="ja-JP" altLang="en-US" sz="2000" dirty="0"/>
           </a:p>
         </p:txBody>
@@ -6544,8 +7906,8 @@
         </p:blipFill>
         <p:spPr>
           <a:xfrm>
-            <a:off x="6929608" y="174566"/>
-            <a:ext cx="3722023" cy="6616931"/>
+            <a:off x="6929608" y="174567"/>
+            <a:ext cx="3722022" cy="6616929"/>
           </a:xfrm>
           <a:prstGeom prst="rect">
             <a:avLst/>
@@ -6565,7 +7927,7 @@
         </p:nvSpPr>
         <p:spPr>
           <a:xfrm>
-            <a:off x="7248698" y="249382"/>
+            <a:off x="6990569" y="1563877"/>
             <a:ext cx="324196" cy="299258"/>
           </a:xfrm>
           <a:prstGeom prst="ellipse">
@@ -6629,7 +7991,7 @@
         </p:nvSpPr>
         <p:spPr>
           <a:xfrm>
-            <a:off x="7002087" y="709353"/>
+            <a:off x="7033517" y="2238657"/>
             <a:ext cx="324196" cy="299258"/>
           </a:xfrm>
           <a:prstGeom prst="ellipse">
@@ -6693,7 +8055,7 @@
         </p:nvSpPr>
         <p:spPr>
           <a:xfrm>
-            <a:off x="7002087" y="5987935"/>
+            <a:off x="7033517" y="2685255"/>
             <a:ext cx="324196" cy="299258"/>
           </a:xfrm>
           <a:prstGeom prst="ellipse">
@@ -6749,10 +8111,202 @@
           </a:p>
         </p:txBody>
       </p:sp>
+      <p:sp>
+        <p:nvSpPr>
+          <p:cNvPr id="8" name="楕円 7"/>
+          <p:cNvSpPr/>
+          <p:nvPr/>
+        </p:nvSpPr>
+        <p:spPr>
+          <a:xfrm>
+            <a:off x="7176219" y="3330759"/>
+            <a:ext cx="324196" cy="299258"/>
+          </a:xfrm>
+          <a:prstGeom prst="ellipse">
+            <a:avLst/>
+          </a:prstGeom>
+          <a:solidFill>
+            <a:schemeClr val="bg1"/>
+          </a:solidFill>
+          <a:ln>
+            <a:solidFill>
+              <a:schemeClr val="tx1"/>
+            </a:solidFill>
+          </a:ln>
+        </p:spPr>
+        <p:style>
+          <a:lnRef idx="2">
+            <a:schemeClr val="accent1">
+              <a:shade val="50000"/>
+            </a:schemeClr>
+          </a:lnRef>
+          <a:fillRef idx="1">
+            <a:schemeClr val="accent1"/>
+          </a:fillRef>
+          <a:effectRef idx="0">
+            <a:schemeClr val="accent1"/>
+          </a:effectRef>
+          <a:fontRef idx="minor">
+            <a:schemeClr val="lt1"/>
+          </a:fontRef>
+        </p:style>
+        <p:txBody>
+          <a:bodyPr rtlCol="0" anchor="ctr"/>
+          <a:lstStyle/>
+          <a:p>
+            <a:pPr algn="ctr"/>
+            <a:r>
+              <a:rPr lang="en-US" altLang="ja-JP" dirty="0" smtClean="0">
+                <a:ln w="0"/>
+                <a:solidFill>
+                  <a:schemeClr val="tx1"/>
+                </a:solidFill>
+                <a:effectLst>
+                  <a:outerShdw blurRad="38100" dist="19050" dir="2700000" algn="tl" rotWithShape="0">
+                    <a:schemeClr val="dk1">
+                      <a:alpha val="40000"/>
+                    </a:schemeClr>
+                  </a:outerShdw>
+                </a:effectLst>
+              </a:rPr>
+              <a:t>4</a:t>
+            </a:r>
+            <a:endParaRPr kumimoji="1" lang="ja-JP" altLang="en-US" dirty="0"/>
+          </a:p>
+        </p:txBody>
+      </p:sp>
+      <p:sp>
+        <p:nvSpPr>
+          <p:cNvPr id="11" name="楕円 10"/>
+          <p:cNvSpPr/>
+          <p:nvPr/>
+        </p:nvSpPr>
+        <p:spPr>
+          <a:xfrm>
+            <a:off x="8253275" y="3330759"/>
+            <a:ext cx="324196" cy="299258"/>
+          </a:xfrm>
+          <a:prstGeom prst="ellipse">
+            <a:avLst/>
+          </a:prstGeom>
+          <a:solidFill>
+            <a:schemeClr val="bg1"/>
+          </a:solidFill>
+          <a:ln>
+            <a:solidFill>
+              <a:schemeClr val="tx1"/>
+            </a:solidFill>
+          </a:ln>
+        </p:spPr>
+        <p:style>
+          <a:lnRef idx="2">
+            <a:schemeClr val="accent1">
+              <a:shade val="50000"/>
+            </a:schemeClr>
+          </a:lnRef>
+          <a:fillRef idx="1">
+            <a:schemeClr val="accent1"/>
+          </a:fillRef>
+          <a:effectRef idx="0">
+            <a:schemeClr val="accent1"/>
+          </a:effectRef>
+          <a:fontRef idx="minor">
+            <a:schemeClr val="lt1"/>
+          </a:fontRef>
+        </p:style>
+        <p:txBody>
+          <a:bodyPr rtlCol="0" anchor="ctr"/>
+          <a:lstStyle/>
+          <a:p>
+            <a:pPr algn="ctr"/>
+            <a:r>
+              <a:rPr lang="en-US" altLang="ja-JP" dirty="0" smtClean="0">
+                <a:ln w="0"/>
+                <a:solidFill>
+                  <a:schemeClr val="tx1"/>
+                </a:solidFill>
+                <a:effectLst>
+                  <a:outerShdw blurRad="38100" dist="19050" dir="2700000" algn="tl" rotWithShape="0">
+                    <a:schemeClr val="dk1">
+                      <a:alpha val="40000"/>
+                    </a:schemeClr>
+                  </a:outerShdw>
+                </a:effectLst>
+              </a:rPr>
+              <a:t>5</a:t>
+            </a:r>
+            <a:endParaRPr kumimoji="1" lang="ja-JP" altLang="en-US" dirty="0"/>
+          </a:p>
+        </p:txBody>
+      </p:sp>
+      <p:sp>
+        <p:nvSpPr>
+          <p:cNvPr id="12" name="楕円 11"/>
+          <p:cNvSpPr/>
+          <p:nvPr/>
+        </p:nvSpPr>
+        <p:spPr>
+          <a:xfrm>
+            <a:off x="9224101" y="3330759"/>
+            <a:ext cx="324196" cy="299258"/>
+          </a:xfrm>
+          <a:prstGeom prst="ellipse">
+            <a:avLst/>
+          </a:prstGeom>
+          <a:solidFill>
+            <a:schemeClr val="bg1"/>
+          </a:solidFill>
+          <a:ln>
+            <a:solidFill>
+              <a:schemeClr val="tx1"/>
+            </a:solidFill>
+          </a:ln>
+        </p:spPr>
+        <p:style>
+          <a:lnRef idx="2">
+            <a:schemeClr val="accent1">
+              <a:shade val="50000"/>
+            </a:schemeClr>
+          </a:lnRef>
+          <a:fillRef idx="1">
+            <a:schemeClr val="accent1"/>
+          </a:fillRef>
+          <a:effectRef idx="0">
+            <a:schemeClr val="accent1"/>
+          </a:effectRef>
+          <a:fontRef idx="minor">
+            <a:schemeClr val="lt1"/>
+          </a:fontRef>
+        </p:style>
+        <p:txBody>
+          <a:bodyPr rtlCol="0" anchor="ctr"/>
+          <a:lstStyle/>
+          <a:p>
+            <a:pPr algn="ctr"/>
+            <a:r>
+              <a:rPr lang="en-US" altLang="ja-JP" dirty="0" smtClean="0">
+                <a:ln w="0"/>
+                <a:solidFill>
+                  <a:schemeClr val="tx1"/>
+                </a:solidFill>
+                <a:effectLst>
+                  <a:outerShdw blurRad="38100" dist="19050" dir="2700000" algn="tl" rotWithShape="0">
+                    <a:schemeClr val="dk1">
+                      <a:alpha val="40000"/>
+                    </a:schemeClr>
+                  </a:outerShdw>
+                </a:effectLst>
+              </a:rPr>
+              <a:t>6</a:t>
+            </a:r>
+            <a:endParaRPr kumimoji="1" lang="ja-JP" altLang="en-US" dirty="0"/>
+          </a:p>
+        </p:txBody>
+      </p:sp>
     </p:spTree>
     <p:extLst>
       <p:ext uri="{BB962C8B-B14F-4D97-AF65-F5344CB8AC3E}">
-        <p14:creationId xmlns:p14="http://schemas.microsoft.com/office/powerpoint/2010/main" val="3783962368"/>
+        <p14:creationId xmlns:p14="http://schemas.microsoft.com/office/powerpoint/2010/main" val="3675169282"/>
       </p:ext>
     </p:extLst>
   </p:cSld>

--- a/Etc/仕様書/siyousho.pptx
+++ b/Etc/仕様書/siyousho.pptx
@@ -15,9 +15,8 @@
     <p:sldId id="259" r:id="rId9"/>
     <p:sldId id="265" r:id="rId10"/>
     <p:sldId id="266" r:id="rId11"/>
-    <p:sldId id="267" r:id="rId12"/>
-    <p:sldId id="260" r:id="rId13"/>
-    <p:sldId id="261" r:id="rId14"/>
+    <p:sldId id="260" r:id="rId12"/>
+    <p:sldId id="261" r:id="rId13"/>
   </p:sldIdLst>
   <p:sldSz cx="12192000" cy="6858000"/>
   <p:notesSz cx="6858000" cy="9144000"/>
@@ -3362,7 +3361,7 @@
         <p:spPr>
           <a:xfrm>
             <a:off x="839788" y="457200"/>
-            <a:ext cx="5502823" cy="1600200"/>
+            <a:ext cx="5768830" cy="1600200"/>
           </a:xfrm>
         </p:spPr>
         <p:txBody>
@@ -3372,8 +3371,8 @@
           <a:lstStyle/>
           <a:p>
             <a:r>
-              <a:rPr lang="ja-JP" altLang="en-US" sz="4000" b="1" dirty="0"/>
-              <a:t>リザルト画面</a:t>
+              <a:rPr lang="ja-JP" altLang="en-US" sz="4000" b="1" dirty="0" smtClean="0"/>
+              <a:t>リザルトウィンドウ</a:t>
             </a:r>
             <a:r>
               <a:rPr kumimoji="1" lang="ja-JP" altLang="en-US" sz="4000" b="1" dirty="0" smtClean="0"/>
@@ -3401,17 +3400,21 @@
         </p:spPr>
         <p:txBody>
           <a:bodyPr>
-            <a:normAutofit/>
+            <a:normAutofit fontScale="92500" lnSpcReduction="10000"/>
           </a:bodyPr>
           <a:lstStyle/>
           <a:p>
             <a:r>
-              <a:rPr lang="en-US" altLang="ja-JP" sz="2000" dirty="0"/>
-              <a:t>※</a:t>
-            </a:r>
-            <a:r>
-              <a:rPr lang="ja-JP" altLang="en-US" sz="2000" dirty="0" smtClean="0"/>
-              <a:t>赤線内</a:t>
+              <a:rPr kumimoji="1" lang="ja-JP" altLang="en-US" sz="2000" dirty="0" smtClean="0"/>
+              <a:t>上下の</a:t>
+            </a:r>
+            <a:r>
+              <a:rPr kumimoji="1" lang="en-US" altLang="ja-JP" sz="2000" dirty="0" smtClean="0"/>
+              <a:t>UI</a:t>
+            </a:r>
+            <a:r>
+              <a:rPr kumimoji="1" lang="ja-JP" altLang="en-US" sz="2000" dirty="0" smtClean="0"/>
+              <a:t>を消す</a:t>
             </a:r>
             <a:endParaRPr kumimoji="1" lang="en-US" altLang="ja-JP" sz="2000" dirty="0" smtClean="0"/>
           </a:p>
@@ -3552,12 +3555,8 @@
               <a:buAutoNum type="circleNumDbPlain"/>
             </a:pPr>
             <a:r>
-              <a:rPr lang="en-US" altLang="ja-JP" sz="2000" dirty="0" smtClean="0"/>
-              <a:t>SNS</a:t>
-            </a:r>
-            <a:r>
               <a:rPr lang="ja-JP" altLang="en-US" sz="2000" dirty="0" smtClean="0"/>
-              <a:t>画面への表示</a:t>
+              <a:t>ステージをもう一回遊ぶボタン</a:t>
             </a:r>
             <a:endParaRPr lang="en-US" altLang="ja-JP" sz="2000" dirty="0" smtClean="0"/>
           </a:p>
@@ -3567,8 +3566,42 @@
               <a:buAutoNum type="circleNumDbPlain"/>
             </a:pPr>
             <a:r>
+              <a:rPr lang="ja-JP" altLang="en-US" sz="2000" dirty="0"/>
+              <a:t>育成シーンへ遷移する</a:t>
+            </a:r>
+            <a:r>
               <a:rPr lang="ja-JP" altLang="en-US" sz="2000" dirty="0" smtClean="0"/>
-              <a:t>遷移画面へ移動</a:t>
+              <a:t>ボタン</a:t>
+            </a:r>
+            <a:endParaRPr lang="en-US" altLang="ja-JP" sz="2000" dirty="0" smtClean="0"/>
+          </a:p>
+          <a:p>
+            <a:pPr marL="457200" indent="-457200">
+              <a:buFont typeface="+mj-ea"/>
+              <a:buAutoNum type="circleNumDbPlain"/>
+            </a:pPr>
+            <a:r>
+              <a:rPr lang="ja-JP" altLang="en-US" sz="2000" dirty="0"/>
+              <a:t>ホームシーンへ遷移する</a:t>
+            </a:r>
+            <a:r>
+              <a:rPr lang="ja-JP" altLang="en-US" sz="2000" dirty="0" smtClean="0"/>
+              <a:t>ボタン</a:t>
+            </a:r>
+            <a:endParaRPr lang="en-US" altLang="ja-JP" sz="2000" dirty="0" smtClean="0"/>
+          </a:p>
+          <a:p>
+            <a:pPr marL="457200" indent="-457200">
+              <a:buFont typeface="+mj-ea"/>
+              <a:buAutoNum type="circleNumDbPlain"/>
+            </a:pPr>
+            <a:r>
+              <a:rPr lang="en-US" altLang="ja-JP" sz="2000" dirty="0" smtClean="0"/>
+              <a:t>SNS</a:t>
+            </a:r>
+            <a:r>
+              <a:rPr lang="ja-JP" altLang="en-US" sz="2000" dirty="0" smtClean="0"/>
+              <a:t>投稿画面を表示するボタン</a:t>
             </a:r>
             <a:endParaRPr lang="en-US" altLang="ja-JP" sz="2000" dirty="0" smtClean="0"/>
           </a:p>
@@ -3604,7 +3637,7 @@
         <p:spPr>
           <a:xfrm>
             <a:off x="6929608" y="174567"/>
-            <a:ext cx="3722022" cy="6616928"/>
+            <a:ext cx="3722021" cy="6616928"/>
           </a:xfrm>
           <a:prstGeom prst="rect">
             <a:avLst/>
@@ -3624,7 +3657,7 @@
         </p:nvSpPr>
         <p:spPr>
           <a:xfrm>
-            <a:off x="7929079" y="1380997"/>
+            <a:off x="7465780" y="713993"/>
             <a:ext cx="324196" cy="299258"/>
           </a:xfrm>
           <a:prstGeom prst="ellipse">
@@ -3688,7 +3721,7 @@
         </p:nvSpPr>
         <p:spPr>
           <a:xfrm>
-            <a:off x="7596195" y="2151193"/>
+            <a:off x="7465780" y="1842303"/>
             <a:ext cx="324196" cy="299258"/>
           </a:xfrm>
           <a:prstGeom prst="ellipse">
@@ -3752,7 +3785,7 @@
         </p:nvSpPr>
         <p:spPr>
           <a:xfrm>
-            <a:off x="7033517" y="2685255"/>
+            <a:off x="7033517" y="2395524"/>
             <a:ext cx="324196" cy="299258"/>
           </a:xfrm>
           <a:prstGeom prst="ellipse">
@@ -3816,7 +3849,7 @@
         </p:nvSpPr>
         <p:spPr>
           <a:xfrm>
-            <a:off x="7033517" y="3330759"/>
+            <a:off x="7033517" y="3104544"/>
             <a:ext cx="324196" cy="299258"/>
           </a:xfrm>
           <a:prstGeom prst="ellipse">
@@ -3880,7 +3913,7 @@
         </p:nvSpPr>
         <p:spPr>
           <a:xfrm>
-            <a:off x="7195615" y="3813565"/>
+            <a:off x="7033517" y="3663936"/>
             <a:ext cx="324196" cy="299258"/>
           </a:xfrm>
           <a:prstGeom prst="ellipse">
@@ -3944,7 +3977,7 @@
         </p:nvSpPr>
         <p:spPr>
           <a:xfrm>
-            <a:off x="6871419" y="4415623"/>
+            <a:off x="6985630" y="4928457"/>
             <a:ext cx="324196" cy="299258"/>
           </a:xfrm>
           <a:prstGeom prst="ellipse">
@@ -4008,7 +4041,7 @@
         </p:nvSpPr>
         <p:spPr>
           <a:xfrm>
-            <a:off x="9178622" y="4415623"/>
+            <a:off x="8145093" y="4928457"/>
             <a:ext cx="324196" cy="299258"/>
           </a:xfrm>
           <a:prstGeom prst="ellipse">
@@ -4059,6 +4092,134 @@
                 </a:effectLst>
               </a:rPr>
               <a:t>7</a:t>
+            </a:r>
+            <a:endParaRPr kumimoji="1" lang="ja-JP" altLang="en-US" dirty="0"/>
+          </a:p>
+        </p:txBody>
+      </p:sp>
+      <p:sp>
+        <p:nvSpPr>
+          <p:cNvPr id="14" name="楕円 13"/>
+          <p:cNvSpPr/>
+          <p:nvPr/>
+        </p:nvSpPr>
+        <p:spPr>
+          <a:xfrm>
+            <a:off x="9236263" y="4928457"/>
+            <a:ext cx="324196" cy="299258"/>
+          </a:xfrm>
+          <a:prstGeom prst="ellipse">
+            <a:avLst/>
+          </a:prstGeom>
+          <a:solidFill>
+            <a:schemeClr val="bg1"/>
+          </a:solidFill>
+          <a:ln>
+            <a:solidFill>
+              <a:schemeClr val="tx1"/>
+            </a:solidFill>
+          </a:ln>
+        </p:spPr>
+        <p:style>
+          <a:lnRef idx="2">
+            <a:schemeClr val="accent1">
+              <a:shade val="50000"/>
+            </a:schemeClr>
+          </a:lnRef>
+          <a:fillRef idx="1">
+            <a:schemeClr val="accent1"/>
+          </a:fillRef>
+          <a:effectRef idx="0">
+            <a:schemeClr val="accent1"/>
+          </a:effectRef>
+          <a:fontRef idx="minor">
+            <a:schemeClr val="lt1"/>
+          </a:fontRef>
+        </p:style>
+        <p:txBody>
+          <a:bodyPr rtlCol="0" anchor="ctr"/>
+          <a:lstStyle/>
+          <a:p>
+            <a:pPr algn="ctr"/>
+            <a:r>
+              <a:rPr lang="en-US" altLang="ja-JP" dirty="0">
+                <a:ln w="0"/>
+                <a:solidFill>
+                  <a:schemeClr val="tx1"/>
+                </a:solidFill>
+                <a:effectLst>
+                  <a:outerShdw blurRad="38100" dist="19050" dir="2700000" algn="tl" rotWithShape="0">
+                    <a:schemeClr val="dk1">
+                      <a:alpha val="40000"/>
+                    </a:schemeClr>
+                  </a:outerShdw>
+                </a:effectLst>
+              </a:rPr>
+              <a:t>8</a:t>
+            </a:r>
+            <a:endParaRPr kumimoji="1" lang="ja-JP" altLang="en-US" dirty="0"/>
+          </a:p>
+        </p:txBody>
+      </p:sp>
+      <p:sp>
+        <p:nvSpPr>
+          <p:cNvPr id="15" name="楕円 14"/>
+          <p:cNvSpPr/>
+          <p:nvPr/>
+        </p:nvSpPr>
+        <p:spPr>
+          <a:xfrm>
+            <a:off x="8145093" y="5560718"/>
+            <a:ext cx="324196" cy="299258"/>
+          </a:xfrm>
+          <a:prstGeom prst="ellipse">
+            <a:avLst/>
+          </a:prstGeom>
+          <a:solidFill>
+            <a:schemeClr val="bg1"/>
+          </a:solidFill>
+          <a:ln>
+            <a:solidFill>
+              <a:schemeClr val="tx1"/>
+            </a:solidFill>
+          </a:ln>
+        </p:spPr>
+        <p:style>
+          <a:lnRef idx="2">
+            <a:schemeClr val="accent1">
+              <a:shade val="50000"/>
+            </a:schemeClr>
+          </a:lnRef>
+          <a:fillRef idx="1">
+            <a:schemeClr val="accent1"/>
+          </a:fillRef>
+          <a:effectRef idx="0">
+            <a:schemeClr val="accent1"/>
+          </a:effectRef>
+          <a:fontRef idx="minor">
+            <a:schemeClr val="lt1"/>
+          </a:fontRef>
+        </p:style>
+        <p:txBody>
+          <a:bodyPr rtlCol="0" anchor="ctr"/>
+          <a:lstStyle/>
+          <a:p>
+            <a:pPr algn="ctr"/>
+            <a:r>
+              <a:rPr lang="en-US" altLang="ja-JP" dirty="0">
+                <a:ln w="0"/>
+                <a:solidFill>
+                  <a:schemeClr val="tx1"/>
+                </a:solidFill>
+                <a:effectLst>
+                  <a:outerShdw blurRad="38100" dist="19050" dir="2700000" algn="tl" rotWithShape="0">
+                    <a:schemeClr val="dk1">
+                      <a:alpha val="40000"/>
+                    </a:schemeClr>
+                  </a:outerShdw>
+                </a:effectLst>
+              </a:rPr>
+              <a:t>8</a:t>
             </a:r>
             <a:endParaRPr kumimoji="1" lang="ja-JP" altLang="en-US" dirty="0"/>
           </a:p>
@@ -4117,16 +4278,12 @@
           <a:lstStyle/>
           <a:p>
             <a:r>
-              <a:rPr lang="ja-JP" altLang="en-US" sz="4000" b="1" dirty="0"/>
-              <a:t>遷移</a:t>
-            </a:r>
-            <a:r>
               <a:rPr lang="ja-JP" altLang="en-US" sz="4000" b="1" dirty="0" smtClean="0"/>
-              <a:t>画面</a:t>
+              <a:t>育成</a:t>
             </a:r>
             <a:r>
               <a:rPr kumimoji="1" lang="ja-JP" altLang="en-US" sz="4000" b="1" dirty="0" smtClean="0"/>
-              <a:t>仕様</a:t>
+              <a:t>シーン仕様</a:t>
             </a:r>
             <a:endParaRPr kumimoji="1" lang="ja-JP" altLang="en-US" sz="4000" b="1" dirty="0"/>
           </a:p>
@@ -4150,20 +4307,9 @@
         </p:spPr>
         <p:txBody>
           <a:bodyPr>
-            <a:normAutofit/>
+            <a:normAutofit lnSpcReduction="10000"/>
           </a:bodyPr>
           <a:lstStyle/>
-          <a:p>
-            <a:r>
-              <a:rPr lang="en-US" altLang="ja-JP" sz="2000" dirty="0"/>
-              <a:t>※</a:t>
-            </a:r>
-            <a:r>
-              <a:rPr lang="ja-JP" altLang="en-US" sz="2000" dirty="0" smtClean="0"/>
-              <a:t>赤線内</a:t>
-            </a:r>
-            <a:endParaRPr kumimoji="1" lang="en-US" altLang="ja-JP" sz="2000" dirty="0" smtClean="0"/>
-          </a:p>
           <a:p>
             <a:pPr marL="457200" indent="-457200">
               <a:buFont typeface="+mj-ea"/>
@@ -4171,7 +4317,23 @@
             </a:pPr>
             <a:r>
               <a:rPr kumimoji="1" lang="ja-JP" altLang="en-US" sz="2000" dirty="0" smtClean="0"/>
-              <a:t>育成シーンへ遷移するボタン</a:t>
+              <a:t>育成キャラクター名</a:t>
+            </a:r>
+            <a:r>
+              <a:rPr lang="ja-JP" altLang="en-US" sz="2000" dirty="0" smtClean="0"/>
+              <a:t>の</a:t>
+            </a:r>
+            <a:r>
+              <a:rPr lang="en-US" altLang="ja-JP" sz="2000" dirty="0" smtClean="0"/>
+              <a:t>text</a:t>
+            </a:r>
+            <a:r>
+              <a:rPr lang="ja-JP" altLang="en-US" sz="2000" dirty="0" smtClean="0"/>
+              <a:t>を</a:t>
+            </a:r>
+            <a:r>
+              <a:rPr kumimoji="1" lang="ja-JP" altLang="en-US" sz="2000" dirty="0" smtClean="0"/>
+              <a:t>表示</a:t>
             </a:r>
             <a:endParaRPr kumimoji="1" lang="en-US" altLang="ja-JP" sz="2000" dirty="0" smtClean="0"/>
           </a:p>
@@ -4181,12 +4343,164 @@
               <a:buAutoNum type="circleNumDbPlain"/>
             </a:pPr>
             <a:r>
+              <a:rPr lang="ja-JP" altLang="en-US" sz="2000" dirty="0"/>
+              <a:t>名前変更用の</a:t>
+            </a:r>
+            <a:r>
+              <a:rPr lang="ja-JP" altLang="en-US" sz="2000" dirty="0" smtClean="0"/>
+              <a:t>ボタン</a:t>
+            </a:r>
+            <a:endParaRPr lang="en-US" altLang="ja-JP" sz="2000" dirty="0" smtClean="0"/>
+          </a:p>
+          <a:p>
+            <a:pPr marL="457200" indent="-457200">
+              <a:buFont typeface="+mj-ea"/>
+              <a:buAutoNum type="circleNumDbPlain"/>
+            </a:pPr>
+            <a:r>
+              <a:rPr kumimoji="1" lang="ja-JP" altLang="en-US" sz="2000" dirty="0"/>
+              <a:t>育成リセットのボタン</a:t>
+            </a:r>
+            <a:endParaRPr kumimoji="1" lang="en-US" altLang="ja-JP" sz="2000" dirty="0" smtClean="0"/>
+          </a:p>
+          <a:p>
+            <a:pPr marL="457200" indent="-457200">
+              <a:buFont typeface="+mj-ea"/>
+              <a:buAutoNum type="circleNumDbPlain"/>
+            </a:pPr>
+            <a:r>
+              <a:rPr kumimoji="1" lang="ja-JP" altLang="en-US" sz="2000" dirty="0" smtClean="0"/>
+              <a:t>各ステータスのゲージ</a:t>
+            </a:r>
+            <a:r>
+              <a:rPr lang="ja-JP" altLang="en-US" sz="2000" dirty="0" smtClean="0"/>
+              <a:t>、</a:t>
+            </a:r>
+            <a:r>
+              <a:rPr lang="en-US" altLang="ja-JP" sz="2000" dirty="0" smtClean="0"/>
+              <a:t>Slider</a:t>
+            </a:r>
+            <a:r>
+              <a:rPr lang="ja-JP" altLang="en-US" sz="2000" dirty="0" smtClean="0"/>
+              <a:t>で</a:t>
+            </a:r>
+            <a:r>
+              <a:rPr lang="ja-JP" altLang="en-US" sz="2000" dirty="0" smtClean="0"/>
+              <a:t>表示</a:t>
+            </a:r>
+            <a:endParaRPr lang="en-US" altLang="ja-JP" sz="2000" dirty="0" smtClean="0"/>
+          </a:p>
+          <a:p>
+            <a:pPr marL="457200" indent="-457200">
+              <a:buFont typeface="+mj-ea"/>
+              <a:buAutoNum type="circleNumDbPlain"/>
+            </a:pPr>
+            <a:r>
+              <a:rPr lang="en-US" altLang="ja-JP" sz="2000" dirty="0" smtClean="0"/>
+              <a:t>I</a:t>
+            </a:r>
+            <a:r>
+              <a:rPr kumimoji="1" lang="en-US" altLang="ja-JP" sz="2000" dirty="0" smtClean="0"/>
+              <a:t>tem</a:t>
+            </a:r>
+            <a:r>
+              <a:rPr kumimoji="1" lang="ja-JP" altLang="en-US" sz="2000" dirty="0" smtClean="0"/>
+              <a:t>の</a:t>
+            </a:r>
+            <a:r>
+              <a:rPr kumimoji="1" lang="en-US" altLang="ja-JP" sz="2000" dirty="0" smtClean="0"/>
+              <a:t>text</a:t>
+            </a:r>
+            <a:r>
+              <a:rPr kumimoji="1" lang="ja-JP" altLang="en-US" sz="2000" dirty="0" smtClean="0"/>
+              <a:t>を表示</a:t>
+            </a:r>
+            <a:endParaRPr lang="en-US" altLang="ja-JP" sz="2000" dirty="0"/>
+          </a:p>
+          <a:p>
+            <a:pPr marL="457200" indent="-457200">
+              <a:buFont typeface="+mj-ea"/>
+              <a:buAutoNum type="circleNumDbPlain"/>
+            </a:pPr>
+            <a:r>
+              <a:rPr lang="ja-JP" altLang="en-US" sz="2000" dirty="0" smtClean="0"/>
+              <a:t>アイテム</a:t>
+            </a:r>
+            <a:r>
+              <a:rPr lang="ja-JP" altLang="en-US" sz="2000" dirty="0" smtClean="0"/>
+              <a:t>使用のボタン、ボタンを押すと数字</a:t>
+            </a:r>
+            <a:endParaRPr lang="en-US" altLang="ja-JP" sz="2000" dirty="0"/>
+          </a:p>
+          <a:p>
+            <a:r>
+              <a:rPr lang="ja-JP" altLang="en-US" sz="2000" dirty="0" smtClean="0"/>
+              <a:t>　</a:t>
+            </a:r>
+            <a:r>
+              <a:rPr lang="ja-JP" altLang="en-US" sz="2000" dirty="0"/>
+              <a:t>　</a:t>
+            </a:r>
+            <a:r>
+              <a:rPr lang="ja-JP" altLang="en-US" sz="2000" dirty="0" smtClean="0"/>
+              <a:t>が減りゲージが増加</a:t>
+            </a:r>
+            <a:r>
+              <a:rPr lang="ja-JP" altLang="en-US" sz="2000" dirty="0" smtClean="0"/>
+              <a:t>する</a:t>
+            </a:r>
+            <a:endParaRPr lang="en-US" altLang="ja-JP" sz="2000" dirty="0"/>
+          </a:p>
+          <a:p>
+            <a:pPr marL="457200" indent="-457200">
+              <a:buFont typeface="+mj-ea"/>
+              <a:buAutoNum type="circleNumDbPlain" startAt="7"/>
+            </a:pPr>
+            <a:r>
               <a:rPr kumimoji="1" lang="ja-JP" altLang="en-US" sz="2000" dirty="0" smtClean="0"/>
               <a:t>ホームシーン</a:t>
             </a:r>
             <a:r>
-              <a:rPr kumimoji="1" lang="ja-JP" altLang="en-US" sz="2000" dirty="0"/>
-              <a:t>へ遷移するボタン</a:t>
+              <a:rPr kumimoji="1" lang="ja-JP" altLang="en-US" sz="2000" dirty="0" smtClean="0"/>
+              <a:t>へ遷移する</a:t>
+            </a:r>
+            <a:r>
+              <a:rPr kumimoji="1" lang="ja-JP" altLang="en-US" sz="2000" dirty="0" smtClean="0"/>
+              <a:t>ボタン</a:t>
+            </a:r>
+            <a:endParaRPr lang="en-US" altLang="ja-JP" sz="2000" dirty="0"/>
+          </a:p>
+          <a:p>
+            <a:pPr marL="457200" indent="-457200">
+              <a:buFont typeface="+mj-ea"/>
+              <a:buAutoNum type="circleNumDbPlain" startAt="7"/>
+            </a:pPr>
+            <a:r>
+              <a:rPr kumimoji="1" lang="en-US" altLang="ja-JP" sz="2000" dirty="0" smtClean="0"/>
+              <a:t>SNS</a:t>
+            </a:r>
+            <a:r>
+              <a:rPr kumimoji="1" lang="ja-JP" altLang="en-US" sz="2000" dirty="0" smtClean="0"/>
+              <a:t>投稿</a:t>
+            </a:r>
+            <a:r>
+              <a:rPr kumimoji="1" lang="ja-JP" altLang="en-US" sz="2000" dirty="0" smtClean="0"/>
+              <a:t>画面</a:t>
+            </a:r>
+            <a:r>
+              <a:rPr lang="ja-JP" altLang="en-US" sz="2000" dirty="0" smtClean="0"/>
+              <a:t>を表示するボタン</a:t>
+            </a:r>
+            <a:r>
+              <a:rPr kumimoji="1" lang="en-US" altLang="ja-JP" sz="2000" dirty="0" smtClean="0"/>
+              <a:t/>
+            </a:r>
+            <a:br>
+              <a:rPr kumimoji="1" lang="en-US" altLang="ja-JP" sz="2000" dirty="0" smtClean="0"/>
+            </a:br>
+            <a:r>
+              <a:rPr kumimoji="1" lang="ja-JP" altLang="en-US" sz="2000" dirty="0" smtClean="0"/>
+              <a:t>（ボタン、シーン内に表示）</a:t>
             </a:r>
             <a:endParaRPr kumimoji="1" lang="en-US" altLang="ja-JP" sz="2000" dirty="0" smtClean="0"/>
           </a:p>
@@ -4215,7 +4529,7 @@
         <p:spPr>
           <a:xfrm>
             <a:off x="6929608" y="174567"/>
-            <a:ext cx="3722021" cy="6616928"/>
+            <a:ext cx="3722022" cy="6616929"/>
           </a:xfrm>
           <a:prstGeom prst="rect">
             <a:avLst/>
@@ -4235,7 +4549,7 @@
         </p:nvSpPr>
         <p:spPr>
           <a:xfrm>
-            <a:off x="7620514" y="2535626"/>
+            <a:off x="7126998" y="207818"/>
             <a:ext cx="324196" cy="299258"/>
           </a:xfrm>
           <a:prstGeom prst="ellipse">
@@ -4299,7 +4613,7 @@
         </p:nvSpPr>
         <p:spPr>
           <a:xfrm>
-            <a:off x="7620514" y="3357508"/>
+            <a:off x="9397884" y="207818"/>
             <a:ext cx="324196" cy="299258"/>
           </a:xfrm>
           <a:prstGeom prst="ellipse">
@@ -4355,250 +4669,15 @@
           </a:p>
         </p:txBody>
       </p:sp>
-    </p:spTree>
-    <p:extLst>
-      <p:ext uri="{BB962C8B-B14F-4D97-AF65-F5344CB8AC3E}">
-        <p14:creationId xmlns:p14="http://schemas.microsoft.com/office/powerpoint/2010/main" val="2213272135"/>
-      </p:ext>
-    </p:extLst>
-  </p:cSld>
-  <p:clrMapOvr>
-    <a:masterClrMapping/>
-  </p:clrMapOvr>
-</p:sld>
-</file>
-
-<file path=ppt/slides/slide12.xml><?xml version="1.0" encoding="utf-8"?>
-<p:sld xmlns:a="http://schemas.openxmlformats.org/drawingml/2006/main" xmlns:r="http://schemas.openxmlformats.org/officeDocument/2006/relationships" xmlns:p="http://schemas.openxmlformats.org/presentationml/2006/main">
-  <p:cSld>
-    <p:spTree>
-      <p:nvGrpSpPr>
-        <p:cNvPr id="1" name=""/>
-        <p:cNvGrpSpPr/>
-        <p:nvPr/>
-      </p:nvGrpSpPr>
-      <p:grpSpPr>
-        <a:xfrm>
-          <a:off x="0" y="0"/>
-          <a:ext cx="0" cy="0"/>
-          <a:chOff x="0" y="0"/>
-          <a:chExt cx="0" cy="0"/>
-        </a:xfrm>
-      </p:grpSpPr>
-      <p:sp>
-        <p:nvSpPr>
-          <p:cNvPr id="2" name="タイトル 1"/>
-          <p:cNvSpPr>
-            <a:spLocks noGrp="1"/>
-          </p:cNvSpPr>
-          <p:nvPr>
-            <p:ph type="title"/>
-          </p:nvPr>
-        </p:nvSpPr>
-        <p:spPr>
-          <a:xfrm>
-            <a:off x="839788" y="457200"/>
-            <a:ext cx="5502823" cy="1600200"/>
-          </a:xfrm>
-        </p:spPr>
-        <p:txBody>
-          <a:bodyPr>
-            <a:normAutofit/>
-          </a:bodyPr>
-          <a:lstStyle/>
-          <a:p>
-            <a:r>
-              <a:rPr lang="ja-JP" altLang="en-US" sz="4000" b="1" dirty="0" smtClean="0"/>
-              <a:t>育成</a:t>
-            </a:r>
-            <a:r>
-              <a:rPr kumimoji="1" lang="ja-JP" altLang="en-US" sz="4000" b="1" dirty="0" smtClean="0"/>
-              <a:t>シーン仕様</a:t>
-            </a:r>
-            <a:endParaRPr kumimoji="1" lang="ja-JP" altLang="en-US" sz="4000" b="1" dirty="0"/>
-          </a:p>
-        </p:txBody>
-      </p:sp>
-      <p:sp>
-        <p:nvSpPr>
-          <p:cNvPr id="4" name="テキスト プレースホルダー 3"/>
-          <p:cNvSpPr>
-            <a:spLocks noGrp="1"/>
-          </p:cNvSpPr>
-          <p:nvPr>
-            <p:ph type="body" sz="half" idx="2"/>
-          </p:nvPr>
-        </p:nvSpPr>
-        <p:spPr>
-          <a:xfrm>
-            <a:off x="839788" y="2057400"/>
-            <a:ext cx="5768830" cy="3811588"/>
-          </a:xfrm>
-        </p:spPr>
-        <p:txBody>
-          <a:bodyPr>
-            <a:normAutofit/>
-          </a:bodyPr>
-          <a:lstStyle/>
-          <a:p>
-            <a:pPr marL="457200" indent="-457200">
-              <a:buFont typeface="+mj-ea"/>
-              <a:buAutoNum type="circleNumDbPlain"/>
-            </a:pPr>
-            <a:r>
-              <a:rPr kumimoji="1" lang="ja-JP" altLang="en-US" sz="2000" dirty="0" smtClean="0"/>
-              <a:t>育成キャラクター名</a:t>
-            </a:r>
-            <a:r>
-              <a:rPr lang="ja-JP" altLang="en-US" sz="2000" dirty="0" smtClean="0"/>
-              <a:t>の</a:t>
-            </a:r>
-            <a:r>
-              <a:rPr lang="en-US" altLang="ja-JP" sz="2000" dirty="0" smtClean="0"/>
-              <a:t>text</a:t>
-            </a:r>
-            <a:r>
-              <a:rPr lang="ja-JP" altLang="en-US" sz="2000" dirty="0" smtClean="0"/>
-              <a:t>を</a:t>
-            </a:r>
-            <a:r>
-              <a:rPr kumimoji="1" lang="ja-JP" altLang="en-US" sz="2000" dirty="0" smtClean="0"/>
-              <a:t>表示</a:t>
-            </a:r>
-            <a:endParaRPr kumimoji="1" lang="en-US" altLang="ja-JP" sz="2000" dirty="0" smtClean="0"/>
-          </a:p>
-          <a:p>
-            <a:pPr marL="457200" indent="-457200">
-              <a:buFont typeface="+mj-ea"/>
-              <a:buAutoNum type="circleNumDbPlain"/>
-            </a:pPr>
-            <a:r>
-              <a:rPr kumimoji="1" lang="ja-JP" altLang="en-US" sz="2000" dirty="0" smtClean="0"/>
-              <a:t>各ステータスのゲージ</a:t>
-            </a:r>
-            <a:r>
-              <a:rPr lang="ja-JP" altLang="en-US" sz="2000" dirty="0" smtClean="0"/>
-              <a:t>、</a:t>
-            </a:r>
-            <a:r>
-              <a:rPr lang="en-US" altLang="ja-JP" sz="2000" dirty="0" smtClean="0"/>
-              <a:t>Slider</a:t>
-            </a:r>
-            <a:r>
-              <a:rPr lang="ja-JP" altLang="en-US" sz="2000" dirty="0" smtClean="0"/>
-              <a:t>で表示</a:t>
-            </a:r>
-            <a:endParaRPr kumimoji="1" lang="en-US" altLang="ja-JP" sz="2000" dirty="0" smtClean="0"/>
-          </a:p>
-          <a:p>
-            <a:pPr marL="457200" indent="-457200">
-              <a:buFont typeface="+mj-ea"/>
-              <a:buAutoNum type="circleNumDbPlain"/>
-            </a:pPr>
-            <a:r>
-              <a:rPr lang="ja-JP" altLang="en-US" sz="2000" dirty="0" smtClean="0"/>
-              <a:t>アイテム使用のボタン、ボタンを押すと数字</a:t>
-            </a:r>
-            <a:endParaRPr lang="en-US" altLang="ja-JP" sz="2000" dirty="0"/>
-          </a:p>
-          <a:p>
-            <a:r>
-              <a:rPr lang="ja-JP" altLang="en-US" sz="2000" dirty="0" smtClean="0"/>
-              <a:t>　</a:t>
-            </a:r>
-            <a:r>
-              <a:rPr lang="ja-JP" altLang="en-US" sz="2000" dirty="0"/>
-              <a:t>　</a:t>
-            </a:r>
-            <a:r>
-              <a:rPr lang="ja-JP" altLang="en-US" sz="2000" dirty="0" smtClean="0"/>
-              <a:t>が減りゲージが増加する</a:t>
-            </a:r>
-            <a:endParaRPr lang="en-US" altLang="ja-JP" sz="2000" dirty="0" smtClean="0"/>
-          </a:p>
-          <a:p>
-            <a:pPr marL="457200" indent="-457200">
-              <a:buFont typeface="+mj-ea"/>
-              <a:buAutoNum type="circleNumDbPlain" startAt="4"/>
-            </a:pPr>
-            <a:r>
-              <a:rPr kumimoji="1" lang="ja-JP" altLang="en-US" sz="2000" dirty="0" smtClean="0"/>
-              <a:t>ホームシーンへ遷移するボタン</a:t>
-            </a:r>
-            <a:endParaRPr kumimoji="1" lang="en-US" altLang="ja-JP" sz="2000" dirty="0" smtClean="0"/>
-          </a:p>
-          <a:p>
-            <a:pPr marL="457200" indent="-457200">
-              <a:buFont typeface="+mj-ea"/>
-              <a:buAutoNum type="circleNumDbPlain" startAt="4"/>
-            </a:pPr>
-            <a:r>
-              <a:rPr kumimoji="1" lang="en-US" altLang="ja-JP" sz="2000" dirty="0" smtClean="0"/>
-              <a:t>SNS</a:t>
-            </a:r>
-            <a:r>
-              <a:rPr kumimoji="1" lang="ja-JP" altLang="en-US" sz="2000" dirty="0" smtClean="0"/>
-              <a:t>投稿画面の表示</a:t>
-            </a:r>
-            <a:r>
-              <a:rPr kumimoji="1" lang="en-US" altLang="ja-JP" sz="2000" dirty="0" smtClean="0"/>
-              <a:t/>
-            </a:r>
-            <a:br>
-              <a:rPr kumimoji="1" lang="en-US" altLang="ja-JP" sz="2000" dirty="0" smtClean="0"/>
-            </a:br>
-            <a:r>
-              <a:rPr kumimoji="1" lang="ja-JP" altLang="en-US" sz="2000" dirty="0" smtClean="0"/>
-              <a:t>（ボタン、シーン内に表示）</a:t>
-            </a:r>
-            <a:endParaRPr kumimoji="1" lang="en-US" altLang="ja-JP" sz="2000" dirty="0" smtClean="0"/>
-          </a:p>
-        </p:txBody>
-      </p:sp>
-      <p:pic>
-        <p:nvPicPr>
-          <p:cNvPr id="9" name="図 8"/>
-          <p:cNvPicPr>
-            <a:picLocks noChangeAspect="1"/>
-          </p:cNvPicPr>
-          <p:nvPr/>
-        </p:nvPicPr>
-        <p:blipFill>
-          <a:blip r:embed="rId2" cstate="print">
-            <a:extLst>
-              <a:ext uri="{28A0092B-C50C-407E-A947-70E740481C1C}">
-                <a14:useLocalDpi xmlns:a14="http://schemas.microsoft.com/office/drawing/2010/main" val="0"/>
-              </a:ext>
-            </a:extLst>
-          </a:blip>
-          <a:stretch>
-            <a:fillRect/>
-          </a:stretch>
-        </p:blipFill>
-        <p:spPr>
-          <a:xfrm>
-            <a:off x="6929608" y="174567"/>
-            <a:ext cx="3722023" cy="6616929"/>
-          </a:xfrm>
-          <a:prstGeom prst="rect">
-            <a:avLst/>
-          </a:prstGeom>
-          <a:ln w="12700">
-            <a:solidFill>
-              <a:schemeClr val="tx1"/>
-            </a:solidFill>
-          </a:ln>
-        </p:spPr>
-      </p:pic>
-      <p:sp>
-        <p:nvSpPr>
-          <p:cNvPr id="10" name="楕円 9"/>
+      <p:sp>
+        <p:nvSpPr>
+          <p:cNvPr id="7" name="楕円 6"/>
           <p:cNvSpPr/>
           <p:nvPr/>
         </p:nvSpPr>
         <p:spPr>
           <a:xfrm>
-            <a:off x="7126998" y="207818"/>
+            <a:off x="9984881" y="24938"/>
             <a:ext cx="324196" cy="299258"/>
           </a:xfrm>
           <a:prstGeom prst="ellipse">
@@ -4635,7 +4714,7 @@
           <a:p>
             <a:pPr algn="ctr"/>
             <a:r>
-              <a:rPr lang="en-US" altLang="ja-JP" dirty="0" smtClean="0">
+              <a:rPr lang="en-US" altLang="ja-JP" dirty="0">
                 <a:ln w="0"/>
                 <a:solidFill>
                   <a:schemeClr val="tx1"/>
@@ -4648,7 +4727,7 @@
                   </a:outerShdw>
                 </a:effectLst>
               </a:rPr>
-              <a:t>1</a:t>
+              <a:t>3</a:t>
             </a:r>
             <a:endParaRPr kumimoji="1" lang="ja-JP" altLang="en-US" dirty="0"/>
           </a:p>
@@ -4656,13 +4735,13 @@
       </p:sp>
       <p:sp>
         <p:nvSpPr>
-          <p:cNvPr id="6" name="楕円 5"/>
+          <p:cNvPr id="8" name="楕円 7"/>
           <p:cNvSpPr/>
           <p:nvPr/>
         </p:nvSpPr>
         <p:spPr>
           <a:xfrm>
-            <a:off x="6964900" y="606829"/>
+            <a:off x="6964900" y="735737"/>
             <a:ext cx="324196" cy="299258"/>
           </a:xfrm>
           <a:prstGeom prst="ellipse">
@@ -4712,7 +4791,7 @@
                   </a:outerShdw>
                 </a:effectLst>
               </a:rPr>
-              <a:t>2</a:t>
+              <a:t>4</a:t>
             </a:r>
             <a:endParaRPr kumimoji="1" lang="ja-JP" altLang="en-US" dirty="0"/>
           </a:p>
@@ -4720,13 +4799,13 @@
       </p:sp>
       <p:sp>
         <p:nvSpPr>
-          <p:cNvPr id="7" name="楕円 6"/>
+          <p:cNvPr id="11" name="楕円 10"/>
           <p:cNvSpPr/>
           <p:nvPr/>
         </p:nvSpPr>
         <p:spPr>
           <a:xfrm>
-            <a:off x="8042473" y="5007033"/>
+            <a:off x="6964900" y="4780902"/>
             <a:ext cx="324196" cy="299258"/>
           </a:xfrm>
           <a:prstGeom prst="ellipse">
@@ -4776,7 +4855,7 @@
                   </a:outerShdw>
                 </a:effectLst>
               </a:rPr>
-              <a:t>3</a:t>
+              <a:t>5</a:t>
             </a:r>
             <a:endParaRPr kumimoji="1" lang="ja-JP" altLang="en-US" dirty="0"/>
           </a:p>
@@ -4784,13 +4863,13 @@
       </p:sp>
       <p:sp>
         <p:nvSpPr>
-          <p:cNvPr id="8" name="楕円 7"/>
+          <p:cNvPr id="12" name="楕円 11"/>
           <p:cNvSpPr/>
           <p:nvPr/>
         </p:nvSpPr>
         <p:spPr>
           <a:xfrm>
-            <a:off x="7076558" y="6253942"/>
+            <a:off x="6964900" y="5246414"/>
             <a:ext cx="324196" cy="299258"/>
           </a:xfrm>
           <a:prstGeom prst="ellipse">
@@ -4840,7 +4919,7 @@
                   </a:outerShdw>
                 </a:effectLst>
               </a:rPr>
-              <a:t>4</a:t>
+              <a:t>6</a:t>
             </a:r>
             <a:endParaRPr kumimoji="1" lang="ja-JP" altLang="en-US" dirty="0"/>
           </a:p>
@@ -4848,13 +4927,13 @@
       </p:sp>
       <p:sp>
         <p:nvSpPr>
-          <p:cNvPr id="11" name="楕円 10"/>
+          <p:cNvPr id="13" name="楕円 12"/>
           <p:cNvSpPr/>
           <p:nvPr/>
         </p:nvSpPr>
         <p:spPr>
           <a:xfrm>
-            <a:off x="9073688" y="6267796"/>
+            <a:off x="6964900" y="6138286"/>
             <a:ext cx="324196" cy="299258"/>
           </a:xfrm>
           <a:prstGeom prst="ellipse">
@@ -4904,7 +4983,71 @@
                   </a:outerShdw>
                 </a:effectLst>
               </a:rPr>
-              <a:t>5</a:t>
+              <a:t>7</a:t>
+            </a:r>
+            <a:endParaRPr kumimoji="1" lang="ja-JP" altLang="en-US" dirty="0"/>
+          </a:p>
+        </p:txBody>
+      </p:sp>
+      <p:sp>
+        <p:nvSpPr>
+          <p:cNvPr id="14" name="楕円 13"/>
+          <p:cNvSpPr/>
+          <p:nvPr/>
+        </p:nvSpPr>
+        <p:spPr>
+          <a:xfrm>
+            <a:off x="9235786" y="6138286"/>
+            <a:ext cx="324196" cy="299258"/>
+          </a:xfrm>
+          <a:prstGeom prst="ellipse">
+            <a:avLst/>
+          </a:prstGeom>
+          <a:solidFill>
+            <a:schemeClr val="bg1"/>
+          </a:solidFill>
+          <a:ln>
+            <a:solidFill>
+              <a:schemeClr val="tx1"/>
+            </a:solidFill>
+          </a:ln>
+        </p:spPr>
+        <p:style>
+          <a:lnRef idx="2">
+            <a:schemeClr val="accent1">
+              <a:shade val="50000"/>
+            </a:schemeClr>
+          </a:lnRef>
+          <a:fillRef idx="1">
+            <a:schemeClr val="accent1"/>
+          </a:fillRef>
+          <a:effectRef idx="0">
+            <a:schemeClr val="accent1"/>
+          </a:effectRef>
+          <a:fontRef idx="minor">
+            <a:schemeClr val="lt1"/>
+          </a:fontRef>
+        </p:style>
+        <p:txBody>
+          <a:bodyPr rtlCol="0" anchor="ctr"/>
+          <a:lstStyle/>
+          <a:p>
+            <a:pPr algn="ctr"/>
+            <a:r>
+              <a:rPr lang="en-US" altLang="ja-JP" dirty="0">
+                <a:ln w="0"/>
+                <a:solidFill>
+                  <a:schemeClr val="tx1"/>
+                </a:solidFill>
+                <a:effectLst>
+                  <a:outerShdw blurRad="38100" dist="19050" dir="2700000" algn="tl" rotWithShape="0">
+                    <a:schemeClr val="dk1">
+                      <a:alpha val="40000"/>
+                    </a:schemeClr>
+                  </a:outerShdw>
+                </a:effectLst>
+              </a:rPr>
+              <a:t>8</a:t>
             </a:r>
             <a:endParaRPr kumimoji="1" lang="ja-JP" altLang="en-US" dirty="0"/>
           </a:p>
@@ -4923,7 +5066,7 @@
 </p:sld>
 </file>
 
-<file path=ppt/slides/slide13.xml><?xml version="1.0" encoding="utf-8"?>
+<file path=ppt/slides/slide12.xml><?xml version="1.0" encoding="utf-8"?>
 <p:sld xmlns:a="http://schemas.openxmlformats.org/drawingml/2006/main" xmlns:r="http://schemas.openxmlformats.org/officeDocument/2006/relationships" xmlns:p="http://schemas.openxmlformats.org/presentationml/2006/main">
   <p:cSld>
     <p:spTree>
@@ -5601,7 +5744,7 @@
           <a:p>
             <a:r>
               <a:rPr kumimoji="1" lang="ja-JP" altLang="en-US" sz="4000" b="1" dirty="0" smtClean="0"/>
-              <a:t>タイトル画面仕様</a:t>
+              <a:t>タイトルシーン仕様</a:t>
             </a:r>
             <a:endParaRPr kumimoji="1" lang="ja-JP" altLang="en-US" sz="4000" b="1" dirty="0"/>
           </a:p>
@@ -5869,7 +6012,7 @@
               <a:rPr kumimoji="1" lang="ja-JP" altLang="en-US" sz="2000" dirty="0" smtClean="0"/>
               <a:t>表示</a:t>
             </a:r>
-            <a:endParaRPr kumimoji="1" lang="en-US" altLang="ja-JP" sz="2000" dirty="0" smtClean="0"/>
+            <a:endParaRPr lang="en-US" altLang="ja-JP" sz="2000" dirty="0"/>
           </a:p>
           <a:p>
             <a:pPr marL="457200" indent="-457200">
@@ -5878,7 +6021,11 @@
             </a:pPr>
             <a:r>
               <a:rPr kumimoji="1" lang="ja-JP" altLang="en-US" sz="2000" dirty="0" smtClean="0"/>
-              <a:t>アクションステージ選択の表示（ボタン）</a:t>
+              <a:t>アクションステージ</a:t>
+            </a:r>
+            <a:r>
+              <a:rPr kumimoji="1" lang="ja-JP" altLang="en-US" sz="2000" dirty="0" smtClean="0"/>
+              <a:t>選択の表示（ボタン）</a:t>
             </a:r>
             <a:r>
               <a:rPr lang="ja-JP" altLang="en-US" sz="2000" dirty="0"/>
@@ -5886,40 +6033,64 @@
             </a:r>
             <a:r>
               <a:rPr lang="ja-JP" altLang="en-US" sz="2000" dirty="0" smtClean="0"/>
-              <a:t>（シーン内でステージ選択画面を表示）</a:t>
-            </a:r>
-            <a:endParaRPr kumimoji="1" lang="en-US" altLang="ja-JP" sz="2000" dirty="0" smtClean="0"/>
+              <a:t>（シーン内でステージ選択画面を表示</a:t>
+            </a:r>
+            <a:r>
+              <a:rPr lang="ja-JP" altLang="en-US" sz="2000" dirty="0" smtClean="0"/>
+              <a:t>）</a:t>
+            </a:r>
+            <a:endParaRPr lang="en-US" altLang="ja-JP" sz="2000" dirty="0"/>
           </a:p>
           <a:p>
             <a:pPr marL="457200" indent="-457200">
               <a:buFont typeface="+mj-ea"/>
-              <a:buAutoNum type="circleNumDbPlain" startAt="3"/>
+              <a:buAutoNum type="circleNumDbPlain"/>
             </a:pPr>
             <a:r>
               <a:rPr lang="ja-JP" altLang="en-US" sz="2000" dirty="0" smtClean="0"/>
-              <a:t>育成シーンへの移動（ボタン）</a:t>
-            </a:r>
-            <a:endParaRPr lang="en-US" altLang="ja-JP" sz="2000" dirty="0" smtClean="0"/>
+              <a:t>育成</a:t>
+            </a:r>
+            <a:r>
+              <a:rPr lang="ja-JP" altLang="en-US" sz="2000" dirty="0" smtClean="0"/>
+              <a:t>シーンへの移動（ボタン</a:t>
+            </a:r>
+            <a:r>
+              <a:rPr lang="ja-JP" altLang="en-US" sz="2000" dirty="0" smtClean="0"/>
+              <a:t>）</a:t>
+            </a:r>
+            <a:endParaRPr lang="en-US" altLang="ja-JP" sz="2000" dirty="0"/>
           </a:p>
           <a:p>
             <a:pPr marL="457200" indent="-457200">
               <a:buFont typeface="+mj-ea"/>
-              <a:buAutoNum type="circleNumDbPlain" startAt="3"/>
+              <a:buAutoNum type="circleNumDbPlain"/>
             </a:pPr>
             <a:r>
               <a:rPr kumimoji="1" lang="ja-JP" altLang="en-US" sz="2000" dirty="0" smtClean="0"/>
-              <a:t>アルバムシーンへの移動（ボタン）</a:t>
-            </a:r>
-            <a:endParaRPr kumimoji="1" lang="en-US" altLang="ja-JP" sz="2000" dirty="0" smtClean="0"/>
+              <a:t>アルバムシーン</a:t>
+            </a:r>
+            <a:r>
+              <a:rPr kumimoji="1" lang="ja-JP" altLang="en-US" sz="2000" dirty="0" smtClean="0"/>
+              <a:t>への移動（ボタン</a:t>
+            </a:r>
+            <a:r>
+              <a:rPr kumimoji="1" lang="ja-JP" altLang="en-US" sz="2000" dirty="0" smtClean="0"/>
+              <a:t>）</a:t>
+            </a:r>
+            <a:endParaRPr lang="en-US" altLang="ja-JP" sz="2000" dirty="0"/>
           </a:p>
           <a:p>
             <a:pPr marL="457200" indent="-457200">
               <a:buFont typeface="+mj-ea"/>
-              <a:buAutoNum type="circleNumDbPlain" startAt="3"/>
+              <a:buAutoNum type="circleNumDbPlain"/>
             </a:pPr>
             <a:r>
               <a:rPr kumimoji="1" lang="ja-JP" altLang="en-US" sz="2000" dirty="0" smtClean="0"/>
-              <a:t>設定画面の表示</a:t>
+              <a:t>設定</a:t>
+            </a:r>
+            <a:r>
+              <a:rPr kumimoji="1" lang="ja-JP" altLang="en-US" sz="2000" dirty="0" smtClean="0"/>
+              <a:t>画面の表示</a:t>
             </a:r>
             <a:r>
               <a:rPr kumimoji="1" lang="en-US" altLang="ja-JP" sz="2000" dirty="0" smtClean="0"/>
@@ -5971,7 +6142,7 @@
         <p:spPr>
           <a:xfrm>
             <a:off x="6929608" y="174567"/>
-            <a:ext cx="3722023" cy="6616929"/>
+            <a:ext cx="3722022" cy="6616929"/>
           </a:xfrm>
           <a:prstGeom prst="rect">
             <a:avLst/>
@@ -6049,13 +6220,13 @@
       </p:sp>
       <p:sp>
         <p:nvSpPr>
-          <p:cNvPr id="6" name="楕円 5"/>
+          <p:cNvPr id="7" name="楕円 6"/>
           <p:cNvSpPr/>
           <p:nvPr/>
         </p:nvSpPr>
         <p:spPr>
           <a:xfrm>
-            <a:off x="7243157" y="4824153"/>
+            <a:off x="7361372" y="4911618"/>
             <a:ext cx="324196" cy="299258"/>
           </a:xfrm>
           <a:prstGeom prst="ellipse">
@@ -6113,13 +6284,13 @@
       </p:sp>
       <p:sp>
         <p:nvSpPr>
-          <p:cNvPr id="7" name="楕円 6"/>
+          <p:cNvPr id="8" name="楕円 7"/>
           <p:cNvSpPr/>
           <p:nvPr/>
         </p:nvSpPr>
         <p:spPr>
           <a:xfrm>
-            <a:off x="8790619" y="4824153"/>
+            <a:off x="8790619" y="4911618"/>
             <a:ext cx="324196" cy="299258"/>
           </a:xfrm>
           <a:prstGeom prst="ellipse">
@@ -6177,13 +6348,13 @@
       </p:sp>
       <p:sp>
         <p:nvSpPr>
-          <p:cNvPr id="8" name="楕円 7"/>
+          <p:cNvPr id="11" name="楕円 10"/>
           <p:cNvSpPr/>
           <p:nvPr/>
         </p:nvSpPr>
         <p:spPr>
           <a:xfrm>
-            <a:off x="6918961" y="6403571"/>
+            <a:off x="7037176" y="5950347"/>
             <a:ext cx="324196" cy="299258"/>
           </a:xfrm>
           <a:prstGeom prst="ellipse">
@@ -6241,13 +6412,13 @@
       </p:sp>
       <p:sp>
         <p:nvSpPr>
-          <p:cNvPr id="11" name="楕円 10"/>
+          <p:cNvPr id="12" name="楕円 11"/>
           <p:cNvSpPr/>
           <p:nvPr/>
         </p:nvSpPr>
         <p:spPr>
           <a:xfrm>
-            <a:off x="9514987" y="6403571"/>
+            <a:off x="9677085" y="5959624"/>
             <a:ext cx="324196" cy="299258"/>
           </a:xfrm>
           <a:prstGeom prst="ellipse">
@@ -6357,7 +6528,7 @@
           <a:p>
             <a:r>
               <a:rPr kumimoji="1" lang="ja-JP" altLang="en-US" sz="4000" b="1" dirty="0" smtClean="0"/>
-              <a:t>オプション画面</a:t>
+              <a:t>オプションウィンドウ</a:t>
             </a:r>
             <a:endParaRPr kumimoji="1" lang="ja-JP" altLang="en-US" sz="4000" b="1" dirty="0"/>
           </a:p>
@@ -6478,35 +6649,9 @@
             </a:pPr>
             <a:r>
               <a:rPr kumimoji="1" lang="ja-JP" altLang="en-US" sz="2000" dirty="0" smtClean="0"/>
-              <a:t>育成キャラの名前を付け直すボタン</a:t>
+              <a:t>オプションウィンドウ</a:t>
             </a:r>
             <a:endParaRPr kumimoji="1" lang="en-US" altLang="ja-JP" sz="2000" dirty="0" smtClean="0"/>
-          </a:p>
-          <a:p>
-            <a:pPr marL="457200" indent="-457200">
-              <a:buFont typeface="+mj-ea"/>
-              <a:buAutoNum type="circleNumDbPlain"/>
-            </a:pPr>
-            <a:r>
-              <a:rPr lang="ja-JP" altLang="en-US" sz="2000" dirty="0" smtClean="0"/>
-              <a:t>育成をリセットして初めからやり直す</a:t>
-            </a:r>
-            <a:r>
-              <a:rPr lang="ja-JP" altLang="en-US" sz="2000" dirty="0" smtClean="0"/>
-              <a:t>ボタン</a:t>
-            </a:r>
-            <a:endParaRPr lang="en-US" altLang="ja-JP" sz="2000" dirty="0" smtClean="0"/>
-          </a:p>
-          <a:p>
-            <a:pPr marL="457200" indent="-457200">
-              <a:buFont typeface="+mj-ea"/>
-              <a:buAutoNum type="circleNumDbPlain"/>
-            </a:pPr>
-            <a:r>
-              <a:rPr kumimoji="1" lang="ja-JP" altLang="en-US" sz="2000" dirty="0"/>
-              <a:t>オプション画面を閉じるボタン</a:t>
-            </a:r>
-            <a:endParaRPr kumimoji="1" lang="ja-JP" altLang="en-US" sz="2000" dirty="0"/>
           </a:p>
         </p:txBody>
       </p:sp>
@@ -6533,7 +6678,7 @@
         <p:spPr>
           <a:xfrm>
             <a:off x="6929608" y="174567"/>
-            <a:ext cx="3722022" cy="6616929"/>
+            <a:ext cx="3722022" cy="6616928"/>
           </a:xfrm>
           <a:prstGeom prst="rect">
             <a:avLst/>
@@ -6809,7 +6954,7 @@
         </p:nvSpPr>
         <p:spPr>
           <a:xfrm>
-            <a:off x="8061831" y="3730908"/>
+            <a:off x="9194632" y="3738438"/>
             <a:ext cx="324196" cy="299258"/>
           </a:xfrm>
           <a:prstGeom prst="ellipse">
@@ -6860,134 +7005,6 @@
                 </a:effectLst>
               </a:rPr>
               <a:t>5</a:t>
-            </a:r>
-            <a:endParaRPr kumimoji="1" lang="ja-JP" altLang="en-US" dirty="0"/>
-          </a:p>
-        </p:txBody>
-      </p:sp>
-      <p:sp>
-        <p:nvSpPr>
-          <p:cNvPr id="14" name="楕円 13"/>
-          <p:cNvSpPr/>
-          <p:nvPr/>
-        </p:nvSpPr>
-        <p:spPr>
-          <a:xfrm>
-            <a:off x="9194632" y="3730908"/>
-            <a:ext cx="324196" cy="299258"/>
-          </a:xfrm>
-          <a:prstGeom prst="ellipse">
-            <a:avLst/>
-          </a:prstGeom>
-          <a:solidFill>
-            <a:schemeClr val="bg1"/>
-          </a:solidFill>
-          <a:ln>
-            <a:solidFill>
-              <a:schemeClr val="tx1"/>
-            </a:solidFill>
-          </a:ln>
-        </p:spPr>
-        <p:style>
-          <a:lnRef idx="2">
-            <a:schemeClr val="accent1">
-              <a:shade val="50000"/>
-            </a:schemeClr>
-          </a:lnRef>
-          <a:fillRef idx="1">
-            <a:schemeClr val="accent1"/>
-          </a:fillRef>
-          <a:effectRef idx="0">
-            <a:schemeClr val="accent1"/>
-          </a:effectRef>
-          <a:fontRef idx="minor">
-            <a:schemeClr val="lt1"/>
-          </a:fontRef>
-        </p:style>
-        <p:txBody>
-          <a:bodyPr rtlCol="0" anchor="ctr"/>
-          <a:lstStyle/>
-          <a:p>
-            <a:pPr algn="ctr"/>
-            <a:r>
-              <a:rPr lang="en-US" altLang="ja-JP" dirty="0">
-                <a:ln w="0"/>
-                <a:solidFill>
-                  <a:schemeClr val="tx1"/>
-                </a:solidFill>
-                <a:effectLst>
-                  <a:outerShdw blurRad="38100" dist="19050" dir="2700000" algn="tl" rotWithShape="0">
-                    <a:schemeClr val="dk1">
-                      <a:alpha val="40000"/>
-                    </a:schemeClr>
-                  </a:outerShdw>
-                </a:effectLst>
-              </a:rPr>
-              <a:t>6</a:t>
-            </a:r>
-            <a:endParaRPr kumimoji="1" lang="ja-JP" altLang="en-US" dirty="0"/>
-          </a:p>
-        </p:txBody>
-      </p:sp>
-      <p:sp>
-        <p:nvSpPr>
-          <p:cNvPr id="12" name="楕円 11"/>
-          <p:cNvSpPr/>
-          <p:nvPr/>
-        </p:nvSpPr>
-        <p:spPr>
-          <a:xfrm>
-            <a:off x="9194632" y="4344484"/>
-            <a:ext cx="324196" cy="299258"/>
-          </a:xfrm>
-          <a:prstGeom prst="ellipse">
-            <a:avLst/>
-          </a:prstGeom>
-          <a:solidFill>
-            <a:schemeClr val="bg1"/>
-          </a:solidFill>
-          <a:ln>
-            <a:solidFill>
-              <a:schemeClr val="tx1"/>
-            </a:solidFill>
-          </a:ln>
-        </p:spPr>
-        <p:style>
-          <a:lnRef idx="2">
-            <a:schemeClr val="accent1">
-              <a:shade val="50000"/>
-            </a:schemeClr>
-          </a:lnRef>
-          <a:fillRef idx="1">
-            <a:schemeClr val="accent1"/>
-          </a:fillRef>
-          <a:effectRef idx="0">
-            <a:schemeClr val="accent1"/>
-          </a:effectRef>
-          <a:fontRef idx="minor">
-            <a:schemeClr val="lt1"/>
-          </a:fontRef>
-        </p:style>
-        <p:txBody>
-          <a:bodyPr rtlCol="0" anchor="ctr"/>
-          <a:lstStyle/>
-          <a:p>
-            <a:pPr algn="ctr"/>
-            <a:r>
-              <a:rPr lang="en-US" altLang="ja-JP" dirty="0">
-                <a:ln w="0"/>
-                <a:solidFill>
-                  <a:schemeClr val="tx1"/>
-                </a:solidFill>
-                <a:effectLst>
-                  <a:outerShdw blurRad="38100" dist="19050" dir="2700000" algn="tl" rotWithShape="0">
-                    <a:schemeClr val="dk1">
-                      <a:alpha val="40000"/>
-                    </a:schemeClr>
-                  </a:outerShdw>
-                </a:effectLst>
-              </a:rPr>
-              <a:t>7</a:t>
             </a:r>
             <a:endParaRPr kumimoji="1" lang="ja-JP" altLang="en-US" dirty="0"/>
           </a:p>
@@ -7035,8 +7052,8 @@
         </p:nvSpPr>
         <p:spPr>
           <a:xfrm>
-            <a:off x="839788" y="457200"/>
-            <a:ext cx="5502823" cy="1600200"/>
+            <a:off x="203683" y="457200"/>
+            <a:ext cx="6944539" cy="1600200"/>
           </a:xfrm>
         </p:spPr>
         <p:txBody>
@@ -7051,7 +7068,7 @@
             </a:r>
             <a:r>
               <a:rPr lang="ja-JP" altLang="en-US" sz="4000" b="1" dirty="0" smtClean="0"/>
-              <a:t>選択画面</a:t>
+              <a:t>選択ウィンドウ</a:t>
             </a:r>
             <a:r>
               <a:rPr kumimoji="1" lang="ja-JP" altLang="en-US" sz="4000" b="1" dirty="0" smtClean="0"/>
@@ -7073,8 +7090,8 @@
         </p:nvSpPr>
         <p:spPr>
           <a:xfrm>
-            <a:off x="839788" y="2057400"/>
-            <a:ext cx="5990382" cy="3811588"/>
+            <a:off x="556591" y="2057400"/>
+            <a:ext cx="6273579" cy="3811588"/>
           </a:xfrm>
         </p:spPr>
         <p:txBody>
@@ -7084,12 +7101,16 @@
           <a:lstStyle/>
           <a:p>
             <a:r>
-              <a:rPr lang="en-US" altLang="ja-JP" sz="2000" dirty="0"/>
-              <a:t>※</a:t>
-            </a:r>
-            <a:r>
-              <a:rPr lang="ja-JP" altLang="en-US" sz="2000" dirty="0" smtClean="0"/>
-              <a:t>赤線内</a:t>
+              <a:rPr kumimoji="1" lang="ja-JP" altLang="en-US" sz="2000" dirty="0" smtClean="0"/>
+              <a:t>ホームの</a:t>
+            </a:r>
+            <a:r>
+              <a:rPr kumimoji="1" lang="en-US" altLang="ja-JP" sz="2000" dirty="0" smtClean="0"/>
+              <a:t>UI</a:t>
+            </a:r>
+            <a:r>
+              <a:rPr kumimoji="1" lang="ja-JP" altLang="en-US" sz="2000" dirty="0" smtClean="0"/>
+              <a:t>を全て非表示にする</a:t>
             </a:r>
             <a:endParaRPr kumimoji="1" lang="en-US" altLang="ja-JP" sz="2000" dirty="0" smtClean="0"/>
           </a:p>
@@ -7099,20 +7120,20 @@
               <a:buAutoNum type="circleNumDbPlain"/>
             </a:pPr>
             <a:r>
-              <a:rPr kumimoji="1" lang="en-US" altLang="ja-JP" sz="2000" dirty="0" smtClean="0"/>
-              <a:t>Stage Select</a:t>
-            </a:r>
-            <a:r>
-              <a:rPr kumimoji="1" lang="ja-JP" altLang="en-US" sz="2000" dirty="0" smtClean="0"/>
-              <a:t>の</a:t>
-            </a:r>
-            <a:r>
-              <a:rPr kumimoji="1" lang="en-US" altLang="ja-JP" sz="2000" dirty="0" smtClean="0"/>
-              <a:t>text</a:t>
-            </a:r>
-            <a:r>
-              <a:rPr kumimoji="1" lang="ja-JP" altLang="en-US" sz="2000" dirty="0" smtClean="0"/>
+              <a:rPr lang="ja-JP" altLang="en-US" sz="2000" dirty="0"/>
+              <a:t>ステージを</a:t>
+            </a:r>
+            <a:r>
+              <a:rPr lang="ja-JP" altLang="en-US" sz="2000" dirty="0" smtClean="0"/>
+              <a:t>表す文字と画像</a:t>
+            </a:r>
+            <a:r>
+              <a:rPr lang="ja-JP" altLang="en-US" sz="2000" dirty="0"/>
               <a:t>を表示</a:t>
+            </a:r>
+            <a:r>
+              <a:rPr lang="ja-JP" altLang="en-US" sz="2000" dirty="0" smtClean="0"/>
+              <a:t>する　　　　（スワイプをすることでステージを選択できる）</a:t>
             </a:r>
             <a:endParaRPr kumimoji="1" lang="en-US" altLang="ja-JP" sz="2000" dirty="0" smtClean="0"/>
           </a:p>
@@ -7123,7 +7144,7 @@
             </a:pPr>
             <a:r>
               <a:rPr kumimoji="1" lang="ja-JP" altLang="en-US" sz="2000" dirty="0" smtClean="0"/>
-              <a:t>各アクションシーンへ遷移するボタン　　　（きらめきの量に応じてステージ開放）</a:t>
+              <a:t>ウィンドウを閉じるボタン</a:t>
             </a:r>
             <a:endParaRPr kumimoji="1" lang="en-US" altLang="ja-JP" sz="2000" dirty="0" smtClean="0"/>
           </a:p>
@@ -7134,12 +7155,19 @@
             </a:pPr>
             <a:r>
               <a:rPr lang="ja-JP" altLang="en-US" sz="2000" dirty="0"/>
-              <a:t>ステージ選択画面</a:t>
+              <a:t>選択したステージ</a:t>
             </a:r>
             <a:r>
               <a:rPr lang="ja-JP" altLang="en-US" sz="2000" dirty="0" smtClean="0"/>
-              <a:t>を閉じるボタン</a:t>
-            </a:r>
+              <a:t>のシーンへ遷移するボタン</a:t>
+            </a:r>
+            <a:endParaRPr kumimoji="1" lang="en-US" altLang="ja-JP" sz="2000" dirty="0" smtClean="0"/>
+          </a:p>
+          <a:p>
+            <a:pPr marL="457200" indent="-457200">
+              <a:buFont typeface="+mj-ea"/>
+              <a:buAutoNum type="circleNumDbPlain"/>
+            </a:pPr>
             <a:endParaRPr kumimoji="1" lang="en-US" altLang="ja-JP" sz="2000" dirty="0" smtClean="0"/>
           </a:p>
         </p:txBody>
@@ -7167,7 +7195,7 @@
         <p:spPr>
           <a:xfrm>
             <a:off x="6929608" y="174567"/>
-            <a:ext cx="3722022" cy="6616929"/>
+            <a:ext cx="3722022" cy="6616928"/>
           </a:xfrm>
           <a:prstGeom prst="rect">
             <a:avLst/>
@@ -7187,7 +7215,7 @@
         </p:nvSpPr>
         <p:spPr>
           <a:xfrm>
-            <a:off x="7047131" y="1412803"/>
+            <a:off x="7295836" y="569965"/>
             <a:ext cx="324196" cy="299258"/>
           </a:xfrm>
           <a:prstGeom prst="ellipse">
@@ -7251,7 +7279,7 @@
         </p:nvSpPr>
         <p:spPr>
           <a:xfrm>
-            <a:off x="7047131" y="2077519"/>
+            <a:off x="6971640" y="5893625"/>
             <a:ext cx="324196" cy="299258"/>
           </a:xfrm>
           <a:prstGeom prst="ellipse">
@@ -7315,7 +7343,7 @@
         </p:nvSpPr>
         <p:spPr>
           <a:xfrm>
-            <a:off x="9028331" y="4249550"/>
+            <a:off x="8790619" y="5893625"/>
             <a:ext cx="324196" cy="299258"/>
           </a:xfrm>
           <a:prstGeom prst="ellipse">
@@ -7723,7 +7751,7 @@
           <a:p>
             <a:r>
               <a:rPr kumimoji="1" lang="ja-JP" altLang="en-US" sz="4000" b="1" dirty="0" smtClean="0"/>
-              <a:t>ポーズ画面仕様</a:t>
+              <a:t>ポーズウィンドウ仕様</a:t>
             </a:r>
             <a:endParaRPr kumimoji="1" lang="ja-JP" altLang="en-US" sz="4000" b="1" dirty="0"/>
           </a:p>
@@ -7752,14 +7780,18 @@
           <a:lstStyle/>
           <a:p>
             <a:r>
-              <a:rPr lang="en-US" altLang="ja-JP" sz="2000" dirty="0"/>
-              <a:t>※</a:t>
-            </a:r>
-            <a:r>
               <a:rPr lang="ja-JP" altLang="en-US" sz="2000" dirty="0" smtClean="0"/>
-              <a:t>赤線内</a:t>
-            </a:r>
-            <a:endParaRPr kumimoji="1" lang="en-US" altLang="ja-JP" sz="2000" dirty="0" smtClean="0"/>
+              <a:t>下の</a:t>
+            </a:r>
+            <a:r>
+              <a:rPr lang="en-US" altLang="ja-JP" sz="2000" dirty="0" smtClean="0"/>
+              <a:t>UI</a:t>
+            </a:r>
+            <a:r>
+              <a:rPr lang="ja-JP" altLang="en-US" sz="2000" dirty="0" smtClean="0"/>
+              <a:t>のみ消す</a:t>
+            </a:r>
+            <a:endParaRPr lang="en-US" altLang="ja-JP" sz="2000" dirty="0" smtClean="0"/>
           </a:p>
           <a:p>
             <a:pPr marL="457200" indent="-457200">
@@ -7852,11 +7884,7 @@
             </a:pPr>
             <a:r>
               <a:rPr lang="ja-JP" altLang="en-US" sz="2000" dirty="0" smtClean="0"/>
-              <a:t>アクションシーン</a:t>
-            </a:r>
-            <a:r>
-              <a:rPr lang="ja-JP" altLang="en-US" sz="2000" dirty="0" smtClean="0"/>
-              <a:t>をリセットしてやり直すボタン</a:t>
+              <a:t>アクションシーンをリセットしてやり直すボタン</a:t>
             </a:r>
             <a:endParaRPr lang="en-US" altLang="ja-JP" sz="2000" dirty="0" smtClean="0"/>
           </a:p>
@@ -7867,11 +7895,7 @@
             </a:pPr>
             <a:r>
               <a:rPr lang="ja-JP" altLang="en-US" sz="2000" dirty="0" smtClean="0"/>
-              <a:t>ホームシーンへ</a:t>
-            </a:r>
-            <a:r>
-              <a:rPr lang="ja-JP" altLang="en-US" sz="2000" dirty="0" smtClean="0"/>
-              <a:t>遷移するボタン</a:t>
+              <a:t>ホームシーンへ遷移するボタン</a:t>
             </a:r>
             <a:endParaRPr lang="ja-JP" altLang="en-US" sz="2000" dirty="0"/>
           </a:p>
@@ -7907,7 +7931,7 @@
         <p:spPr>
           <a:xfrm>
             <a:off x="6929608" y="174567"/>
-            <a:ext cx="3722022" cy="6616929"/>
+            <a:ext cx="3722022" cy="6616928"/>
           </a:xfrm>
           <a:prstGeom prst="rect">
             <a:avLst/>
@@ -7927,7 +7951,7 @@
         </p:nvSpPr>
         <p:spPr>
           <a:xfrm>
-            <a:off x="6990569" y="1563877"/>
+            <a:off x="7033517" y="1839946"/>
             <a:ext cx="324196" cy="299258"/>
           </a:xfrm>
           <a:prstGeom prst="ellipse">
@@ -7991,7 +8015,7 @@
         </p:nvSpPr>
         <p:spPr>
           <a:xfrm>
-            <a:off x="7033517" y="2238657"/>
+            <a:off x="7226683" y="2435724"/>
             <a:ext cx="324196" cy="299258"/>
           </a:xfrm>
           <a:prstGeom prst="ellipse">
@@ -8055,7 +8079,7 @@
         </p:nvSpPr>
         <p:spPr>
           <a:xfrm>
-            <a:off x="7033517" y="2685255"/>
+            <a:off x="7195615" y="2980062"/>
             <a:ext cx="324196" cy="299258"/>
           </a:xfrm>
           <a:prstGeom prst="ellipse">
@@ -8119,7 +8143,7 @@
         </p:nvSpPr>
         <p:spPr>
           <a:xfrm>
-            <a:off x="7176219" y="3330759"/>
+            <a:off x="7015430" y="3467975"/>
             <a:ext cx="324196" cy="299258"/>
           </a:xfrm>
           <a:prstGeom prst="ellipse">
@@ -8183,7 +8207,7 @@
         </p:nvSpPr>
         <p:spPr>
           <a:xfrm>
-            <a:off x="8253275" y="3330759"/>
+            <a:off x="8119765" y="3467975"/>
             <a:ext cx="324196" cy="299258"/>
           </a:xfrm>
           <a:prstGeom prst="ellipse">
@@ -8247,7 +8271,7 @@
         </p:nvSpPr>
         <p:spPr>
           <a:xfrm>
-            <a:off x="9224101" y="3330759"/>
+            <a:off x="9303112" y="3467975"/>
             <a:ext cx="324196" cy="299258"/>
           </a:xfrm>
           <a:prstGeom prst="ellipse">

--- a/Etc/仕様書/siyousho.pptx
+++ b/Etc/仕様書/siyousho.pptx
@@ -17,6 +17,8 @@
     <p:sldId id="266" r:id="rId11"/>
     <p:sldId id="260" r:id="rId12"/>
     <p:sldId id="261" r:id="rId13"/>
+    <p:sldId id="271" r:id="rId14"/>
+    <p:sldId id="272" r:id="rId15"/>
   </p:sldIdLst>
   <p:sldSz cx="12192000" cy="6858000"/>
   <p:notesSz cx="6858000" cy="9144000"/>
@@ -254,7 +256,7 @@
           <a:p>
             <a:fld id="{ABC0C50C-D3D9-4406-9172-E3E35DFBA9D5}" type="datetimeFigureOut">
               <a:rPr kumimoji="1" lang="ja-JP" altLang="en-US" smtClean="0"/>
-              <a:t>2023/7/12</a:t>
+              <a:t>2023/7/19</a:t>
             </a:fld>
             <a:endParaRPr kumimoji="1" lang="ja-JP" altLang="en-US"/>
           </a:p>
@@ -456,7 +458,7 @@
           <a:p>
             <a:fld id="{ABC0C50C-D3D9-4406-9172-E3E35DFBA9D5}" type="datetimeFigureOut">
               <a:rPr kumimoji="1" lang="ja-JP" altLang="en-US" smtClean="0"/>
-              <a:t>2023/7/12</a:t>
+              <a:t>2023/7/19</a:t>
             </a:fld>
             <a:endParaRPr kumimoji="1" lang="ja-JP" altLang="en-US"/>
           </a:p>
@@ -668,7 +670,7 @@
           <a:p>
             <a:fld id="{ABC0C50C-D3D9-4406-9172-E3E35DFBA9D5}" type="datetimeFigureOut">
               <a:rPr kumimoji="1" lang="ja-JP" altLang="en-US" smtClean="0"/>
-              <a:t>2023/7/12</a:t>
+              <a:t>2023/7/19</a:t>
             </a:fld>
             <a:endParaRPr kumimoji="1" lang="ja-JP" altLang="en-US"/>
           </a:p>
@@ -870,7 +872,7 @@
           <a:p>
             <a:fld id="{ABC0C50C-D3D9-4406-9172-E3E35DFBA9D5}" type="datetimeFigureOut">
               <a:rPr kumimoji="1" lang="ja-JP" altLang="en-US" smtClean="0"/>
-              <a:t>2023/7/12</a:t>
+              <a:t>2023/7/19</a:t>
             </a:fld>
             <a:endParaRPr kumimoji="1" lang="ja-JP" altLang="en-US"/>
           </a:p>
@@ -1116,7 +1118,7 @@
           <a:p>
             <a:fld id="{ABC0C50C-D3D9-4406-9172-E3E35DFBA9D5}" type="datetimeFigureOut">
               <a:rPr kumimoji="1" lang="ja-JP" altLang="en-US" smtClean="0"/>
-              <a:t>2023/7/12</a:t>
+              <a:t>2023/7/19</a:t>
             </a:fld>
             <a:endParaRPr kumimoji="1" lang="ja-JP" altLang="en-US"/>
           </a:p>
@@ -1412,7 +1414,7 @@
           <a:p>
             <a:fld id="{ABC0C50C-D3D9-4406-9172-E3E35DFBA9D5}" type="datetimeFigureOut">
               <a:rPr kumimoji="1" lang="ja-JP" altLang="en-US" smtClean="0"/>
-              <a:t>2023/7/12</a:t>
+              <a:t>2023/7/19</a:t>
             </a:fld>
             <a:endParaRPr kumimoji="1" lang="ja-JP" altLang="en-US"/>
           </a:p>
@@ -1843,7 +1845,7 @@
           <a:p>
             <a:fld id="{ABC0C50C-D3D9-4406-9172-E3E35DFBA9D5}" type="datetimeFigureOut">
               <a:rPr kumimoji="1" lang="ja-JP" altLang="en-US" smtClean="0"/>
-              <a:t>2023/7/12</a:t>
+              <a:t>2023/7/19</a:t>
             </a:fld>
             <a:endParaRPr kumimoji="1" lang="ja-JP" altLang="en-US"/>
           </a:p>
@@ -1961,7 +1963,7 @@
           <a:p>
             <a:fld id="{ABC0C50C-D3D9-4406-9172-E3E35DFBA9D5}" type="datetimeFigureOut">
               <a:rPr kumimoji="1" lang="ja-JP" altLang="en-US" smtClean="0"/>
-              <a:t>2023/7/12</a:t>
+              <a:t>2023/7/19</a:t>
             </a:fld>
             <a:endParaRPr kumimoji="1" lang="ja-JP" altLang="en-US"/>
           </a:p>
@@ -2056,7 +2058,7 @@
           <a:p>
             <a:fld id="{ABC0C50C-D3D9-4406-9172-E3E35DFBA9D5}" type="datetimeFigureOut">
               <a:rPr kumimoji="1" lang="ja-JP" altLang="en-US" smtClean="0"/>
-              <a:t>2023/7/12</a:t>
+              <a:t>2023/7/19</a:t>
             </a:fld>
             <a:endParaRPr kumimoji="1" lang="ja-JP" altLang="en-US"/>
           </a:p>
@@ -2365,7 +2367,7 @@
           <a:p>
             <a:fld id="{ABC0C50C-D3D9-4406-9172-E3E35DFBA9D5}" type="datetimeFigureOut">
               <a:rPr kumimoji="1" lang="ja-JP" altLang="en-US" smtClean="0"/>
-              <a:t>2023/7/12</a:t>
+              <a:t>2023/7/19</a:t>
             </a:fld>
             <a:endParaRPr kumimoji="1" lang="ja-JP" altLang="en-US"/>
           </a:p>
@@ -2618,7 +2620,7 @@
           <a:p>
             <a:fld id="{ABC0C50C-D3D9-4406-9172-E3E35DFBA9D5}" type="datetimeFigureOut">
               <a:rPr kumimoji="1" lang="ja-JP" altLang="en-US" smtClean="0"/>
-              <a:t>2023/7/12</a:t>
+              <a:t>2023/7/19</a:t>
             </a:fld>
             <a:endParaRPr kumimoji="1" lang="ja-JP" altLang="en-US"/>
           </a:p>
@@ -2863,7 +2865,7 @@
           <a:p>
             <a:fld id="{ABC0C50C-D3D9-4406-9172-E3E35DFBA9D5}" type="datetimeFigureOut">
               <a:rPr kumimoji="1" lang="ja-JP" altLang="en-US" smtClean="0"/>
-              <a:t>2023/7/12</a:t>
+              <a:t>2023/7/19</a:t>
             </a:fld>
             <a:endParaRPr kumimoji="1" lang="ja-JP" altLang="en-US"/>
           </a:p>
@@ -4382,11 +4384,7 @@
             </a:r>
             <a:r>
               <a:rPr lang="ja-JP" altLang="en-US" sz="2000" dirty="0" smtClean="0"/>
-              <a:t>で</a:t>
-            </a:r>
-            <a:r>
-              <a:rPr lang="ja-JP" altLang="en-US" sz="2000" dirty="0" smtClean="0"/>
-              <a:t>表示</a:t>
+              <a:t>で表示</a:t>
             </a:r>
             <a:endParaRPr lang="en-US" altLang="ja-JP" sz="2000" dirty="0" smtClean="0"/>
           </a:p>
@@ -4424,11 +4422,7 @@
             </a:pPr>
             <a:r>
               <a:rPr lang="ja-JP" altLang="en-US" sz="2000" dirty="0" smtClean="0"/>
-              <a:t>アイテム</a:t>
-            </a:r>
-            <a:r>
-              <a:rPr lang="ja-JP" altLang="en-US" sz="2000" dirty="0" smtClean="0"/>
-              <a:t>使用のボタン、ボタンを押すと数字</a:t>
+              <a:t>アイテム使用のボタン、ボタンを押すと数字</a:t>
             </a:r>
             <a:endParaRPr lang="en-US" altLang="ja-JP" sz="2000" dirty="0"/>
           </a:p>
@@ -4443,11 +4437,7 @@
             </a:r>
             <a:r>
               <a:rPr lang="ja-JP" altLang="en-US" sz="2000" dirty="0" smtClean="0"/>
-              <a:t>が減りゲージが増加</a:t>
-            </a:r>
-            <a:r>
-              <a:rPr lang="ja-JP" altLang="en-US" sz="2000" dirty="0" smtClean="0"/>
-              <a:t>する</a:t>
+              <a:t>が減りゲージが増加する</a:t>
             </a:r>
             <a:endParaRPr lang="en-US" altLang="ja-JP" sz="2000" dirty="0"/>
           </a:p>
@@ -4458,15 +4448,7 @@
             </a:pPr>
             <a:r>
               <a:rPr kumimoji="1" lang="ja-JP" altLang="en-US" sz="2000" dirty="0" smtClean="0"/>
-              <a:t>ホームシーン</a:t>
-            </a:r>
-            <a:r>
-              <a:rPr kumimoji="1" lang="ja-JP" altLang="en-US" sz="2000" dirty="0" smtClean="0"/>
-              <a:t>へ遷移する</a:t>
-            </a:r>
-            <a:r>
-              <a:rPr kumimoji="1" lang="ja-JP" altLang="en-US" sz="2000" dirty="0" smtClean="0"/>
-              <a:t>ボタン</a:t>
+              <a:t>ホームシーンへ遷移するボタン</a:t>
             </a:r>
             <a:endParaRPr lang="en-US" altLang="ja-JP" sz="2000" dirty="0"/>
           </a:p>
@@ -4481,11 +4463,7 @@
             </a:r>
             <a:r>
               <a:rPr kumimoji="1" lang="ja-JP" altLang="en-US" sz="2000" dirty="0" smtClean="0"/>
-              <a:t>投稿</a:t>
-            </a:r>
-            <a:r>
-              <a:rPr kumimoji="1" lang="ja-JP" altLang="en-US" sz="2000" dirty="0" smtClean="0"/>
-              <a:t>画面</a:t>
+              <a:t>投稿画面</a:t>
             </a:r>
             <a:r>
               <a:rPr lang="ja-JP" altLang="en-US" sz="2000" dirty="0" smtClean="0"/>
@@ -5435,6 +5413,1004 @@
     <p:extLst>
       <p:ext uri="{BB962C8B-B14F-4D97-AF65-F5344CB8AC3E}">
         <p14:creationId xmlns:p14="http://schemas.microsoft.com/office/powerpoint/2010/main" val="3783962368"/>
+      </p:ext>
+    </p:extLst>
+  </p:cSld>
+  <p:clrMapOvr>
+    <a:masterClrMapping/>
+  </p:clrMapOvr>
+</p:sld>
+</file>
+
+<file path=ppt/slides/slide13.xml><?xml version="1.0" encoding="utf-8"?>
+<p:sld xmlns:a="http://schemas.openxmlformats.org/drawingml/2006/main" xmlns:r="http://schemas.openxmlformats.org/officeDocument/2006/relationships" xmlns:p="http://schemas.openxmlformats.org/presentationml/2006/main">
+  <p:cSld>
+    <p:spTree>
+      <p:nvGrpSpPr>
+        <p:cNvPr id="1" name=""/>
+        <p:cNvGrpSpPr/>
+        <p:nvPr/>
+      </p:nvGrpSpPr>
+      <p:grpSpPr>
+        <a:xfrm>
+          <a:off x="0" y="0"/>
+          <a:ext cx="0" cy="0"/>
+          <a:chOff x="0" y="0"/>
+          <a:chExt cx="0" cy="0"/>
+        </a:xfrm>
+      </p:grpSpPr>
+      <p:sp>
+        <p:nvSpPr>
+          <p:cNvPr id="2" name="タイトル 1"/>
+          <p:cNvSpPr>
+            <a:spLocks noGrp="1"/>
+          </p:cNvSpPr>
+          <p:nvPr>
+            <p:ph type="title"/>
+          </p:nvPr>
+        </p:nvSpPr>
+        <p:spPr>
+          <a:xfrm>
+            <a:off x="839788" y="457200"/>
+            <a:ext cx="5502823" cy="1600200"/>
+          </a:xfrm>
+        </p:spPr>
+        <p:txBody>
+          <a:bodyPr>
+            <a:normAutofit/>
+          </a:bodyPr>
+          <a:lstStyle/>
+          <a:p>
+            <a:r>
+              <a:rPr kumimoji="1" lang="ja-JP" altLang="en-US" sz="4000" b="1" dirty="0" smtClean="0"/>
+              <a:t>ステージ</a:t>
+            </a:r>
+            <a:r>
+              <a:rPr kumimoji="1" lang="en-US" altLang="ja-JP" sz="4000" b="1" dirty="0" smtClean="0"/>
+              <a:t>2</a:t>
+            </a:r>
+            <a:r>
+              <a:rPr kumimoji="1" lang="ja-JP" altLang="en-US" sz="4000" b="1" dirty="0" smtClean="0"/>
+              <a:t>の仕様</a:t>
+            </a:r>
+            <a:endParaRPr kumimoji="1" lang="ja-JP" altLang="en-US" sz="4000" b="1" dirty="0"/>
+          </a:p>
+        </p:txBody>
+      </p:sp>
+      <p:sp>
+        <p:nvSpPr>
+          <p:cNvPr id="4" name="テキスト プレースホルダー 3"/>
+          <p:cNvSpPr>
+            <a:spLocks noGrp="1"/>
+          </p:cNvSpPr>
+          <p:nvPr>
+            <p:ph type="body" sz="half" idx="2"/>
+          </p:nvPr>
+        </p:nvSpPr>
+        <p:spPr>
+          <a:xfrm>
+            <a:off x="839788" y="2057400"/>
+            <a:ext cx="5502823" cy="3811588"/>
+          </a:xfrm>
+        </p:spPr>
+        <p:txBody>
+          <a:bodyPr>
+            <a:normAutofit/>
+          </a:bodyPr>
+          <a:lstStyle/>
+          <a:p>
+            <a:pPr marL="457200" indent="-457200">
+              <a:buFont typeface="+mj-ea"/>
+              <a:buAutoNum type="circleNumDbPlain"/>
+            </a:pPr>
+            <a:r>
+              <a:rPr lang="ja-JP" altLang="en-US" sz="2000" dirty="0" smtClean="0"/>
+              <a:t>ステージ２では、ベタベタが追加されるのでベタベタを使用して行く要素を追加</a:t>
+            </a:r>
+            <a:endParaRPr lang="en-US" altLang="ja-JP" sz="2000" dirty="0" smtClean="0"/>
+          </a:p>
+          <a:p>
+            <a:pPr marL="457200" indent="-457200">
+              <a:buFont typeface="+mj-ea"/>
+              <a:buAutoNum type="circleNumDbPlain"/>
+            </a:pPr>
+            <a:r>
+              <a:rPr kumimoji="1" lang="ja-JP" altLang="en-US" sz="2000" dirty="0"/>
+              <a:t>ベタベタで</a:t>
+            </a:r>
+            <a:r>
+              <a:rPr kumimoji="1" lang="ja-JP" altLang="en-US" sz="2000" dirty="0" smtClean="0"/>
+              <a:t>はスムーズに進めるが、ベタベタ以外ではスムーズに進めない仕様</a:t>
+            </a:r>
+            <a:endParaRPr kumimoji="1" lang="en-US" altLang="ja-JP" sz="2000" dirty="0" smtClean="0"/>
+          </a:p>
+          <a:p>
+            <a:pPr marL="457200" indent="-457200">
+              <a:buFont typeface="+mj-ea"/>
+              <a:buAutoNum type="circleNumDbPlain"/>
+            </a:pPr>
+            <a:r>
+              <a:rPr lang="ja-JP" altLang="en-US" sz="2000" dirty="0" smtClean="0"/>
+              <a:t>ベタベタアイテムが追加</a:t>
+            </a:r>
+            <a:r>
+              <a:rPr lang="en-US" altLang="ja-JP" sz="2000" dirty="0" smtClean="0"/>
+              <a:t>(</a:t>
+            </a:r>
+            <a:r>
+              <a:rPr lang="ja-JP" altLang="en-US" sz="2000" dirty="0" smtClean="0"/>
+              <a:t>　</a:t>
+            </a:r>
+            <a:r>
+              <a:rPr lang="en-US" altLang="ja-JP" sz="2000" dirty="0" smtClean="0"/>
+              <a:t>)</a:t>
+            </a:r>
+            <a:endParaRPr kumimoji="1" lang="en-US" altLang="ja-JP" sz="2000" dirty="0" smtClean="0"/>
+          </a:p>
+        </p:txBody>
+      </p:sp>
+      <p:pic>
+        <p:nvPicPr>
+          <p:cNvPr id="9" name="図 8"/>
+          <p:cNvPicPr>
+            <a:picLocks noChangeAspect="1"/>
+          </p:cNvPicPr>
+          <p:nvPr/>
+        </p:nvPicPr>
+        <p:blipFill>
+          <a:blip r:embed="rId2" cstate="print">
+            <a:extLst>
+              <a:ext uri="{28A0092B-C50C-407E-A947-70E740481C1C}">
+                <a14:useLocalDpi xmlns:a14="http://schemas.microsoft.com/office/drawing/2010/main" val="0"/>
+              </a:ext>
+            </a:extLst>
+          </a:blip>
+          <a:stretch>
+            <a:fillRect/>
+          </a:stretch>
+        </p:blipFill>
+        <p:spPr>
+          <a:xfrm>
+            <a:off x="6929608" y="174566"/>
+            <a:ext cx="3722023" cy="6616931"/>
+          </a:xfrm>
+          <a:prstGeom prst="rect">
+            <a:avLst/>
+          </a:prstGeom>
+          <a:ln w="12700">
+            <a:solidFill>
+              <a:schemeClr val="tx1"/>
+            </a:solidFill>
+          </a:ln>
+        </p:spPr>
+      </p:pic>
+      <p:sp>
+        <p:nvSpPr>
+          <p:cNvPr id="10" name="楕円 9"/>
+          <p:cNvSpPr/>
+          <p:nvPr/>
+        </p:nvSpPr>
+        <p:spPr>
+          <a:xfrm>
+            <a:off x="7248698" y="249382"/>
+            <a:ext cx="324196" cy="299258"/>
+          </a:xfrm>
+          <a:prstGeom prst="ellipse">
+            <a:avLst/>
+          </a:prstGeom>
+          <a:solidFill>
+            <a:schemeClr val="bg1"/>
+          </a:solidFill>
+          <a:ln>
+            <a:solidFill>
+              <a:schemeClr val="tx1"/>
+            </a:solidFill>
+          </a:ln>
+        </p:spPr>
+        <p:style>
+          <a:lnRef idx="2">
+            <a:schemeClr val="accent1">
+              <a:shade val="50000"/>
+            </a:schemeClr>
+          </a:lnRef>
+          <a:fillRef idx="1">
+            <a:schemeClr val="accent1"/>
+          </a:fillRef>
+          <a:effectRef idx="0">
+            <a:schemeClr val="accent1"/>
+          </a:effectRef>
+          <a:fontRef idx="minor">
+            <a:schemeClr val="lt1"/>
+          </a:fontRef>
+        </p:style>
+        <p:txBody>
+          <a:bodyPr rtlCol="0" anchor="ctr"/>
+          <a:lstStyle/>
+          <a:p>
+            <a:pPr algn="ctr"/>
+            <a:r>
+              <a:rPr lang="en-US" altLang="ja-JP" dirty="0" smtClean="0">
+                <a:ln w="0"/>
+                <a:solidFill>
+                  <a:schemeClr val="tx1"/>
+                </a:solidFill>
+                <a:effectLst>
+                  <a:outerShdw blurRad="38100" dist="19050" dir="2700000" algn="tl" rotWithShape="0">
+                    <a:schemeClr val="dk1">
+                      <a:alpha val="40000"/>
+                    </a:schemeClr>
+                  </a:outerShdw>
+                </a:effectLst>
+              </a:rPr>
+              <a:t>1</a:t>
+            </a:r>
+            <a:endParaRPr kumimoji="1" lang="ja-JP" altLang="en-US" dirty="0"/>
+          </a:p>
+        </p:txBody>
+      </p:sp>
+      <p:sp>
+        <p:nvSpPr>
+          <p:cNvPr id="6" name="楕円 5"/>
+          <p:cNvSpPr/>
+          <p:nvPr/>
+        </p:nvSpPr>
+        <p:spPr>
+          <a:xfrm>
+            <a:off x="7002087" y="709353"/>
+            <a:ext cx="324196" cy="299258"/>
+          </a:xfrm>
+          <a:prstGeom prst="ellipse">
+            <a:avLst/>
+          </a:prstGeom>
+          <a:solidFill>
+            <a:schemeClr val="bg1"/>
+          </a:solidFill>
+          <a:ln>
+            <a:solidFill>
+              <a:schemeClr val="tx1"/>
+            </a:solidFill>
+          </a:ln>
+        </p:spPr>
+        <p:style>
+          <a:lnRef idx="2">
+            <a:schemeClr val="accent1">
+              <a:shade val="50000"/>
+            </a:schemeClr>
+          </a:lnRef>
+          <a:fillRef idx="1">
+            <a:schemeClr val="accent1"/>
+          </a:fillRef>
+          <a:effectRef idx="0">
+            <a:schemeClr val="accent1"/>
+          </a:effectRef>
+          <a:fontRef idx="minor">
+            <a:schemeClr val="lt1"/>
+          </a:fontRef>
+        </p:style>
+        <p:txBody>
+          <a:bodyPr rtlCol="0" anchor="ctr"/>
+          <a:lstStyle/>
+          <a:p>
+            <a:pPr algn="ctr"/>
+            <a:r>
+              <a:rPr lang="en-US" altLang="ja-JP" dirty="0">
+                <a:ln w="0"/>
+                <a:solidFill>
+                  <a:schemeClr val="tx1"/>
+                </a:solidFill>
+                <a:effectLst>
+                  <a:outerShdw blurRad="38100" dist="19050" dir="2700000" algn="tl" rotWithShape="0">
+                    <a:schemeClr val="dk1">
+                      <a:alpha val="40000"/>
+                    </a:schemeClr>
+                  </a:outerShdw>
+                </a:effectLst>
+              </a:rPr>
+              <a:t>2</a:t>
+            </a:r>
+            <a:endParaRPr kumimoji="1" lang="ja-JP" altLang="en-US" dirty="0"/>
+          </a:p>
+        </p:txBody>
+      </p:sp>
+      <p:sp>
+        <p:nvSpPr>
+          <p:cNvPr id="7" name="楕円 6"/>
+          <p:cNvSpPr/>
+          <p:nvPr/>
+        </p:nvSpPr>
+        <p:spPr>
+          <a:xfrm>
+            <a:off x="7002087" y="5987935"/>
+            <a:ext cx="324196" cy="299258"/>
+          </a:xfrm>
+          <a:prstGeom prst="ellipse">
+            <a:avLst/>
+          </a:prstGeom>
+          <a:solidFill>
+            <a:schemeClr val="bg1"/>
+          </a:solidFill>
+          <a:ln>
+            <a:solidFill>
+              <a:schemeClr val="tx1"/>
+            </a:solidFill>
+          </a:ln>
+        </p:spPr>
+        <p:style>
+          <a:lnRef idx="2">
+            <a:schemeClr val="accent1">
+              <a:shade val="50000"/>
+            </a:schemeClr>
+          </a:lnRef>
+          <a:fillRef idx="1">
+            <a:schemeClr val="accent1"/>
+          </a:fillRef>
+          <a:effectRef idx="0">
+            <a:schemeClr val="accent1"/>
+          </a:effectRef>
+          <a:fontRef idx="minor">
+            <a:schemeClr val="lt1"/>
+          </a:fontRef>
+        </p:style>
+        <p:txBody>
+          <a:bodyPr rtlCol="0" anchor="ctr"/>
+          <a:lstStyle/>
+          <a:p>
+            <a:pPr algn="ctr"/>
+            <a:r>
+              <a:rPr lang="en-US" altLang="ja-JP" dirty="0">
+                <a:ln w="0"/>
+                <a:solidFill>
+                  <a:schemeClr val="tx1"/>
+                </a:solidFill>
+                <a:effectLst>
+                  <a:outerShdw blurRad="38100" dist="19050" dir="2700000" algn="tl" rotWithShape="0">
+                    <a:schemeClr val="dk1">
+                      <a:alpha val="40000"/>
+                    </a:schemeClr>
+                  </a:outerShdw>
+                </a:effectLst>
+              </a:rPr>
+              <a:t>3</a:t>
+            </a:r>
+            <a:endParaRPr kumimoji="1" lang="ja-JP" altLang="en-US" dirty="0"/>
+          </a:p>
+        </p:txBody>
+      </p:sp>
+      <p:sp>
+        <p:nvSpPr>
+          <p:cNvPr id="3" name="フローチャート: 結合子 2"/>
+          <p:cNvSpPr/>
+          <p:nvPr/>
+        </p:nvSpPr>
+        <p:spPr>
+          <a:xfrm>
+            <a:off x="4288717" y="3433156"/>
+            <a:ext cx="249382" cy="224444"/>
+          </a:xfrm>
+          <a:prstGeom prst="flowChartConnector">
+            <a:avLst/>
+          </a:prstGeom>
+        </p:spPr>
+        <p:style>
+          <a:lnRef idx="2">
+            <a:schemeClr val="accent6">
+              <a:shade val="50000"/>
+            </a:schemeClr>
+          </a:lnRef>
+          <a:fillRef idx="1">
+            <a:schemeClr val="accent6"/>
+          </a:fillRef>
+          <a:effectRef idx="0">
+            <a:schemeClr val="accent6"/>
+          </a:effectRef>
+          <a:fontRef idx="minor">
+            <a:schemeClr val="lt1"/>
+          </a:fontRef>
+        </p:style>
+        <p:txBody>
+          <a:bodyPr rtlCol="0" anchor="ctr"/>
+          <a:lstStyle/>
+          <a:p>
+            <a:pPr algn="ctr"/>
+            <a:endParaRPr kumimoji="1" lang="ja-JP" altLang="en-US"/>
+          </a:p>
+        </p:txBody>
+      </p:sp>
+      <p:pic>
+        <p:nvPicPr>
+          <p:cNvPr id="5" name="図 4"/>
+          <p:cNvPicPr>
+            <a:picLocks noChangeAspect="1"/>
+          </p:cNvPicPr>
+          <p:nvPr/>
+        </p:nvPicPr>
+        <p:blipFill>
+          <a:blip r:embed="rId3" cstate="print">
+            <a:extLst>
+              <a:ext uri="{28A0092B-C50C-407E-A947-70E740481C1C}">
+                <a14:useLocalDpi xmlns:a14="http://schemas.microsoft.com/office/drawing/2010/main" val="0"/>
+              </a:ext>
+            </a:extLst>
+          </a:blip>
+          <a:stretch>
+            <a:fillRect/>
+          </a:stretch>
+        </p:blipFill>
+        <p:spPr>
+          <a:xfrm>
+            <a:off x="6929607" y="174566"/>
+            <a:ext cx="3722023" cy="6616931"/>
+          </a:xfrm>
+          <a:prstGeom prst="rect">
+            <a:avLst/>
+          </a:prstGeom>
+        </p:spPr>
+      </p:pic>
+      <p:pic>
+        <p:nvPicPr>
+          <p:cNvPr id="11" name="図 10"/>
+          <p:cNvPicPr>
+            <a:picLocks noChangeAspect="1"/>
+          </p:cNvPicPr>
+          <p:nvPr/>
+        </p:nvPicPr>
+        <p:blipFill>
+          <a:blip r:embed="rId4" cstate="print">
+            <a:extLst>
+              <a:ext uri="{28A0092B-C50C-407E-A947-70E740481C1C}">
+                <a14:useLocalDpi xmlns:a14="http://schemas.microsoft.com/office/drawing/2010/main" val="0"/>
+              </a:ext>
+            </a:extLst>
+          </a:blip>
+          <a:stretch>
+            <a:fillRect/>
+          </a:stretch>
+        </p:blipFill>
+        <p:spPr>
+          <a:xfrm>
+            <a:off x="6929607" y="174566"/>
+            <a:ext cx="3722024" cy="6616932"/>
+          </a:xfrm>
+          <a:prstGeom prst="rect">
+            <a:avLst/>
+          </a:prstGeom>
+        </p:spPr>
+      </p:pic>
+    </p:spTree>
+    <p:extLst>
+      <p:ext uri="{BB962C8B-B14F-4D97-AF65-F5344CB8AC3E}">
+        <p14:creationId xmlns:p14="http://schemas.microsoft.com/office/powerpoint/2010/main" val="1628643899"/>
+      </p:ext>
+    </p:extLst>
+  </p:cSld>
+  <p:clrMapOvr>
+    <a:masterClrMapping/>
+  </p:clrMapOvr>
+</p:sld>
+</file>
+
+<file path=ppt/slides/slide14.xml><?xml version="1.0" encoding="utf-8"?>
+<p:sld xmlns:a="http://schemas.openxmlformats.org/drawingml/2006/main" xmlns:r="http://schemas.openxmlformats.org/officeDocument/2006/relationships" xmlns:p="http://schemas.openxmlformats.org/presentationml/2006/main">
+  <p:cSld>
+    <p:spTree>
+      <p:nvGrpSpPr>
+        <p:cNvPr id="1" name=""/>
+        <p:cNvGrpSpPr/>
+        <p:nvPr/>
+      </p:nvGrpSpPr>
+      <p:grpSpPr>
+        <a:xfrm>
+          <a:off x="0" y="0"/>
+          <a:ext cx="0" cy="0"/>
+          <a:chOff x="0" y="0"/>
+          <a:chExt cx="0" cy="0"/>
+        </a:xfrm>
+      </p:grpSpPr>
+      <p:sp>
+        <p:nvSpPr>
+          <p:cNvPr id="2" name="タイトル 1"/>
+          <p:cNvSpPr>
+            <a:spLocks noGrp="1"/>
+          </p:cNvSpPr>
+          <p:nvPr>
+            <p:ph type="title"/>
+          </p:nvPr>
+        </p:nvSpPr>
+        <p:spPr>
+          <a:xfrm>
+            <a:off x="839788" y="457200"/>
+            <a:ext cx="5502823" cy="1600200"/>
+          </a:xfrm>
+        </p:spPr>
+        <p:txBody>
+          <a:bodyPr>
+            <a:normAutofit/>
+          </a:bodyPr>
+          <a:lstStyle/>
+          <a:p>
+            <a:r>
+              <a:rPr kumimoji="1" lang="ja-JP" altLang="en-US" sz="4000" b="1" dirty="0" smtClean="0"/>
+              <a:t>ステージ</a:t>
+            </a:r>
+            <a:r>
+              <a:rPr lang="ja-JP" altLang="en-US" sz="4000" b="1" dirty="0"/>
+              <a:t>３</a:t>
+            </a:r>
+            <a:r>
+              <a:rPr kumimoji="1" lang="ja-JP" altLang="en-US" sz="4000" b="1" dirty="0" smtClean="0"/>
+              <a:t>の仕様</a:t>
+            </a:r>
+            <a:endParaRPr kumimoji="1" lang="ja-JP" altLang="en-US" sz="4000" b="1" dirty="0"/>
+          </a:p>
+        </p:txBody>
+      </p:sp>
+      <p:sp>
+        <p:nvSpPr>
+          <p:cNvPr id="4" name="テキスト プレースホルダー 3"/>
+          <p:cNvSpPr>
+            <a:spLocks noGrp="1"/>
+          </p:cNvSpPr>
+          <p:nvPr>
+            <p:ph type="body" sz="half" idx="2"/>
+          </p:nvPr>
+        </p:nvSpPr>
+        <p:spPr>
+          <a:xfrm>
+            <a:off x="839788" y="2057400"/>
+            <a:ext cx="5502823" cy="3811588"/>
+          </a:xfrm>
+        </p:spPr>
+        <p:txBody>
+          <a:bodyPr>
+            <a:normAutofit/>
+          </a:bodyPr>
+          <a:lstStyle/>
+          <a:p>
+            <a:pPr marL="457200" indent="-457200">
+              <a:buFont typeface="+mj-ea"/>
+              <a:buAutoNum type="circleNumDbPlain"/>
+            </a:pPr>
+            <a:r>
+              <a:rPr kumimoji="1" lang="ja-JP" altLang="en-US" sz="2000" dirty="0" smtClean="0"/>
+              <a:t>ステージ３では、全てのアイテムがゲット可能</a:t>
+            </a:r>
+            <a:endParaRPr kumimoji="1" lang="en-US" altLang="ja-JP" sz="2000" dirty="0" smtClean="0"/>
+          </a:p>
+          <a:p>
+            <a:pPr marL="457200" indent="-457200">
+              <a:buFont typeface="+mj-ea"/>
+              <a:buAutoNum type="circleNumDbPlain"/>
+            </a:pPr>
+            <a:r>
+              <a:rPr lang="ja-JP" altLang="en-US" sz="2000" dirty="0"/>
+              <a:t>難易</a:t>
+            </a:r>
+            <a:r>
+              <a:rPr lang="ja-JP" altLang="en-US" sz="2000" dirty="0" smtClean="0"/>
+              <a:t>度は上級者向けです</a:t>
+            </a:r>
+            <a:endParaRPr lang="en-US" altLang="ja-JP" sz="2000" dirty="0" smtClean="0"/>
+          </a:p>
+          <a:p>
+            <a:pPr marL="457200" indent="-457200">
+              <a:buFont typeface="+mj-ea"/>
+              <a:buAutoNum type="circleNumDbPlain"/>
+            </a:pPr>
+            <a:r>
+              <a:rPr lang="ja-JP" altLang="en-US" sz="2000" dirty="0"/>
+              <a:t>全部</a:t>
+            </a:r>
+            <a:r>
+              <a:rPr lang="ja-JP" altLang="en-US" sz="2000" dirty="0" smtClean="0"/>
+              <a:t>の効果</a:t>
+            </a:r>
+            <a:r>
+              <a:rPr lang="en-US" altLang="ja-JP" sz="2000" dirty="0" smtClean="0"/>
+              <a:t>(</a:t>
+            </a:r>
+            <a:r>
+              <a:rPr lang="ja-JP" altLang="en-US" sz="2000" dirty="0" smtClean="0"/>
+              <a:t>ムキムキ、オモオモ、ベタベタ、パタパタ</a:t>
+            </a:r>
+            <a:r>
+              <a:rPr lang="en-US" altLang="ja-JP" sz="2000" dirty="0" smtClean="0"/>
+              <a:t>)</a:t>
+            </a:r>
+            <a:r>
+              <a:rPr lang="ja-JP" altLang="en-US" sz="2000" dirty="0" smtClean="0"/>
+              <a:t>を使用できるようなステージ作りになっています</a:t>
+            </a:r>
+            <a:endParaRPr lang="en-US" altLang="ja-JP" sz="2000" dirty="0" smtClean="0"/>
+          </a:p>
+          <a:p>
+            <a:pPr marL="457200" indent="-457200">
+              <a:buFont typeface="+mj-ea"/>
+              <a:buAutoNum type="circleNumDbPlain"/>
+            </a:pPr>
+            <a:r>
+              <a:rPr lang="ja-JP" altLang="en-US" sz="2000" dirty="0"/>
+              <a:t>パタパタアイテムが</a:t>
+            </a:r>
+            <a:r>
+              <a:rPr lang="ja-JP" altLang="en-US" sz="2000" dirty="0" smtClean="0"/>
+              <a:t>追加</a:t>
+            </a:r>
+            <a:r>
+              <a:rPr lang="en-US" altLang="ja-JP" sz="2000" dirty="0" smtClean="0"/>
+              <a:t>(</a:t>
+            </a:r>
+            <a:r>
+              <a:rPr lang="ja-JP" altLang="en-US" sz="2000" dirty="0" smtClean="0"/>
+              <a:t>　</a:t>
+            </a:r>
+            <a:r>
+              <a:rPr lang="en-US" altLang="ja-JP" sz="2000" dirty="0" smtClean="0"/>
+              <a:t>)</a:t>
+            </a:r>
+          </a:p>
+        </p:txBody>
+      </p:sp>
+      <p:pic>
+        <p:nvPicPr>
+          <p:cNvPr id="9" name="図 8"/>
+          <p:cNvPicPr>
+            <a:picLocks noChangeAspect="1"/>
+          </p:cNvPicPr>
+          <p:nvPr/>
+        </p:nvPicPr>
+        <p:blipFill>
+          <a:blip r:embed="rId2" cstate="print">
+            <a:extLst>
+              <a:ext uri="{28A0092B-C50C-407E-A947-70E740481C1C}">
+                <a14:useLocalDpi xmlns:a14="http://schemas.microsoft.com/office/drawing/2010/main" val="0"/>
+              </a:ext>
+            </a:extLst>
+          </a:blip>
+          <a:stretch>
+            <a:fillRect/>
+          </a:stretch>
+        </p:blipFill>
+        <p:spPr>
+          <a:xfrm>
+            <a:off x="6929608" y="174566"/>
+            <a:ext cx="3722023" cy="6616931"/>
+          </a:xfrm>
+          <a:prstGeom prst="rect">
+            <a:avLst/>
+          </a:prstGeom>
+          <a:ln w="12700">
+            <a:solidFill>
+              <a:schemeClr val="tx1"/>
+            </a:solidFill>
+          </a:ln>
+        </p:spPr>
+      </p:pic>
+      <p:sp>
+        <p:nvSpPr>
+          <p:cNvPr id="10" name="楕円 9"/>
+          <p:cNvSpPr/>
+          <p:nvPr/>
+        </p:nvSpPr>
+        <p:spPr>
+          <a:xfrm>
+            <a:off x="7248698" y="249382"/>
+            <a:ext cx="324196" cy="299258"/>
+          </a:xfrm>
+          <a:prstGeom prst="ellipse">
+            <a:avLst/>
+          </a:prstGeom>
+          <a:solidFill>
+            <a:schemeClr val="bg1"/>
+          </a:solidFill>
+          <a:ln>
+            <a:solidFill>
+              <a:schemeClr val="tx1"/>
+            </a:solidFill>
+          </a:ln>
+        </p:spPr>
+        <p:style>
+          <a:lnRef idx="2">
+            <a:schemeClr val="accent1">
+              <a:shade val="50000"/>
+            </a:schemeClr>
+          </a:lnRef>
+          <a:fillRef idx="1">
+            <a:schemeClr val="accent1"/>
+          </a:fillRef>
+          <a:effectRef idx="0">
+            <a:schemeClr val="accent1"/>
+          </a:effectRef>
+          <a:fontRef idx="minor">
+            <a:schemeClr val="lt1"/>
+          </a:fontRef>
+        </p:style>
+        <p:txBody>
+          <a:bodyPr rtlCol="0" anchor="ctr"/>
+          <a:lstStyle/>
+          <a:p>
+            <a:pPr algn="ctr"/>
+            <a:r>
+              <a:rPr lang="en-US" altLang="ja-JP" dirty="0" smtClean="0">
+                <a:ln w="0"/>
+                <a:solidFill>
+                  <a:schemeClr val="tx1"/>
+                </a:solidFill>
+                <a:effectLst>
+                  <a:outerShdw blurRad="38100" dist="19050" dir="2700000" algn="tl" rotWithShape="0">
+                    <a:schemeClr val="dk1">
+                      <a:alpha val="40000"/>
+                    </a:schemeClr>
+                  </a:outerShdw>
+                </a:effectLst>
+              </a:rPr>
+              <a:t>1</a:t>
+            </a:r>
+            <a:endParaRPr kumimoji="1" lang="ja-JP" altLang="en-US" dirty="0"/>
+          </a:p>
+        </p:txBody>
+      </p:sp>
+      <p:sp>
+        <p:nvSpPr>
+          <p:cNvPr id="6" name="楕円 5"/>
+          <p:cNvSpPr/>
+          <p:nvPr/>
+        </p:nvSpPr>
+        <p:spPr>
+          <a:xfrm>
+            <a:off x="7002087" y="709353"/>
+            <a:ext cx="324196" cy="299258"/>
+          </a:xfrm>
+          <a:prstGeom prst="ellipse">
+            <a:avLst/>
+          </a:prstGeom>
+          <a:solidFill>
+            <a:schemeClr val="bg1"/>
+          </a:solidFill>
+          <a:ln>
+            <a:solidFill>
+              <a:schemeClr val="tx1"/>
+            </a:solidFill>
+          </a:ln>
+        </p:spPr>
+        <p:style>
+          <a:lnRef idx="2">
+            <a:schemeClr val="accent1">
+              <a:shade val="50000"/>
+            </a:schemeClr>
+          </a:lnRef>
+          <a:fillRef idx="1">
+            <a:schemeClr val="accent1"/>
+          </a:fillRef>
+          <a:effectRef idx="0">
+            <a:schemeClr val="accent1"/>
+          </a:effectRef>
+          <a:fontRef idx="minor">
+            <a:schemeClr val="lt1"/>
+          </a:fontRef>
+        </p:style>
+        <p:txBody>
+          <a:bodyPr rtlCol="0" anchor="ctr"/>
+          <a:lstStyle/>
+          <a:p>
+            <a:pPr algn="ctr"/>
+            <a:r>
+              <a:rPr lang="en-US" altLang="ja-JP" dirty="0">
+                <a:ln w="0"/>
+                <a:solidFill>
+                  <a:schemeClr val="tx1"/>
+                </a:solidFill>
+                <a:effectLst>
+                  <a:outerShdw blurRad="38100" dist="19050" dir="2700000" algn="tl" rotWithShape="0">
+                    <a:schemeClr val="dk1">
+                      <a:alpha val="40000"/>
+                    </a:schemeClr>
+                  </a:outerShdw>
+                </a:effectLst>
+              </a:rPr>
+              <a:t>2</a:t>
+            </a:r>
+            <a:endParaRPr kumimoji="1" lang="ja-JP" altLang="en-US" dirty="0"/>
+          </a:p>
+        </p:txBody>
+      </p:sp>
+      <p:sp>
+        <p:nvSpPr>
+          <p:cNvPr id="7" name="楕円 6"/>
+          <p:cNvSpPr/>
+          <p:nvPr/>
+        </p:nvSpPr>
+        <p:spPr>
+          <a:xfrm>
+            <a:off x="7002087" y="5987935"/>
+            <a:ext cx="324196" cy="299258"/>
+          </a:xfrm>
+          <a:prstGeom prst="ellipse">
+            <a:avLst/>
+          </a:prstGeom>
+          <a:solidFill>
+            <a:schemeClr val="bg1"/>
+          </a:solidFill>
+          <a:ln>
+            <a:solidFill>
+              <a:schemeClr val="tx1"/>
+            </a:solidFill>
+          </a:ln>
+        </p:spPr>
+        <p:style>
+          <a:lnRef idx="2">
+            <a:schemeClr val="accent1">
+              <a:shade val="50000"/>
+            </a:schemeClr>
+          </a:lnRef>
+          <a:fillRef idx="1">
+            <a:schemeClr val="accent1"/>
+          </a:fillRef>
+          <a:effectRef idx="0">
+            <a:schemeClr val="accent1"/>
+          </a:effectRef>
+          <a:fontRef idx="minor">
+            <a:schemeClr val="lt1"/>
+          </a:fontRef>
+        </p:style>
+        <p:txBody>
+          <a:bodyPr rtlCol="0" anchor="ctr"/>
+          <a:lstStyle/>
+          <a:p>
+            <a:pPr algn="ctr"/>
+            <a:r>
+              <a:rPr lang="en-US" altLang="ja-JP" dirty="0">
+                <a:ln w="0"/>
+                <a:solidFill>
+                  <a:schemeClr val="tx1"/>
+                </a:solidFill>
+                <a:effectLst>
+                  <a:outerShdw blurRad="38100" dist="19050" dir="2700000" algn="tl" rotWithShape="0">
+                    <a:schemeClr val="dk1">
+                      <a:alpha val="40000"/>
+                    </a:schemeClr>
+                  </a:outerShdw>
+                </a:effectLst>
+              </a:rPr>
+              <a:t>3</a:t>
+            </a:r>
+            <a:endParaRPr kumimoji="1" lang="ja-JP" altLang="en-US" dirty="0"/>
+          </a:p>
+        </p:txBody>
+      </p:sp>
+      <p:pic>
+        <p:nvPicPr>
+          <p:cNvPr id="5" name="図 4"/>
+          <p:cNvPicPr>
+            <a:picLocks noChangeAspect="1"/>
+          </p:cNvPicPr>
+          <p:nvPr/>
+        </p:nvPicPr>
+        <p:blipFill>
+          <a:blip r:embed="rId3" cstate="print">
+            <a:extLst>
+              <a:ext uri="{28A0092B-C50C-407E-A947-70E740481C1C}">
+                <a14:useLocalDpi xmlns:a14="http://schemas.microsoft.com/office/drawing/2010/main" val="0"/>
+              </a:ext>
+            </a:extLst>
+          </a:blip>
+          <a:stretch>
+            <a:fillRect/>
+          </a:stretch>
+        </p:blipFill>
+        <p:spPr>
+          <a:xfrm>
+            <a:off x="6929607" y="174566"/>
+            <a:ext cx="3722023" cy="6616931"/>
+          </a:xfrm>
+          <a:prstGeom prst="rect">
+            <a:avLst/>
+          </a:prstGeom>
+        </p:spPr>
+      </p:pic>
+      <p:pic>
+        <p:nvPicPr>
+          <p:cNvPr id="11" name="図 10"/>
+          <p:cNvPicPr>
+            <a:picLocks noChangeAspect="1"/>
+          </p:cNvPicPr>
+          <p:nvPr/>
+        </p:nvPicPr>
+        <p:blipFill>
+          <a:blip r:embed="rId4" cstate="print">
+            <a:extLst>
+              <a:ext uri="{28A0092B-C50C-407E-A947-70E740481C1C}">
+                <a14:useLocalDpi xmlns:a14="http://schemas.microsoft.com/office/drawing/2010/main" val="0"/>
+              </a:ext>
+            </a:extLst>
+          </a:blip>
+          <a:stretch>
+            <a:fillRect/>
+          </a:stretch>
+        </p:blipFill>
+        <p:spPr>
+          <a:xfrm>
+            <a:off x="6929607" y="174566"/>
+            <a:ext cx="3722024" cy="6616932"/>
+          </a:xfrm>
+          <a:prstGeom prst="rect">
+            <a:avLst/>
+          </a:prstGeom>
+        </p:spPr>
+      </p:pic>
+      <p:pic>
+        <p:nvPicPr>
+          <p:cNvPr id="8" name="図 7"/>
+          <p:cNvPicPr>
+            <a:picLocks noChangeAspect="1"/>
+          </p:cNvPicPr>
+          <p:nvPr/>
+        </p:nvPicPr>
+        <p:blipFill>
+          <a:blip r:embed="rId5" cstate="print">
+            <a:extLst>
+              <a:ext uri="{28A0092B-C50C-407E-A947-70E740481C1C}">
+                <a14:useLocalDpi xmlns:a14="http://schemas.microsoft.com/office/drawing/2010/main" val="0"/>
+              </a:ext>
+            </a:extLst>
+          </a:blip>
+          <a:stretch>
+            <a:fillRect/>
+          </a:stretch>
+        </p:blipFill>
+        <p:spPr>
+          <a:xfrm>
+            <a:off x="6929606" y="174565"/>
+            <a:ext cx="3730206" cy="6631478"/>
+          </a:xfrm>
+          <a:prstGeom prst="rect">
+            <a:avLst/>
+          </a:prstGeom>
+        </p:spPr>
+      </p:pic>
+      <p:sp>
+        <p:nvSpPr>
+          <p:cNvPr id="12" name="フローチャート: 結合子 11"/>
+          <p:cNvSpPr/>
+          <p:nvPr/>
+        </p:nvSpPr>
+        <p:spPr>
+          <a:xfrm>
+            <a:off x="4295775" y="4124325"/>
+            <a:ext cx="219075" cy="200025"/>
+          </a:xfrm>
+          <a:prstGeom prst="flowChartConnector">
+            <a:avLst/>
+          </a:prstGeom>
+        </p:spPr>
+        <p:style>
+          <a:lnRef idx="2">
+            <a:schemeClr val="accent1">
+              <a:shade val="50000"/>
+            </a:schemeClr>
+          </a:lnRef>
+          <a:fillRef idx="1">
+            <a:schemeClr val="accent1"/>
+          </a:fillRef>
+          <a:effectRef idx="0">
+            <a:schemeClr val="accent1"/>
+          </a:effectRef>
+          <a:fontRef idx="minor">
+            <a:schemeClr val="lt1"/>
+          </a:fontRef>
+        </p:style>
+        <p:txBody>
+          <a:bodyPr rtlCol="0" anchor="ctr"/>
+          <a:lstStyle/>
+          <a:p>
+            <a:pPr algn="ctr"/>
+            <a:endParaRPr kumimoji="1" lang="ja-JP" altLang="en-US"/>
+          </a:p>
+        </p:txBody>
+      </p:sp>
+    </p:spTree>
+    <p:extLst>
+      <p:ext uri="{BB962C8B-B14F-4D97-AF65-F5344CB8AC3E}">
+        <p14:creationId xmlns:p14="http://schemas.microsoft.com/office/powerpoint/2010/main" val="2175210252"/>
       </p:ext>
     </p:extLst>
   </p:cSld>
@@ -6021,11 +6997,7 @@
             </a:pPr>
             <a:r>
               <a:rPr kumimoji="1" lang="ja-JP" altLang="en-US" sz="2000" dirty="0" smtClean="0"/>
-              <a:t>アクションステージ</a:t>
-            </a:r>
-            <a:r>
-              <a:rPr kumimoji="1" lang="ja-JP" altLang="en-US" sz="2000" dirty="0" smtClean="0"/>
-              <a:t>選択の表示（ボタン）</a:t>
+              <a:t>アクションステージ選択の表示（ボタン）</a:t>
             </a:r>
             <a:r>
               <a:rPr lang="ja-JP" altLang="en-US" sz="2000" dirty="0"/>
@@ -6033,11 +7005,7 @@
             </a:r>
             <a:r>
               <a:rPr lang="ja-JP" altLang="en-US" sz="2000" dirty="0" smtClean="0"/>
-              <a:t>（シーン内でステージ選択画面を表示</a:t>
-            </a:r>
-            <a:r>
-              <a:rPr lang="ja-JP" altLang="en-US" sz="2000" dirty="0" smtClean="0"/>
-              <a:t>）</a:t>
+              <a:t>（シーン内でステージ選択画面を表示）</a:t>
             </a:r>
             <a:endParaRPr lang="en-US" altLang="ja-JP" sz="2000" dirty="0"/>
           </a:p>
@@ -6048,15 +7016,7 @@
             </a:pPr>
             <a:r>
               <a:rPr lang="ja-JP" altLang="en-US" sz="2000" dirty="0" smtClean="0"/>
-              <a:t>育成</a:t>
-            </a:r>
-            <a:r>
-              <a:rPr lang="ja-JP" altLang="en-US" sz="2000" dirty="0" smtClean="0"/>
-              <a:t>シーンへの移動（ボタン</a:t>
-            </a:r>
-            <a:r>
-              <a:rPr lang="ja-JP" altLang="en-US" sz="2000" dirty="0" smtClean="0"/>
-              <a:t>）</a:t>
+              <a:t>育成シーンへの移動（ボタン）</a:t>
             </a:r>
             <a:endParaRPr lang="en-US" altLang="ja-JP" sz="2000" dirty="0"/>
           </a:p>
@@ -6067,15 +7027,7 @@
             </a:pPr>
             <a:r>
               <a:rPr kumimoji="1" lang="ja-JP" altLang="en-US" sz="2000" dirty="0" smtClean="0"/>
-              <a:t>アルバムシーン</a:t>
-            </a:r>
-            <a:r>
-              <a:rPr kumimoji="1" lang="ja-JP" altLang="en-US" sz="2000" dirty="0" smtClean="0"/>
-              <a:t>への移動（ボタン</a:t>
-            </a:r>
-            <a:r>
-              <a:rPr kumimoji="1" lang="ja-JP" altLang="en-US" sz="2000" dirty="0" smtClean="0"/>
-              <a:t>）</a:t>
+              <a:t>アルバムシーンへの移動（ボタン）</a:t>
             </a:r>
             <a:endParaRPr lang="en-US" altLang="ja-JP" sz="2000" dirty="0"/>
           </a:p>
@@ -6086,11 +7038,7 @@
             </a:pPr>
             <a:r>
               <a:rPr kumimoji="1" lang="ja-JP" altLang="en-US" sz="2000" dirty="0" smtClean="0"/>
-              <a:t>設定</a:t>
-            </a:r>
-            <a:r>
-              <a:rPr kumimoji="1" lang="ja-JP" altLang="en-US" sz="2000" dirty="0" smtClean="0"/>
-              <a:t>画面の表示</a:t>
+              <a:t>設定画面の表示</a:t>
             </a:r>
             <a:r>
               <a:rPr kumimoji="1" lang="en-US" altLang="ja-JP" sz="2000" dirty="0" smtClean="0"/>
@@ -7800,11 +8748,7 @@
             </a:pPr>
             <a:r>
               <a:rPr kumimoji="1" lang="ja-JP" altLang="en-US" sz="2000" dirty="0" smtClean="0"/>
-              <a:t>ポーズ</a:t>
-            </a:r>
-            <a:r>
-              <a:rPr kumimoji="1" lang="ja-JP" altLang="en-US" sz="2000" dirty="0" smtClean="0"/>
-              <a:t>の</a:t>
+              <a:t>ポーズの</a:t>
             </a:r>
             <a:r>
               <a:rPr kumimoji="1" lang="en-US" altLang="ja-JP" sz="2000" dirty="0" smtClean="0"/>

--- a/Etc/仕様書/siyousho.pptx
+++ b/Etc/仕様書/siyousho.pptx
@@ -256,7 +256,7 @@
           <a:p>
             <a:fld id="{ABC0C50C-D3D9-4406-9172-E3E35DFBA9D5}" type="datetimeFigureOut">
               <a:rPr kumimoji="1" lang="ja-JP" altLang="en-US" smtClean="0"/>
-              <a:t>2023/7/19</a:t>
+              <a:t>2023/7/20</a:t>
             </a:fld>
             <a:endParaRPr kumimoji="1" lang="ja-JP" altLang="en-US"/>
           </a:p>
@@ -458,7 +458,7 @@
           <a:p>
             <a:fld id="{ABC0C50C-D3D9-4406-9172-E3E35DFBA9D5}" type="datetimeFigureOut">
               <a:rPr kumimoji="1" lang="ja-JP" altLang="en-US" smtClean="0"/>
-              <a:t>2023/7/19</a:t>
+              <a:t>2023/7/20</a:t>
             </a:fld>
             <a:endParaRPr kumimoji="1" lang="ja-JP" altLang="en-US"/>
           </a:p>
@@ -670,7 +670,7 @@
           <a:p>
             <a:fld id="{ABC0C50C-D3D9-4406-9172-E3E35DFBA9D5}" type="datetimeFigureOut">
               <a:rPr kumimoji="1" lang="ja-JP" altLang="en-US" smtClean="0"/>
-              <a:t>2023/7/19</a:t>
+              <a:t>2023/7/20</a:t>
             </a:fld>
             <a:endParaRPr kumimoji="1" lang="ja-JP" altLang="en-US"/>
           </a:p>
@@ -872,7 +872,7 @@
           <a:p>
             <a:fld id="{ABC0C50C-D3D9-4406-9172-E3E35DFBA9D5}" type="datetimeFigureOut">
               <a:rPr kumimoji="1" lang="ja-JP" altLang="en-US" smtClean="0"/>
-              <a:t>2023/7/19</a:t>
+              <a:t>2023/7/20</a:t>
             </a:fld>
             <a:endParaRPr kumimoji="1" lang="ja-JP" altLang="en-US"/>
           </a:p>
@@ -1118,7 +1118,7 @@
           <a:p>
             <a:fld id="{ABC0C50C-D3D9-4406-9172-E3E35DFBA9D5}" type="datetimeFigureOut">
               <a:rPr kumimoji="1" lang="ja-JP" altLang="en-US" smtClean="0"/>
-              <a:t>2023/7/19</a:t>
+              <a:t>2023/7/20</a:t>
             </a:fld>
             <a:endParaRPr kumimoji="1" lang="ja-JP" altLang="en-US"/>
           </a:p>
@@ -1414,7 +1414,7 @@
           <a:p>
             <a:fld id="{ABC0C50C-D3D9-4406-9172-E3E35DFBA9D5}" type="datetimeFigureOut">
               <a:rPr kumimoji="1" lang="ja-JP" altLang="en-US" smtClean="0"/>
-              <a:t>2023/7/19</a:t>
+              <a:t>2023/7/20</a:t>
             </a:fld>
             <a:endParaRPr kumimoji="1" lang="ja-JP" altLang="en-US"/>
           </a:p>
@@ -1845,7 +1845,7 @@
           <a:p>
             <a:fld id="{ABC0C50C-D3D9-4406-9172-E3E35DFBA9D5}" type="datetimeFigureOut">
               <a:rPr kumimoji="1" lang="ja-JP" altLang="en-US" smtClean="0"/>
-              <a:t>2023/7/19</a:t>
+              <a:t>2023/7/20</a:t>
             </a:fld>
             <a:endParaRPr kumimoji="1" lang="ja-JP" altLang="en-US"/>
           </a:p>
@@ -1963,7 +1963,7 @@
           <a:p>
             <a:fld id="{ABC0C50C-D3D9-4406-9172-E3E35DFBA9D5}" type="datetimeFigureOut">
               <a:rPr kumimoji="1" lang="ja-JP" altLang="en-US" smtClean="0"/>
-              <a:t>2023/7/19</a:t>
+              <a:t>2023/7/20</a:t>
             </a:fld>
             <a:endParaRPr kumimoji="1" lang="ja-JP" altLang="en-US"/>
           </a:p>
@@ -2058,7 +2058,7 @@
           <a:p>
             <a:fld id="{ABC0C50C-D3D9-4406-9172-E3E35DFBA9D5}" type="datetimeFigureOut">
               <a:rPr kumimoji="1" lang="ja-JP" altLang="en-US" smtClean="0"/>
-              <a:t>2023/7/19</a:t>
+              <a:t>2023/7/20</a:t>
             </a:fld>
             <a:endParaRPr kumimoji="1" lang="ja-JP" altLang="en-US"/>
           </a:p>
@@ -2367,7 +2367,7 @@
           <a:p>
             <a:fld id="{ABC0C50C-D3D9-4406-9172-E3E35DFBA9D5}" type="datetimeFigureOut">
               <a:rPr kumimoji="1" lang="ja-JP" altLang="en-US" smtClean="0"/>
-              <a:t>2023/7/19</a:t>
+              <a:t>2023/7/20</a:t>
             </a:fld>
             <a:endParaRPr kumimoji="1" lang="ja-JP" altLang="en-US"/>
           </a:p>
@@ -2620,7 +2620,7 @@
           <a:p>
             <a:fld id="{ABC0C50C-D3D9-4406-9172-E3E35DFBA9D5}" type="datetimeFigureOut">
               <a:rPr kumimoji="1" lang="ja-JP" altLang="en-US" smtClean="0"/>
-              <a:t>2023/7/19</a:t>
+              <a:t>2023/7/20</a:t>
             </a:fld>
             <a:endParaRPr kumimoji="1" lang="ja-JP" altLang="en-US"/>
           </a:p>
@@ -2865,7 +2865,7 @@
           <a:p>
             <a:fld id="{ABC0C50C-D3D9-4406-9172-E3E35DFBA9D5}" type="datetimeFigureOut">
               <a:rPr kumimoji="1" lang="ja-JP" altLang="en-US" smtClean="0"/>
-              <a:t>2023/7/19</a:t>
+              <a:t>2023/7/20</a:t>
             </a:fld>
             <a:endParaRPr kumimoji="1" lang="ja-JP" altLang="en-US"/>
           </a:p>
@@ -5515,14 +5515,18 @@
               <a:buAutoNum type="circleNumDbPlain"/>
             </a:pPr>
             <a:r>
-              <a:rPr kumimoji="1" lang="ja-JP" altLang="en-US" sz="2000" dirty="0"/>
-              <a:t>ベタベタで</a:t>
-            </a:r>
-            <a:r>
               <a:rPr kumimoji="1" lang="ja-JP" altLang="en-US" sz="2000" dirty="0" smtClean="0"/>
-              <a:t>はスムーズに進めるが、ベタベタ以外ではスムーズに進めない仕様</a:t>
-            </a:r>
-            <a:endParaRPr kumimoji="1" lang="en-US" altLang="ja-JP" sz="2000" dirty="0" smtClean="0"/>
+              <a:t>ベタベタ</a:t>
+            </a:r>
+            <a:r>
+              <a:rPr lang="ja-JP" altLang="en-US" sz="2000" dirty="0"/>
+              <a:t>だ</a:t>
+            </a:r>
+            <a:r>
+              <a:rPr lang="ja-JP" altLang="en-US" sz="2000" dirty="0" smtClean="0"/>
+              <a:t>と取れるアイテムがある</a:t>
+            </a:r>
+            <a:endParaRPr lang="en-US" altLang="ja-JP" sz="2000" dirty="0"/>
           </a:p>
           <a:p>
             <a:pPr marL="457200" indent="-457200">
@@ -5531,7 +5535,11 @@
             </a:pPr>
             <a:r>
               <a:rPr lang="ja-JP" altLang="en-US" sz="2000" dirty="0" smtClean="0"/>
-              <a:t>ベタベタアイテムが追加</a:t>
+              <a:t>ベタベタアイテム</a:t>
+            </a:r>
+            <a:r>
+              <a:rPr lang="ja-JP" altLang="en-US" sz="2000" dirty="0" smtClean="0"/>
+              <a:t>が追加</a:t>
             </a:r>
             <a:r>
               <a:rPr lang="en-US" altLang="ja-JP" sz="2000" dirty="0" smtClean="0"/>
@@ -5784,12 +5792,15 @@
         </p:nvSpPr>
         <p:spPr>
           <a:xfrm>
-            <a:off x="4288717" y="3433156"/>
+            <a:off x="4280404" y="3175461"/>
             <a:ext cx="249382" cy="224444"/>
           </a:xfrm>
           <a:prstGeom prst="flowChartConnector">
             <a:avLst/>
           </a:prstGeom>
+          <a:solidFill>
+            <a:srgbClr val="12EE37"/>
+          </a:solidFill>
         </p:spPr>
         <p:style>
           <a:lnRef idx="2">
@@ -6381,6 +6392,9 @@
           <a:prstGeom prst="flowChartConnector">
             <a:avLst/>
           </a:prstGeom>
+          <a:solidFill>
+            <a:srgbClr val="00B0F0"/>
+          </a:solidFill>
         </p:spPr>
         <p:style>
           <a:lnRef idx="2">
